--- a/docs/C Sharp Programming Language - Fundaments.pptx
+++ b/docs/C Sharp Programming Language - Fundaments.pptx
@@ -23,8 +23,8 @@
     <p:sldId id="269" r:id="rId17"/>
     <p:sldId id="281" r:id="rId18"/>
     <p:sldId id="280" r:id="rId19"/>
-    <p:sldId id="273" r:id="rId20"/>
-    <p:sldId id="274" r:id="rId21"/>
+    <p:sldId id="274" r:id="rId20"/>
+    <p:sldId id="273" r:id="rId21"/>
     <p:sldId id="275" r:id="rId22"/>
     <p:sldId id="277" r:id="rId23"/>
     <p:sldId id="279" r:id="rId24"/>
@@ -10374,7 +10374,7 @@
           <a:p>
             <a:fld id="{5E3FAA4F-2C21-4120-BEE3-E8676BE3D930}" type="datetimeFigureOut">
               <a:rPr lang="en-IN" smtClean="0"/>
-              <a:t>27-03-2024</a:t>
+              <a:t>01-04-2024</a:t>
             </a:fld>
             <a:endParaRPr lang="en-IN" dirty="0"/>
           </a:p>
@@ -10574,7 +10574,7 @@
           <a:p>
             <a:fld id="{5E3FAA4F-2C21-4120-BEE3-E8676BE3D930}" type="datetimeFigureOut">
               <a:rPr lang="en-IN" smtClean="0"/>
-              <a:t>27-03-2024</a:t>
+              <a:t>01-04-2024</a:t>
             </a:fld>
             <a:endParaRPr lang="en-IN" dirty="0"/>
           </a:p>
@@ -10784,7 +10784,7 @@
           <a:p>
             <a:fld id="{5E3FAA4F-2C21-4120-BEE3-E8676BE3D930}" type="datetimeFigureOut">
               <a:rPr lang="en-IN" smtClean="0"/>
-              <a:t>27-03-2024</a:t>
+              <a:t>01-04-2024</a:t>
             </a:fld>
             <a:endParaRPr lang="en-IN" dirty="0"/>
           </a:p>
@@ -10984,7 +10984,7 @@
           <a:p>
             <a:fld id="{5E3FAA4F-2C21-4120-BEE3-E8676BE3D930}" type="datetimeFigureOut">
               <a:rPr lang="en-IN" smtClean="0"/>
-              <a:t>27-03-2024</a:t>
+              <a:t>01-04-2024</a:t>
             </a:fld>
             <a:endParaRPr lang="en-IN" dirty="0"/>
           </a:p>
@@ -11260,7 +11260,7 @@
           <a:p>
             <a:fld id="{5E3FAA4F-2C21-4120-BEE3-E8676BE3D930}" type="datetimeFigureOut">
               <a:rPr lang="en-IN" smtClean="0"/>
-              <a:t>27-03-2024</a:t>
+              <a:t>01-04-2024</a:t>
             </a:fld>
             <a:endParaRPr lang="en-IN" dirty="0"/>
           </a:p>
@@ -11528,7 +11528,7 @@
           <a:p>
             <a:fld id="{5E3FAA4F-2C21-4120-BEE3-E8676BE3D930}" type="datetimeFigureOut">
               <a:rPr lang="en-IN" smtClean="0"/>
-              <a:t>27-03-2024</a:t>
+              <a:t>01-04-2024</a:t>
             </a:fld>
             <a:endParaRPr lang="en-IN" dirty="0"/>
           </a:p>
@@ -11943,7 +11943,7 @@
           <a:p>
             <a:fld id="{5E3FAA4F-2C21-4120-BEE3-E8676BE3D930}" type="datetimeFigureOut">
               <a:rPr lang="en-IN" smtClean="0"/>
-              <a:t>27-03-2024</a:t>
+              <a:t>01-04-2024</a:t>
             </a:fld>
             <a:endParaRPr lang="en-IN" dirty="0"/>
           </a:p>
@@ -12085,7 +12085,7 @@
           <a:p>
             <a:fld id="{5E3FAA4F-2C21-4120-BEE3-E8676BE3D930}" type="datetimeFigureOut">
               <a:rPr lang="en-IN" smtClean="0"/>
-              <a:t>27-03-2024</a:t>
+              <a:t>01-04-2024</a:t>
             </a:fld>
             <a:endParaRPr lang="en-IN" dirty="0"/>
           </a:p>
@@ -12198,7 +12198,7 @@
           <a:p>
             <a:fld id="{5E3FAA4F-2C21-4120-BEE3-E8676BE3D930}" type="datetimeFigureOut">
               <a:rPr lang="en-IN" smtClean="0"/>
-              <a:t>27-03-2024</a:t>
+              <a:t>01-04-2024</a:t>
             </a:fld>
             <a:endParaRPr lang="en-IN" dirty="0"/>
           </a:p>
@@ -12511,7 +12511,7 @@
           <a:p>
             <a:fld id="{5E3FAA4F-2C21-4120-BEE3-E8676BE3D930}" type="datetimeFigureOut">
               <a:rPr lang="en-IN" smtClean="0"/>
-              <a:t>27-03-2024</a:t>
+              <a:t>01-04-2024</a:t>
             </a:fld>
             <a:endParaRPr lang="en-IN" dirty="0"/>
           </a:p>
@@ -12800,7 +12800,7 @@
           <a:p>
             <a:fld id="{5E3FAA4F-2C21-4120-BEE3-E8676BE3D930}" type="datetimeFigureOut">
               <a:rPr lang="en-IN" smtClean="0"/>
-              <a:t>27-03-2024</a:t>
+              <a:t>01-04-2024</a:t>
             </a:fld>
             <a:endParaRPr lang="en-IN" dirty="0"/>
           </a:p>
@@ -13043,7 +13043,7 @@
           <a:p>
             <a:fld id="{5E3FAA4F-2C21-4120-BEE3-E8676BE3D930}" type="datetimeFigureOut">
               <a:rPr lang="en-IN" smtClean="0"/>
-              <a:t>27-03-2024</a:t>
+              <a:t>01-04-2024</a:t>
             </a:fld>
             <a:endParaRPr lang="en-IN" dirty="0"/>
           </a:p>
@@ -21656,7 +21656,7 @@
                   <a:schemeClr val="bg1"/>
                 </a:solidFill>
               </a:rPr>
-              <a:t>Integer</a:t>
+              <a:t>integer</a:t>
             </a:r>
           </a:p>
           <a:p>
@@ -21783,13 +21783,18 @@
               <a:buChar char="•"/>
             </a:pPr>
             <a:r>
-              <a:rPr lang="en-IN" b="1" dirty="0">
+              <a:rPr lang="en-IN" b="1" dirty="0" err="1">
                 <a:solidFill>
                   <a:schemeClr val="bg1"/>
                 </a:solidFill>
               </a:rPr>
-              <a:t>Enum</a:t>
+              <a:t>enum</a:t>
             </a:r>
+            <a:endParaRPr lang="en-IN" b="1" dirty="0">
+              <a:solidFill>
+                <a:schemeClr val="bg1"/>
+              </a:solidFill>
+            </a:endParaRPr>
           </a:p>
           <a:p>
             <a:pPr marL="285750" indent="-285750">
@@ -21802,7 +21807,7 @@
                   <a:schemeClr val="bg1"/>
                 </a:solidFill>
               </a:rPr>
-              <a:t>Struct</a:t>
+              <a:t>struct</a:t>
             </a:r>
           </a:p>
         </p:txBody>
@@ -21874,7 +21879,7 @@
                   <a:srgbClr val="512BD4"/>
                 </a:highlight>
               </a:rPr>
-              <a:t>String</a:t>
+              <a:t>string</a:t>
             </a:r>
           </a:p>
           <a:p>
@@ -21980,7 +21985,7 @@
                   <a:srgbClr val="512BD4"/>
                 </a:highlight>
               </a:rPr>
-              <a:t>Interface</a:t>
+              <a:t>interface</a:t>
             </a:r>
           </a:p>
           <a:p>
@@ -24290,6 +24295,61 @@
       </p:grpSpPr>
       <p:sp>
         <p:nvSpPr>
+          <p:cNvPr id="75" name="Rectangle 74">
+            <a:extLst>
+              <a:ext uri="{FF2B5EF4-FFF2-40B4-BE49-F238E27FC236}">
+                <a16:creationId xmlns:a16="http://schemas.microsoft.com/office/drawing/2014/main" id="{D5ACCF81-B6E6-15C3-2CB1-D9720915D496}"/>
+              </a:ext>
+            </a:extLst>
+          </p:cNvPr>
+          <p:cNvSpPr/>
+          <p:nvPr/>
+        </p:nvSpPr>
+        <p:spPr>
+          <a:xfrm>
+            <a:off x="5331428" y="2379746"/>
+            <a:ext cx="6667440" cy="3171826"/>
+          </a:xfrm>
+          <a:prstGeom prst="rect">
+            <a:avLst/>
+          </a:prstGeom>
+        </p:spPr>
+        <p:style>
+          <a:lnRef idx="2">
+            <a:schemeClr val="accent1"/>
+          </a:lnRef>
+          <a:fillRef idx="1">
+            <a:schemeClr val="lt1"/>
+          </a:fillRef>
+          <a:effectRef idx="0">
+            <a:schemeClr val="accent1"/>
+          </a:effectRef>
+          <a:fontRef idx="minor">
+            <a:schemeClr val="dk1"/>
+          </a:fontRef>
+        </p:style>
+        <p:txBody>
+          <a:bodyPr rtlCol="0" anchor="t"/>
+          <a:lstStyle/>
+          <a:p>
+            <a:pPr algn="ctr"/>
+            <a:r>
+              <a:rPr lang="en-IN" sz="2000" b="1" dirty="0">
+                <a:solidFill>
+                  <a:srgbClr val="512BD4"/>
+                </a:solidFill>
+              </a:rPr>
+              <a:t>Dataset</a:t>
+            </a:r>
+          </a:p>
+          <a:p>
+            <a:pPr algn="ctr"/>
+            <a:endParaRPr lang="en-IN" dirty="0"/>
+          </a:p>
+        </p:txBody>
+      </p:sp>
+      <p:sp>
+        <p:nvSpPr>
           <p:cNvPr id="2" name="Title 1">
             <a:extLst>
               <a:ext uri="{FF2B5EF4-FFF2-40B4-BE49-F238E27FC236}">
@@ -24323,7 +24383,7 @@
                 </a:solidFill>
                 <a:latin typeface="+mn-lt"/>
               </a:rPr>
-              <a:t>ADO.NET – Components</a:t>
+              <a:t>ADO.NET Architecture</a:t>
             </a:r>
           </a:p>
         </p:txBody>
@@ -24342,8 +24402,8 @@
         </p:nvSpPr>
         <p:spPr>
           <a:xfrm>
-            <a:off x="77383" y="1013518"/>
-            <a:ext cx="4700587" cy="3858520"/>
+            <a:off x="80951" y="1889437"/>
+            <a:ext cx="4700587" cy="2492184"/>
           </a:xfrm>
           <a:prstGeom prst="roundRect">
             <a:avLst/>
@@ -24393,8 +24453,8 @@
         </p:nvSpPr>
         <p:spPr>
           <a:xfrm>
-            <a:off x="427427" y="1883118"/>
-            <a:ext cx="2000250" cy="571500"/>
+            <a:off x="322939" y="3709724"/>
+            <a:ext cx="4238930" cy="379270"/>
           </a:xfrm>
           <a:prstGeom prst="rect">
             <a:avLst/>
@@ -24457,8 +24517,8 @@
         </p:nvSpPr>
         <p:spPr>
           <a:xfrm>
-            <a:off x="428622" y="2827729"/>
-            <a:ext cx="2014538" cy="571500"/>
+            <a:off x="322939" y="3135529"/>
+            <a:ext cx="4216613" cy="379270"/>
           </a:xfrm>
           <a:prstGeom prst="rect">
             <a:avLst/>
@@ -24521,8 +24581,8 @@
         </p:nvSpPr>
         <p:spPr>
           <a:xfrm>
-            <a:off x="2653907" y="2862955"/>
-            <a:ext cx="2014538" cy="571500"/>
+            <a:off x="2624713" y="2538578"/>
+            <a:ext cx="1937156" cy="379270"/>
           </a:xfrm>
           <a:prstGeom prst="rect">
             <a:avLst/>
@@ -24585,8 +24645,8 @@
         </p:nvSpPr>
         <p:spPr>
           <a:xfrm>
-            <a:off x="427427" y="3735197"/>
-            <a:ext cx="4200525" cy="571500"/>
+            <a:off x="322939" y="2538578"/>
+            <a:ext cx="2014538" cy="379270"/>
           </a:xfrm>
           <a:prstGeom prst="rect">
             <a:avLst/>
@@ -24637,57 +24697,6 @@
       </p:sp>
       <p:sp>
         <p:nvSpPr>
-          <p:cNvPr id="14" name="Rectangle: Rounded Corners 13">
-            <a:extLst>
-              <a:ext uri="{FF2B5EF4-FFF2-40B4-BE49-F238E27FC236}">
-                <a16:creationId xmlns:a16="http://schemas.microsoft.com/office/drawing/2014/main" id="{73274F5C-57C9-CC61-6B74-7AD0E066C5DF}"/>
-              </a:ext>
-            </a:extLst>
-          </p:cNvPr>
-          <p:cNvSpPr/>
-          <p:nvPr/>
-        </p:nvSpPr>
-        <p:spPr>
-          <a:xfrm>
-            <a:off x="5000624" y="941186"/>
-            <a:ext cx="6886577" cy="3930852"/>
-          </a:xfrm>
-          <a:prstGeom prst="roundRect">
-            <a:avLst/>
-          </a:prstGeom>
-        </p:spPr>
-        <p:style>
-          <a:lnRef idx="2">
-            <a:schemeClr val="accent6"/>
-          </a:lnRef>
-          <a:fillRef idx="1">
-            <a:schemeClr val="lt1"/>
-          </a:fillRef>
-          <a:effectRef idx="0">
-            <a:schemeClr val="accent6"/>
-          </a:effectRef>
-          <a:fontRef idx="minor">
-            <a:schemeClr val="dk1"/>
-          </a:fontRef>
-        </p:style>
-        <p:txBody>
-          <a:bodyPr rtlCol="0" anchor="t"/>
-          <a:lstStyle/>
-          <a:p>
-            <a:pPr algn="ctr"/>
-            <a:r>
-              <a:rPr lang="en-IN" sz="2000" b="1" dirty="0">
-                <a:solidFill>
-                  <a:srgbClr val="512BD4"/>
-                </a:solidFill>
-              </a:rPr>
-              <a:t>Dataset</a:t>
-            </a:r>
-          </a:p>
-        </p:txBody>
-      </p:sp>
-      <p:sp>
-        <p:nvSpPr>
           <p:cNvPr id="15" name="Rectangle 14">
             <a:extLst>
               <a:ext uri="{FF2B5EF4-FFF2-40B4-BE49-F238E27FC236}">
@@ -24700,8 +24709,8 @@
         </p:nvSpPr>
         <p:spPr>
           <a:xfrm>
-            <a:off x="5185176" y="1669848"/>
-            <a:ext cx="3238501" cy="2828925"/>
+            <a:off x="5515978" y="2906844"/>
+            <a:ext cx="3128961" cy="1819467"/>
           </a:xfrm>
           <a:prstGeom prst="rect">
             <a:avLst/>
@@ -24737,7 +24746,7 @@
           <a:p>
             <a:pPr algn="ctr"/>
             <a:r>
-              <a:rPr lang="en-IN" b="1" dirty="0">
+              <a:rPr lang="en-IN" sz="2000" b="1" dirty="0">
                 <a:solidFill>
                   <a:srgbClr val="512BD4"/>
                 </a:solidFill>
@@ -24761,8 +24770,8 @@
         </p:nvSpPr>
         <p:spPr>
           <a:xfrm>
-            <a:off x="5287571" y="2215954"/>
-            <a:ext cx="1388269" cy="571500"/>
+            <a:off x="5628490" y="3376156"/>
+            <a:ext cx="1413275" cy="336751"/>
           </a:xfrm>
           <a:prstGeom prst="rect">
             <a:avLst/>
@@ -24825,8 +24834,8 @@
         </p:nvSpPr>
         <p:spPr>
           <a:xfrm>
-            <a:off x="6280550" y="3044628"/>
-            <a:ext cx="985838" cy="571500"/>
+            <a:off x="5635639" y="3838417"/>
+            <a:ext cx="1413275" cy="320065"/>
           </a:xfrm>
           <a:prstGeom prst="rect">
             <a:avLst/>
@@ -24877,10 +24886,10 @@
       </p:sp>
       <p:sp>
         <p:nvSpPr>
-          <p:cNvPr id="20" name="Rectangle 19">
+          <p:cNvPr id="5" name="Rectangle 4">
             <a:extLst>
               <a:ext uri="{FF2B5EF4-FFF2-40B4-BE49-F238E27FC236}">
-                <a16:creationId xmlns:a16="http://schemas.microsoft.com/office/drawing/2014/main" id="{4026D69B-4AEA-08F7-20B4-40B787616237}"/>
+                <a16:creationId xmlns:a16="http://schemas.microsoft.com/office/drawing/2014/main" id="{04FF2030-A5F3-27ED-C084-AC99A1670A34}"/>
               </a:ext>
             </a:extLst>
           </p:cNvPr>
@@ -24889,8 +24898,8 @@
         </p:nvSpPr>
         <p:spPr>
           <a:xfrm>
-            <a:off x="5287571" y="3735197"/>
-            <a:ext cx="1494236" cy="571500"/>
+            <a:off x="6333340" y="4307058"/>
+            <a:ext cx="1494236" cy="320065"/>
           </a:xfrm>
           <a:prstGeom prst="rect">
             <a:avLst/>
@@ -24934,17 +24943,17 @@
                   <a:srgbClr val="512BD4"/>
                 </a:highlight>
               </a:rPr>
-              <a:t>Data Relations</a:t>
+              <a:t>Constraints</a:t>
             </a:r>
           </a:p>
         </p:txBody>
       </p:sp>
       <p:sp>
         <p:nvSpPr>
-          <p:cNvPr id="3" name="Rectangle 2">
+          <p:cNvPr id="18" name="Rectangle 17">
             <a:extLst>
               <a:ext uri="{FF2B5EF4-FFF2-40B4-BE49-F238E27FC236}">
-                <a16:creationId xmlns:a16="http://schemas.microsoft.com/office/drawing/2014/main" id="{20DE4399-50E4-82FE-FC2A-AA9C6F90C999}"/>
+                <a16:creationId xmlns:a16="http://schemas.microsoft.com/office/drawing/2014/main" id="{0AFABC20-DC9D-169B-4F36-D19592375EB7}"/>
               </a:ext>
             </a:extLst>
           </p:cNvPr>
@@ -24953,8 +24962,8 @@
         </p:nvSpPr>
         <p:spPr>
           <a:xfrm>
-            <a:off x="6823474" y="2208796"/>
-            <a:ext cx="1388269" cy="571500"/>
+            <a:off x="7132866" y="3331422"/>
+            <a:ext cx="1411485" cy="343953"/>
           </a:xfrm>
           <a:prstGeom prst="rect">
             <a:avLst/>
@@ -24998,17 +25007,17 @@
                   <a:srgbClr val="512BD4"/>
                 </a:highlight>
               </a:rPr>
-              <a:t>Data Column</a:t>
+              <a:t>Data Row</a:t>
             </a:r>
           </a:p>
         </p:txBody>
       </p:sp>
       <p:sp>
         <p:nvSpPr>
-          <p:cNvPr id="5" name="Rectangle 4">
+          <p:cNvPr id="21" name="Rectangle 20">
             <a:extLst>
               <a:ext uri="{FF2B5EF4-FFF2-40B4-BE49-F238E27FC236}">
-                <a16:creationId xmlns:a16="http://schemas.microsoft.com/office/drawing/2014/main" id="{04FF2030-A5F3-27ED-C084-AC99A1670A34}"/>
+                <a16:creationId xmlns:a16="http://schemas.microsoft.com/office/drawing/2014/main" id="{EE00D779-D92A-08BE-CB0A-4633C0E8C081}"/>
               </a:ext>
             </a:extLst>
           </p:cNvPr>
@@ -25017,8 +25026,8 @@
         </p:nvSpPr>
         <p:spPr>
           <a:xfrm>
-            <a:off x="6949676" y="3701058"/>
-            <a:ext cx="1494236" cy="571500"/>
+            <a:off x="7131076" y="3374138"/>
+            <a:ext cx="1413275" cy="336751"/>
           </a:xfrm>
           <a:prstGeom prst="rect">
             <a:avLst/>
@@ -25062,17 +25071,17 @@
                   <a:srgbClr val="512BD4"/>
                 </a:highlight>
               </a:rPr>
-              <a:t>Constraints</a:t>
+              <a:t>Data Column</a:t>
             </a:r>
           </a:p>
         </p:txBody>
       </p:sp>
       <p:sp>
         <p:nvSpPr>
-          <p:cNvPr id="6" name="Rectangle 5">
+          <p:cNvPr id="39" name="Cylinder 38">
             <a:extLst>
               <a:ext uri="{FF2B5EF4-FFF2-40B4-BE49-F238E27FC236}">
-                <a16:creationId xmlns:a16="http://schemas.microsoft.com/office/drawing/2014/main" id="{0DC94573-25B9-C7EA-2353-B1E13880E232}"/>
+                <a16:creationId xmlns:a16="http://schemas.microsoft.com/office/drawing/2014/main" id="{DBF8A2E6-40D8-3852-1E37-847335090223}"/>
               </a:ext>
             </a:extLst>
           </p:cNvPr>
@@ -25081,8 +25090,749 @@
         </p:nvSpPr>
         <p:spPr>
           <a:xfrm>
-            <a:off x="8526072" y="1669848"/>
-            <a:ext cx="3238501" cy="2828925"/>
+            <a:off x="3250732" y="5891961"/>
+            <a:ext cx="1247774" cy="827359"/>
+          </a:xfrm>
+          <a:prstGeom prst="can">
+            <a:avLst/>
+          </a:prstGeom>
+          <a:solidFill>
+            <a:srgbClr val="512BD4"/>
+          </a:solidFill>
+          <a:ln>
+            <a:solidFill>
+              <a:srgbClr val="512BD4"/>
+            </a:solidFill>
+          </a:ln>
+        </p:spPr>
+        <p:style>
+          <a:lnRef idx="2">
+            <a:schemeClr val="accent1">
+              <a:shade val="15000"/>
+            </a:schemeClr>
+          </a:lnRef>
+          <a:fillRef idx="1">
+            <a:schemeClr val="accent1"/>
+          </a:fillRef>
+          <a:effectRef idx="0">
+            <a:schemeClr val="accent1"/>
+          </a:effectRef>
+          <a:fontRef idx="minor">
+            <a:schemeClr val="lt1"/>
+          </a:fontRef>
+        </p:style>
+        <p:txBody>
+          <a:bodyPr rtlCol="0" anchor="ctr"/>
+          <a:lstStyle/>
+          <a:p>
+            <a:pPr algn="ctr"/>
+            <a:r>
+              <a:rPr lang="en-IN" sz="1600" b="1" dirty="0">
+                <a:solidFill>
+                  <a:schemeClr val="bg1"/>
+                </a:solidFill>
+                <a:highlight>
+                  <a:srgbClr val="512BD4"/>
+                </a:highlight>
+              </a:rPr>
+              <a:t>ORACLE</a:t>
+            </a:r>
+          </a:p>
+        </p:txBody>
+      </p:sp>
+      <p:sp>
+        <p:nvSpPr>
+          <p:cNvPr id="42" name="Rectangle 41">
+            <a:extLst>
+              <a:ext uri="{FF2B5EF4-FFF2-40B4-BE49-F238E27FC236}">
+                <a16:creationId xmlns:a16="http://schemas.microsoft.com/office/drawing/2014/main" id="{A3C46DA6-390B-738D-FAF7-AF66B9D805ED}"/>
+              </a:ext>
+            </a:extLst>
+          </p:cNvPr>
+          <p:cNvSpPr/>
+          <p:nvPr/>
+        </p:nvSpPr>
+        <p:spPr>
+          <a:xfrm>
+            <a:off x="3203738" y="4864727"/>
+            <a:ext cx="1341761" cy="615999"/>
+          </a:xfrm>
+          <a:prstGeom prst="rect">
+            <a:avLst/>
+          </a:prstGeom>
+          <a:solidFill>
+            <a:srgbClr val="512BD4"/>
+          </a:solidFill>
+          <a:ln>
+            <a:solidFill>
+              <a:srgbClr val="512BD4"/>
+            </a:solidFill>
+          </a:ln>
+        </p:spPr>
+        <p:style>
+          <a:lnRef idx="2">
+            <a:schemeClr val="accent1">
+              <a:shade val="15000"/>
+            </a:schemeClr>
+          </a:lnRef>
+          <a:fillRef idx="1">
+            <a:schemeClr val="accent1"/>
+          </a:fillRef>
+          <a:effectRef idx="0">
+            <a:schemeClr val="accent1"/>
+          </a:effectRef>
+          <a:fontRef idx="minor">
+            <a:schemeClr val="lt1"/>
+          </a:fontRef>
+        </p:style>
+        <p:txBody>
+          <a:bodyPr rtlCol="0" anchor="ctr"/>
+          <a:lstStyle/>
+          <a:p>
+            <a:pPr algn="ctr"/>
+            <a:r>
+              <a:rPr lang="en-IN" sz="1600" b="1" dirty="0">
+                <a:solidFill>
+                  <a:schemeClr val="bg1"/>
+                </a:solidFill>
+                <a:highlight>
+                  <a:srgbClr val="512BD4"/>
+                </a:highlight>
+              </a:rPr>
+              <a:t>System Data Oracle Client</a:t>
+            </a:r>
+          </a:p>
+        </p:txBody>
+      </p:sp>
+      <p:cxnSp>
+        <p:nvCxnSpPr>
+          <p:cNvPr id="52" name="Straight Arrow Connector 51">
+            <a:extLst>
+              <a:ext uri="{FF2B5EF4-FFF2-40B4-BE49-F238E27FC236}">
+                <a16:creationId xmlns:a16="http://schemas.microsoft.com/office/drawing/2014/main" id="{DF1F0DE8-45CA-EBE2-8677-64E570F52A62}"/>
+              </a:ext>
+            </a:extLst>
+          </p:cNvPr>
+          <p:cNvCxnSpPr>
+            <a:cxnSpLocks/>
+            <a:stCxn id="42" idx="2"/>
+            <a:endCxn id="39" idx="1"/>
+          </p:cNvCxnSpPr>
+          <p:nvPr/>
+        </p:nvCxnSpPr>
+        <p:spPr>
+          <a:xfrm>
+            <a:off x="3874619" y="5480726"/>
+            <a:ext cx="0" cy="411235"/>
+          </a:xfrm>
+          <a:prstGeom prst="straightConnector1">
+            <a:avLst/>
+          </a:prstGeom>
+          <a:ln w="38100">
+            <a:solidFill>
+              <a:schemeClr val="tx1"/>
+            </a:solidFill>
+            <a:tailEnd type="triangle"/>
+          </a:ln>
+        </p:spPr>
+        <p:style>
+          <a:lnRef idx="1">
+            <a:schemeClr val="accent1"/>
+          </a:lnRef>
+          <a:fillRef idx="0">
+            <a:schemeClr val="accent1"/>
+          </a:fillRef>
+          <a:effectRef idx="0">
+            <a:schemeClr val="accent1"/>
+          </a:effectRef>
+          <a:fontRef idx="minor">
+            <a:schemeClr val="tx1"/>
+          </a:fontRef>
+        </p:style>
+      </p:cxnSp>
+      <p:sp>
+        <p:nvSpPr>
+          <p:cNvPr id="55" name="Cylinder 54">
+            <a:extLst>
+              <a:ext uri="{FF2B5EF4-FFF2-40B4-BE49-F238E27FC236}">
+                <a16:creationId xmlns:a16="http://schemas.microsoft.com/office/drawing/2014/main" id="{C687A4EF-414F-51F2-9805-9110CB398028}"/>
+              </a:ext>
+            </a:extLst>
+          </p:cNvPr>
+          <p:cNvSpPr/>
+          <p:nvPr/>
+        </p:nvSpPr>
+        <p:spPr>
+          <a:xfrm>
+            <a:off x="1778577" y="5904757"/>
+            <a:ext cx="1247774" cy="827359"/>
+          </a:xfrm>
+          <a:prstGeom prst="can">
+            <a:avLst/>
+          </a:prstGeom>
+          <a:solidFill>
+            <a:srgbClr val="512BD4"/>
+          </a:solidFill>
+          <a:ln>
+            <a:solidFill>
+              <a:srgbClr val="512BD4"/>
+            </a:solidFill>
+          </a:ln>
+        </p:spPr>
+        <p:style>
+          <a:lnRef idx="2">
+            <a:schemeClr val="accent1">
+              <a:shade val="15000"/>
+            </a:schemeClr>
+          </a:lnRef>
+          <a:fillRef idx="1">
+            <a:schemeClr val="accent1"/>
+          </a:fillRef>
+          <a:effectRef idx="0">
+            <a:schemeClr val="accent1"/>
+          </a:effectRef>
+          <a:fontRef idx="minor">
+            <a:schemeClr val="lt1"/>
+          </a:fontRef>
+        </p:style>
+        <p:txBody>
+          <a:bodyPr rtlCol="0" anchor="ctr"/>
+          <a:lstStyle/>
+          <a:p>
+            <a:pPr algn="ctr"/>
+            <a:r>
+              <a:rPr lang="en-IN" sz="1600" b="1" dirty="0">
+                <a:solidFill>
+                  <a:schemeClr val="bg1"/>
+                </a:solidFill>
+                <a:highlight>
+                  <a:srgbClr val="512BD4"/>
+                </a:highlight>
+              </a:rPr>
+              <a:t>MY SQL</a:t>
+            </a:r>
+          </a:p>
+        </p:txBody>
+      </p:sp>
+      <p:sp>
+        <p:nvSpPr>
+          <p:cNvPr id="56" name="Rectangle 55">
+            <a:extLst>
+              <a:ext uri="{FF2B5EF4-FFF2-40B4-BE49-F238E27FC236}">
+                <a16:creationId xmlns:a16="http://schemas.microsoft.com/office/drawing/2014/main" id="{72DC7EC5-A215-EC5B-CBEE-AADCD9106245}"/>
+              </a:ext>
+            </a:extLst>
+          </p:cNvPr>
+          <p:cNvSpPr/>
+          <p:nvPr/>
+        </p:nvSpPr>
+        <p:spPr>
+          <a:xfrm>
+            <a:off x="1778577" y="4864727"/>
+            <a:ext cx="1247774" cy="615999"/>
+          </a:xfrm>
+          <a:prstGeom prst="rect">
+            <a:avLst/>
+          </a:prstGeom>
+          <a:solidFill>
+            <a:srgbClr val="512BD4"/>
+          </a:solidFill>
+          <a:ln>
+            <a:solidFill>
+              <a:srgbClr val="512BD4"/>
+            </a:solidFill>
+          </a:ln>
+        </p:spPr>
+        <p:style>
+          <a:lnRef idx="2">
+            <a:schemeClr val="accent1">
+              <a:shade val="15000"/>
+            </a:schemeClr>
+          </a:lnRef>
+          <a:fillRef idx="1">
+            <a:schemeClr val="accent1"/>
+          </a:fillRef>
+          <a:effectRef idx="0">
+            <a:schemeClr val="accent1"/>
+          </a:effectRef>
+          <a:fontRef idx="minor">
+            <a:schemeClr val="lt1"/>
+          </a:fontRef>
+        </p:style>
+        <p:txBody>
+          <a:bodyPr rtlCol="0" anchor="ctr"/>
+          <a:lstStyle/>
+          <a:p>
+            <a:pPr algn="ctr"/>
+            <a:r>
+              <a:rPr lang="en-IN" sz="1600" b="1" dirty="0">
+                <a:solidFill>
+                  <a:schemeClr val="bg1"/>
+                </a:solidFill>
+                <a:highlight>
+                  <a:srgbClr val="512BD4"/>
+                </a:highlight>
+              </a:rPr>
+              <a:t>System Data OLEDB</a:t>
+            </a:r>
+          </a:p>
+        </p:txBody>
+      </p:sp>
+      <p:cxnSp>
+        <p:nvCxnSpPr>
+          <p:cNvPr id="57" name="Straight Arrow Connector 56">
+            <a:extLst>
+              <a:ext uri="{FF2B5EF4-FFF2-40B4-BE49-F238E27FC236}">
+                <a16:creationId xmlns:a16="http://schemas.microsoft.com/office/drawing/2014/main" id="{B6CEAC17-3CE1-FB2C-2EE5-3544B5A671F2}"/>
+              </a:ext>
+            </a:extLst>
+          </p:cNvPr>
+          <p:cNvCxnSpPr>
+            <a:cxnSpLocks/>
+            <a:stCxn id="56" idx="2"/>
+            <a:endCxn id="55" idx="1"/>
+          </p:cNvCxnSpPr>
+          <p:nvPr/>
+        </p:nvCxnSpPr>
+        <p:spPr>
+          <a:xfrm>
+            <a:off x="2402464" y="5480726"/>
+            <a:ext cx="0" cy="424031"/>
+          </a:xfrm>
+          <a:prstGeom prst="straightConnector1">
+            <a:avLst/>
+          </a:prstGeom>
+          <a:ln w="38100">
+            <a:solidFill>
+              <a:schemeClr val="tx1"/>
+            </a:solidFill>
+            <a:tailEnd type="triangle"/>
+          </a:ln>
+        </p:spPr>
+        <p:style>
+          <a:lnRef idx="1">
+            <a:schemeClr val="accent1"/>
+          </a:lnRef>
+          <a:fillRef idx="0">
+            <a:schemeClr val="accent1"/>
+          </a:fillRef>
+          <a:effectRef idx="0">
+            <a:schemeClr val="accent1"/>
+          </a:effectRef>
+          <a:fontRef idx="minor">
+            <a:schemeClr val="tx1"/>
+          </a:fontRef>
+        </p:style>
+      </p:cxnSp>
+      <p:sp>
+        <p:nvSpPr>
+          <p:cNvPr id="64" name="Cylinder 63">
+            <a:extLst>
+              <a:ext uri="{FF2B5EF4-FFF2-40B4-BE49-F238E27FC236}">
+                <a16:creationId xmlns:a16="http://schemas.microsoft.com/office/drawing/2014/main" id="{D306ADD3-5FCE-D113-0E91-A152317DB3EC}"/>
+              </a:ext>
+            </a:extLst>
+          </p:cNvPr>
+          <p:cNvSpPr/>
+          <p:nvPr/>
+        </p:nvSpPr>
+        <p:spPr>
+          <a:xfrm>
+            <a:off x="297275" y="5882055"/>
+            <a:ext cx="1247774" cy="827359"/>
+          </a:xfrm>
+          <a:prstGeom prst="can">
+            <a:avLst/>
+          </a:prstGeom>
+          <a:solidFill>
+            <a:srgbClr val="512BD4"/>
+          </a:solidFill>
+          <a:ln>
+            <a:solidFill>
+              <a:srgbClr val="512BD4"/>
+            </a:solidFill>
+          </a:ln>
+        </p:spPr>
+        <p:style>
+          <a:lnRef idx="2">
+            <a:schemeClr val="accent1">
+              <a:shade val="15000"/>
+            </a:schemeClr>
+          </a:lnRef>
+          <a:fillRef idx="1">
+            <a:schemeClr val="accent1"/>
+          </a:fillRef>
+          <a:effectRef idx="0">
+            <a:schemeClr val="accent1"/>
+          </a:effectRef>
+          <a:fontRef idx="minor">
+            <a:schemeClr val="lt1"/>
+          </a:fontRef>
+        </p:style>
+        <p:txBody>
+          <a:bodyPr rtlCol="0" anchor="ctr"/>
+          <a:lstStyle/>
+          <a:p>
+            <a:pPr algn="ctr"/>
+            <a:r>
+              <a:rPr lang="en-IN" sz="1600" b="1" dirty="0">
+                <a:solidFill>
+                  <a:schemeClr val="bg1"/>
+                </a:solidFill>
+                <a:highlight>
+                  <a:srgbClr val="512BD4"/>
+                </a:highlight>
+              </a:rPr>
+              <a:t>SQL SERVER</a:t>
+            </a:r>
+          </a:p>
+        </p:txBody>
+      </p:sp>
+      <p:sp>
+        <p:nvSpPr>
+          <p:cNvPr id="65" name="Rectangle 64">
+            <a:extLst>
+              <a:ext uri="{FF2B5EF4-FFF2-40B4-BE49-F238E27FC236}">
+                <a16:creationId xmlns:a16="http://schemas.microsoft.com/office/drawing/2014/main" id="{FA7D0DB5-2EA9-853F-D285-682B37034107}"/>
+              </a:ext>
+            </a:extLst>
+          </p:cNvPr>
+          <p:cNvSpPr/>
+          <p:nvPr/>
+        </p:nvSpPr>
+        <p:spPr>
+          <a:xfrm>
+            <a:off x="193132" y="4842025"/>
+            <a:ext cx="1456060" cy="620952"/>
+          </a:xfrm>
+          <a:prstGeom prst="rect">
+            <a:avLst/>
+          </a:prstGeom>
+          <a:solidFill>
+            <a:srgbClr val="512BD4"/>
+          </a:solidFill>
+          <a:ln>
+            <a:solidFill>
+              <a:srgbClr val="512BD4"/>
+            </a:solidFill>
+          </a:ln>
+        </p:spPr>
+        <p:style>
+          <a:lnRef idx="2">
+            <a:schemeClr val="accent1">
+              <a:shade val="15000"/>
+            </a:schemeClr>
+          </a:lnRef>
+          <a:fillRef idx="1">
+            <a:schemeClr val="accent1"/>
+          </a:fillRef>
+          <a:effectRef idx="0">
+            <a:schemeClr val="accent1"/>
+          </a:effectRef>
+          <a:fontRef idx="minor">
+            <a:schemeClr val="lt1"/>
+          </a:fontRef>
+        </p:style>
+        <p:txBody>
+          <a:bodyPr rtlCol="0" anchor="ctr"/>
+          <a:lstStyle/>
+          <a:p>
+            <a:pPr algn="ctr"/>
+            <a:r>
+              <a:rPr lang="en-IN" sz="1600" b="1" dirty="0">
+                <a:solidFill>
+                  <a:schemeClr val="bg1"/>
+                </a:solidFill>
+                <a:highlight>
+                  <a:srgbClr val="512BD4"/>
+                </a:highlight>
+              </a:rPr>
+              <a:t>Microsoft Data </a:t>
+            </a:r>
+            <a:r>
+              <a:rPr lang="en-IN" sz="1600" b="1" dirty="0" err="1">
+                <a:solidFill>
+                  <a:schemeClr val="bg1"/>
+                </a:solidFill>
+                <a:highlight>
+                  <a:srgbClr val="512BD4"/>
+                </a:highlight>
+              </a:rPr>
+              <a:t>Sql</a:t>
+            </a:r>
+            <a:r>
+              <a:rPr lang="en-IN" sz="1600" b="1" dirty="0">
+                <a:solidFill>
+                  <a:schemeClr val="bg1"/>
+                </a:solidFill>
+                <a:highlight>
+                  <a:srgbClr val="512BD4"/>
+                </a:highlight>
+              </a:rPr>
+              <a:t> Client</a:t>
+            </a:r>
+          </a:p>
+        </p:txBody>
+      </p:sp>
+      <p:cxnSp>
+        <p:nvCxnSpPr>
+          <p:cNvPr id="66" name="Straight Arrow Connector 65">
+            <a:extLst>
+              <a:ext uri="{FF2B5EF4-FFF2-40B4-BE49-F238E27FC236}">
+                <a16:creationId xmlns:a16="http://schemas.microsoft.com/office/drawing/2014/main" id="{10A63D34-A720-147D-2DC8-8C121DEA4C50}"/>
+              </a:ext>
+            </a:extLst>
+          </p:cNvPr>
+          <p:cNvCxnSpPr>
+            <a:cxnSpLocks/>
+            <a:stCxn id="65" idx="2"/>
+            <a:endCxn id="64" idx="1"/>
+          </p:cNvCxnSpPr>
+          <p:nvPr/>
+        </p:nvCxnSpPr>
+        <p:spPr>
+          <a:xfrm>
+            <a:off x="921162" y="5462977"/>
+            <a:ext cx="0" cy="419078"/>
+          </a:xfrm>
+          <a:prstGeom prst="straightConnector1">
+            <a:avLst/>
+          </a:prstGeom>
+          <a:ln w="38100">
+            <a:solidFill>
+              <a:schemeClr val="tx1"/>
+            </a:solidFill>
+            <a:tailEnd type="triangle"/>
+          </a:ln>
+        </p:spPr>
+        <p:style>
+          <a:lnRef idx="1">
+            <a:schemeClr val="accent1"/>
+          </a:lnRef>
+          <a:fillRef idx="0">
+            <a:schemeClr val="accent1"/>
+          </a:fillRef>
+          <a:effectRef idx="0">
+            <a:schemeClr val="accent1"/>
+          </a:effectRef>
+          <a:fontRef idx="minor">
+            <a:schemeClr val="tx1"/>
+          </a:fontRef>
+        </p:style>
+      </p:cxnSp>
+      <p:cxnSp>
+        <p:nvCxnSpPr>
+          <p:cNvPr id="92" name="Straight Arrow Connector 91">
+            <a:extLst>
+              <a:ext uri="{FF2B5EF4-FFF2-40B4-BE49-F238E27FC236}">
+                <a16:creationId xmlns:a16="http://schemas.microsoft.com/office/drawing/2014/main" id="{564F6724-3BB6-0556-9063-626FCA25B83A}"/>
+              </a:ext>
+            </a:extLst>
+          </p:cNvPr>
+          <p:cNvCxnSpPr>
+            <a:cxnSpLocks/>
+            <a:endCxn id="65" idx="0"/>
+          </p:cNvCxnSpPr>
+          <p:nvPr/>
+        </p:nvCxnSpPr>
+        <p:spPr>
+          <a:xfrm>
+            <a:off x="921162" y="4381621"/>
+            <a:ext cx="0" cy="460404"/>
+          </a:xfrm>
+          <a:prstGeom prst="straightConnector1">
+            <a:avLst/>
+          </a:prstGeom>
+          <a:ln w="38100">
+            <a:solidFill>
+              <a:schemeClr val="tx1"/>
+            </a:solidFill>
+            <a:tailEnd type="triangle"/>
+          </a:ln>
+        </p:spPr>
+        <p:style>
+          <a:lnRef idx="1">
+            <a:schemeClr val="accent1"/>
+          </a:lnRef>
+          <a:fillRef idx="0">
+            <a:schemeClr val="accent1"/>
+          </a:fillRef>
+          <a:effectRef idx="0">
+            <a:schemeClr val="accent1"/>
+          </a:effectRef>
+          <a:fontRef idx="minor">
+            <a:schemeClr val="tx1"/>
+          </a:fontRef>
+        </p:style>
+      </p:cxnSp>
+      <p:sp>
+        <p:nvSpPr>
+          <p:cNvPr id="93" name="Rectangle 92">
+            <a:extLst>
+              <a:ext uri="{FF2B5EF4-FFF2-40B4-BE49-F238E27FC236}">
+                <a16:creationId xmlns:a16="http://schemas.microsoft.com/office/drawing/2014/main" id="{58A97CE0-6E8F-9D68-6A6B-1F8D2EFAB999}"/>
+              </a:ext>
+            </a:extLst>
+          </p:cNvPr>
+          <p:cNvSpPr/>
+          <p:nvPr/>
+        </p:nvSpPr>
+        <p:spPr>
+          <a:xfrm>
+            <a:off x="6342276" y="5027711"/>
+            <a:ext cx="4238930" cy="379270"/>
+          </a:xfrm>
+          <a:prstGeom prst="rect">
+            <a:avLst/>
+          </a:prstGeom>
+          <a:solidFill>
+            <a:srgbClr val="512BD4"/>
+          </a:solidFill>
+          <a:ln>
+            <a:solidFill>
+              <a:srgbClr val="512BD4"/>
+            </a:solidFill>
+          </a:ln>
+        </p:spPr>
+        <p:style>
+          <a:lnRef idx="2">
+            <a:schemeClr val="accent1">
+              <a:shade val="15000"/>
+            </a:schemeClr>
+          </a:lnRef>
+          <a:fillRef idx="1">
+            <a:schemeClr val="accent1"/>
+          </a:fillRef>
+          <a:effectRef idx="0">
+            <a:schemeClr val="accent1"/>
+          </a:effectRef>
+          <a:fontRef idx="minor">
+            <a:schemeClr val="lt1"/>
+          </a:fontRef>
+        </p:style>
+        <p:txBody>
+          <a:bodyPr rtlCol="0" anchor="ctr"/>
+          <a:lstStyle/>
+          <a:p>
+            <a:pPr algn="ctr"/>
+            <a:r>
+              <a:rPr lang="en-IN" b="1" dirty="0">
+                <a:solidFill>
+                  <a:schemeClr val="bg1"/>
+                </a:solidFill>
+                <a:highlight>
+                  <a:srgbClr val="512BD4"/>
+                </a:highlight>
+              </a:rPr>
+              <a:t>Data Table Relation</a:t>
+            </a:r>
+          </a:p>
+        </p:txBody>
+      </p:sp>
+      <p:cxnSp>
+        <p:nvCxnSpPr>
+          <p:cNvPr id="99" name="Straight Arrow Connector 98">
+            <a:extLst>
+              <a:ext uri="{FF2B5EF4-FFF2-40B4-BE49-F238E27FC236}">
+                <a16:creationId xmlns:a16="http://schemas.microsoft.com/office/drawing/2014/main" id="{52BB7F49-AA2E-60E4-CF4F-C1B6D0B9252A}"/>
+              </a:ext>
+            </a:extLst>
+          </p:cNvPr>
+          <p:cNvCxnSpPr>
+            <a:cxnSpLocks/>
+          </p:cNvCxnSpPr>
+          <p:nvPr/>
+        </p:nvCxnSpPr>
+        <p:spPr>
+          <a:xfrm>
+            <a:off x="2418751" y="4415097"/>
+            <a:ext cx="0" cy="460404"/>
+          </a:xfrm>
+          <a:prstGeom prst="straightConnector1">
+            <a:avLst/>
+          </a:prstGeom>
+          <a:ln w="38100">
+            <a:solidFill>
+              <a:schemeClr val="tx1"/>
+            </a:solidFill>
+            <a:tailEnd type="triangle"/>
+          </a:ln>
+        </p:spPr>
+        <p:style>
+          <a:lnRef idx="1">
+            <a:schemeClr val="accent1"/>
+          </a:lnRef>
+          <a:fillRef idx="0">
+            <a:schemeClr val="accent1"/>
+          </a:fillRef>
+          <a:effectRef idx="0">
+            <a:schemeClr val="accent1"/>
+          </a:effectRef>
+          <a:fontRef idx="minor">
+            <a:schemeClr val="tx1"/>
+          </a:fontRef>
+        </p:style>
+      </p:cxnSp>
+      <p:cxnSp>
+        <p:nvCxnSpPr>
+          <p:cNvPr id="102" name="Straight Arrow Connector 101">
+            <a:extLst>
+              <a:ext uri="{FF2B5EF4-FFF2-40B4-BE49-F238E27FC236}">
+                <a16:creationId xmlns:a16="http://schemas.microsoft.com/office/drawing/2014/main" id="{CABF76C9-BC80-F50C-F419-01D5C1C33FA7}"/>
+              </a:ext>
+            </a:extLst>
+          </p:cNvPr>
+          <p:cNvCxnSpPr>
+            <a:cxnSpLocks/>
+          </p:cNvCxnSpPr>
+          <p:nvPr/>
+        </p:nvCxnSpPr>
+        <p:spPr>
+          <a:xfrm>
+            <a:off x="3859732" y="4415097"/>
+            <a:ext cx="0" cy="460404"/>
+          </a:xfrm>
+          <a:prstGeom prst="straightConnector1">
+            <a:avLst/>
+          </a:prstGeom>
+          <a:ln w="38100">
+            <a:solidFill>
+              <a:schemeClr val="tx1"/>
+            </a:solidFill>
+            <a:tailEnd type="triangle"/>
+          </a:ln>
+        </p:spPr>
+        <p:style>
+          <a:lnRef idx="1">
+            <a:schemeClr val="accent1"/>
+          </a:lnRef>
+          <a:fillRef idx="0">
+            <a:schemeClr val="accent1"/>
+          </a:fillRef>
+          <a:effectRef idx="0">
+            <a:schemeClr val="accent1"/>
+          </a:effectRef>
+          <a:fontRef idx="minor">
+            <a:schemeClr val="tx1"/>
+          </a:fontRef>
+        </p:style>
+      </p:cxnSp>
+      <p:sp>
+        <p:nvSpPr>
+          <p:cNvPr id="109" name="Rectangle 108">
+            <a:extLst>
+              <a:ext uri="{FF2B5EF4-FFF2-40B4-BE49-F238E27FC236}">
+                <a16:creationId xmlns:a16="http://schemas.microsoft.com/office/drawing/2014/main" id="{82353E50-3EE6-C000-D854-97F05CBC852C}"/>
+              </a:ext>
+            </a:extLst>
+          </p:cNvPr>
+          <p:cNvSpPr/>
+          <p:nvPr/>
+        </p:nvSpPr>
+        <p:spPr>
+          <a:xfrm>
+            <a:off x="8695556" y="2906844"/>
+            <a:ext cx="3128961" cy="1819467"/>
           </a:xfrm>
           <a:prstGeom prst="rect">
             <a:avLst/>
@@ -25118,7 +25868,7 @@
           <a:p>
             <a:pPr algn="ctr"/>
             <a:r>
-              <a:rPr lang="en-IN" b="1" dirty="0">
+              <a:rPr lang="en-IN" sz="2000" b="1" dirty="0">
                 <a:solidFill>
                   <a:srgbClr val="512BD4"/>
                 </a:solidFill>
@@ -25130,10 +25880,10 @@
       </p:sp>
       <p:sp>
         <p:nvSpPr>
-          <p:cNvPr id="7" name="Rectangle 6">
+          <p:cNvPr id="110" name="Rectangle 109">
             <a:extLst>
               <a:ext uri="{FF2B5EF4-FFF2-40B4-BE49-F238E27FC236}">
-                <a16:creationId xmlns:a16="http://schemas.microsoft.com/office/drawing/2014/main" id="{36BD27D4-77E0-16B5-A664-100EA984243A}"/>
+                <a16:creationId xmlns:a16="http://schemas.microsoft.com/office/drawing/2014/main" id="{AA872024-ECD2-C99F-C26A-7D175F3FE8D2}"/>
               </a:ext>
             </a:extLst>
           </p:cNvPr>
@@ -25142,8 +25892,8 @@
         </p:nvSpPr>
         <p:spPr>
           <a:xfrm>
-            <a:off x="8628466" y="2176271"/>
-            <a:ext cx="1388269" cy="571500"/>
+            <a:off x="8808068" y="3376156"/>
+            <a:ext cx="1413275" cy="336751"/>
           </a:xfrm>
           <a:prstGeom prst="rect">
             <a:avLst/>
@@ -25194,10 +25944,10 @@
       </p:sp>
       <p:sp>
         <p:nvSpPr>
-          <p:cNvPr id="9" name="Rectangle 8">
+          <p:cNvPr id="111" name="Rectangle 110">
             <a:extLst>
               <a:ext uri="{FF2B5EF4-FFF2-40B4-BE49-F238E27FC236}">
-                <a16:creationId xmlns:a16="http://schemas.microsoft.com/office/drawing/2014/main" id="{090C250A-59D2-5A27-BD3B-60662DAD354A}"/>
+                <a16:creationId xmlns:a16="http://schemas.microsoft.com/office/drawing/2014/main" id="{19471894-1D40-1965-8572-3225D4486CB6}"/>
               </a:ext>
             </a:extLst>
           </p:cNvPr>
@@ -25206,8 +25956,8 @@
         </p:nvSpPr>
         <p:spPr>
           <a:xfrm>
-            <a:off x="9621445" y="3004945"/>
-            <a:ext cx="985838" cy="571500"/>
+            <a:off x="8815217" y="3838417"/>
+            <a:ext cx="1413275" cy="320065"/>
           </a:xfrm>
           <a:prstGeom prst="rect">
             <a:avLst/>
@@ -25258,10 +26008,10 @@
       </p:sp>
       <p:sp>
         <p:nvSpPr>
-          <p:cNvPr id="10" name="Rectangle 9">
+          <p:cNvPr id="112" name="Rectangle 111">
             <a:extLst>
               <a:ext uri="{FF2B5EF4-FFF2-40B4-BE49-F238E27FC236}">
-                <a16:creationId xmlns:a16="http://schemas.microsoft.com/office/drawing/2014/main" id="{6E87A917-3791-1110-680E-F41EFFB16EDE}"/>
+                <a16:creationId xmlns:a16="http://schemas.microsoft.com/office/drawing/2014/main" id="{F5D2AEAC-2E85-7F3A-CE2B-BA755322752A}"/>
               </a:ext>
             </a:extLst>
           </p:cNvPr>
@@ -25270,8 +26020,8 @@
         </p:nvSpPr>
         <p:spPr>
           <a:xfrm>
-            <a:off x="8628466" y="3695514"/>
-            <a:ext cx="1494236" cy="571500"/>
+            <a:off x="9512918" y="4307058"/>
+            <a:ext cx="1494236" cy="320065"/>
           </a:xfrm>
           <a:prstGeom prst="rect">
             <a:avLst/>
@@ -25315,17 +26065,17 @@
                   <a:srgbClr val="512BD4"/>
                 </a:highlight>
               </a:rPr>
-              <a:t>Data Relations</a:t>
+              <a:t>Constraints</a:t>
             </a:r>
           </a:p>
         </p:txBody>
       </p:sp>
       <p:sp>
         <p:nvSpPr>
-          <p:cNvPr id="16" name="Rectangle 15">
+          <p:cNvPr id="113" name="Rectangle 112">
             <a:extLst>
               <a:ext uri="{FF2B5EF4-FFF2-40B4-BE49-F238E27FC236}">
-                <a16:creationId xmlns:a16="http://schemas.microsoft.com/office/drawing/2014/main" id="{78EEA1DA-45C0-706A-40BA-861E4AB708C1}"/>
+                <a16:creationId xmlns:a16="http://schemas.microsoft.com/office/drawing/2014/main" id="{0411987C-E4A8-60E1-152A-7ADB3DF7EE3E}"/>
               </a:ext>
             </a:extLst>
           </p:cNvPr>
@@ -25334,8 +26084,8 @@
         </p:nvSpPr>
         <p:spPr>
           <a:xfrm>
-            <a:off x="10164369" y="2169113"/>
-            <a:ext cx="1388269" cy="571500"/>
+            <a:off x="10312444" y="3821731"/>
+            <a:ext cx="1411485" cy="343953"/>
           </a:xfrm>
           <a:prstGeom prst="rect">
             <a:avLst/>
@@ -25379,17 +26129,17 @@
                   <a:srgbClr val="512BD4"/>
                 </a:highlight>
               </a:rPr>
-              <a:t>Data Column</a:t>
+              <a:t>Data Row</a:t>
             </a:r>
           </a:p>
         </p:txBody>
       </p:sp>
       <p:sp>
         <p:nvSpPr>
-          <p:cNvPr id="22" name="Rectangle 21">
+          <p:cNvPr id="114" name="Rectangle 113">
             <a:extLst>
               <a:ext uri="{FF2B5EF4-FFF2-40B4-BE49-F238E27FC236}">
-                <a16:creationId xmlns:a16="http://schemas.microsoft.com/office/drawing/2014/main" id="{B4DFA013-6138-4F81-805F-5DA560F57159}"/>
+                <a16:creationId xmlns:a16="http://schemas.microsoft.com/office/drawing/2014/main" id="{18703840-70EC-F1D3-FD95-E0C09A9FB075}"/>
               </a:ext>
             </a:extLst>
           </p:cNvPr>
@@ -25398,8 +26148,8 @@
         </p:nvSpPr>
         <p:spPr>
           <a:xfrm>
-            <a:off x="10290571" y="3661375"/>
-            <a:ext cx="1494236" cy="571500"/>
+            <a:off x="10310654" y="3374138"/>
+            <a:ext cx="1413275" cy="336751"/>
           </a:xfrm>
           <a:prstGeom prst="rect">
             <a:avLst/>
@@ -25443,17 +26193,59 @@
                   <a:srgbClr val="512BD4"/>
                 </a:highlight>
               </a:rPr>
-              <a:t>Constraints</a:t>
+              <a:t>Data Column</a:t>
             </a:r>
           </a:p>
         </p:txBody>
       </p:sp>
+      <p:cxnSp>
+        <p:nvCxnSpPr>
+          <p:cNvPr id="116" name="Straight Arrow Connector 115">
+            <a:extLst>
+              <a:ext uri="{FF2B5EF4-FFF2-40B4-BE49-F238E27FC236}">
+                <a16:creationId xmlns:a16="http://schemas.microsoft.com/office/drawing/2014/main" id="{C35E99A0-5612-914F-CC76-7462AFE385E1}"/>
+              </a:ext>
+            </a:extLst>
+          </p:cNvPr>
+          <p:cNvCxnSpPr/>
+          <p:nvPr/>
+        </p:nvCxnSpPr>
+        <p:spPr>
+          <a:xfrm>
+            <a:off x="4561869" y="2755242"/>
+            <a:ext cx="769559" cy="0"/>
+          </a:xfrm>
+          <a:prstGeom prst="straightConnector1">
+            <a:avLst/>
+          </a:prstGeom>
+          <a:ln w="38100">
+            <a:solidFill>
+              <a:schemeClr val="tx1"/>
+            </a:solidFill>
+            <a:tailEnd type="triangle"/>
+          </a:ln>
+        </p:spPr>
+        <p:style>
+          <a:lnRef idx="1">
+            <a:schemeClr val="accent1"/>
+          </a:lnRef>
+          <a:fillRef idx="0">
+            <a:schemeClr val="accent1"/>
+          </a:fillRef>
+          <a:effectRef idx="0">
+            <a:schemeClr val="accent1"/>
+          </a:effectRef>
+          <a:fontRef idx="minor">
+            <a:schemeClr val="tx1"/>
+          </a:fontRef>
+        </p:style>
+      </p:cxnSp>
       <p:sp>
         <p:nvSpPr>
-          <p:cNvPr id="23" name="Cylinder 22">
+          <p:cNvPr id="117" name="Rectangle: Rounded Corners 116">
             <a:extLst>
               <a:ext uri="{FF2B5EF4-FFF2-40B4-BE49-F238E27FC236}">
-                <a16:creationId xmlns:a16="http://schemas.microsoft.com/office/drawing/2014/main" id="{95944319-6472-2630-009D-5C3FFA35FF81}"/>
+                <a16:creationId xmlns:a16="http://schemas.microsoft.com/office/drawing/2014/main" id="{2CF9BD4A-5297-0B3E-CA1D-7F74D2595F3B}"/>
               </a:ext>
             </a:extLst>
           </p:cNvPr>
@@ -25462,10 +26254,10 @@
         </p:nvSpPr>
         <p:spPr>
           <a:xfrm>
-            <a:off x="1820457" y="5602982"/>
-            <a:ext cx="1214438" cy="892869"/>
+            <a:off x="403941" y="874015"/>
+            <a:ext cx="10901363" cy="721900"/>
           </a:xfrm>
-          <a:prstGeom prst="can">
+          <a:prstGeom prst="roundRect">
             <a:avLst/>
           </a:prstGeom>
           <a:solidFill>
@@ -25498,16 +26290,463 @@
           <a:lstStyle/>
           <a:p>
             <a:pPr algn="ctr"/>
+            <a:endParaRPr lang="en-IN" b="1" dirty="0">
+              <a:solidFill>
+                <a:schemeClr val="bg1"/>
+              </a:solidFill>
+              <a:highlight>
+                <a:srgbClr val="512BD4"/>
+              </a:highlight>
+            </a:endParaRPr>
+          </a:p>
+        </p:txBody>
+      </p:sp>
+      <p:cxnSp>
+        <p:nvCxnSpPr>
+          <p:cNvPr id="120" name="Straight Arrow Connector 119">
+            <a:extLst>
+              <a:ext uri="{FF2B5EF4-FFF2-40B4-BE49-F238E27FC236}">
+                <a16:creationId xmlns:a16="http://schemas.microsoft.com/office/drawing/2014/main" id="{E8FFA8E6-29F0-79FC-D6AC-1D513FBEA98C}"/>
+              </a:ext>
+            </a:extLst>
+          </p:cNvPr>
+          <p:cNvCxnSpPr>
+            <a:cxnSpLocks/>
+          </p:cNvCxnSpPr>
+          <p:nvPr/>
+        </p:nvCxnSpPr>
+        <p:spPr>
+          <a:xfrm flipV="1">
+            <a:off x="1328050" y="1602389"/>
+            <a:ext cx="2158" cy="936189"/>
+          </a:xfrm>
+          <a:prstGeom prst="straightConnector1">
+            <a:avLst/>
+          </a:prstGeom>
+          <a:ln w="38100">
+            <a:solidFill>
+              <a:schemeClr val="tx1"/>
+            </a:solidFill>
+            <a:tailEnd type="triangle"/>
+          </a:ln>
+        </p:spPr>
+        <p:style>
+          <a:lnRef idx="1">
+            <a:schemeClr val="accent1"/>
+          </a:lnRef>
+          <a:fillRef idx="0">
+            <a:schemeClr val="accent1"/>
+          </a:fillRef>
+          <a:effectRef idx="0">
+            <a:schemeClr val="accent1"/>
+          </a:effectRef>
+          <a:fontRef idx="minor">
+            <a:schemeClr val="tx1"/>
+          </a:fontRef>
+        </p:style>
+      </p:cxnSp>
+      <p:cxnSp>
+        <p:nvCxnSpPr>
+          <p:cNvPr id="123" name="Straight Arrow Connector 122">
+            <a:extLst>
+              <a:ext uri="{FF2B5EF4-FFF2-40B4-BE49-F238E27FC236}">
+                <a16:creationId xmlns:a16="http://schemas.microsoft.com/office/drawing/2014/main" id="{C4BB31A1-4BDE-827E-6AD5-9397810AD175}"/>
+              </a:ext>
+            </a:extLst>
+          </p:cNvPr>
+          <p:cNvCxnSpPr>
+            <a:cxnSpLocks/>
+          </p:cNvCxnSpPr>
+          <p:nvPr/>
+        </p:nvCxnSpPr>
+        <p:spPr>
+          <a:xfrm flipV="1">
+            <a:off x="8644939" y="1602389"/>
+            <a:ext cx="0" cy="777357"/>
+          </a:xfrm>
+          <a:prstGeom prst="straightConnector1">
+            <a:avLst/>
+          </a:prstGeom>
+          <a:ln w="38100">
+            <a:solidFill>
+              <a:schemeClr val="tx1"/>
+            </a:solidFill>
+            <a:tailEnd type="triangle"/>
+          </a:ln>
+        </p:spPr>
+        <p:style>
+          <a:lnRef idx="1">
+            <a:schemeClr val="accent1"/>
+          </a:lnRef>
+          <a:fillRef idx="0">
+            <a:schemeClr val="accent1"/>
+          </a:fillRef>
+          <a:effectRef idx="0">
+            <a:schemeClr val="accent1"/>
+          </a:effectRef>
+          <a:fontRef idx="minor">
+            <a:schemeClr val="tx1"/>
+          </a:fontRef>
+        </p:style>
+      </p:cxnSp>
+      <p:cxnSp>
+        <p:nvCxnSpPr>
+          <p:cNvPr id="129" name="Straight Connector 128">
+            <a:extLst>
+              <a:ext uri="{FF2B5EF4-FFF2-40B4-BE49-F238E27FC236}">
+                <a16:creationId xmlns:a16="http://schemas.microsoft.com/office/drawing/2014/main" id="{F4BF4B94-EF61-DEAE-117E-BF2F714A90E5}"/>
+              </a:ext>
+            </a:extLst>
+          </p:cNvPr>
+          <p:cNvCxnSpPr>
+            <a:cxnSpLocks/>
+          </p:cNvCxnSpPr>
+          <p:nvPr/>
+        </p:nvCxnSpPr>
+        <p:spPr>
+          <a:xfrm>
+            <a:off x="2418751" y="2755242"/>
+            <a:ext cx="222249" cy="0"/>
+          </a:xfrm>
+          <a:prstGeom prst="line">
+            <a:avLst/>
+          </a:prstGeom>
+          <a:ln w="28575">
+            <a:solidFill>
+              <a:schemeClr val="tx1"/>
+            </a:solidFill>
+            <a:headEnd type="oval" w="med" len="med"/>
+            <a:tailEnd type="triangle" w="med" len="med"/>
+          </a:ln>
+        </p:spPr>
+        <p:style>
+          <a:lnRef idx="1">
+            <a:schemeClr val="accent1"/>
+          </a:lnRef>
+          <a:fillRef idx="0">
+            <a:schemeClr val="accent1"/>
+          </a:fillRef>
+          <a:effectRef idx="0">
+            <a:schemeClr val="accent1"/>
+          </a:effectRef>
+          <a:fontRef idx="minor">
+            <a:schemeClr val="tx1"/>
+          </a:fontRef>
+        </p:style>
+      </p:cxnSp>
+      <p:sp>
+        <p:nvSpPr>
+          <p:cNvPr id="132" name="Rectangle 131">
+            <a:extLst>
+              <a:ext uri="{FF2B5EF4-FFF2-40B4-BE49-F238E27FC236}">
+                <a16:creationId xmlns:a16="http://schemas.microsoft.com/office/drawing/2014/main" id="{18A911D5-9C7E-DD56-C295-DE1BCA156389}"/>
+              </a:ext>
+            </a:extLst>
+          </p:cNvPr>
+          <p:cNvSpPr/>
+          <p:nvPr/>
+        </p:nvSpPr>
+        <p:spPr>
+          <a:xfrm>
+            <a:off x="3026351" y="1068306"/>
+            <a:ext cx="2116163" cy="361779"/>
+          </a:xfrm>
+          <a:prstGeom prst="rect">
+            <a:avLst/>
+          </a:prstGeom>
+        </p:spPr>
+        <p:style>
+          <a:lnRef idx="2">
+            <a:schemeClr val="accent1"/>
+          </a:lnRef>
+          <a:fillRef idx="1">
+            <a:schemeClr val="lt1"/>
+          </a:fillRef>
+          <a:effectRef idx="0">
+            <a:schemeClr val="accent1"/>
+          </a:effectRef>
+          <a:fontRef idx="minor">
+            <a:schemeClr val="dk1"/>
+          </a:fontRef>
+        </p:style>
+        <p:txBody>
+          <a:bodyPr rtlCol="0" anchor="ctr"/>
+          <a:lstStyle/>
+          <a:p>
+            <a:pPr algn="ctr"/>
+            <a:r>
+              <a:rPr lang="en-IN" dirty="0"/>
+              <a:t>Desktop Application</a:t>
+            </a:r>
+          </a:p>
+        </p:txBody>
+      </p:sp>
+      <p:sp>
+        <p:nvSpPr>
+          <p:cNvPr id="133" name="Rectangle 132">
+            <a:extLst>
+              <a:ext uri="{FF2B5EF4-FFF2-40B4-BE49-F238E27FC236}">
+                <a16:creationId xmlns:a16="http://schemas.microsoft.com/office/drawing/2014/main" id="{E69C0674-6A19-3451-A739-D5477B083A6C}"/>
+              </a:ext>
+            </a:extLst>
+          </p:cNvPr>
+          <p:cNvSpPr/>
+          <p:nvPr/>
+        </p:nvSpPr>
+        <p:spPr>
+          <a:xfrm>
+            <a:off x="5356482" y="1081184"/>
+            <a:ext cx="2116163" cy="361779"/>
+          </a:xfrm>
+          <a:prstGeom prst="rect">
+            <a:avLst/>
+          </a:prstGeom>
+        </p:spPr>
+        <p:style>
+          <a:lnRef idx="2">
+            <a:schemeClr val="accent1"/>
+          </a:lnRef>
+          <a:fillRef idx="1">
+            <a:schemeClr val="lt1"/>
+          </a:fillRef>
+          <a:effectRef idx="0">
+            <a:schemeClr val="accent1"/>
+          </a:effectRef>
+          <a:fontRef idx="minor">
+            <a:schemeClr val="dk1"/>
+          </a:fontRef>
+        </p:style>
+        <p:txBody>
+          <a:bodyPr rtlCol="0" anchor="ctr"/>
+          <a:lstStyle/>
+          <a:p>
+            <a:pPr algn="ctr"/>
+            <a:r>
+              <a:rPr lang="en-IN" dirty="0"/>
+              <a:t>Mobile Application</a:t>
+            </a:r>
+          </a:p>
+        </p:txBody>
+      </p:sp>
+      <p:sp>
+        <p:nvSpPr>
+          <p:cNvPr id="135" name="Rectangle 134">
+            <a:extLst>
+              <a:ext uri="{FF2B5EF4-FFF2-40B4-BE49-F238E27FC236}">
+                <a16:creationId xmlns:a16="http://schemas.microsoft.com/office/drawing/2014/main" id="{DA1A0FE4-3DF5-FD86-A457-238347EFB1F8}"/>
+              </a:ext>
+            </a:extLst>
+          </p:cNvPr>
+          <p:cNvSpPr/>
+          <p:nvPr/>
+        </p:nvSpPr>
+        <p:spPr>
+          <a:xfrm>
+            <a:off x="720495" y="1057166"/>
+            <a:ext cx="2116163" cy="361779"/>
+          </a:xfrm>
+          <a:prstGeom prst="rect">
+            <a:avLst/>
+          </a:prstGeom>
+        </p:spPr>
+        <p:style>
+          <a:lnRef idx="2">
+            <a:schemeClr val="accent1"/>
+          </a:lnRef>
+          <a:fillRef idx="1">
+            <a:schemeClr val="lt1"/>
+          </a:fillRef>
+          <a:effectRef idx="0">
+            <a:schemeClr val="accent1"/>
+          </a:effectRef>
+          <a:fontRef idx="minor">
+            <a:schemeClr val="dk1"/>
+          </a:fontRef>
+        </p:style>
+        <p:txBody>
+          <a:bodyPr rtlCol="0" anchor="ctr"/>
+          <a:lstStyle/>
+          <a:p>
+            <a:pPr algn="ctr"/>
+            <a:r>
+              <a:rPr lang="en-IN" dirty="0"/>
+              <a:t>Web Application</a:t>
+            </a:r>
+          </a:p>
+        </p:txBody>
+      </p:sp>
+      <p:sp>
+        <p:nvSpPr>
+          <p:cNvPr id="136" name="Rectangle 135">
+            <a:extLst>
+              <a:ext uri="{FF2B5EF4-FFF2-40B4-BE49-F238E27FC236}">
+                <a16:creationId xmlns:a16="http://schemas.microsoft.com/office/drawing/2014/main" id="{8C864999-86E1-4CF4-4461-DA5762925E88}"/>
+              </a:ext>
+            </a:extLst>
+          </p:cNvPr>
+          <p:cNvSpPr/>
+          <p:nvPr/>
+        </p:nvSpPr>
+        <p:spPr>
+          <a:xfrm>
+            <a:off x="7686613" y="1056484"/>
+            <a:ext cx="1826305" cy="361779"/>
+          </a:xfrm>
+          <a:prstGeom prst="rect">
+            <a:avLst/>
+          </a:prstGeom>
+        </p:spPr>
+        <p:style>
+          <a:lnRef idx="2">
+            <a:schemeClr val="accent1"/>
+          </a:lnRef>
+          <a:fillRef idx="1">
+            <a:schemeClr val="lt1"/>
+          </a:fillRef>
+          <a:effectRef idx="0">
+            <a:schemeClr val="accent1"/>
+          </a:effectRef>
+          <a:fontRef idx="minor">
+            <a:schemeClr val="dk1"/>
+          </a:fontRef>
+        </p:style>
+        <p:txBody>
+          <a:bodyPr rtlCol="0" anchor="ctr"/>
+          <a:lstStyle/>
+          <a:p>
+            <a:pPr algn="ctr"/>
+            <a:r>
+              <a:rPr lang="en-IN" dirty="0"/>
+              <a:t>Web APIs</a:t>
+            </a:r>
+          </a:p>
+        </p:txBody>
+      </p:sp>
+      <p:sp>
+        <p:nvSpPr>
+          <p:cNvPr id="137" name="Rectangle 136">
+            <a:extLst>
+              <a:ext uri="{FF2B5EF4-FFF2-40B4-BE49-F238E27FC236}">
+                <a16:creationId xmlns:a16="http://schemas.microsoft.com/office/drawing/2014/main" id="{F672E081-C5D2-1BC3-661B-886A497A55A5}"/>
+              </a:ext>
+            </a:extLst>
+          </p:cNvPr>
+          <p:cNvSpPr/>
+          <p:nvPr/>
+        </p:nvSpPr>
+        <p:spPr>
+          <a:xfrm>
+            <a:off x="9645200" y="1040193"/>
+            <a:ext cx="1534077" cy="361779"/>
+          </a:xfrm>
+          <a:prstGeom prst="rect">
+            <a:avLst/>
+          </a:prstGeom>
+        </p:spPr>
+        <p:style>
+          <a:lnRef idx="2">
+            <a:schemeClr val="accent1"/>
+          </a:lnRef>
+          <a:fillRef idx="1">
+            <a:schemeClr val="lt1"/>
+          </a:fillRef>
+          <a:effectRef idx="0">
+            <a:schemeClr val="accent1"/>
+          </a:effectRef>
+          <a:fontRef idx="minor">
+            <a:schemeClr val="dk1"/>
+          </a:fontRef>
+        </p:style>
+        <p:txBody>
+          <a:bodyPr rtlCol="0" anchor="ctr"/>
+          <a:lstStyle/>
+          <a:p>
+            <a:pPr algn="ctr"/>
+            <a:r>
+              <a:rPr lang="en-IN" dirty="0"/>
+              <a:t>Other</a:t>
+            </a:r>
+          </a:p>
+        </p:txBody>
+      </p:sp>
+      <p:sp>
+        <p:nvSpPr>
+          <p:cNvPr id="138" name="TextBox 137">
+            <a:extLst>
+              <a:ext uri="{FF2B5EF4-FFF2-40B4-BE49-F238E27FC236}">
+                <a16:creationId xmlns:a16="http://schemas.microsoft.com/office/drawing/2014/main" id="{F7AD2ED2-2925-4F68-9642-28363EF57215}"/>
+              </a:ext>
+            </a:extLst>
+          </p:cNvPr>
+          <p:cNvSpPr txBox="1"/>
+          <p:nvPr/>
+        </p:nvSpPr>
+        <p:spPr>
+          <a:xfrm>
+            <a:off x="5114772" y="2001137"/>
+            <a:ext cx="4700587" cy="369332"/>
+          </a:xfrm>
+          <a:prstGeom prst="rect">
+            <a:avLst/>
+          </a:prstGeom>
+          <a:noFill/>
+        </p:spPr>
+        <p:txBody>
+          <a:bodyPr wrap="square" rtlCol="0">
+            <a:spAutoFit/>
+          </a:bodyPr>
+          <a:lstStyle/>
+          <a:p>
             <a:r>
               <a:rPr lang="en-IN" b="1" dirty="0">
                 <a:solidFill>
-                  <a:schemeClr val="bg1"/>
-                </a:solidFill>
-                <a:highlight>
-                  <a:srgbClr val="512BD4"/>
-                </a:highlight>
+                  <a:schemeClr val="bg2">
+                    <a:lumMod val="50000"/>
+                  </a:schemeClr>
+                </a:solidFill>
               </a:rPr>
-              <a:t>Database</a:t>
+              <a:t>Disconnected Oriented Architecture</a:t>
+            </a:r>
+          </a:p>
+        </p:txBody>
+      </p:sp>
+      <p:sp>
+        <p:nvSpPr>
+          <p:cNvPr id="139" name="TextBox 138">
+            <a:extLst>
+              <a:ext uri="{FF2B5EF4-FFF2-40B4-BE49-F238E27FC236}">
+                <a16:creationId xmlns:a16="http://schemas.microsoft.com/office/drawing/2014/main" id="{B4A7220F-5868-482B-5C0B-AEDB2413FEA0}"/>
+              </a:ext>
+            </a:extLst>
+          </p:cNvPr>
+          <p:cNvSpPr txBox="1"/>
+          <p:nvPr/>
+        </p:nvSpPr>
+        <p:spPr>
+          <a:xfrm>
+            <a:off x="35779" y="1534802"/>
+            <a:ext cx="3721724" cy="369332"/>
+          </a:xfrm>
+          <a:prstGeom prst="rect">
+            <a:avLst/>
+          </a:prstGeom>
+          <a:noFill/>
+        </p:spPr>
+        <p:txBody>
+          <a:bodyPr wrap="none" rtlCol="0">
+            <a:spAutoFit/>
+          </a:bodyPr>
+          <a:lstStyle/>
+          <a:p>
+            <a:r>
+              <a:rPr lang="en-IN" b="1" dirty="0">
+                <a:solidFill>
+                  <a:schemeClr val="bg2">
+                    <a:lumMod val="50000"/>
+                  </a:schemeClr>
+                </a:solidFill>
+              </a:rPr>
+              <a:t>Connection       Oriented Architecture</a:t>
             </a:r>
           </a:p>
         </p:txBody>
@@ -25526,6 +26765,398 @@
 </file>
 
 <file path=ppt/slides/slide19.xml><?xml version="1.0" encoding="utf-8"?>
+<p:sld xmlns:a="http://schemas.openxmlformats.org/drawingml/2006/main" xmlns:r="http://schemas.openxmlformats.org/officeDocument/2006/relationships" xmlns:p="http://schemas.openxmlformats.org/presentationml/2006/main">
+  <p:cSld>
+    <p:spTree>
+      <p:nvGrpSpPr>
+        <p:cNvPr id="1" name=""/>
+        <p:cNvGrpSpPr/>
+        <p:nvPr/>
+      </p:nvGrpSpPr>
+      <p:grpSpPr>
+        <a:xfrm>
+          <a:off x="0" y="0"/>
+          <a:ext cx="0" cy="0"/>
+          <a:chOff x="0" y="0"/>
+          <a:chExt cx="0" cy="0"/>
+        </a:xfrm>
+      </p:grpSpPr>
+      <p:sp>
+        <p:nvSpPr>
+          <p:cNvPr id="2" name="Title 1">
+            <a:extLst>
+              <a:ext uri="{FF2B5EF4-FFF2-40B4-BE49-F238E27FC236}">
+                <a16:creationId xmlns:a16="http://schemas.microsoft.com/office/drawing/2014/main" id="{7894D8FC-4419-6E28-2FA2-52A971767D79}"/>
+              </a:ext>
+            </a:extLst>
+          </p:cNvPr>
+          <p:cNvSpPr>
+            <a:spLocks noGrp="1"/>
+          </p:cNvSpPr>
+          <p:nvPr>
+            <p:ph type="title"/>
+          </p:nvPr>
+        </p:nvSpPr>
+        <p:spPr>
+          <a:xfrm>
+            <a:off x="838200" y="365125"/>
+            <a:ext cx="10515600" cy="620713"/>
+          </a:xfrm>
+        </p:spPr>
+        <p:txBody>
+          <a:bodyPr>
+            <a:normAutofit fontScale="90000"/>
+          </a:bodyPr>
+          <a:lstStyle/>
+          <a:p>
+            <a:r>
+              <a:rPr lang="en-IN" dirty="0"/>
+              <a:t> C# Project</a:t>
+            </a:r>
+          </a:p>
+        </p:txBody>
+      </p:sp>
+      <p:sp>
+        <p:nvSpPr>
+          <p:cNvPr id="3" name="Content Placeholder 2">
+            <a:extLst>
+              <a:ext uri="{FF2B5EF4-FFF2-40B4-BE49-F238E27FC236}">
+                <a16:creationId xmlns:a16="http://schemas.microsoft.com/office/drawing/2014/main" id="{414C30A0-D0FC-6D5C-8160-757C0C8DC621}"/>
+              </a:ext>
+            </a:extLst>
+          </p:cNvPr>
+          <p:cNvSpPr>
+            <a:spLocks noGrp="1"/>
+          </p:cNvSpPr>
+          <p:nvPr>
+            <p:ph idx="1"/>
+          </p:nvPr>
+        </p:nvSpPr>
+        <p:spPr>
+          <a:xfrm>
+            <a:off x="838200" y="1328738"/>
+            <a:ext cx="10515600" cy="4848225"/>
+          </a:xfrm>
+        </p:spPr>
+        <p:txBody>
+          <a:bodyPr/>
+          <a:lstStyle/>
+          <a:p>
+            <a:pPr marL="342900" lvl="0" indent="-342900">
+              <a:buFont typeface="Symbol" panose="05050102010706020507" pitchFamily="18" charset="2"/>
+              <a:buChar char=""/>
+            </a:pPr>
+            <a:r>
+              <a:rPr lang="en-IN" sz="1800" dirty="0">
+                <a:effectLst/>
+                <a:latin typeface="Calibri" panose="020F0502020204030204" pitchFamily="34" charset="0"/>
+                <a:ea typeface="Times New Roman" panose="02020603050405020304" pitchFamily="18" charset="0"/>
+              </a:rPr>
+              <a:t>Even or Odd Number Checker: Read a number and print if it is an even or odd number.</a:t>
+            </a:r>
+            <a:endParaRPr lang="en-IN" sz="1800" dirty="0">
+              <a:effectLst/>
+              <a:latin typeface="Times New Roman" panose="02020603050405020304" pitchFamily="18" charset="0"/>
+              <a:ea typeface="Times New Roman" panose="02020603050405020304" pitchFamily="18" charset="0"/>
+            </a:endParaRPr>
+          </a:p>
+          <a:p>
+            <a:pPr marL="342900" lvl="0" indent="-342900">
+              <a:buFont typeface="Symbol" panose="05050102010706020507" pitchFamily="18" charset="2"/>
+              <a:buChar char=""/>
+            </a:pPr>
+            <a:r>
+              <a:rPr lang="en-IN" sz="1800" dirty="0">
+                <a:effectLst/>
+                <a:latin typeface="Calibri" panose="020F0502020204030204" pitchFamily="34" charset="0"/>
+                <a:ea typeface="Times New Roman" panose="02020603050405020304" pitchFamily="18" charset="0"/>
+              </a:rPr>
+              <a:t>Print Even and Odd Numbers from a range between 1 to 100 separately.</a:t>
+            </a:r>
+            <a:endParaRPr lang="en-IN" sz="1800" dirty="0">
+              <a:effectLst/>
+              <a:latin typeface="Times New Roman" panose="02020603050405020304" pitchFamily="18" charset="0"/>
+              <a:ea typeface="Times New Roman" panose="02020603050405020304" pitchFamily="18" charset="0"/>
+            </a:endParaRPr>
+          </a:p>
+          <a:p>
+            <a:pPr marL="342900" lvl="0" indent="-342900">
+              <a:buFont typeface="Symbol" panose="05050102010706020507" pitchFamily="18" charset="2"/>
+              <a:buChar char=""/>
+            </a:pPr>
+            <a:r>
+              <a:rPr lang="en-IN" sz="1800" dirty="0">
+                <a:effectLst/>
+                <a:latin typeface="Calibri" panose="020F0502020204030204" pitchFamily="34" charset="0"/>
+                <a:ea typeface="Times New Roman" panose="02020603050405020304" pitchFamily="18" charset="0"/>
+              </a:rPr>
+              <a:t>Read range start and range end number. Print Even numbers in the given range.</a:t>
+            </a:r>
+            <a:endParaRPr lang="en-IN" sz="1800" dirty="0">
+              <a:effectLst/>
+              <a:latin typeface="Times New Roman" panose="02020603050405020304" pitchFamily="18" charset="0"/>
+              <a:ea typeface="Times New Roman" panose="02020603050405020304" pitchFamily="18" charset="0"/>
+            </a:endParaRPr>
+          </a:p>
+          <a:p>
+            <a:pPr marL="342900" lvl="0" indent="-342900">
+              <a:lnSpc>
+                <a:spcPct val="115000"/>
+              </a:lnSpc>
+              <a:spcAft>
+                <a:spcPts val="800"/>
+              </a:spcAft>
+              <a:buFont typeface="Symbol" panose="05050102010706020507" pitchFamily="18" charset="2"/>
+              <a:buChar char=""/>
+            </a:pPr>
+            <a:r>
+              <a:rPr lang="en-IN" sz="1800" kern="100" dirty="0">
+                <a:effectLst/>
+                <a:latin typeface="Calibri" panose="020F0502020204030204" pitchFamily="34" charset="0"/>
+                <a:ea typeface="Aptos" panose="020B0004020202020204" pitchFamily="34" charset="0"/>
+                <a:cs typeface="Times New Roman" panose="02020603050405020304" pitchFamily="18" charset="0"/>
+              </a:rPr>
+              <a:t>Read a number and print a multiplication table of it.</a:t>
+            </a:r>
+            <a:endParaRPr lang="en-IN" sz="1800" kern="100" dirty="0">
+              <a:effectLst/>
+              <a:latin typeface="Aptos" panose="020B0004020202020204" pitchFamily="34" charset="0"/>
+              <a:ea typeface="Aptos" panose="020B0004020202020204" pitchFamily="34" charset="0"/>
+              <a:cs typeface="Times New Roman" panose="02020603050405020304" pitchFamily="18" charset="0"/>
+            </a:endParaRPr>
+          </a:p>
+          <a:p>
+            <a:r>
+              <a:rPr lang="en-IN" sz="1800" dirty="0">
+                <a:effectLst/>
+                <a:latin typeface="Calibri" panose="020F0502020204030204" pitchFamily="34" charset="0"/>
+                <a:ea typeface="Aptos" panose="020B0004020202020204" pitchFamily="34" charset="0"/>
+              </a:rPr>
+              <a:t>Calculate the Sum, Multiplication, Division and Subtraction of Two Numbers</a:t>
+            </a:r>
+          </a:p>
+          <a:p>
+            <a:endParaRPr lang="en-IN" dirty="0"/>
+          </a:p>
+          <a:p>
+            <a:endParaRPr lang="en-IN" dirty="0"/>
+          </a:p>
+          <a:p>
+            <a:endParaRPr lang="en-IN" dirty="0"/>
+          </a:p>
+        </p:txBody>
+      </p:sp>
+      <p:pic>
+        <p:nvPicPr>
+          <p:cNvPr id="4" name="Picture 3">
+            <a:extLst>
+              <a:ext uri="{FF2B5EF4-FFF2-40B4-BE49-F238E27FC236}">
+                <a16:creationId xmlns:a16="http://schemas.microsoft.com/office/drawing/2014/main" id="{ACF5F412-0EF2-C633-1932-E3468820A19D}"/>
+              </a:ext>
+            </a:extLst>
+          </p:cNvPr>
+          <p:cNvPicPr>
+            <a:picLocks noChangeAspect="1"/>
+          </p:cNvPicPr>
+          <p:nvPr/>
+        </p:nvPicPr>
+        <p:blipFill>
+          <a:blip r:embed="rId2">
+            <a:extLst>
+              <a:ext uri="{28A0092B-C50C-407E-A947-70E740481C1C}">
+                <a14:useLocalDpi xmlns:a14="http://schemas.microsoft.com/office/drawing/2010/main" val="0"/>
+              </a:ext>
+            </a:extLst>
+          </a:blip>
+          <a:srcRect/>
+          <a:stretch>
+            <a:fillRect/>
+          </a:stretch>
+        </p:blipFill>
+        <p:spPr bwMode="auto">
+          <a:xfrm>
+            <a:off x="3030220" y="3429000"/>
+            <a:ext cx="5731510" cy="3429000"/>
+          </a:xfrm>
+          <a:prstGeom prst="rect">
+            <a:avLst/>
+          </a:prstGeom>
+          <a:noFill/>
+          <a:ln>
+            <a:noFill/>
+          </a:ln>
+        </p:spPr>
+      </p:pic>
+    </p:spTree>
+    <p:extLst>
+      <p:ext uri="{BB962C8B-B14F-4D97-AF65-F5344CB8AC3E}">
+        <p14:creationId xmlns:p14="http://schemas.microsoft.com/office/powerpoint/2010/main" val="1232387203"/>
+      </p:ext>
+    </p:extLst>
+  </p:cSld>
+  <p:clrMapOvr>
+    <a:masterClrMapping/>
+  </p:clrMapOvr>
+</p:sld>
+</file>
+
+<file path=ppt/slides/slide2.xml><?xml version="1.0" encoding="utf-8"?>
+<p:sld xmlns:a="http://schemas.openxmlformats.org/drawingml/2006/main" xmlns:r="http://schemas.openxmlformats.org/officeDocument/2006/relationships" xmlns:p="http://schemas.openxmlformats.org/presentationml/2006/main">
+  <p:cSld>
+    <p:bg>
+      <p:bgPr>
+        <a:solidFill>
+          <a:srgbClr val="FCFCFE"/>
+        </a:solidFill>
+        <a:effectLst/>
+      </p:bgPr>
+    </p:bg>
+    <p:spTree>
+      <p:nvGrpSpPr>
+        <p:cNvPr id="1" name=""/>
+        <p:cNvGrpSpPr/>
+        <p:nvPr/>
+      </p:nvGrpSpPr>
+      <p:grpSpPr>
+        <a:xfrm>
+          <a:off x="0" y="0"/>
+          <a:ext cx="0" cy="0"/>
+          <a:chOff x="0" y="0"/>
+          <a:chExt cx="0" cy="0"/>
+        </a:xfrm>
+      </p:grpSpPr>
+      <p:sp>
+        <p:nvSpPr>
+          <p:cNvPr id="2" name="Title 1">
+            <a:extLst>
+              <a:ext uri="{FF2B5EF4-FFF2-40B4-BE49-F238E27FC236}">
+                <a16:creationId xmlns:a16="http://schemas.microsoft.com/office/drawing/2014/main" id="{7E148D4C-2DDE-13D1-BB26-EE1F6B24E1DE}"/>
+              </a:ext>
+            </a:extLst>
+          </p:cNvPr>
+          <p:cNvSpPr>
+            <a:spLocks noGrp="1"/>
+          </p:cNvSpPr>
+          <p:nvPr>
+            <p:ph type="title"/>
+          </p:nvPr>
+        </p:nvSpPr>
+        <p:spPr>
+          <a:xfrm>
+            <a:off x="0" y="107950"/>
+            <a:ext cx="10515600" cy="835025"/>
+          </a:xfrm>
+        </p:spPr>
+        <p:txBody>
+          <a:bodyPr>
+            <a:normAutofit/>
+          </a:bodyPr>
+          <a:lstStyle/>
+          <a:p>
+            <a:r>
+              <a:rPr lang="en-IN" sz="4000" dirty="0">
+                <a:solidFill>
+                  <a:srgbClr val="512BD4"/>
+                </a:solidFill>
+                <a:latin typeface="+mn-lt"/>
+              </a:rPr>
+              <a:t>Prerequisites</a:t>
+            </a:r>
+            <a:endParaRPr lang="en-IN" sz="5400" dirty="0">
+              <a:solidFill>
+                <a:srgbClr val="512BD4"/>
+              </a:solidFill>
+              <a:latin typeface="+mn-lt"/>
+            </a:endParaRPr>
+          </a:p>
+        </p:txBody>
+      </p:sp>
+      <p:sp>
+        <p:nvSpPr>
+          <p:cNvPr id="3" name="Content Placeholder 2">
+            <a:extLst>
+              <a:ext uri="{FF2B5EF4-FFF2-40B4-BE49-F238E27FC236}">
+                <a16:creationId xmlns:a16="http://schemas.microsoft.com/office/drawing/2014/main" id="{C9882C76-AFB0-4097-047A-A433F267E3FA}"/>
+              </a:ext>
+            </a:extLst>
+          </p:cNvPr>
+          <p:cNvSpPr>
+            <a:spLocks noGrp="1"/>
+          </p:cNvSpPr>
+          <p:nvPr>
+            <p:ph idx="1"/>
+          </p:nvPr>
+        </p:nvSpPr>
+        <p:spPr>
+          <a:xfrm>
+            <a:off x="238125" y="1119187"/>
+            <a:ext cx="10515600" cy="4619625"/>
+          </a:xfrm>
+        </p:spPr>
+        <p:txBody>
+          <a:bodyPr/>
+          <a:lstStyle/>
+          <a:p>
+            <a:r>
+              <a:rPr lang="en-IN" dirty="0">
+                <a:solidFill>
+                  <a:srgbClr val="512BD4"/>
+                </a:solidFill>
+              </a:rPr>
+              <a:t>Computer and its basic knowledge.</a:t>
+            </a:r>
+          </a:p>
+          <a:p>
+            <a:r>
+              <a:rPr lang="en-IN" dirty="0">
+                <a:solidFill>
+                  <a:srgbClr val="512BD4"/>
+                </a:solidFill>
+              </a:rPr>
+              <a:t>Integrated Development Environment or Code Editor</a:t>
+            </a:r>
+          </a:p>
+          <a:p>
+            <a:pPr lvl="1"/>
+            <a:r>
+              <a:rPr lang="en-IN" sz="2800" dirty="0">
+                <a:solidFill>
+                  <a:srgbClr val="512BD4"/>
+                </a:solidFill>
+              </a:rPr>
+              <a:t>Visual Studio (Recommended)</a:t>
+            </a:r>
+          </a:p>
+          <a:p>
+            <a:pPr lvl="1"/>
+            <a:r>
+              <a:rPr lang="en-IN" sz="2800" dirty="0">
+                <a:solidFill>
+                  <a:srgbClr val="512BD4"/>
+                </a:solidFill>
+              </a:rPr>
+              <a:t>Visual Studio Code</a:t>
+            </a:r>
+          </a:p>
+          <a:p>
+            <a:endParaRPr lang="en-IN" dirty="0"/>
+          </a:p>
+        </p:txBody>
+      </p:sp>
+    </p:spTree>
+    <p:extLst>
+      <p:ext uri="{BB962C8B-B14F-4D97-AF65-F5344CB8AC3E}">
+        <p14:creationId xmlns:p14="http://schemas.microsoft.com/office/powerpoint/2010/main" val="722443238"/>
+      </p:ext>
+    </p:extLst>
+  </p:cSld>
+  <p:clrMapOvr>
+    <a:masterClrMapping/>
+  </p:clrMapOvr>
+</p:sld>
+</file>
+
+<file path=ppt/slides/slide20.xml><?xml version="1.0" encoding="utf-8"?>
 <p:sld xmlns:a="http://schemas.openxmlformats.org/drawingml/2006/main" xmlns:r="http://schemas.openxmlformats.org/officeDocument/2006/relationships" xmlns:p="http://schemas.openxmlformats.org/presentationml/2006/main">
   <p:cSld>
     <p:spTree>
@@ -25853,398 +27484,6 @@
     <p:extLst>
       <p:ext uri="{BB962C8B-B14F-4D97-AF65-F5344CB8AC3E}">
         <p14:creationId xmlns:p14="http://schemas.microsoft.com/office/powerpoint/2010/main" val="3508461805"/>
-      </p:ext>
-    </p:extLst>
-  </p:cSld>
-  <p:clrMapOvr>
-    <a:masterClrMapping/>
-  </p:clrMapOvr>
-</p:sld>
-</file>
-
-<file path=ppt/slides/slide2.xml><?xml version="1.0" encoding="utf-8"?>
-<p:sld xmlns:a="http://schemas.openxmlformats.org/drawingml/2006/main" xmlns:r="http://schemas.openxmlformats.org/officeDocument/2006/relationships" xmlns:p="http://schemas.openxmlformats.org/presentationml/2006/main">
-  <p:cSld>
-    <p:bg>
-      <p:bgPr>
-        <a:solidFill>
-          <a:srgbClr val="FCFCFE"/>
-        </a:solidFill>
-        <a:effectLst/>
-      </p:bgPr>
-    </p:bg>
-    <p:spTree>
-      <p:nvGrpSpPr>
-        <p:cNvPr id="1" name=""/>
-        <p:cNvGrpSpPr/>
-        <p:nvPr/>
-      </p:nvGrpSpPr>
-      <p:grpSpPr>
-        <a:xfrm>
-          <a:off x="0" y="0"/>
-          <a:ext cx="0" cy="0"/>
-          <a:chOff x="0" y="0"/>
-          <a:chExt cx="0" cy="0"/>
-        </a:xfrm>
-      </p:grpSpPr>
-      <p:sp>
-        <p:nvSpPr>
-          <p:cNvPr id="2" name="Title 1">
-            <a:extLst>
-              <a:ext uri="{FF2B5EF4-FFF2-40B4-BE49-F238E27FC236}">
-                <a16:creationId xmlns:a16="http://schemas.microsoft.com/office/drawing/2014/main" id="{7E148D4C-2DDE-13D1-BB26-EE1F6B24E1DE}"/>
-              </a:ext>
-            </a:extLst>
-          </p:cNvPr>
-          <p:cNvSpPr>
-            <a:spLocks noGrp="1"/>
-          </p:cNvSpPr>
-          <p:nvPr>
-            <p:ph type="title"/>
-          </p:nvPr>
-        </p:nvSpPr>
-        <p:spPr>
-          <a:xfrm>
-            <a:off x="0" y="107950"/>
-            <a:ext cx="10515600" cy="835025"/>
-          </a:xfrm>
-        </p:spPr>
-        <p:txBody>
-          <a:bodyPr>
-            <a:normAutofit/>
-          </a:bodyPr>
-          <a:lstStyle/>
-          <a:p>
-            <a:r>
-              <a:rPr lang="en-IN" sz="4000" dirty="0">
-                <a:solidFill>
-                  <a:srgbClr val="512BD4"/>
-                </a:solidFill>
-                <a:latin typeface="+mn-lt"/>
-              </a:rPr>
-              <a:t>Prerequisites</a:t>
-            </a:r>
-            <a:endParaRPr lang="en-IN" sz="5400" dirty="0">
-              <a:solidFill>
-                <a:srgbClr val="512BD4"/>
-              </a:solidFill>
-              <a:latin typeface="+mn-lt"/>
-            </a:endParaRPr>
-          </a:p>
-        </p:txBody>
-      </p:sp>
-      <p:sp>
-        <p:nvSpPr>
-          <p:cNvPr id="3" name="Content Placeholder 2">
-            <a:extLst>
-              <a:ext uri="{FF2B5EF4-FFF2-40B4-BE49-F238E27FC236}">
-                <a16:creationId xmlns:a16="http://schemas.microsoft.com/office/drawing/2014/main" id="{C9882C76-AFB0-4097-047A-A433F267E3FA}"/>
-              </a:ext>
-            </a:extLst>
-          </p:cNvPr>
-          <p:cNvSpPr>
-            <a:spLocks noGrp="1"/>
-          </p:cNvSpPr>
-          <p:nvPr>
-            <p:ph idx="1"/>
-          </p:nvPr>
-        </p:nvSpPr>
-        <p:spPr>
-          <a:xfrm>
-            <a:off x="238125" y="1119187"/>
-            <a:ext cx="10515600" cy="4619625"/>
-          </a:xfrm>
-        </p:spPr>
-        <p:txBody>
-          <a:bodyPr/>
-          <a:lstStyle/>
-          <a:p>
-            <a:r>
-              <a:rPr lang="en-IN" dirty="0">
-                <a:solidFill>
-                  <a:srgbClr val="512BD4"/>
-                </a:solidFill>
-              </a:rPr>
-              <a:t>Computer and its basic knowledge.</a:t>
-            </a:r>
-          </a:p>
-          <a:p>
-            <a:r>
-              <a:rPr lang="en-IN" dirty="0">
-                <a:solidFill>
-                  <a:srgbClr val="512BD4"/>
-                </a:solidFill>
-              </a:rPr>
-              <a:t>Integrated Development Environment or Code Editor</a:t>
-            </a:r>
-          </a:p>
-          <a:p>
-            <a:pPr lvl="1"/>
-            <a:r>
-              <a:rPr lang="en-IN" sz="2800" dirty="0">
-                <a:solidFill>
-                  <a:srgbClr val="512BD4"/>
-                </a:solidFill>
-              </a:rPr>
-              <a:t>Visual Studio (Recommended)</a:t>
-            </a:r>
-          </a:p>
-          <a:p>
-            <a:pPr lvl="1"/>
-            <a:r>
-              <a:rPr lang="en-IN" sz="2800" dirty="0">
-                <a:solidFill>
-                  <a:srgbClr val="512BD4"/>
-                </a:solidFill>
-              </a:rPr>
-              <a:t>Visual Studio Code</a:t>
-            </a:r>
-          </a:p>
-          <a:p>
-            <a:endParaRPr lang="en-IN" dirty="0"/>
-          </a:p>
-        </p:txBody>
-      </p:sp>
-    </p:spTree>
-    <p:extLst>
-      <p:ext uri="{BB962C8B-B14F-4D97-AF65-F5344CB8AC3E}">
-        <p14:creationId xmlns:p14="http://schemas.microsoft.com/office/powerpoint/2010/main" val="722443238"/>
-      </p:ext>
-    </p:extLst>
-  </p:cSld>
-  <p:clrMapOvr>
-    <a:masterClrMapping/>
-  </p:clrMapOvr>
-</p:sld>
-</file>
-
-<file path=ppt/slides/slide20.xml><?xml version="1.0" encoding="utf-8"?>
-<p:sld xmlns:a="http://schemas.openxmlformats.org/drawingml/2006/main" xmlns:r="http://schemas.openxmlformats.org/officeDocument/2006/relationships" xmlns:p="http://schemas.openxmlformats.org/presentationml/2006/main">
-  <p:cSld>
-    <p:spTree>
-      <p:nvGrpSpPr>
-        <p:cNvPr id="1" name=""/>
-        <p:cNvGrpSpPr/>
-        <p:nvPr/>
-      </p:nvGrpSpPr>
-      <p:grpSpPr>
-        <a:xfrm>
-          <a:off x="0" y="0"/>
-          <a:ext cx="0" cy="0"/>
-          <a:chOff x="0" y="0"/>
-          <a:chExt cx="0" cy="0"/>
-        </a:xfrm>
-      </p:grpSpPr>
-      <p:sp>
-        <p:nvSpPr>
-          <p:cNvPr id="2" name="Title 1">
-            <a:extLst>
-              <a:ext uri="{FF2B5EF4-FFF2-40B4-BE49-F238E27FC236}">
-                <a16:creationId xmlns:a16="http://schemas.microsoft.com/office/drawing/2014/main" id="{7894D8FC-4419-6E28-2FA2-52A971767D79}"/>
-              </a:ext>
-            </a:extLst>
-          </p:cNvPr>
-          <p:cNvSpPr>
-            <a:spLocks noGrp="1"/>
-          </p:cNvSpPr>
-          <p:nvPr>
-            <p:ph type="title"/>
-          </p:nvPr>
-        </p:nvSpPr>
-        <p:spPr>
-          <a:xfrm>
-            <a:off x="838200" y="365125"/>
-            <a:ext cx="10515600" cy="620713"/>
-          </a:xfrm>
-        </p:spPr>
-        <p:txBody>
-          <a:bodyPr>
-            <a:normAutofit fontScale="90000"/>
-          </a:bodyPr>
-          <a:lstStyle/>
-          <a:p>
-            <a:r>
-              <a:rPr lang="en-IN" dirty="0"/>
-              <a:t> C# Project</a:t>
-            </a:r>
-          </a:p>
-        </p:txBody>
-      </p:sp>
-      <p:sp>
-        <p:nvSpPr>
-          <p:cNvPr id="3" name="Content Placeholder 2">
-            <a:extLst>
-              <a:ext uri="{FF2B5EF4-FFF2-40B4-BE49-F238E27FC236}">
-                <a16:creationId xmlns:a16="http://schemas.microsoft.com/office/drawing/2014/main" id="{414C30A0-D0FC-6D5C-8160-757C0C8DC621}"/>
-              </a:ext>
-            </a:extLst>
-          </p:cNvPr>
-          <p:cNvSpPr>
-            <a:spLocks noGrp="1"/>
-          </p:cNvSpPr>
-          <p:nvPr>
-            <p:ph idx="1"/>
-          </p:nvPr>
-        </p:nvSpPr>
-        <p:spPr>
-          <a:xfrm>
-            <a:off x="838200" y="1328738"/>
-            <a:ext cx="10515600" cy="4848225"/>
-          </a:xfrm>
-        </p:spPr>
-        <p:txBody>
-          <a:bodyPr/>
-          <a:lstStyle/>
-          <a:p>
-            <a:pPr marL="342900" lvl="0" indent="-342900">
-              <a:buFont typeface="Symbol" panose="05050102010706020507" pitchFamily="18" charset="2"/>
-              <a:buChar char=""/>
-            </a:pPr>
-            <a:r>
-              <a:rPr lang="en-IN" sz="1800" dirty="0">
-                <a:effectLst/>
-                <a:latin typeface="Calibri" panose="020F0502020204030204" pitchFamily="34" charset="0"/>
-                <a:ea typeface="Times New Roman" panose="02020603050405020304" pitchFamily="18" charset="0"/>
-              </a:rPr>
-              <a:t>Even or Odd Number Checker: Read a number and print if it is an even or odd number.</a:t>
-            </a:r>
-            <a:endParaRPr lang="en-IN" sz="1800" dirty="0">
-              <a:effectLst/>
-              <a:latin typeface="Times New Roman" panose="02020603050405020304" pitchFamily="18" charset="0"/>
-              <a:ea typeface="Times New Roman" panose="02020603050405020304" pitchFamily="18" charset="0"/>
-            </a:endParaRPr>
-          </a:p>
-          <a:p>
-            <a:pPr marL="342900" lvl="0" indent="-342900">
-              <a:buFont typeface="Symbol" panose="05050102010706020507" pitchFamily="18" charset="2"/>
-              <a:buChar char=""/>
-            </a:pPr>
-            <a:r>
-              <a:rPr lang="en-IN" sz="1800" dirty="0">
-                <a:effectLst/>
-                <a:latin typeface="Calibri" panose="020F0502020204030204" pitchFamily="34" charset="0"/>
-                <a:ea typeface="Times New Roman" panose="02020603050405020304" pitchFamily="18" charset="0"/>
-              </a:rPr>
-              <a:t>Print Even and Odd Numbers from a range between 1 to 100 separately.</a:t>
-            </a:r>
-            <a:endParaRPr lang="en-IN" sz="1800" dirty="0">
-              <a:effectLst/>
-              <a:latin typeface="Times New Roman" panose="02020603050405020304" pitchFamily="18" charset="0"/>
-              <a:ea typeface="Times New Roman" panose="02020603050405020304" pitchFamily="18" charset="0"/>
-            </a:endParaRPr>
-          </a:p>
-          <a:p>
-            <a:pPr marL="342900" lvl="0" indent="-342900">
-              <a:buFont typeface="Symbol" panose="05050102010706020507" pitchFamily="18" charset="2"/>
-              <a:buChar char=""/>
-            </a:pPr>
-            <a:r>
-              <a:rPr lang="en-IN" sz="1800" dirty="0">
-                <a:effectLst/>
-                <a:latin typeface="Calibri" panose="020F0502020204030204" pitchFamily="34" charset="0"/>
-                <a:ea typeface="Times New Roman" panose="02020603050405020304" pitchFamily="18" charset="0"/>
-              </a:rPr>
-              <a:t>Read range start and range end number. Print Even numbers in the given range.</a:t>
-            </a:r>
-            <a:endParaRPr lang="en-IN" sz="1800" dirty="0">
-              <a:effectLst/>
-              <a:latin typeface="Times New Roman" panose="02020603050405020304" pitchFamily="18" charset="0"/>
-              <a:ea typeface="Times New Roman" panose="02020603050405020304" pitchFamily="18" charset="0"/>
-            </a:endParaRPr>
-          </a:p>
-          <a:p>
-            <a:pPr marL="342900" lvl="0" indent="-342900">
-              <a:lnSpc>
-                <a:spcPct val="115000"/>
-              </a:lnSpc>
-              <a:spcAft>
-                <a:spcPts val="800"/>
-              </a:spcAft>
-              <a:buFont typeface="Symbol" panose="05050102010706020507" pitchFamily="18" charset="2"/>
-              <a:buChar char=""/>
-            </a:pPr>
-            <a:r>
-              <a:rPr lang="en-IN" sz="1800" kern="100" dirty="0">
-                <a:effectLst/>
-                <a:latin typeface="Calibri" panose="020F0502020204030204" pitchFamily="34" charset="0"/>
-                <a:ea typeface="Aptos" panose="020B0004020202020204" pitchFamily="34" charset="0"/>
-                <a:cs typeface="Times New Roman" panose="02020603050405020304" pitchFamily="18" charset="0"/>
-              </a:rPr>
-              <a:t>Read a number and print a multiplication table of it.</a:t>
-            </a:r>
-            <a:endParaRPr lang="en-IN" sz="1800" kern="100" dirty="0">
-              <a:effectLst/>
-              <a:latin typeface="Aptos" panose="020B0004020202020204" pitchFamily="34" charset="0"/>
-              <a:ea typeface="Aptos" panose="020B0004020202020204" pitchFamily="34" charset="0"/>
-              <a:cs typeface="Times New Roman" panose="02020603050405020304" pitchFamily="18" charset="0"/>
-            </a:endParaRPr>
-          </a:p>
-          <a:p>
-            <a:r>
-              <a:rPr lang="en-IN" sz="1800" dirty="0">
-                <a:effectLst/>
-                <a:latin typeface="Calibri" panose="020F0502020204030204" pitchFamily="34" charset="0"/>
-                <a:ea typeface="Aptos" panose="020B0004020202020204" pitchFamily="34" charset="0"/>
-              </a:rPr>
-              <a:t>Calculate the Sum, Multiplication, Division and Subtraction of Two Numbers</a:t>
-            </a:r>
-          </a:p>
-          <a:p>
-            <a:endParaRPr lang="en-IN" dirty="0"/>
-          </a:p>
-          <a:p>
-            <a:endParaRPr lang="en-IN" dirty="0"/>
-          </a:p>
-          <a:p>
-            <a:endParaRPr lang="en-IN" dirty="0"/>
-          </a:p>
-        </p:txBody>
-      </p:sp>
-      <p:pic>
-        <p:nvPicPr>
-          <p:cNvPr id="4" name="Picture 3">
-            <a:extLst>
-              <a:ext uri="{FF2B5EF4-FFF2-40B4-BE49-F238E27FC236}">
-                <a16:creationId xmlns:a16="http://schemas.microsoft.com/office/drawing/2014/main" id="{ACF5F412-0EF2-C633-1932-E3468820A19D}"/>
-              </a:ext>
-            </a:extLst>
-          </p:cNvPr>
-          <p:cNvPicPr>
-            <a:picLocks noChangeAspect="1"/>
-          </p:cNvPicPr>
-          <p:nvPr/>
-        </p:nvPicPr>
-        <p:blipFill>
-          <a:blip r:embed="rId2">
-            <a:extLst>
-              <a:ext uri="{28A0092B-C50C-407E-A947-70E740481C1C}">
-                <a14:useLocalDpi xmlns:a14="http://schemas.microsoft.com/office/drawing/2010/main" val="0"/>
-              </a:ext>
-            </a:extLst>
-          </a:blip>
-          <a:srcRect/>
-          <a:stretch>
-            <a:fillRect/>
-          </a:stretch>
-        </p:blipFill>
-        <p:spPr bwMode="auto">
-          <a:xfrm>
-            <a:off x="3030220" y="3429000"/>
-            <a:ext cx="5731510" cy="3429000"/>
-          </a:xfrm>
-          <a:prstGeom prst="rect">
-            <a:avLst/>
-          </a:prstGeom>
-          <a:noFill/>
-          <a:ln>
-            <a:noFill/>
-          </a:ln>
-        </p:spPr>
-      </p:pic>
-    </p:spTree>
-    <p:extLst>
-      <p:ext uri="{BB962C8B-B14F-4D97-AF65-F5344CB8AC3E}">
-        <p14:creationId xmlns:p14="http://schemas.microsoft.com/office/powerpoint/2010/main" val="1232387203"/>
       </p:ext>
     </p:extLst>
   </p:cSld>

--- a/docs/C Sharp Programming Language - Fundaments.pptx
+++ b/docs/C Sharp Programming Language - Fundaments.pptx
@@ -9,27 +9,31 @@
     <p:sldId id="257" r:id="rId3"/>
     <p:sldId id="258" r:id="rId4"/>
     <p:sldId id="261" r:id="rId5"/>
-    <p:sldId id="283" r:id="rId6"/>
-    <p:sldId id="262" r:id="rId7"/>
-    <p:sldId id="259" r:id="rId8"/>
-    <p:sldId id="263" r:id="rId9"/>
-    <p:sldId id="266" r:id="rId10"/>
-    <p:sldId id="264" r:id="rId11"/>
-    <p:sldId id="271" r:id="rId12"/>
-    <p:sldId id="272" r:id="rId13"/>
-    <p:sldId id="267" r:id="rId14"/>
-    <p:sldId id="268" r:id="rId15"/>
-    <p:sldId id="270" r:id="rId16"/>
-    <p:sldId id="269" r:id="rId17"/>
-    <p:sldId id="281" r:id="rId18"/>
-    <p:sldId id="280" r:id="rId19"/>
-    <p:sldId id="274" r:id="rId20"/>
-    <p:sldId id="273" r:id="rId21"/>
-    <p:sldId id="275" r:id="rId22"/>
-    <p:sldId id="277" r:id="rId23"/>
-    <p:sldId id="279" r:id="rId24"/>
-    <p:sldId id="278" r:id="rId25"/>
-    <p:sldId id="276" r:id="rId26"/>
+    <p:sldId id="287" r:id="rId6"/>
+    <p:sldId id="264" r:id="rId7"/>
+    <p:sldId id="283" r:id="rId8"/>
+    <p:sldId id="262" r:id="rId9"/>
+    <p:sldId id="259" r:id="rId10"/>
+    <p:sldId id="263" r:id="rId11"/>
+    <p:sldId id="266" r:id="rId12"/>
+    <p:sldId id="271" r:id="rId13"/>
+    <p:sldId id="272" r:id="rId14"/>
+    <p:sldId id="267" r:id="rId15"/>
+    <p:sldId id="268" r:id="rId16"/>
+    <p:sldId id="270" r:id="rId17"/>
+    <p:sldId id="269" r:id="rId18"/>
+    <p:sldId id="281" r:id="rId19"/>
+    <p:sldId id="280" r:id="rId20"/>
+    <p:sldId id="284" r:id="rId21"/>
+    <p:sldId id="286" r:id="rId22"/>
+    <p:sldId id="285" r:id="rId23"/>
+    <p:sldId id="274" r:id="rId24"/>
+    <p:sldId id="273" r:id="rId25"/>
+    <p:sldId id="275" r:id="rId26"/>
+    <p:sldId id="277" r:id="rId27"/>
+    <p:sldId id="279" r:id="rId28"/>
+    <p:sldId id="278" r:id="rId29"/>
+    <p:sldId id="276" r:id="rId30"/>
   </p:sldIdLst>
   <p:sldSz cx="12192000" cy="6858000"/>
   <p:notesSz cx="6858000" cy="9144000"/>
@@ -10374,7 +10378,7 @@
           <a:p>
             <a:fld id="{5E3FAA4F-2C21-4120-BEE3-E8676BE3D930}" type="datetimeFigureOut">
               <a:rPr lang="en-IN" smtClean="0"/>
-              <a:t>01-04-2024</a:t>
+              <a:t>02-04-2024</a:t>
             </a:fld>
             <a:endParaRPr lang="en-IN" dirty="0"/>
           </a:p>
@@ -10574,7 +10578,7 @@
           <a:p>
             <a:fld id="{5E3FAA4F-2C21-4120-BEE3-E8676BE3D930}" type="datetimeFigureOut">
               <a:rPr lang="en-IN" smtClean="0"/>
-              <a:t>01-04-2024</a:t>
+              <a:t>02-04-2024</a:t>
             </a:fld>
             <a:endParaRPr lang="en-IN" dirty="0"/>
           </a:p>
@@ -10784,7 +10788,7 @@
           <a:p>
             <a:fld id="{5E3FAA4F-2C21-4120-BEE3-E8676BE3D930}" type="datetimeFigureOut">
               <a:rPr lang="en-IN" smtClean="0"/>
-              <a:t>01-04-2024</a:t>
+              <a:t>02-04-2024</a:t>
             </a:fld>
             <a:endParaRPr lang="en-IN" dirty="0"/>
           </a:p>
@@ -10984,7 +10988,7 @@
           <a:p>
             <a:fld id="{5E3FAA4F-2C21-4120-BEE3-E8676BE3D930}" type="datetimeFigureOut">
               <a:rPr lang="en-IN" smtClean="0"/>
-              <a:t>01-04-2024</a:t>
+              <a:t>02-04-2024</a:t>
             </a:fld>
             <a:endParaRPr lang="en-IN" dirty="0"/>
           </a:p>
@@ -11260,7 +11264,7 @@
           <a:p>
             <a:fld id="{5E3FAA4F-2C21-4120-BEE3-E8676BE3D930}" type="datetimeFigureOut">
               <a:rPr lang="en-IN" smtClean="0"/>
-              <a:t>01-04-2024</a:t>
+              <a:t>02-04-2024</a:t>
             </a:fld>
             <a:endParaRPr lang="en-IN" dirty="0"/>
           </a:p>
@@ -11528,7 +11532,7 @@
           <a:p>
             <a:fld id="{5E3FAA4F-2C21-4120-BEE3-E8676BE3D930}" type="datetimeFigureOut">
               <a:rPr lang="en-IN" smtClean="0"/>
-              <a:t>01-04-2024</a:t>
+              <a:t>02-04-2024</a:t>
             </a:fld>
             <a:endParaRPr lang="en-IN" dirty="0"/>
           </a:p>
@@ -11943,7 +11947,7 @@
           <a:p>
             <a:fld id="{5E3FAA4F-2C21-4120-BEE3-E8676BE3D930}" type="datetimeFigureOut">
               <a:rPr lang="en-IN" smtClean="0"/>
-              <a:t>01-04-2024</a:t>
+              <a:t>02-04-2024</a:t>
             </a:fld>
             <a:endParaRPr lang="en-IN" dirty="0"/>
           </a:p>
@@ -12085,7 +12089,7 @@
           <a:p>
             <a:fld id="{5E3FAA4F-2C21-4120-BEE3-E8676BE3D930}" type="datetimeFigureOut">
               <a:rPr lang="en-IN" smtClean="0"/>
-              <a:t>01-04-2024</a:t>
+              <a:t>02-04-2024</a:t>
             </a:fld>
             <a:endParaRPr lang="en-IN" dirty="0"/>
           </a:p>
@@ -12198,7 +12202,7 @@
           <a:p>
             <a:fld id="{5E3FAA4F-2C21-4120-BEE3-E8676BE3D930}" type="datetimeFigureOut">
               <a:rPr lang="en-IN" smtClean="0"/>
-              <a:t>01-04-2024</a:t>
+              <a:t>02-04-2024</a:t>
             </a:fld>
             <a:endParaRPr lang="en-IN" dirty="0"/>
           </a:p>
@@ -12511,7 +12515,7 @@
           <a:p>
             <a:fld id="{5E3FAA4F-2C21-4120-BEE3-E8676BE3D930}" type="datetimeFigureOut">
               <a:rPr lang="en-IN" smtClean="0"/>
-              <a:t>01-04-2024</a:t>
+              <a:t>02-04-2024</a:t>
             </a:fld>
             <a:endParaRPr lang="en-IN" dirty="0"/>
           </a:p>
@@ -12800,7 +12804,7 @@
           <a:p>
             <a:fld id="{5E3FAA4F-2C21-4120-BEE3-E8676BE3D930}" type="datetimeFigureOut">
               <a:rPr lang="en-IN" smtClean="0"/>
-              <a:t>01-04-2024</a:t>
+              <a:t>02-04-2024</a:t>
             </a:fld>
             <a:endParaRPr lang="en-IN" dirty="0"/>
           </a:p>
@@ -13043,7 +13047,7 @@
           <a:p>
             <a:fld id="{5E3FAA4F-2C21-4120-BEE3-E8676BE3D930}" type="datetimeFigureOut">
               <a:rPr lang="en-IN" smtClean="0"/>
-              <a:t>01-04-2024</a:t>
+              <a:t>02-04-2024</a:t>
             </a:fld>
             <a:endParaRPr lang="en-IN" dirty="0"/>
           </a:p>
@@ -13449,7 +13453,7 @@
     <p:bg>
       <p:bgPr>
         <a:solidFill>
-          <a:srgbClr val="FCFCFE"/>
+          <a:schemeClr val="bg1"/>
         </a:solidFill>
         <a:effectLst/>
       </p:bgPr>
@@ -13470,6 +13474,69 @@
       </p:grpSpPr>
       <p:sp>
         <p:nvSpPr>
+          <p:cNvPr id="22" name="Flowchart: Document 21">
+            <a:extLst>
+              <a:ext uri="{FF2B5EF4-FFF2-40B4-BE49-F238E27FC236}">
+                <a16:creationId xmlns:a16="http://schemas.microsoft.com/office/drawing/2014/main" id="{D12DDE76-C203-4047-9998-63900085B5E8}"/>
+              </a:ext>
+              <a:ext uri="{C183D7F6-B498-43B3-948B-1728B52AA6E4}">
+                <adec:decorative xmlns:adec="http://schemas.microsoft.com/office/drawing/2017/decorative" val="1"/>
+              </a:ext>
+            </a:extLst>
+          </p:cNvPr>
+          <p:cNvSpPr>
+            <a:spLocks noGrp="1" noRot="1" noChangeAspect="1" noMove="1" noResize="1" noEditPoints="1" noAdjustHandles="1" noChangeArrowheads="1" noChangeShapeType="1" noTextEdit="1"/>
+          </p:cNvSpPr>
+          <p:nvPr>
+            <p:extLst>
+              <p:ext uri="{386F3935-93C4-4BCD-93E2-E3B085C9AB24}">
+                <p16:designElem xmlns:p16="http://schemas.microsoft.com/office/powerpoint/2015/main" val="1"/>
+              </p:ext>
+            </p:extLst>
+          </p:nvPr>
+        </p:nvSpPr>
+        <p:spPr>
+          <a:xfrm>
+            <a:off x="638175" y="0"/>
+            <a:ext cx="3248025" cy="3400426"/>
+          </a:xfrm>
+          <a:prstGeom prst="flowChartDocument">
+            <a:avLst/>
+          </a:prstGeom>
+          <a:solidFill>
+            <a:srgbClr val="6E4DA3"/>
+          </a:solidFill>
+          <a:ln>
+            <a:noFill/>
+          </a:ln>
+        </p:spPr>
+        <p:style>
+          <a:lnRef idx="2">
+            <a:schemeClr val="accent1">
+              <a:shade val="50000"/>
+            </a:schemeClr>
+          </a:lnRef>
+          <a:fillRef idx="1">
+            <a:schemeClr val="accent1"/>
+          </a:fillRef>
+          <a:effectRef idx="0">
+            <a:schemeClr val="accent1"/>
+          </a:effectRef>
+          <a:fontRef idx="minor">
+            <a:schemeClr val="lt1"/>
+          </a:fontRef>
+        </p:style>
+        <p:txBody>
+          <a:bodyPr rtlCol="0" anchor="ctr"/>
+          <a:lstStyle/>
+          <a:p>
+            <a:pPr algn="ctr"/>
+            <a:endParaRPr lang="en-US"/>
+          </a:p>
+        </p:txBody>
+      </p:sp>
+      <p:sp>
+        <p:nvSpPr>
           <p:cNvPr id="2" name="Title 1">
             <a:extLst>
               <a:ext uri="{FF2B5EF4-FFF2-40B4-BE49-F238E27FC236}">
@@ -13486,45 +13553,88 @@
         </p:nvSpPr>
         <p:spPr>
           <a:xfrm>
-            <a:off x="128587" y="114300"/>
-            <a:ext cx="11930063" cy="6572250"/>
+            <a:off x="838200" y="171162"/>
+            <a:ext cx="2840182" cy="2371148"/>
           </a:xfrm>
         </p:spPr>
         <p:txBody>
-          <a:bodyPr anchor="ctr">
+          <a:bodyPr vert="horz" lIns="91440" tIns="45720" rIns="91440" bIns="45720" rtlCol="0" anchor="ctr">
             <a:normAutofit/>
           </a:bodyPr>
           <a:lstStyle/>
           <a:p>
+            <a:pPr algn="l"/>
             <a:r>
-              <a:rPr lang="en-IN" sz="5400" dirty="0">
+              <a:rPr lang="en-US" sz="3200" kern="1200">
                 <a:solidFill>
-                  <a:srgbClr val="512BD4"/>
+                  <a:srgbClr val="FFFFFF"/>
                 </a:solidFill>
-                <a:latin typeface="+mn-lt"/>
+                <a:latin typeface="+mj-lt"/>
+                <a:ea typeface="+mj-ea"/>
+                <a:cs typeface="+mj-cs"/>
               </a:rPr>
               <a:t>C# Programming Language</a:t>
             </a:r>
             <a:br>
-              <a:rPr lang="en-IN" sz="5400" dirty="0">
+              <a:rPr lang="en-US" sz="3200" kern="1200">
                 <a:solidFill>
-                  <a:srgbClr val="512BD4"/>
+                  <a:srgbClr val="FFFFFF"/>
                 </a:solidFill>
-                <a:latin typeface="+mn-lt"/>
+                <a:latin typeface="+mj-lt"/>
+                <a:ea typeface="+mj-ea"/>
+                <a:cs typeface="+mj-cs"/>
               </a:rPr>
             </a:br>
             <a:r>
-              <a:rPr lang="en-IN" sz="5400" dirty="0">
+              <a:rPr lang="en-US" sz="3200" kern="1200">
                 <a:solidFill>
-                  <a:srgbClr val="512BD4"/>
+                  <a:srgbClr val="FFFFFF"/>
                 </a:solidFill>
-                <a:latin typeface="+mn-lt"/>
+                <a:latin typeface="+mj-lt"/>
+                <a:ea typeface="+mj-ea"/>
+                <a:cs typeface="+mj-cs"/>
               </a:rPr>
               <a:t>Fundamentals</a:t>
             </a:r>
           </a:p>
         </p:txBody>
       </p:sp>
+      <p:pic>
+        <p:nvPicPr>
+          <p:cNvPr id="3" name="Picture 2" descr="A hexagon with a letter c and a hashtag&#10;&#10;Description automatically generated">
+            <a:extLst>
+              <a:ext uri="{FF2B5EF4-FFF2-40B4-BE49-F238E27FC236}">
+                <a16:creationId xmlns:a16="http://schemas.microsoft.com/office/drawing/2014/main" id="{223968C5-E4AE-8A24-2D95-AD5FEDA592D6}"/>
+              </a:ext>
+            </a:extLst>
+          </p:cNvPr>
+          <p:cNvPicPr>
+            <a:picLocks noChangeAspect="1"/>
+          </p:cNvPicPr>
+          <p:nvPr/>
+        </p:nvPicPr>
+        <p:blipFill>
+          <a:blip r:embed="rId2">
+            <a:extLst>
+              <a:ext uri="{28A0092B-C50C-407E-A947-70E740481C1C}">
+                <a14:useLocalDpi xmlns:a14="http://schemas.microsoft.com/office/drawing/2010/main" val="0"/>
+              </a:ext>
+            </a:extLst>
+          </a:blip>
+          <a:stretch>
+            <a:fillRect/>
+          </a:stretch>
+        </p:blipFill>
+        <p:spPr>
+          <a:xfrm>
+            <a:off x="5287552" y="640080"/>
+            <a:ext cx="5188298" cy="5578816"/>
+          </a:xfrm>
+          <a:prstGeom prst="rect">
+            <a:avLst/>
+          </a:prstGeom>
+        </p:spPr>
+      </p:pic>
     </p:spTree>
     <p:extLst>
       <p:ext uri="{BB962C8B-B14F-4D97-AF65-F5344CB8AC3E}">
@@ -13535,6 +13645,9 @@
   <p:clrMapOvr>
     <a:masterClrMapping/>
   </p:clrMapOvr>
+  <p:transition spd="slow">
+    <p:wipe/>
+  </p:transition>
 </p:sld>
 </file>
 
@@ -13568,7 +13681,7 @@
           <p:cNvPr id="2" name="Title 1">
             <a:extLst>
               <a:ext uri="{FF2B5EF4-FFF2-40B4-BE49-F238E27FC236}">
-                <a16:creationId xmlns:a16="http://schemas.microsoft.com/office/drawing/2014/main" id="{26D3F244-3DF7-54D6-9ABC-0CB3308B6EA4}"/>
+                <a16:creationId xmlns:a16="http://schemas.microsoft.com/office/drawing/2014/main" id="{49E8FEC9-4138-01EF-E845-1A810BB7467B}"/>
               </a:ext>
             </a:extLst>
           </p:cNvPr>
@@ -13576,62 +13689,1379 @@
             <a:spLocks noGrp="1"/>
           </p:cNvSpPr>
           <p:nvPr>
-            <p:ph type="ctrTitle"/>
+            <p:ph type="title"/>
           </p:nvPr>
         </p:nvSpPr>
         <p:spPr>
           <a:xfrm>
-            <a:off x="157163" y="171450"/>
-            <a:ext cx="11815762" cy="6543675"/>
+            <a:off x="145026" y="143900"/>
+            <a:ext cx="10515600" cy="732154"/>
           </a:xfrm>
         </p:spPr>
         <p:txBody>
-          <a:bodyPr anchor="ctr">
+          <a:bodyPr/>
+          <a:lstStyle/>
+          <a:p>
+            <a:r>
+              <a:rPr lang="en-IN" sz="4400" dirty="0">
+                <a:solidFill>
+                  <a:srgbClr val="512BD4"/>
+                </a:solidFill>
+                <a:latin typeface="+mn-lt"/>
+              </a:rPr>
+              <a:t>C#</a:t>
+            </a:r>
+            <a:endParaRPr lang="en-IN" dirty="0">
+              <a:latin typeface="+mn-lt"/>
+            </a:endParaRPr>
+          </a:p>
+        </p:txBody>
+      </p:sp>
+      <p:sp>
+        <p:nvSpPr>
+          <p:cNvPr id="3" name="Content Placeholder 2">
+            <a:extLst>
+              <a:ext uri="{FF2B5EF4-FFF2-40B4-BE49-F238E27FC236}">
+                <a16:creationId xmlns:a16="http://schemas.microsoft.com/office/drawing/2014/main" id="{C71DF20C-9625-5097-A72B-203521732D5B}"/>
+              </a:ext>
+            </a:extLst>
+          </p:cNvPr>
+          <p:cNvSpPr>
+            <a:spLocks noGrp="1"/>
+          </p:cNvSpPr>
+          <p:nvPr>
+            <p:ph idx="1"/>
+          </p:nvPr>
+        </p:nvSpPr>
+        <p:spPr>
+          <a:xfrm>
+            <a:off x="410497" y="1151296"/>
+            <a:ext cx="4415444" cy="4833937"/>
+          </a:xfrm>
+        </p:spPr>
+        <p:txBody>
+          <a:bodyPr>
             <a:normAutofit/>
           </a:bodyPr>
           <a:lstStyle/>
           <a:p>
             <a:r>
-              <a:rPr lang="en-IN" sz="5400" dirty="0">
+              <a:rPr lang="en-IN" sz="3200" dirty="0">
                 <a:solidFill>
                   <a:srgbClr val="512BD4"/>
                 </a:solidFill>
-                <a:latin typeface="+mn-lt"/>
               </a:rPr>
-              <a:t>Our</a:t>
+              <a:t>Open Source</a:t>
             </a:r>
+          </a:p>
+          <a:p>
             <a:r>
-              <a:rPr lang="en-IN" sz="7200" dirty="0">
-                <a:latin typeface="+mn-lt"/>
-              </a:rPr>
-              <a:t> </a:t>
-            </a:r>
-            <a:r>
-              <a:rPr lang="en-IN" sz="5400" dirty="0">
+              <a:rPr lang="en-IN" sz="3200" dirty="0">
                 <a:solidFill>
                   <a:srgbClr val="512BD4"/>
                 </a:solidFill>
+              </a:rPr>
+              <a:t>Cross Platform</a:t>
+            </a:r>
+          </a:p>
+          <a:p>
+            <a:r>
+              <a:rPr lang="en-IN" sz="3200" dirty="0">
+                <a:solidFill>
+                  <a:srgbClr val="512BD4"/>
+                </a:solidFill>
+              </a:rPr>
+              <a:t>Strongly Typed</a:t>
+            </a:r>
+          </a:p>
+          <a:p>
+            <a:r>
+              <a:rPr lang="en-IN" sz="3200" dirty="0">
+                <a:solidFill>
+                  <a:srgbClr val="512BD4"/>
+                </a:solidFill>
+              </a:rPr>
+              <a:t>Case Sensitive</a:t>
+            </a:r>
+          </a:p>
+          <a:p>
+            <a:r>
+              <a:rPr lang="en-IN" sz="3200" dirty="0">
+                <a:solidFill>
+                  <a:srgbClr val="512BD4"/>
+                </a:solidFill>
+              </a:rPr>
+              <a:t>Memory Management</a:t>
+            </a:r>
+          </a:p>
+          <a:p>
+            <a:r>
+              <a:rPr lang="en-IN" sz="3200" dirty="0">
+                <a:solidFill>
+                  <a:srgbClr val="512BD4"/>
+                </a:solidFill>
+              </a:rPr>
+              <a:t>Object Oriented</a:t>
+            </a:r>
+          </a:p>
+        </p:txBody>
+      </p:sp>
+      <p:sp>
+        <p:nvSpPr>
+          <p:cNvPr id="4" name="Content Placeholder 2">
+            <a:extLst>
+              <a:ext uri="{FF2B5EF4-FFF2-40B4-BE49-F238E27FC236}">
+                <a16:creationId xmlns:a16="http://schemas.microsoft.com/office/drawing/2014/main" id="{123C4DB8-0EF3-998D-0032-62E0561A2B37}"/>
+              </a:ext>
+            </a:extLst>
+          </p:cNvPr>
+          <p:cNvSpPr txBox="1">
+            <a:spLocks/>
+          </p:cNvSpPr>
+          <p:nvPr/>
+        </p:nvSpPr>
+        <p:spPr>
+          <a:xfrm>
+            <a:off x="6493626" y="1358785"/>
+            <a:ext cx="4415444" cy="4833937"/>
+          </a:xfrm>
+          <a:prstGeom prst="rect">
+            <a:avLst/>
+          </a:prstGeom>
+        </p:spPr>
+        <p:txBody>
+          <a:bodyPr vert="horz" lIns="91440" tIns="45720" rIns="91440" bIns="45720" rtlCol="0">
+            <a:normAutofit/>
+          </a:bodyPr>
+          <a:lstStyle>
+            <a:lvl1pPr marL="228600" indent="-228600" algn="l" defTabSz="914400" rtl="0" eaLnBrk="1" latinLnBrk="0" hangingPunct="1">
+              <a:lnSpc>
+                <a:spcPct val="90000"/>
+              </a:lnSpc>
+              <a:spcBef>
+                <a:spcPts val="1000"/>
+              </a:spcBef>
+              <a:buFont typeface="Arial" panose="020B0604020202020204" pitchFamily="34" charset="0"/>
+              <a:buChar char="•"/>
+              <a:defRPr sz="2800" kern="1200">
+                <a:solidFill>
+                  <a:schemeClr val="tx1"/>
+                </a:solidFill>
                 <a:latin typeface="+mn-lt"/>
+                <a:ea typeface="+mn-ea"/>
+                <a:cs typeface="+mn-cs"/>
+              </a:defRPr>
+            </a:lvl1pPr>
+            <a:lvl2pPr marL="685800" indent="-228600" algn="l" defTabSz="914400" rtl="0" eaLnBrk="1" latinLnBrk="0" hangingPunct="1">
+              <a:lnSpc>
+                <a:spcPct val="90000"/>
+              </a:lnSpc>
+              <a:spcBef>
+                <a:spcPts val="500"/>
+              </a:spcBef>
+              <a:buFont typeface="Arial" panose="020B0604020202020204" pitchFamily="34" charset="0"/>
+              <a:buChar char="•"/>
+              <a:defRPr sz="2400" kern="1200">
+                <a:solidFill>
+                  <a:schemeClr val="tx1"/>
+                </a:solidFill>
+                <a:latin typeface="+mn-lt"/>
+                <a:ea typeface="+mn-ea"/>
+                <a:cs typeface="+mn-cs"/>
+              </a:defRPr>
+            </a:lvl2pPr>
+            <a:lvl3pPr marL="1143000" indent="-228600" algn="l" defTabSz="914400" rtl="0" eaLnBrk="1" latinLnBrk="0" hangingPunct="1">
+              <a:lnSpc>
+                <a:spcPct val="90000"/>
+              </a:lnSpc>
+              <a:spcBef>
+                <a:spcPts val="500"/>
+              </a:spcBef>
+              <a:buFont typeface="Arial" panose="020B0604020202020204" pitchFamily="34" charset="0"/>
+              <a:buChar char="•"/>
+              <a:defRPr sz="2000" kern="1200">
+                <a:solidFill>
+                  <a:schemeClr val="tx1"/>
+                </a:solidFill>
+                <a:latin typeface="+mn-lt"/>
+                <a:ea typeface="+mn-ea"/>
+                <a:cs typeface="+mn-cs"/>
+              </a:defRPr>
+            </a:lvl3pPr>
+            <a:lvl4pPr marL="1600200" indent="-228600" algn="l" defTabSz="914400" rtl="0" eaLnBrk="1" latinLnBrk="0" hangingPunct="1">
+              <a:lnSpc>
+                <a:spcPct val="90000"/>
+              </a:lnSpc>
+              <a:spcBef>
+                <a:spcPts val="500"/>
+              </a:spcBef>
+              <a:buFont typeface="Arial" panose="020B0604020202020204" pitchFamily="34" charset="0"/>
+              <a:buChar char="•"/>
+              <a:defRPr sz="1800" kern="1200">
+                <a:solidFill>
+                  <a:schemeClr val="tx1"/>
+                </a:solidFill>
+                <a:latin typeface="+mn-lt"/>
+                <a:ea typeface="+mn-ea"/>
+                <a:cs typeface="+mn-cs"/>
+              </a:defRPr>
+            </a:lvl4pPr>
+            <a:lvl5pPr marL="2057400" indent="-228600" algn="l" defTabSz="914400" rtl="0" eaLnBrk="1" latinLnBrk="0" hangingPunct="1">
+              <a:lnSpc>
+                <a:spcPct val="90000"/>
+              </a:lnSpc>
+              <a:spcBef>
+                <a:spcPts val="500"/>
+              </a:spcBef>
+              <a:buFont typeface="Arial" panose="020B0604020202020204" pitchFamily="34" charset="0"/>
+              <a:buChar char="•"/>
+              <a:defRPr sz="1800" kern="1200">
+                <a:solidFill>
+                  <a:schemeClr val="tx1"/>
+                </a:solidFill>
+                <a:latin typeface="+mn-lt"/>
+                <a:ea typeface="+mn-ea"/>
+                <a:cs typeface="+mn-cs"/>
+              </a:defRPr>
+            </a:lvl5pPr>
+            <a:lvl6pPr marL="2514600" indent="-228600" algn="l" defTabSz="914400" rtl="0" eaLnBrk="1" latinLnBrk="0" hangingPunct="1">
+              <a:lnSpc>
+                <a:spcPct val="90000"/>
+              </a:lnSpc>
+              <a:spcBef>
+                <a:spcPts val="500"/>
+              </a:spcBef>
+              <a:buFont typeface="Arial" panose="020B0604020202020204" pitchFamily="34" charset="0"/>
+              <a:buChar char="•"/>
+              <a:defRPr sz="1800" kern="1200">
+                <a:solidFill>
+                  <a:schemeClr val="tx1"/>
+                </a:solidFill>
+                <a:latin typeface="+mn-lt"/>
+                <a:ea typeface="+mn-ea"/>
+                <a:cs typeface="+mn-cs"/>
+              </a:defRPr>
+            </a:lvl6pPr>
+            <a:lvl7pPr marL="2971800" indent="-228600" algn="l" defTabSz="914400" rtl="0" eaLnBrk="1" latinLnBrk="0" hangingPunct="1">
+              <a:lnSpc>
+                <a:spcPct val="90000"/>
+              </a:lnSpc>
+              <a:spcBef>
+                <a:spcPts val="500"/>
+              </a:spcBef>
+              <a:buFont typeface="Arial" panose="020B0604020202020204" pitchFamily="34" charset="0"/>
+              <a:buChar char="•"/>
+              <a:defRPr sz="1800" kern="1200">
+                <a:solidFill>
+                  <a:schemeClr val="tx1"/>
+                </a:solidFill>
+                <a:latin typeface="+mn-lt"/>
+                <a:ea typeface="+mn-ea"/>
+                <a:cs typeface="+mn-cs"/>
+              </a:defRPr>
+            </a:lvl7pPr>
+            <a:lvl8pPr marL="3429000" indent="-228600" algn="l" defTabSz="914400" rtl="0" eaLnBrk="1" latinLnBrk="0" hangingPunct="1">
+              <a:lnSpc>
+                <a:spcPct val="90000"/>
+              </a:lnSpc>
+              <a:spcBef>
+                <a:spcPts val="500"/>
+              </a:spcBef>
+              <a:buFont typeface="Arial" panose="020B0604020202020204" pitchFamily="34" charset="0"/>
+              <a:buChar char="•"/>
+              <a:defRPr sz="1800" kern="1200">
+                <a:solidFill>
+                  <a:schemeClr val="tx1"/>
+                </a:solidFill>
+                <a:latin typeface="+mn-lt"/>
+                <a:ea typeface="+mn-ea"/>
+                <a:cs typeface="+mn-cs"/>
+              </a:defRPr>
+            </a:lvl8pPr>
+            <a:lvl9pPr marL="3886200" indent="-228600" algn="l" defTabSz="914400" rtl="0" eaLnBrk="1" latinLnBrk="0" hangingPunct="1">
+              <a:lnSpc>
+                <a:spcPct val="90000"/>
+              </a:lnSpc>
+              <a:spcBef>
+                <a:spcPts val="500"/>
+              </a:spcBef>
+              <a:buFont typeface="Arial" panose="020B0604020202020204" pitchFamily="34" charset="0"/>
+              <a:buChar char="•"/>
+              <a:defRPr sz="1800" kern="1200">
+                <a:solidFill>
+                  <a:schemeClr val="tx1"/>
+                </a:solidFill>
+                <a:latin typeface="+mn-lt"/>
+                <a:ea typeface="+mn-ea"/>
+                <a:cs typeface="+mn-cs"/>
+              </a:defRPr>
+            </a:lvl9pPr>
+          </a:lstStyle>
+          <a:p>
+            <a:r>
+              <a:rPr lang="en-IN" sz="3200" dirty="0">
+                <a:solidFill>
+                  <a:srgbClr val="512BD4"/>
+                </a:solidFill>
               </a:rPr>
-              <a:t>First C# Program</a:t>
+              <a:t>Usage</a:t>
             </a:r>
+          </a:p>
+          <a:p>
+            <a:pPr lvl="1"/>
+            <a:r>
+              <a:rPr lang="en-IN" sz="3200" dirty="0">
+                <a:solidFill>
+                  <a:srgbClr val="512BD4"/>
+                </a:solidFill>
+              </a:rPr>
+              <a:t>Desktop Applications</a:t>
+            </a:r>
+          </a:p>
+          <a:p>
+            <a:pPr lvl="1"/>
+            <a:r>
+              <a:rPr lang="en-IN" sz="3200" dirty="0">
+                <a:solidFill>
+                  <a:srgbClr val="512BD4"/>
+                </a:solidFill>
+              </a:rPr>
+              <a:t>Web Applications</a:t>
+            </a:r>
+          </a:p>
+          <a:p>
+            <a:pPr lvl="1"/>
+            <a:r>
+              <a:rPr lang="en-IN" sz="3200" dirty="0">
+                <a:solidFill>
+                  <a:srgbClr val="512BD4"/>
+                </a:solidFill>
+              </a:rPr>
+              <a:t>Mobile Applications</a:t>
+            </a:r>
+          </a:p>
+          <a:p>
+            <a:pPr lvl="1"/>
+            <a:r>
+              <a:rPr lang="en-IN" sz="3200" dirty="0">
+                <a:solidFill>
+                  <a:srgbClr val="512BD4"/>
+                </a:solidFill>
+              </a:rPr>
+              <a:t>Cloud Applications</a:t>
+            </a:r>
+          </a:p>
+          <a:p>
+            <a:pPr lvl="1"/>
+            <a:r>
+              <a:rPr lang="en-IN" sz="3200" dirty="0">
+                <a:solidFill>
+                  <a:srgbClr val="512BD4"/>
+                </a:solidFill>
+              </a:rPr>
+              <a:t>Web APIs</a:t>
+            </a:r>
+          </a:p>
+          <a:p>
+            <a:pPr lvl="1"/>
+            <a:r>
+              <a:rPr lang="en-IN" sz="3200" dirty="0">
+                <a:solidFill>
+                  <a:srgbClr val="512BD4"/>
+                </a:solidFill>
+              </a:rPr>
+              <a:t>SSIS Packages</a:t>
+            </a:r>
+          </a:p>
+          <a:p>
+            <a:pPr lvl="1"/>
+            <a:r>
+              <a:rPr lang="en-IN" sz="3200" dirty="0">
+                <a:solidFill>
+                  <a:srgbClr val="512BD4"/>
+                </a:solidFill>
+              </a:rPr>
+              <a:t>Many More…</a:t>
+            </a:r>
+          </a:p>
+          <a:p>
+            <a:pPr lvl="1"/>
+            <a:endParaRPr lang="en-IN" dirty="0"/>
           </a:p>
         </p:txBody>
       </p:sp>
     </p:spTree>
     <p:extLst>
       <p:ext uri="{BB962C8B-B14F-4D97-AF65-F5344CB8AC3E}">
-        <p14:creationId xmlns:p14="http://schemas.microsoft.com/office/powerpoint/2010/main" val="2411584723"/>
+        <p14:creationId xmlns:p14="http://schemas.microsoft.com/office/powerpoint/2010/main" val="2394289917"/>
       </p:ext>
     </p:extLst>
   </p:cSld>
   <p:clrMapOvr>
     <a:masterClrMapping/>
   </p:clrMapOvr>
+  <p:transition spd="slow">
+    <p:wipe/>
+  </p:transition>
 </p:sld>
 </file>
 
 <file path=ppt/slides/slide11.xml><?xml version="1.0" encoding="utf-8"?>
+<p:sld xmlns:a="http://schemas.openxmlformats.org/drawingml/2006/main" xmlns:r="http://schemas.openxmlformats.org/officeDocument/2006/relationships" xmlns:p="http://schemas.openxmlformats.org/presentationml/2006/main">
+  <p:cSld>
+    <p:bg>
+      <p:bgPr>
+        <a:solidFill>
+          <a:srgbClr val="FCFCFE"/>
+        </a:solidFill>
+        <a:effectLst/>
+      </p:bgPr>
+    </p:bg>
+    <p:spTree>
+      <p:nvGrpSpPr>
+        <p:cNvPr id="1" name=""/>
+        <p:cNvGrpSpPr/>
+        <p:nvPr/>
+      </p:nvGrpSpPr>
+      <p:grpSpPr>
+        <a:xfrm>
+          <a:off x="0" y="0"/>
+          <a:ext cx="0" cy="0"/>
+          <a:chOff x="0" y="0"/>
+          <a:chExt cx="0" cy="0"/>
+        </a:xfrm>
+      </p:grpSpPr>
+      <p:sp>
+        <p:nvSpPr>
+          <p:cNvPr id="2" name="Title 1">
+            <a:extLst>
+              <a:ext uri="{FF2B5EF4-FFF2-40B4-BE49-F238E27FC236}">
+                <a16:creationId xmlns:a16="http://schemas.microsoft.com/office/drawing/2014/main" id="{CE6C7C7E-60EC-4E3D-CDB1-33C61EFF99D5}"/>
+              </a:ext>
+            </a:extLst>
+          </p:cNvPr>
+          <p:cNvSpPr>
+            <a:spLocks noGrp="1"/>
+          </p:cNvSpPr>
+          <p:nvPr>
+            <p:ph type="title"/>
+          </p:nvPr>
+        </p:nvSpPr>
+        <p:spPr>
+          <a:xfrm>
+            <a:off x="128588" y="222886"/>
+            <a:ext cx="11530013" cy="591501"/>
+          </a:xfrm>
+        </p:spPr>
+        <p:txBody>
+          <a:bodyPr>
+            <a:normAutofit fontScale="90000"/>
+          </a:bodyPr>
+          <a:lstStyle/>
+          <a:p>
+            <a:r>
+              <a:rPr lang="en-IN" sz="4900" dirty="0">
+                <a:solidFill>
+                  <a:srgbClr val="512BD4"/>
+                </a:solidFill>
+                <a:latin typeface="+mn-lt"/>
+              </a:rPr>
+              <a:t>Version</a:t>
+            </a:r>
+            <a:r>
+              <a:rPr lang="en-IN" dirty="0"/>
+              <a:t> </a:t>
+            </a:r>
+            <a:r>
+              <a:rPr lang="en-IN" sz="4900" dirty="0">
+                <a:solidFill>
+                  <a:srgbClr val="512BD4"/>
+                </a:solidFill>
+                <a:latin typeface="+mn-lt"/>
+              </a:rPr>
+              <a:t>History</a:t>
+            </a:r>
+          </a:p>
+        </p:txBody>
+      </p:sp>
+      <p:graphicFrame>
+        <p:nvGraphicFramePr>
+          <p:cNvPr id="15" name="Content Placeholder 14">
+            <a:extLst>
+              <a:ext uri="{FF2B5EF4-FFF2-40B4-BE49-F238E27FC236}">
+                <a16:creationId xmlns:a16="http://schemas.microsoft.com/office/drawing/2014/main" id="{60482D2E-74AD-FD67-4159-F89FDC6C5AA2}"/>
+              </a:ext>
+            </a:extLst>
+          </p:cNvPr>
+          <p:cNvGraphicFramePr>
+            <a:graphicFrameLocks noGrp="1"/>
+          </p:cNvGraphicFramePr>
+          <p:nvPr>
+            <p:ph idx="1"/>
+            <p:extLst>
+              <p:ext uri="{D42A27DB-BD31-4B8C-83A1-F6EECF244321}">
+                <p14:modId xmlns:p14="http://schemas.microsoft.com/office/powerpoint/2010/main" val="1533698560"/>
+              </p:ext>
+            </p:extLst>
+          </p:nvPr>
+        </p:nvGraphicFramePr>
+        <p:xfrm>
+          <a:off x="388143" y="1042988"/>
+          <a:ext cx="11415713" cy="5592125"/>
+        </p:xfrm>
+        <a:graphic>
+          <a:graphicData uri="http://schemas.openxmlformats.org/drawingml/2006/table">
+            <a:tbl>
+              <a:tblPr>
+                <a:tableStyleId>{10A1B5D5-9B99-4C35-A422-299274C87663}</a:tableStyleId>
+              </a:tblPr>
+              <a:tblGrid>
+                <a:gridCol w="3667949">
+                  <a:extLst>
+                    <a:ext uri="{9D8B030D-6E8A-4147-A177-3AD203B41FA5}">
+                      <a16:colId xmlns:a16="http://schemas.microsoft.com/office/drawing/2014/main" val="668078435"/>
+                    </a:ext>
+                  </a:extLst>
+                </a:gridCol>
+                <a:gridCol w="2494516">
+                  <a:extLst>
+                    <a:ext uri="{9D8B030D-6E8A-4147-A177-3AD203B41FA5}">
+                      <a16:colId xmlns:a16="http://schemas.microsoft.com/office/drawing/2014/main" val="1207351717"/>
+                    </a:ext>
+                  </a:extLst>
+                </a:gridCol>
+                <a:gridCol w="5253248">
+                  <a:extLst>
+                    <a:ext uri="{9D8B030D-6E8A-4147-A177-3AD203B41FA5}">
+                      <a16:colId xmlns:a16="http://schemas.microsoft.com/office/drawing/2014/main" val="4144990485"/>
+                    </a:ext>
+                  </a:extLst>
+                </a:gridCol>
+              </a:tblGrid>
+              <a:tr h="508375">
+                <a:tc>
+                  <a:txBody>
+                    <a:bodyPr/>
+                    <a:lstStyle/>
+                    <a:p>
+                      <a:pPr algn="l" fontAlgn="t"/>
+                      <a:r>
+                        <a:rPr lang="en-IN" sz="2400" b="1" i="0" u="none" strike="noStrike" kern="1200" dirty="0">
+                          <a:solidFill>
+                            <a:srgbClr val="512BD4"/>
+                          </a:solidFill>
+                          <a:effectLst/>
+                          <a:latin typeface="+mn-lt"/>
+                          <a:ea typeface="+mn-ea"/>
+                          <a:cs typeface="+mn-cs"/>
+                        </a:rPr>
+                        <a:t> Target</a:t>
+                      </a:r>
+                    </a:p>
+                  </a:txBody>
+                  <a:tcPr marL="9525" marR="9525" marT="9525" marB="0"/>
+                </a:tc>
+                <a:tc>
+                  <a:txBody>
+                    <a:bodyPr/>
+                    <a:lstStyle/>
+                    <a:p>
+                      <a:pPr algn="l" fontAlgn="t"/>
+                      <a:r>
+                        <a:rPr lang="en-IN" sz="2400" b="1" i="0" u="none" strike="noStrike" kern="1200">
+                          <a:solidFill>
+                            <a:srgbClr val="512BD4"/>
+                          </a:solidFill>
+                          <a:effectLst/>
+                          <a:latin typeface="+mn-lt"/>
+                          <a:ea typeface="+mn-ea"/>
+                          <a:cs typeface="+mn-cs"/>
+                        </a:rPr>
+                        <a:t>Version</a:t>
+                      </a:r>
+                    </a:p>
+                  </a:txBody>
+                  <a:tcPr marL="9525" marR="9525" marT="9525" marB="0"/>
+                </a:tc>
+                <a:tc>
+                  <a:txBody>
+                    <a:bodyPr/>
+                    <a:lstStyle/>
+                    <a:p>
+                      <a:pPr algn="l" fontAlgn="t"/>
+                      <a:r>
+                        <a:rPr lang="en-IN" sz="2400" b="1" i="0" u="none" strike="noStrike" kern="1200" dirty="0">
+                          <a:solidFill>
+                            <a:srgbClr val="512BD4"/>
+                          </a:solidFill>
+                          <a:effectLst/>
+                          <a:latin typeface="+mn-lt"/>
+                          <a:ea typeface="+mn-ea"/>
+                          <a:cs typeface="+mn-cs"/>
+                        </a:rPr>
+                        <a:t>C# language version default</a:t>
+                      </a:r>
+                    </a:p>
+                  </a:txBody>
+                  <a:tcPr marL="9525" marR="9525" marT="9525" marB="0"/>
+                </a:tc>
+                <a:extLst>
+                  <a:ext uri="{0D108BD9-81ED-4DB2-BD59-A6C34878D82A}">
+                    <a16:rowId xmlns:a16="http://schemas.microsoft.com/office/drawing/2014/main" val="3714011587"/>
+                  </a:ext>
+                </a:extLst>
+              </a:tr>
+              <a:tr h="508375">
+                <a:tc>
+                  <a:txBody>
+                    <a:bodyPr/>
+                    <a:lstStyle/>
+                    <a:p>
+                      <a:pPr algn="l" fontAlgn="t"/>
+                      <a:r>
+                        <a:rPr lang="en-IN" sz="2400" b="0" i="0" u="none" strike="noStrike" kern="1200" dirty="0">
+                          <a:solidFill>
+                            <a:srgbClr val="512BD4"/>
+                          </a:solidFill>
+                          <a:effectLst/>
+                          <a:latin typeface="+mn-lt"/>
+                          <a:ea typeface="+mn-ea"/>
+                          <a:cs typeface="+mn-cs"/>
+                        </a:rPr>
+                        <a:t> .NET</a:t>
+                      </a:r>
+                    </a:p>
+                  </a:txBody>
+                  <a:tcPr marL="9525" marR="9525" marT="9525" marB="0"/>
+                </a:tc>
+                <a:tc>
+                  <a:txBody>
+                    <a:bodyPr/>
+                    <a:lstStyle/>
+                    <a:p>
+                      <a:pPr algn="l" fontAlgn="t"/>
+                      <a:r>
+                        <a:rPr lang="en-IN" sz="2400" b="0" i="0" u="none" strike="noStrike" kern="1200">
+                          <a:solidFill>
+                            <a:srgbClr val="512BD4"/>
+                          </a:solidFill>
+                          <a:effectLst/>
+                          <a:latin typeface="+mn-lt"/>
+                          <a:ea typeface="+mn-ea"/>
+                          <a:cs typeface="+mn-cs"/>
+                        </a:rPr>
+                        <a:t>8.x</a:t>
+                      </a:r>
+                    </a:p>
+                  </a:txBody>
+                  <a:tcPr marL="9525" marR="9525" marT="9525" marB="0"/>
+                </a:tc>
+                <a:tc>
+                  <a:txBody>
+                    <a:bodyPr/>
+                    <a:lstStyle/>
+                    <a:p>
+                      <a:pPr algn="l" fontAlgn="t"/>
+                      <a:r>
+                        <a:rPr lang="en-IN" sz="2400" b="0" i="0" u="none" strike="noStrike" kern="1200" dirty="0">
+                          <a:solidFill>
+                            <a:srgbClr val="512BD4"/>
+                          </a:solidFill>
+                          <a:effectLst/>
+                          <a:latin typeface="+mn-lt"/>
+                          <a:ea typeface="+mn-ea"/>
+                          <a:cs typeface="+mn-cs"/>
+                        </a:rPr>
+                        <a:t>C# 12</a:t>
+                      </a:r>
+                    </a:p>
+                  </a:txBody>
+                  <a:tcPr marL="9525" marR="9525" marT="9525" marB="0"/>
+                </a:tc>
+                <a:extLst>
+                  <a:ext uri="{0D108BD9-81ED-4DB2-BD59-A6C34878D82A}">
+                    <a16:rowId xmlns:a16="http://schemas.microsoft.com/office/drawing/2014/main" val="1931080654"/>
+                  </a:ext>
+                </a:extLst>
+              </a:tr>
+              <a:tr h="508375">
+                <a:tc>
+                  <a:txBody>
+                    <a:bodyPr/>
+                    <a:lstStyle/>
+                    <a:p>
+                      <a:pPr algn="l" fontAlgn="t"/>
+                      <a:r>
+                        <a:rPr lang="en-IN" sz="2400" b="0" i="0" u="none" strike="noStrike" kern="1200" dirty="0">
+                          <a:solidFill>
+                            <a:srgbClr val="512BD4"/>
+                          </a:solidFill>
+                          <a:effectLst/>
+                          <a:latin typeface="+mn-lt"/>
+                          <a:ea typeface="+mn-ea"/>
+                          <a:cs typeface="+mn-cs"/>
+                        </a:rPr>
+                        <a:t> .NET</a:t>
+                      </a:r>
+                    </a:p>
+                  </a:txBody>
+                  <a:tcPr marL="9525" marR="9525" marT="9525" marB="0"/>
+                </a:tc>
+                <a:tc>
+                  <a:txBody>
+                    <a:bodyPr/>
+                    <a:lstStyle/>
+                    <a:p>
+                      <a:pPr algn="l" fontAlgn="t"/>
+                      <a:r>
+                        <a:rPr lang="en-IN" sz="2400" b="0" i="0" u="none" strike="noStrike" kern="1200" dirty="0">
+                          <a:solidFill>
+                            <a:srgbClr val="512BD4"/>
+                          </a:solidFill>
+                          <a:effectLst/>
+                          <a:latin typeface="+mn-lt"/>
+                          <a:ea typeface="+mn-ea"/>
+                          <a:cs typeface="+mn-cs"/>
+                        </a:rPr>
+                        <a:t>7.x</a:t>
+                      </a:r>
+                    </a:p>
+                  </a:txBody>
+                  <a:tcPr marL="9525" marR="9525" marT="9525" marB="0"/>
+                </a:tc>
+                <a:tc>
+                  <a:txBody>
+                    <a:bodyPr/>
+                    <a:lstStyle/>
+                    <a:p>
+                      <a:pPr algn="l" fontAlgn="t"/>
+                      <a:r>
+                        <a:rPr lang="en-IN" sz="2400" b="0" i="0" u="none" strike="noStrike" kern="1200" dirty="0">
+                          <a:solidFill>
+                            <a:srgbClr val="512BD4"/>
+                          </a:solidFill>
+                          <a:effectLst/>
+                          <a:latin typeface="+mn-lt"/>
+                          <a:ea typeface="+mn-ea"/>
+                          <a:cs typeface="+mn-cs"/>
+                        </a:rPr>
+                        <a:t>C# 11</a:t>
+                      </a:r>
+                    </a:p>
+                  </a:txBody>
+                  <a:tcPr marL="9525" marR="9525" marT="9525" marB="0"/>
+                </a:tc>
+                <a:extLst>
+                  <a:ext uri="{0D108BD9-81ED-4DB2-BD59-A6C34878D82A}">
+                    <a16:rowId xmlns:a16="http://schemas.microsoft.com/office/drawing/2014/main" val="2564327795"/>
+                  </a:ext>
+                </a:extLst>
+              </a:tr>
+              <a:tr h="508375">
+                <a:tc>
+                  <a:txBody>
+                    <a:bodyPr/>
+                    <a:lstStyle/>
+                    <a:p>
+                      <a:pPr algn="l" fontAlgn="t"/>
+                      <a:r>
+                        <a:rPr lang="en-IN" sz="2400" b="0" i="0" u="none" strike="noStrike" kern="1200" dirty="0">
+                          <a:solidFill>
+                            <a:srgbClr val="512BD4"/>
+                          </a:solidFill>
+                          <a:effectLst/>
+                          <a:latin typeface="+mn-lt"/>
+                          <a:ea typeface="+mn-ea"/>
+                          <a:cs typeface="+mn-cs"/>
+                        </a:rPr>
+                        <a:t> .NET</a:t>
+                      </a:r>
+                    </a:p>
+                  </a:txBody>
+                  <a:tcPr marL="9525" marR="9525" marT="9525" marB="0"/>
+                </a:tc>
+                <a:tc>
+                  <a:txBody>
+                    <a:bodyPr/>
+                    <a:lstStyle/>
+                    <a:p>
+                      <a:pPr algn="l" fontAlgn="t"/>
+                      <a:r>
+                        <a:rPr lang="en-IN" sz="2400" b="0" i="0" u="none" strike="noStrike" kern="1200" dirty="0">
+                          <a:solidFill>
+                            <a:srgbClr val="512BD4"/>
+                          </a:solidFill>
+                          <a:effectLst/>
+                          <a:latin typeface="+mn-lt"/>
+                          <a:ea typeface="+mn-ea"/>
+                          <a:cs typeface="+mn-cs"/>
+                        </a:rPr>
+                        <a:t>6.x</a:t>
+                      </a:r>
+                    </a:p>
+                  </a:txBody>
+                  <a:tcPr marL="9525" marR="9525" marT="9525" marB="0"/>
+                </a:tc>
+                <a:tc>
+                  <a:txBody>
+                    <a:bodyPr/>
+                    <a:lstStyle/>
+                    <a:p>
+                      <a:pPr algn="l" fontAlgn="t"/>
+                      <a:r>
+                        <a:rPr lang="en-IN" sz="2400" b="0" i="0" u="none" strike="noStrike" kern="1200" dirty="0">
+                          <a:solidFill>
+                            <a:srgbClr val="512BD4"/>
+                          </a:solidFill>
+                          <a:effectLst/>
+                          <a:latin typeface="+mn-lt"/>
+                          <a:ea typeface="+mn-ea"/>
+                          <a:cs typeface="+mn-cs"/>
+                        </a:rPr>
+                        <a:t>C# 10</a:t>
+                      </a:r>
+                    </a:p>
+                  </a:txBody>
+                  <a:tcPr marL="9525" marR="9525" marT="9525" marB="0"/>
+                </a:tc>
+                <a:extLst>
+                  <a:ext uri="{0D108BD9-81ED-4DB2-BD59-A6C34878D82A}">
+                    <a16:rowId xmlns:a16="http://schemas.microsoft.com/office/drawing/2014/main" val="3122547492"/>
+                  </a:ext>
+                </a:extLst>
+              </a:tr>
+              <a:tr h="508375">
+                <a:tc>
+                  <a:txBody>
+                    <a:bodyPr/>
+                    <a:lstStyle/>
+                    <a:p>
+                      <a:pPr algn="l" fontAlgn="t"/>
+                      <a:r>
+                        <a:rPr lang="en-IN" sz="2400" b="0" i="0" u="none" strike="noStrike" kern="1200" dirty="0">
+                          <a:solidFill>
+                            <a:srgbClr val="512BD4"/>
+                          </a:solidFill>
+                          <a:effectLst/>
+                          <a:latin typeface="+mn-lt"/>
+                          <a:ea typeface="+mn-ea"/>
+                          <a:cs typeface="+mn-cs"/>
+                        </a:rPr>
+                        <a:t> .NET</a:t>
+                      </a:r>
+                    </a:p>
+                  </a:txBody>
+                  <a:tcPr marL="9525" marR="9525" marT="9525" marB="0"/>
+                </a:tc>
+                <a:tc>
+                  <a:txBody>
+                    <a:bodyPr/>
+                    <a:lstStyle/>
+                    <a:p>
+                      <a:pPr algn="l" fontAlgn="t"/>
+                      <a:r>
+                        <a:rPr lang="en-IN" sz="2400" b="0" i="0" u="none" strike="noStrike" kern="1200" dirty="0">
+                          <a:solidFill>
+                            <a:srgbClr val="512BD4"/>
+                          </a:solidFill>
+                          <a:effectLst/>
+                          <a:latin typeface="+mn-lt"/>
+                          <a:ea typeface="+mn-ea"/>
+                          <a:cs typeface="+mn-cs"/>
+                        </a:rPr>
+                        <a:t>5.x</a:t>
+                      </a:r>
+                    </a:p>
+                  </a:txBody>
+                  <a:tcPr marL="9525" marR="9525" marT="9525" marB="0"/>
+                </a:tc>
+                <a:tc>
+                  <a:txBody>
+                    <a:bodyPr/>
+                    <a:lstStyle/>
+                    <a:p>
+                      <a:pPr algn="l" fontAlgn="t"/>
+                      <a:r>
+                        <a:rPr lang="en-IN" sz="2400" b="0" i="0" u="none" strike="noStrike" kern="1200" dirty="0">
+                          <a:solidFill>
+                            <a:srgbClr val="512BD4"/>
+                          </a:solidFill>
+                          <a:effectLst/>
+                          <a:latin typeface="+mn-lt"/>
+                          <a:ea typeface="+mn-ea"/>
+                          <a:cs typeface="+mn-cs"/>
+                        </a:rPr>
+                        <a:t>C# 9.0</a:t>
+                      </a:r>
+                    </a:p>
+                  </a:txBody>
+                  <a:tcPr marL="9525" marR="9525" marT="9525" marB="0"/>
+                </a:tc>
+                <a:extLst>
+                  <a:ext uri="{0D108BD9-81ED-4DB2-BD59-A6C34878D82A}">
+                    <a16:rowId xmlns:a16="http://schemas.microsoft.com/office/drawing/2014/main" val="195026154"/>
+                  </a:ext>
+                </a:extLst>
+              </a:tr>
+              <a:tr h="508375">
+                <a:tc>
+                  <a:txBody>
+                    <a:bodyPr/>
+                    <a:lstStyle/>
+                    <a:p>
+                      <a:pPr algn="l" fontAlgn="t"/>
+                      <a:r>
+                        <a:rPr lang="en-IN" sz="2400" b="0" i="0" u="none" strike="noStrike" kern="1200" dirty="0">
+                          <a:solidFill>
+                            <a:srgbClr val="512BD4"/>
+                          </a:solidFill>
+                          <a:effectLst/>
+                          <a:latin typeface="+mn-lt"/>
+                          <a:ea typeface="+mn-ea"/>
+                          <a:cs typeface="+mn-cs"/>
+                        </a:rPr>
+                        <a:t> .NET Core</a:t>
+                      </a:r>
+                    </a:p>
+                  </a:txBody>
+                  <a:tcPr marL="9525" marR="9525" marT="9525" marB="0"/>
+                </a:tc>
+                <a:tc>
+                  <a:txBody>
+                    <a:bodyPr/>
+                    <a:lstStyle/>
+                    <a:p>
+                      <a:pPr algn="l" fontAlgn="t"/>
+                      <a:r>
+                        <a:rPr lang="en-IN" sz="2400" b="0" i="0" u="none" strike="noStrike" kern="1200" dirty="0">
+                          <a:solidFill>
+                            <a:srgbClr val="512BD4"/>
+                          </a:solidFill>
+                          <a:effectLst/>
+                          <a:latin typeface="+mn-lt"/>
+                          <a:ea typeface="+mn-ea"/>
+                          <a:cs typeface="+mn-cs"/>
+                        </a:rPr>
+                        <a:t>3.x</a:t>
+                      </a:r>
+                    </a:p>
+                  </a:txBody>
+                  <a:tcPr marL="9525" marR="9525" marT="9525" marB="0"/>
+                </a:tc>
+                <a:tc>
+                  <a:txBody>
+                    <a:bodyPr/>
+                    <a:lstStyle/>
+                    <a:p>
+                      <a:pPr algn="l" fontAlgn="t"/>
+                      <a:r>
+                        <a:rPr lang="en-IN" sz="2400" b="0" i="0" u="none" strike="noStrike" kern="1200" dirty="0">
+                          <a:solidFill>
+                            <a:srgbClr val="512BD4"/>
+                          </a:solidFill>
+                          <a:effectLst/>
+                          <a:latin typeface="+mn-lt"/>
+                          <a:ea typeface="+mn-ea"/>
+                          <a:cs typeface="+mn-cs"/>
+                        </a:rPr>
+                        <a:t>C# 8.0</a:t>
+                      </a:r>
+                    </a:p>
+                  </a:txBody>
+                  <a:tcPr marL="9525" marR="9525" marT="9525" marB="0"/>
+                </a:tc>
+                <a:extLst>
+                  <a:ext uri="{0D108BD9-81ED-4DB2-BD59-A6C34878D82A}">
+                    <a16:rowId xmlns:a16="http://schemas.microsoft.com/office/drawing/2014/main" val="3812270186"/>
+                  </a:ext>
+                </a:extLst>
+              </a:tr>
+              <a:tr h="508375">
+                <a:tc>
+                  <a:txBody>
+                    <a:bodyPr/>
+                    <a:lstStyle/>
+                    <a:p>
+                      <a:pPr algn="l" fontAlgn="t"/>
+                      <a:r>
+                        <a:rPr lang="en-IN" sz="2400" b="0" i="0" u="none" strike="noStrike" kern="1200" dirty="0">
+                          <a:solidFill>
+                            <a:srgbClr val="512BD4"/>
+                          </a:solidFill>
+                          <a:effectLst/>
+                          <a:latin typeface="+mn-lt"/>
+                          <a:ea typeface="+mn-ea"/>
+                          <a:cs typeface="+mn-cs"/>
+                        </a:rPr>
+                        <a:t> .NET Core</a:t>
+                      </a:r>
+                    </a:p>
+                  </a:txBody>
+                  <a:tcPr marL="9525" marR="9525" marT="9525" marB="0"/>
+                </a:tc>
+                <a:tc>
+                  <a:txBody>
+                    <a:bodyPr/>
+                    <a:lstStyle/>
+                    <a:p>
+                      <a:pPr algn="l" fontAlgn="t"/>
+                      <a:r>
+                        <a:rPr lang="en-IN" sz="2400" b="0" i="0" u="none" strike="noStrike" kern="1200">
+                          <a:solidFill>
+                            <a:srgbClr val="512BD4"/>
+                          </a:solidFill>
+                          <a:effectLst/>
+                          <a:latin typeface="+mn-lt"/>
+                          <a:ea typeface="+mn-ea"/>
+                          <a:cs typeface="+mn-cs"/>
+                        </a:rPr>
+                        <a:t>2.x</a:t>
+                      </a:r>
+                    </a:p>
+                  </a:txBody>
+                  <a:tcPr marL="9525" marR="9525" marT="9525" marB="0"/>
+                </a:tc>
+                <a:tc>
+                  <a:txBody>
+                    <a:bodyPr/>
+                    <a:lstStyle/>
+                    <a:p>
+                      <a:pPr algn="l" fontAlgn="t"/>
+                      <a:r>
+                        <a:rPr lang="en-IN" sz="2400" b="0" i="0" u="none" strike="noStrike" kern="1200" dirty="0">
+                          <a:solidFill>
+                            <a:srgbClr val="512BD4"/>
+                          </a:solidFill>
+                          <a:effectLst/>
+                          <a:latin typeface="+mn-lt"/>
+                          <a:ea typeface="+mn-ea"/>
+                          <a:cs typeface="+mn-cs"/>
+                        </a:rPr>
+                        <a:t>C# 7.3</a:t>
+                      </a:r>
+                    </a:p>
+                  </a:txBody>
+                  <a:tcPr marL="9525" marR="9525" marT="9525" marB="0"/>
+                </a:tc>
+                <a:extLst>
+                  <a:ext uri="{0D108BD9-81ED-4DB2-BD59-A6C34878D82A}">
+                    <a16:rowId xmlns:a16="http://schemas.microsoft.com/office/drawing/2014/main" val="3840994466"/>
+                  </a:ext>
+                </a:extLst>
+              </a:tr>
+              <a:tr h="508375">
+                <a:tc>
+                  <a:txBody>
+                    <a:bodyPr/>
+                    <a:lstStyle/>
+                    <a:p>
+                      <a:pPr algn="l" fontAlgn="t"/>
+                      <a:r>
+                        <a:rPr lang="en-IN" sz="2400" b="0" i="0" u="none" strike="noStrike" kern="1200" dirty="0">
+                          <a:solidFill>
+                            <a:srgbClr val="512BD4"/>
+                          </a:solidFill>
+                          <a:effectLst/>
+                          <a:latin typeface="+mn-lt"/>
+                          <a:ea typeface="+mn-ea"/>
+                          <a:cs typeface="+mn-cs"/>
+                        </a:rPr>
+                        <a:t> .NET Standard</a:t>
+                      </a:r>
+                    </a:p>
+                  </a:txBody>
+                  <a:tcPr marL="9525" marR="9525" marT="9525" marB="0"/>
+                </a:tc>
+                <a:tc>
+                  <a:txBody>
+                    <a:bodyPr/>
+                    <a:lstStyle/>
+                    <a:p>
+                      <a:pPr algn="l" fontAlgn="t"/>
+                      <a:r>
+                        <a:rPr lang="en-IN" sz="2400" b="0" i="0" u="none" strike="noStrike" kern="1200">
+                          <a:solidFill>
+                            <a:srgbClr val="512BD4"/>
+                          </a:solidFill>
+                          <a:effectLst/>
+                          <a:latin typeface="+mn-lt"/>
+                          <a:ea typeface="+mn-ea"/>
+                          <a:cs typeface="+mn-cs"/>
+                        </a:rPr>
+                        <a:t>2.1</a:t>
+                      </a:r>
+                    </a:p>
+                  </a:txBody>
+                  <a:tcPr marL="9525" marR="9525" marT="9525" marB="0"/>
+                </a:tc>
+                <a:tc>
+                  <a:txBody>
+                    <a:bodyPr/>
+                    <a:lstStyle/>
+                    <a:p>
+                      <a:pPr algn="l" fontAlgn="t"/>
+                      <a:r>
+                        <a:rPr lang="en-IN" sz="2400" b="0" i="0" u="none" strike="noStrike" kern="1200" dirty="0">
+                          <a:solidFill>
+                            <a:srgbClr val="512BD4"/>
+                          </a:solidFill>
+                          <a:effectLst/>
+                          <a:latin typeface="+mn-lt"/>
+                          <a:ea typeface="+mn-ea"/>
+                          <a:cs typeface="+mn-cs"/>
+                        </a:rPr>
+                        <a:t>C# 8.0</a:t>
+                      </a:r>
+                    </a:p>
+                  </a:txBody>
+                  <a:tcPr marL="9525" marR="9525" marT="9525" marB="0"/>
+                </a:tc>
+                <a:extLst>
+                  <a:ext uri="{0D108BD9-81ED-4DB2-BD59-A6C34878D82A}">
+                    <a16:rowId xmlns:a16="http://schemas.microsoft.com/office/drawing/2014/main" val="2564808944"/>
+                  </a:ext>
+                </a:extLst>
+              </a:tr>
+              <a:tr h="508375">
+                <a:tc>
+                  <a:txBody>
+                    <a:bodyPr/>
+                    <a:lstStyle/>
+                    <a:p>
+                      <a:pPr algn="l" fontAlgn="t"/>
+                      <a:r>
+                        <a:rPr lang="en-IN" sz="2400" b="0" i="0" u="none" strike="noStrike" kern="1200" dirty="0">
+                          <a:solidFill>
+                            <a:srgbClr val="512BD4"/>
+                          </a:solidFill>
+                          <a:effectLst/>
+                          <a:latin typeface="+mn-lt"/>
+                          <a:ea typeface="+mn-ea"/>
+                          <a:cs typeface="+mn-cs"/>
+                        </a:rPr>
+                        <a:t> .NET Standard</a:t>
+                      </a:r>
+                    </a:p>
+                  </a:txBody>
+                  <a:tcPr marL="9525" marR="9525" marT="9525" marB="0"/>
+                </a:tc>
+                <a:tc>
+                  <a:txBody>
+                    <a:bodyPr/>
+                    <a:lstStyle/>
+                    <a:p>
+                      <a:pPr algn="l" fontAlgn="t"/>
+                      <a:r>
+                        <a:rPr lang="en-IN" sz="2400" b="0" i="0" u="none" strike="noStrike" kern="1200">
+                          <a:solidFill>
+                            <a:srgbClr val="512BD4"/>
+                          </a:solidFill>
+                          <a:effectLst/>
+                          <a:latin typeface="+mn-lt"/>
+                          <a:ea typeface="+mn-ea"/>
+                          <a:cs typeface="+mn-cs"/>
+                        </a:rPr>
+                        <a:t>2</a:t>
+                      </a:r>
+                    </a:p>
+                  </a:txBody>
+                  <a:tcPr marL="9525" marR="9525" marT="9525" marB="0"/>
+                </a:tc>
+                <a:tc>
+                  <a:txBody>
+                    <a:bodyPr/>
+                    <a:lstStyle/>
+                    <a:p>
+                      <a:pPr algn="l" fontAlgn="t"/>
+                      <a:r>
+                        <a:rPr lang="en-IN" sz="2400" b="0" i="0" u="none" strike="noStrike" kern="1200" dirty="0">
+                          <a:solidFill>
+                            <a:srgbClr val="512BD4"/>
+                          </a:solidFill>
+                          <a:effectLst/>
+                          <a:latin typeface="+mn-lt"/>
+                          <a:ea typeface="+mn-ea"/>
+                          <a:cs typeface="+mn-cs"/>
+                        </a:rPr>
+                        <a:t>C# 7.3</a:t>
+                      </a:r>
+                    </a:p>
+                  </a:txBody>
+                  <a:tcPr marL="9525" marR="9525" marT="9525" marB="0"/>
+                </a:tc>
+                <a:extLst>
+                  <a:ext uri="{0D108BD9-81ED-4DB2-BD59-A6C34878D82A}">
+                    <a16:rowId xmlns:a16="http://schemas.microsoft.com/office/drawing/2014/main" val="3425489790"/>
+                  </a:ext>
+                </a:extLst>
+              </a:tr>
+              <a:tr h="508375">
+                <a:tc>
+                  <a:txBody>
+                    <a:bodyPr/>
+                    <a:lstStyle/>
+                    <a:p>
+                      <a:pPr algn="l" fontAlgn="t"/>
+                      <a:r>
+                        <a:rPr lang="en-IN" sz="2400" b="0" i="0" u="none" strike="noStrike" kern="1200" dirty="0">
+                          <a:solidFill>
+                            <a:srgbClr val="512BD4"/>
+                          </a:solidFill>
+                          <a:effectLst/>
+                          <a:latin typeface="+mn-lt"/>
+                          <a:ea typeface="+mn-ea"/>
+                          <a:cs typeface="+mn-cs"/>
+                        </a:rPr>
+                        <a:t> .NET Standard</a:t>
+                      </a:r>
+                    </a:p>
+                  </a:txBody>
+                  <a:tcPr marL="9525" marR="9525" marT="9525" marB="0"/>
+                </a:tc>
+                <a:tc>
+                  <a:txBody>
+                    <a:bodyPr/>
+                    <a:lstStyle/>
+                    <a:p>
+                      <a:pPr algn="l" fontAlgn="t"/>
+                      <a:r>
+                        <a:rPr lang="en-IN" sz="2400" b="0" i="0" u="none" strike="noStrike" kern="1200">
+                          <a:solidFill>
+                            <a:srgbClr val="512BD4"/>
+                          </a:solidFill>
+                          <a:effectLst/>
+                          <a:latin typeface="+mn-lt"/>
+                          <a:ea typeface="+mn-ea"/>
+                          <a:cs typeface="+mn-cs"/>
+                        </a:rPr>
+                        <a:t>1.x</a:t>
+                      </a:r>
+                    </a:p>
+                  </a:txBody>
+                  <a:tcPr marL="9525" marR="9525" marT="9525" marB="0"/>
+                </a:tc>
+                <a:tc>
+                  <a:txBody>
+                    <a:bodyPr/>
+                    <a:lstStyle/>
+                    <a:p>
+                      <a:pPr algn="l" fontAlgn="t"/>
+                      <a:r>
+                        <a:rPr lang="en-IN" sz="2400" b="0" i="0" u="none" strike="noStrike" kern="1200" dirty="0">
+                          <a:solidFill>
+                            <a:srgbClr val="512BD4"/>
+                          </a:solidFill>
+                          <a:effectLst/>
+                          <a:latin typeface="+mn-lt"/>
+                          <a:ea typeface="+mn-ea"/>
+                          <a:cs typeface="+mn-cs"/>
+                        </a:rPr>
+                        <a:t>C# 7.3</a:t>
+                      </a:r>
+                    </a:p>
+                  </a:txBody>
+                  <a:tcPr marL="9525" marR="9525" marT="9525" marB="0"/>
+                </a:tc>
+                <a:extLst>
+                  <a:ext uri="{0D108BD9-81ED-4DB2-BD59-A6C34878D82A}">
+                    <a16:rowId xmlns:a16="http://schemas.microsoft.com/office/drawing/2014/main" val="1938207946"/>
+                  </a:ext>
+                </a:extLst>
+              </a:tr>
+              <a:tr h="508375">
+                <a:tc>
+                  <a:txBody>
+                    <a:bodyPr/>
+                    <a:lstStyle/>
+                    <a:p>
+                      <a:pPr algn="l" fontAlgn="t"/>
+                      <a:r>
+                        <a:rPr lang="en-IN" sz="2400" b="0" i="0" u="none" strike="noStrike" kern="1200" dirty="0">
+                          <a:solidFill>
+                            <a:srgbClr val="512BD4"/>
+                          </a:solidFill>
+                          <a:effectLst/>
+                          <a:latin typeface="+mn-lt"/>
+                          <a:ea typeface="+mn-ea"/>
+                          <a:cs typeface="+mn-cs"/>
+                        </a:rPr>
+                        <a:t> .NET Framework</a:t>
+                      </a:r>
+                    </a:p>
+                  </a:txBody>
+                  <a:tcPr marL="9525" marR="9525" marT="9525" marB="0"/>
+                </a:tc>
+                <a:tc>
+                  <a:txBody>
+                    <a:bodyPr/>
+                    <a:lstStyle/>
+                    <a:p>
+                      <a:pPr algn="l" fontAlgn="t"/>
+                      <a:r>
+                        <a:rPr lang="en-IN" sz="2400" b="0" i="0" u="none" strike="noStrike" kern="1200" dirty="0">
+                          <a:solidFill>
+                            <a:srgbClr val="512BD4"/>
+                          </a:solidFill>
+                          <a:effectLst/>
+                          <a:latin typeface="+mn-lt"/>
+                          <a:ea typeface="+mn-ea"/>
+                          <a:cs typeface="+mn-cs"/>
+                        </a:rPr>
+                        <a:t>all</a:t>
+                      </a:r>
+                    </a:p>
+                  </a:txBody>
+                  <a:tcPr marL="9525" marR="9525" marT="9525" marB="0"/>
+                </a:tc>
+                <a:tc>
+                  <a:txBody>
+                    <a:bodyPr/>
+                    <a:lstStyle/>
+                    <a:p>
+                      <a:pPr algn="l" fontAlgn="t"/>
+                      <a:r>
+                        <a:rPr lang="en-IN" sz="2400" b="0" i="0" u="none" strike="noStrike" kern="1200" dirty="0">
+                          <a:solidFill>
+                            <a:srgbClr val="512BD4"/>
+                          </a:solidFill>
+                          <a:effectLst/>
+                          <a:latin typeface="+mn-lt"/>
+                          <a:ea typeface="+mn-ea"/>
+                          <a:cs typeface="+mn-cs"/>
+                        </a:rPr>
+                        <a:t>C# 7.3</a:t>
+                      </a:r>
+                    </a:p>
+                  </a:txBody>
+                  <a:tcPr marL="9525" marR="9525" marT="9525" marB="0"/>
+                </a:tc>
+                <a:extLst>
+                  <a:ext uri="{0D108BD9-81ED-4DB2-BD59-A6C34878D82A}">
+                    <a16:rowId xmlns:a16="http://schemas.microsoft.com/office/drawing/2014/main" val="2865779591"/>
+                  </a:ext>
+                </a:extLst>
+              </a:tr>
+            </a:tbl>
+          </a:graphicData>
+        </a:graphic>
+      </p:graphicFrame>
+    </p:spTree>
+    <p:extLst>
+      <p:ext uri="{BB962C8B-B14F-4D97-AF65-F5344CB8AC3E}">
+        <p14:creationId xmlns:p14="http://schemas.microsoft.com/office/powerpoint/2010/main" val="2364193326"/>
+      </p:ext>
+    </p:extLst>
+  </p:cSld>
+  <p:clrMapOvr>
+    <a:masterClrMapping/>
+  </p:clrMapOvr>
+  <p:transition spd="slow">
+    <p:wipe/>
+  </p:transition>
+</p:sld>
+</file>
+
+<file path=ppt/slides/slide12.xml><?xml version="1.0" encoding="utf-8"?>
 <p:sld xmlns:a="http://schemas.openxmlformats.org/drawingml/2006/main" xmlns:r="http://schemas.openxmlformats.org/officeDocument/2006/relationships" xmlns:p="http://schemas.openxmlformats.org/presentationml/2006/main">
   <p:cSld>
     <p:bg>
@@ -15891,10 +17321,13 @@
   <p:clrMapOvr>
     <a:masterClrMapping/>
   </p:clrMapOvr>
+  <p:transition spd="slow">
+    <p:wipe/>
+  </p:transition>
 </p:sld>
 </file>
 
-<file path=ppt/slides/slide12.xml><?xml version="1.0" encoding="utf-8"?>
+<file path=ppt/slides/slide13.xml><?xml version="1.0" encoding="utf-8"?>
 <p:sld xmlns:a="http://schemas.openxmlformats.org/drawingml/2006/main" xmlns:r="http://schemas.openxmlformats.org/officeDocument/2006/relationships" xmlns:p="http://schemas.openxmlformats.org/presentationml/2006/main">
   <p:cSld>
     <p:bg>
@@ -18032,10 +19465,13 @@
   <p:clrMapOvr>
     <a:masterClrMapping/>
   </p:clrMapOvr>
+  <p:transition spd="slow">
+    <p:wipe/>
+  </p:transition>
 </p:sld>
 </file>
 
-<file path=ppt/slides/slide13.xml><?xml version="1.0" encoding="utf-8"?>
+<file path=ppt/slides/slide14.xml><?xml version="1.0" encoding="utf-8"?>
 <p:sld xmlns:a="http://schemas.openxmlformats.org/drawingml/2006/main" xmlns:r="http://schemas.openxmlformats.org/officeDocument/2006/relationships" xmlns:p="http://schemas.openxmlformats.org/presentationml/2006/main">
   <p:cSld>
     <p:bg>
@@ -20262,10 +21698,13 @@
   <p:clrMapOvr>
     <a:overrideClrMapping bg1="lt1" tx1="dk1" bg2="lt2" tx2="dk2" accent1="accent1" accent2="accent2" accent3="accent3" accent4="accent4" accent5="accent5" accent6="accent6" hlink="hlink" folHlink="folHlink"/>
   </p:clrMapOvr>
+  <p:transition spd="slow">
+    <p:wipe/>
+  </p:transition>
 </p:sld>
 </file>
 
-<file path=ppt/slides/slide14.xml><?xml version="1.0" encoding="utf-8"?>
+<file path=ppt/slides/slide15.xml><?xml version="1.0" encoding="utf-8"?>
 <p:sld xmlns:a="http://schemas.openxmlformats.org/drawingml/2006/main" xmlns:r="http://schemas.openxmlformats.org/officeDocument/2006/relationships" xmlns:p="http://schemas.openxmlformats.org/presentationml/2006/main">
   <p:cSld>
     <p:bg>
@@ -21536,10 +22975,13 @@
   <p:clrMapOvr>
     <a:overrideClrMapping bg1="lt1" tx1="dk1" bg2="lt2" tx2="dk2" accent1="accent1" accent2="accent2" accent3="accent3" accent4="accent4" accent5="accent5" accent6="accent6" hlink="hlink" folHlink="folHlink"/>
   </p:clrMapOvr>
+  <p:transition>
+    <p:wipe/>
+  </p:transition>
 </p:sld>
 </file>
 
-<file path=ppt/slides/slide15.xml><?xml version="1.0" encoding="utf-8"?>
+<file path=ppt/slides/slide16.xml><?xml version="1.0" encoding="utf-8"?>
 <p:sld xmlns:a="http://schemas.openxmlformats.org/drawingml/2006/main" xmlns:r="http://schemas.openxmlformats.org/officeDocument/2006/relationships" xmlns:p="http://schemas.openxmlformats.org/presentationml/2006/main">
   <p:cSld>
     <p:bg>
@@ -22017,10 +23459,13 @@
   <p:clrMapOvr>
     <a:masterClrMapping/>
   </p:clrMapOvr>
+  <p:transition spd="slow">
+    <p:wipe/>
+  </p:transition>
 </p:sld>
 </file>
 
-<file path=ppt/slides/slide16.xml><?xml version="1.0" encoding="utf-8"?>
+<file path=ppt/slides/slide17.xml><?xml version="1.0" encoding="utf-8"?>
 <p:sld xmlns:a="http://schemas.openxmlformats.org/drawingml/2006/main" xmlns:r="http://schemas.openxmlformats.org/officeDocument/2006/relationships" xmlns:p="http://schemas.openxmlformats.org/presentationml/2006/main">
   <p:cSld>
     <p:bg>
@@ -24098,10 +25543,13 @@
   <p:clrMapOvr>
     <a:masterClrMapping/>
   </p:clrMapOvr>
+  <p:transition spd="slow">
+    <p:wipe/>
+  </p:transition>
 </p:sld>
 </file>
 
-<file path=ppt/slides/slide17.xml><?xml version="1.0" encoding="utf-8"?>
+<file path=ppt/slides/slide18.xml><?xml version="1.0" encoding="utf-8"?>
 <p:sld xmlns:a="http://schemas.openxmlformats.org/drawingml/2006/main" xmlns:r="http://schemas.openxmlformats.org/officeDocument/2006/relationships" xmlns:p="http://schemas.openxmlformats.org/presentationml/2006/main">
   <p:cSld>
     <p:bg>
@@ -24265,10 +25713,13 @@
   <p:clrMapOvr>
     <a:masterClrMapping/>
   </p:clrMapOvr>
+  <p:transition spd="slow">
+    <p:wipe/>
+  </p:transition>
 </p:sld>
 </file>
 
-<file path=ppt/slides/slide18.xml><?xml version="1.0" encoding="utf-8"?>
+<file path=ppt/slides/slide19.xml><?xml version="1.0" encoding="utf-8"?>
 <p:sld xmlns:a="http://schemas.openxmlformats.org/drawingml/2006/main" xmlns:r="http://schemas.openxmlformats.org/officeDocument/2006/relationships" xmlns:p="http://schemas.openxmlformats.org/presentationml/2006/main">
   <p:cSld>
     <p:bg>
@@ -24295,6 +25746,54 @@
       </p:grpSpPr>
       <p:sp>
         <p:nvSpPr>
+          <p:cNvPr id="6" name="Rectangle: Rounded Corners 5">
+            <a:extLst>
+              <a:ext uri="{FF2B5EF4-FFF2-40B4-BE49-F238E27FC236}">
+                <a16:creationId xmlns:a16="http://schemas.microsoft.com/office/drawing/2014/main" id="{4FDEBA7A-09F7-BB17-1229-6A4517E0B654}"/>
+              </a:ext>
+            </a:extLst>
+          </p:cNvPr>
+          <p:cNvSpPr/>
+          <p:nvPr/>
+        </p:nvSpPr>
+        <p:spPr>
+          <a:xfrm>
+            <a:off x="80950" y="4627123"/>
+            <a:ext cx="4700587" cy="987976"/>
+          </a:xfrm>
+          <a:prstGeom prst="roundRect">
+            <a:avLst/>
+          </a:prstGeom>
+          <a:ln w="3175" cap="sq">
+            <a:prstDash val="sysDash"/>
+            <a:miter lim="800000"/>
+          </a:ln>
+        </p:spPr>
+        <p:style>
+          <a:lnRef idx="2">
+            <a:schemeClr val="accent1"/>
+          </a:lnRef>
+          <a:fillRef idx="1">
+            <a:schemeClr val="lt1"/>
+          </a:fillRef>
+          <a:effectRef idx="0">
+            <a:schemeClr val="accent1"/>
+          </a:effectRef>
+          <a:fontRef idx="minor">
+            <a:schemeClr val="dk1"/>
+          </a:fontRef>
+        </p:style>
+        <p:txBody>
+          <a:bodyPr rtlCol="0" anchor="ctr"/>
+          <a:lstStyle/>
+          <a:p>
+            <a:pPr algn="ctr"/>
+            <a:endParaRPr lang="en-IN"/>
+          </a:p>
+        </p:txBody>
+      </p:sp>
+      <p:sp>
+        <p:nvSpPr>
           <p:cNvPr id="75" name="Rectangle 74">
             <a:extLst>
               <a:ext uri="{FF2B5EF4-FFF2-40B4-BE49-F238E27FC236}">
@@ -24313,6 +25812,11 @@
           <a:prstGeom prst="rect">
             <a:avLst/>
           </a:prstGeom>
+          <a:ln w="28575">
+            <a:solidFill>
+              <a:srgbClr val="512BD4"/>
+            </a:solidFill>
+          </a:ln>
         </p:spPr>
         <p:style>
           <a:lnRef idx="2">
@@ -24408,6 +25912,11 @@
           <a:prstGeom prst="roundRect">
             <a:avLst/>
           </a:prstGeom>
+          <a:ln w="28575">
+            <a:solidFill>
+              <a:srgbClr val="512BD4"/>
+            </a:solidFill>
+          </a:ln>
         </p:spPr>
         <p:style>
           <a:lnRef idx="2">
@@ -26255,7 +27764,7 @@
         <p:spPr>
           <a:xfrm>
             <a:off x="403941" y="874015"/>
-            <a:ext cx="10901363" cy="721900"/>
+            <a:ext cx="11065406" cy="721900"/>
           </a:xfrm>
           <a:prstGeom prst="roundRect">
             <a:avLst/>
@@ -26683,8 +28192,8 @@
         </p:nvSpPr>
         <p:spPr>
           <a:xfrm>
-            <a:off x="5114772" y="2001137"/>
-            <a:ext cx="4700587" cy="369332"/>
+            <a:off x="5386388" y="2014432"/>
+            <a:ext cx="4700587" cy="338554"/>
           </a:xfrm>
           <a:prstGeom prst="rect">
             <a:avLst/>
@@ -26698,7 +28207,7 @@
           <a:lstStyle/>
           <a:p>
             <a:r>
-              <a:rPr lang="en-IN" b="1" dirty="0">
+              <a:rPr lang="en-IN" sz="1600" b="1" dirty="0">
                 <a:solidFill>
                   <a:schemeClr val="bg2">
                     <a:lumMod val="50000"/>
@@ -26724,8 +28233,8 @@
         </p:nvSpPr>
         <p:spPr>
           <a:xfrm>
-            <a:off x="35779" y="1534802"/>
-            <a:ext cx="3721724" cy="369332"/>
+            <a:off x="40100" y="1563497"/>
+            <a:ext cx="3338478" cy="338554"/>
           </a:xfrm>
           <a:prstGeom prst="rect">
             <a:avLst/>
@@ -26739,7 +28248,7 @@
           <a:lstStyle/>
           <a:p>
             <a:r>
-              <a:rPr lang="en-IN" b="1" dirty="0">
+              <a:rPr lang="en-IN" sz="1600" b="1" dirty="0">
                 <a:solidFill>
                   <a:schemeClr val="bg2">
                     <a:lumMod val="50000"/>
@@ -26747,6 +28256,41 @@
                 </a:solidFill>
               </a:rPr>
               <a:t>Connection       Oriented Architecture</a:t>
+            </a:r>
+          </a:p>
+        </p:txBody>
+      </p:sp>
+      <p:sp>
+        <p:nvSpPr>
+          <p:cNvPr id="3" name="TextBox 2">
+            <a:extLst>
+              <a:ext uri="{FF2B5EF4-FFF2-40B4-BE49-F238E27FC236}">
+                <a16:creationId xmlns:a16="http://schemas.microsoft.com/office/drawing/2014/main" id="{A3B51B4C-33E0-0509-F482-2A10DB1515D7}"/>
+              </a:ext>
+            </a:extLst>
+          </p:cNvPr>
+          <p:cNvSpPr txBox="1"/>
+          <p:nvPr/>
+        </p:nvSpPr>
+        <p:spPr>
+          <a:xfrm>
+            <a:off x="5515978" y="5691125"/>
+            <a:ext cx="6845227" cy="338554"/>
+          </a:xfrm>
+          <a:prstGeom prst="rect">
+            <a:avLst/>
+          </a:prstGeom>
+          <a:noFill/>
+        </p:spPr>
+        <p:txBody>
+          <a:bodyPr wrap="square" rtlCol="0">
+            <a:spAutoFit/>
+          </a:bodyPr>
+          <a:lstStyle/>
+          <a:p>
+            <a:r>
+              <a:rPr lang="en-IN" sz="1600" i="1" dirty="0"/>
+              <a:t>In-Memory representation of result set tables from SQL command execution</a:t>
             </a:r>
           </a:p>
         </p:txBody>
@@ -26761,11 +28305,3042 @@
   <p:clrMapOvr>
     <a:masterClrMapping/>
   </p:clrMapOvr>
+  <p:transition spd="slow">
+    <p:wipe/>
+  </p:transition>
 </p:sld>
 </file>
 
-<file path=ppt/slides/slide19.xml><?xml version="1.0" encoding="utf-8"?>
+<file path=ppt/slides/slide2.xml><?xml version="1.0" encoding="utf-8"?>
 <p:sld xmlns:a="http://schemas.openxmlformats.org/drawingml/2006/main" xmlns:r="http://schemas.openxmlformats.org/officeDocument/2006/relationships" xmlns:p="http://schemas.openxmlformats.org/presentationml/2006/main">
+  <p:cSld>
+    <p:bg>
+      <p:bgPr>
+        <a:solidFill>
+          <a:srgbClr val="FCFCFE"/>
+        </a:solidFill>
+        <a:effectLst/>
+      </p:bgPr>
+    </p:bg>
+    <p:spTree>
+      <p:nvGrpSpPr>
+        <p:cNvPr id="1" name=""/>
+        <p:cNvGrpSpPr/>
+        <p:nvPr/>
+      </p:nvGrpSpPr>
+      <p:grpSpPr>
+        <a:xfrm>
+          <a:off x="0" y="0"/>
+          <a:ext cx="0" cy="0"/>
+          <a:chOff x="0" y="0"/>
+          <a:chExt cx="0" cy="0"/>
+        </a:xfrm>
+      </p:grpSpPr>
+      <p:sp>
+        <p:nvSpPr>
+          <p:cNvPr id="2" name="Title 1">
+            <a:extLst>
+              <a:ext uri="{FF2B5EF4-FFF2-40B4-BE49-F238E27FC236}">
+                <a16:creationId xmlns:a16="http://schemas.microsoft.com/office/drawing/2014/main" id="{7E148D4C-2DDE-13D1-BB26-EE1F6B24E1DE}"/>
+              </a:ext>
+            </a:extLst>
+          </p:cNvPr>
+          <p:cNvSpPr>
+            <a:spLocks noGrp="1"/>
+          </p:cNvSpPr>
+          <p:nvPr>
+            <p:ph type="title"/>
+          </p:nvPr>
+        </p:nvSpPr>
+        <p:spPr>
+          <a:xfrm>
+            <a:off x="0" y="107950"/>
+            <a:ext cx="10515600" cy="835025"/>
+          </a:xfrm>
+        </p:spPr>
+        <p:txBody>
+          <a:bodyPr>
+            <a:normAutofit/>
+          </a:bodyPr>
+          <a:lstStyle/>
+          <a:p>
+            <a:r>
+              <a:rPr lang="en-IN" sz="4000" dirty="0">
+                <a:solidFill>
+                  <a:srgbClr val="512BD4"/>
+                </a:solidFill>
+                <a:latin typeface="+mn-lt"/>
+              </a:rPr>
+              <a:t>Prerequisites</a:t>
+            </a:r>
+            <a:endParaRPr lang="en-IN" sz="5400" dirty="0">
+              <a:solidFill>
+                <a:srgbClr val="512BD4"/>
+              </a:solidFill>
+              <a:latin typeface="+mn-lt"/>
+            </a:endParaRPr>
+          </a:p>
+        </p:txBody>
+      </p:sp>
+      <p:sp>
+        <p:nvSpPr>
+          <p:cNvPr id="3" name="Content Placeholder 2">
+            <a:extLst>
+              <a:ext uri="{FF2B5EF4-FFF2-40B4-BE49-F238E27FC236}">
+                <a16:creationId xmlns:a16="http://schemas.microsoft.com/office/drawing/2014/main" id="{C9882C76-AFB0-4097-047A-A433F267E3FA}"/>
+              </a:ext>
+            </a:extLst>
+          </p:cNvPr>
+          <p:cNvSpPr>
+            <a:spLocks noGrp="1"/>
+          </p:cNvSpPr>
+          <p:nvPr>
+            <p:ph idx="1"/>
+          </p:nvPr>
+        </p:nvSpPr>
+        <p:spPr>
+          <a:xfrm>
+            <a:off x="238125" y="1119187"/>
+            <a:ext cx="10515600" cy="4619625"/>
+          </a:xfrm>
+        </p:spPr>
+        <p:txBody>
+          <a:bodyPr/>
+          <a:lstStyle/>
+          <a:p>
+            <a:r>
+              <a:rPr lang="en-IN" dirty="0">
+                <a:solidFill>
+                  <a:srgbClr val="512BD4"/>
+                </a:solidFill>
+              </a:rPr>
+              <a:t>Computer and its basic knowledge.</a:t>
+            </a:r>
+          </a:p>
+          <a:p>
+            <a:r>
+              <a:rPr lang="en-IN" dirty="0">
+                <a:solidFill>
+                  <a:srgbClr val="512BD4"/>
+                </a:solidFill>
+              </a:rPr>
+              <a:t>Integrated Development Environment or Code Editor</a:t>
+            </a:r>
+          </a:p>
+          <a:p>
+            <a:pPr lvl="1"/>
+            <a:r>
+              <a:rPr lang="en-IN" sz="2800" dirty="0">
+                <a:solidFill>
+                  <a:srgbClr val="512BD4"/>
+                </a:solidFill>
+              </a:rPr>
+              <a:t>Visual Studio (Recommended)</a:t>
+            </a:r>
+          </a:p>
+          <a:p>
+            <a:pPr lvl="1"/>
+            <a:r>
+              <a:rPr lang="en-IN" sz="2800" dirty="0">
+                <a:solidFill>
+                  <a:srgbClr val="512BD4"/>
+                </a:solidFill>
+              </a:rPr>
+              <a:t>Visual Studio Code</a:t>
+            </a:r>
+          </a:p>
+          <a:p>
+            <a:endParaRPr lang="en-IN" dirty="0"/>
+          </a:p>
+        </p:txBody>
+      </p:sp>
+    </p:spTree>
+    <p:extLst>
+      <p:ext uri="{BB962C8B-B14F-4D97-AF65-F5344CB8AC3E}">
+        <p14:creationId xmlns:p14="http://schemas.microsoft.com/office/powerpoint/2010/main" val="722443238"/>
+      </p:ext>
+    </p:extLst>
+  </p:cSld>
+  <p:clrMapOvr>
+    <a:masterClrMapping/>
+  </p:clrMapOvr>
+  <p:transition spd="slow">
+    <p:wipe/>
+  </p:transition>
+</p:sld>
+</file>
+
+<file path=ppt/slides/slide20.xml><?xml version="1.0" encoding="utf-8"?>
+<p:sld xmlns:a="http://schemas.openxmlformats.org/drawingml/2006/main" xmlns:r="http://schemas.openxmlformats.org/officeDocument/2006/relationships" xmlns:p="http://schemas.openxmlformats.org/presentationml/2006/main">
+  <p:cSld>
+    <p:spTree>
+      <p:nvGrpSpPr>
+        <p:cNvPr id="1" name=""/>
+        <p:cNvGrpSpPr/>
+        <p:nvPr/>
+      </p:nvGrpSpPr>
+      <p:grpSpPr>
+        <a:xfrm>
+          <a:off x="0" y="0"/>
+          <a:ext cx="0" cy="0"/>
+          <a:chOff x="0" y="0"/>
+          <a:chExt cx="0" cy="0"/>
+        </a:xfrm>
+      </p:grpSpPr>
+      <p:sp>
+        <p:nvSpPr>
+          <p:cNvPr id="2" name="Title 1">
+            <a:extLst>
+              <a:ext uri="{FF2B5EF4-FFF2-40B4-BE49-F238E27FC236}">
+                <a16:creationId xmlns:a16="http://schemas.microsoft.com/office/drawing/2014/main" id="{7E148D4C-2DDE-13D1-BB26-EE1F6B24E1DE}"/>
+              </a:ext>
+            </a:extLst>
+          </p:cNvPr>
+          <p:cNvSpPr>
+            <a:spLocks noGrp="1"/>
+          </p:cNvSpPr>
+          <p:nvPr>
+            <p:ph type="title"/>
+          </p:nvPr>
+        </p:nvSpPr>
+        <p:spPr>
+          <a:xfrm>
+            <a:off x="0" y="107950"/>
+            <a:ext cx="10515600" cy="835025"/>
+          </a:xfrm>
+        </p:spPr>
+        <p:txBody>
+          <a:bodyPr>
+            <a:normAutofit/>
+          </a:bodyPr>
+          <a:lstStyle/>
+          <a:p>
+            <a:r>
+              <a:rPr lang="en-IN" sz="4000" dirty="0">
+                <a:solidFill>
+                  <a:srgbClr val="512BD4"/>
+                </a:solidFill>
+                <a:latin typeface="+mn-lt"/>
+              </a:rPr>
+              <a:t>MS SQL SERVER Data Access</a:t>
+            </a:r>
+            <a:endParaRPr lang="en-IN" sz="5400" dirty="0">
+              <a:solidFill>
+                <a:srgbClr val="512BD4"/>
+              </a:solidFill>
+              <a:latin typeface="+mn-lt"/>
+            </a:endParaRPr>
+          </a:p>
+        </p:txBody>
+      </p:sp>
+      <p:sp>
+        <p:nvSpPr>
+          <p:cNvPr id="3" name="Content Placeholder 2">
+            <a:extLst>
+              <a:ext uri="{FF2B5EF4-FFF2-40B4-BE49-F238E27FC236}">
+                <a16:creationId xmlns:a16="http://schemas.microsoft.com/office/drawing/2014/main" id="{C9882C76-AFB0-4097-047A-A433F267E3FA}"/>
+              </a:ext>
+            </a:extLst>
+          </p:cNvPr>
+          <p:cNvSpPr>
+            <a:spLocks noGrp="1"/>
+          </p:cNvSpPr>
+          <p:nvPr>
+            <p:ph idx="1"/>
+          </p:nvPr>
+        </p:nvSpPr>
+        <p:spPr>
+          <a:xfrm>
+            <a:off x="238124" y="1119187"/>
+            <a:ext cx="11663363" cy="4619625"/>
+          </a:xfrm>
+        </p:spPr>
+        <p:txBody>
+          <a:bodyPr/>
+          <a:lstStyle/>
+          <a:p>
+            <a:r>
+              <a:rPr lang="en-IN" sz="2400" dirty="0">
+                <a:solidFill>
+                  <a:srgbClr val="512BD4"/>
+                </a:solidFill>
+              </a:rPr>
+              <a:t>Add below DLL as project reference through manage NuGet package manager</a:t>
+            </a:r>
+            <a:r>
+              <a:rPr lang="en-IN" sz="3200" dirty="0">
+                <a:solidFill>
+                  <a:srgbClr val="512BD4"/>
+                </a:solidFill>
+              </a:rPr>
+              <a:t>. </a:t>
+            </a:r>
+          </a:p>
+          <a:p>
+            <a:pPr lvl="1"/>
+            <a:r>
+              <a:rPr lang="en-IN" b="1" dirty="0" err="1">
+                <a:solidFill>
+                  <a:srgbClr val="512BD4"/>
+                </a:solidFill>
+              </a:rPr>
+              <a:t>Microsoft.Data.SqlClient</a:t>
+            </a:r>
+            <a:endParaRPr lang="en-IN" b="1" dirty="0">
+              <a:solidFill>
+                <a:srgbClr val="512BD4"/>
+              </a:solidFill>
+            </a:endParaRPr>
+          </a:p>
+          <a:p>
+            <a:pPr lvl="1"/>
+            <a:r>
+              <a:rPr lang="en-IN" b="1" dirty="0">
+                <a:solidFill>
+                  <a:srgbClr val="512BD4"/>
+                </a:solidFill>
+              </a:rPr>
+              <a:t>System.Data.SqlClient (Legacy library)</a:t>
+            </a:r>
+          </a:p>
+          <a:p>
+            <a:r>
+              <a:rPr lang="en-IN" sz="2400" dirty="0">
+                <a:solidFill>
+                  <a:srgbClr val="512BD4"/>
+                </a:solidFill>
+              </a:rPr>
+              <a:t>SQL Server data provider provides the following classes to interact with database</a:t>
+            </a:r>
+            <a:r>
+              <a:rPr lang="en-IN" sz="2000" dirty="0">
+                <a:solidFill>
+                  <a:srgbClr val="512BD4"/>
+                </a:solidFill>
+              </a:rPr>
+              <a:t>.</a:t>
+            </a:r>
+          </a:p>
+          <a:p>
+            <a:endParaRPr lang="en-IN" sz="2000" dirty="0">
+              <a:solidFill>
+                <a:srgbClr val="512BD4"/>
+              </a:solidFill>
+            </a:endParaRPr>
+          </a:p>
+          <a:p>
+            <a:pPr marL="0" indent="0">
+              <a:buNone/>
+            </a:pPr>
+            <a:endParaRPr lang="en-IN" sz="2000" dirty="0">
+              <a:solidFill>
+                <a:srgbClr val="512BD4"/>
+              </a:solidFill>
+            </a:endParaRPr>
+          </a:p>
+          <a:p>
+            <a:endParaRPr lang="en-IN" sz="2400" dirty="0">
+              <a:solidFill>
+                <a:srgbClr val="512BD4"/>
+              </a:solidFill>
+            </a:endParaRPr>
+          </a:p>
+          <a:p>
+            <a:pPr lvl="1"/>
+            <a:endParaRPr lang="en-IN" sz="2000" dirty="0">
+              <a:solidFill>
+                <a:srgbClr val="512BD4"/>
+              </a:solidFill>
+            </a:endParaRPr>
+          </a:p>
+          <a:p>
+            <a:pPr marL="457200" lvl="1" indent="0">
+              <a:buNone/>
+            </a:pPr>
+            <a:endParaRPr lang="en-IN" sz="2000" dirty="0">
+              <a:solidFill>
+                <a:srgbClr val="512BD4"/>
+              </a:solidFill>
+            </a:endParaRPr>
+          </a:p>
+        </p:txBody>
+      </p:sp>
+      <p:graphicFrame>
+        <p:nvGraphicFramePr>
+          <p:cNvPr id="4" name="Table 3">
+            <a:extLst>
+              <a:ext uri="{FF2B5EF4-FFF2-40B4-BE49-F238E27FC236}">
+                <a16:creationId xmlns:a16="http://schemas.microsoft.com/office/drawing/2014/main" id="{EA27A9E0-C1D6-6B88-3ECE-5AC53B5DC225}"/>
+              </a:ext>
+            </a:extLst>
+          </p:cNvPr>
+          <p:cNvGraphicFramePr>
+            <a:graphicFrameLocks noGrp="1"/>
+          </p:cNvGraphicFramePr>
+          <p:nvPr>
+            <p:extLst>
+              <p:ext uri="{D42A27DB-BD31-4B8C-83A1-F6EECF244321}">
+                <p14:modId xmlns:p14="http://schemas.microsoft.com/office/powerpoint/2010/main" val="1284149060"/>
+              </p:ext>
+            </p:extLst>
+          </p:nvPr>
+        </p:nvGraphicFramePr>
+        <p:xfrm>
+          <a:off x="461168" y="3062816"/>
+          <a:ext cx="11269664" cy="3017520"/>
+        </p:xfrm>
+        <a:graphic>
+          <a:graphicData uri="http://schemas.openxmlformats.org/drawingml/2006/table">
+            <a:tbl>
+              <a:tblPr firstRow="1" bandRow="1">
+                <a:tableStyleId>{5940675A-B579-460E-94D1-54222C63F5DA}</a:tableStyleId>
+              </a:tblPr>
+              <a:tblGrid>
+                <a:gridCol w="2311401">
+                  <a:extLst>
+                    <a:ext uri="{9D8B030D-6E8A-4147-A177-3AD203B41FA5}">
+                      <a16:colId xmlns:a16="http://schemas.microsoft.com/office/drawing/2014/main" val="413650100"/>
+                    </a:ext>
+                  </a:extLst>
+                </a:gridCol>
+                <a:gridCol w="8958263">
+                  <a:extLst>
+                    <a:ext uri="{9D8B030D-6E8A-4147-A177-3AD203B41FA5}">
+                      <a16:colId xmlns:a16="http://schemas.microsoft.com/office/drawing/2014/main" val="376622058"/>
+                    </a:ext>
+                  </a:extLst>
+                </a:gridCol>
+              </a:tblGrid>
+              <a:tr h="370840">
+                <a:tc>
+                  <a:txBody>
+                    <a:bodyPr/>
+                    <a:lstStyle/>
+                    <a:p>
+                      <a:r>
+                        <a:rPr lang="en-IN" sz="2400" b="1" dirty="0">
+                          <a:solidFill>
+                            <a:schemeClr val="bg1"/>
+                          </a:solidFill>
+                        </a:rPr>
+                        <a:t>Class</a:t>
+                      </a:r>
+                    </a:p>
+                  </a:txBody>
+                  <a:tcPr>
+                    <a:solidFill>
+                      <a:srgbClr val="512BD4"/>
+                    </a:solidFill>
+                  </a:tcPr>
+                </a:tc>
+                <a:tc>
+                  <a:txBody>
+                    <a:bodyPr/>
+                    <a:lstStyle/>
+                    <a:p>
+                      <a:r>
+                        <a:rPr lang="en-IN" sz="2400" b="1" dirty="0">
+                          <a:solidFill>
+                            <a:schemeClr val="bg1"/>
+                          </a:solidFill>
+                        </a:rPr>
+                        <a:t>Description</a:t>
+                      </a:r>
+                    </a:p>
+                  </a:txBody>
+                  <a:tcPr>
+                    <a:solidFill>
+                      <a:srgbClr val="512BD4"/>
+                    </a:solidFill>
+                  </a:tcPr>
+                </a:tc>
+                <a:extLst>
+                  <a:ext uri="{0D108BD9-81ED-4DB2-BD59-A6C34878D82A}">
+                    <a16:rowId xmlns:a16="http://schemas.microsoft.com/office/drawing/2014/main" val="3347244670"/>
+                  </a:ext>
+                </a:extLst>
+              </a:tr>
+              <a:tr h="370840">
+                <a:tc>
+                  <a:txBody>
+                    <a:bodyPr/>
+                    <a:lstStyle/>
+                    <a:p>
+                      <a:r>
+                        <a:rPr lang="en-IN" sz="2400" b="1" kern="1200" dirty="0" err="1">
+                          <a:solidFill>
+                            <a:srgbClr val="512BD4"/>
+                          </a:solidFill>
+                          <a:latin typeface="+mn-lt"/>
+                          <a:ea typeface="+mn-ea"/>
+                          <a:cs typeface="+mn-cs"/>
+                        </a:rPr>
+                        <a:t>SqlConnection</a:t>
+                      </a:r>
+                      <a:endParaRPr lang="en-IN" sz="2400" b="1" kern="1200" dirty="0">
+                        <a:solidFill>
+                          <a:srgbClr val="512BD4"/>
+                        </a:solidFill>
+                        <a:latin typeface="+mn-lt"/>
+                        <a:ea typeface="+mn-ea"/>
+                        <a:cs typeface="+mn-cs"/>
+                      </a:endParaRPr>
+                    </a:p>
+                  </a:txBody>
+                  <a:tcPr/>
+                </a:tc>
+                <a:tc>
+                  <a:txBody>
+                    <a:bodyPr/>
+                    <a:lstStyle/>
+                    <a:p>
+                      <a:r>
+                        <a:rPr lang="en-IN" sz="2400" kern="1200" dirty="0">
+                          <a:solidFill>
+                            <a:srgbClr val="512BD4"/>
+                          </a:solidFill>
+                          <a:latin typeface="+mn-lt"/>
+                          <a:ea typeface="+mn-ea"/>
+                          <a:cs typeface="+mn-cs"/>
+                        </a:rPr>
+                        <a:t>Establishes a connection to a </a:t>
+                      </a:r>
+                      <a:r>
+                        <a:rPr lang="en-IN" sz="2400" kern="1200" dirty="0" err="1">
+                          <a:solidFill>
+                            <a:srgbClr val="512BD4"/>
+                          </a:solidFill>
+                          <a:latin typeface="+mn-lt"/>
+                          <a:ea typeface="+mn-ea"/>
+                          <a:cs typeface="+mn-cs"/>
+                        </a:rPr>
+                        <a:t>datsbase</a:t>
+                      </a:r>
+                      <a:r>
+                        <a:rPr lang="en-IN" sz="2400" kern="1200" dirty="0">
+                          <a:solidFill>
+                            <a:srgbClr val="512BD4"/>
+                          </a:solidFill>
+                          <a:latin typeface="+mn-lt"/>
+                          <a:ea typeface="+mn-ea"/>
+                          <a:cs typeface="+mn-cs"/>
+                        </a:rPr>
+                        <a:t>.</a:t>
+                      </a:r>
+                    </a:p>
+                  </a:txBody>
+                  <a:tcPr/>
+                </a:tc>
+                <a:extLst>
+                  <a:ext uri="{0D108BD9-81ED-4DB2-BD59-A6C34878D82A}">
+                    <a16:rowId xmlns:a16="http://schemas.microsoft.com/office/drawing/2014/main" val="2034156338"/>
+                  </a:ext>
+                </a:extLst>
+              </a:tr>
+              <a:tr h="370840">
+                <a:tc>
+                  <a:txBody>
+                    <a:bodyPr/>
+                    <a:lstStyle/>
+                    <a:p>
+                      <a:r>
+                        <a:rPr lang="en-IN" sz="2400" b="1" kern="1200" dirty="0" err="1">
+                          <a:solidFill>
+                            <a:srgbClr val="512BD4"/>
+                          </a:solidFill>
+                          <a:latin typeface="+mn-lt"/>
+                          <a:ea typeface="+mn-ea"/>
+                          <a:cs typeface="+mn-cs"/>
+                        </a:rPr>
+                        <a:t>SqlCommand</a:t>
+                      </a:r>
+                      <a:endParaRPr lang="en-IN" sz="2400" b="1" kern="1200" dirty="0">
+                        <a:solidFill>
+                          <a:srgbClr val="512BD4"/>
+                        </a:solidFill>
+                        <a:latin typeface="+mn-lt"/>
+                        <a:ea typeface="+mn-ea"/>
+                        <a:cs typeface="+mn-cs"/>
+                      </a:endParaRPr>
+                    </a:p>
+                  </a:txBody>
+                  <a:tcPr/>
+                </a:tc>
+                <a:tc>
+                  <a:txBody>
+                    <a:bodyPr/>
+                    <a:lstStyle/>
+                    <a:p>
+                      <a:r>
+                        <a:rPr lang="en-IN" sz="2400" kern="1200" dirty="0">
+                          <a:solidFill>
+                            <a:srgbClr val="512BD4"/>
+                          </a:solidFill>
+                          <a:latin typeface="+mn-lt"/>
+                          <a:ea typeface="+mn-ea"/>
+                          <a:cs typeface="+mn-cs"/>
+                        </a:rPr>
+                        <a:t>Represents an individual SQL statement or stored procedure that can be executed against the database connected.</a:t>
+                      </a:r>
+                    </a:p>
+                  </a:txBody>
+                  <a:tcPr/>
+                </a:tc>
+                <a:extLst>
+                  <a:ext uri="{0D108BD9-81ED-4DB2-BD59-A6C34878D82A}">
+                    <a16:rowId xmlns:a16="http://schemas.microsoft.com/office/drawing/2014/main" val="1316494118"/>
+                  </a:ext>
+                </a:extLst>
+              </a:tr>
+              <a:tr h="370840">
+                <a:tc>
+                  <a:txBody>
+                    <a:bodyPr/>
+                    <a:lstStyle/>
+                    <a:p>
+                      <a:r>
+                        <a:rPr lang="en-IN" sz="2400" b="1" kern="1200" dirty="0" err="1">
+                          <a:solidFill>
+                            <a:srgbClr val="512BD4"/>
+                          </a:solidFill>
+                          <a:latin typeface="+mn-lt"/>
+                          <a:ea typeface="+mn-ea"/>
+                          <a:cs typeface="+mn-cs"/>
+                        </a:rPr>
+                        <a:t>SqlDataReader</a:t>
+                      </a:r>
+                      <a:endParaRPr lang="en-IN" sz="2400" b="1" kern="1200" dirty="0">
+                        <a:solidFill>
+                          <a:srgbClr val="512BD4"/>
+                        </a:solidFill>
+                        <a:latin typeface="+mn-lt"/>
+                        <a:ea typeface="+mn-ea"/>
+                        <a:cs typeface="+mn-cs"/>
+                      </a:endParaRPr>
+                    </a:p>
+                  </a:txBody>
+                  <a:tcPr/>
+                </a:tc>
+                <a:tc>
+                  <a:txBody>
+                    <a:bodyPr/>
+                    <a:lstStyle/>
+                    <a:p>
+                      <a:r>
+                        <a:rPr lang="en-IN" sz="2400" kern="1200" dirty="0">
+                          <a:solidFill>
+                            <a:srgbClr val="512BD4"/>
+                          </a:solidFill>
+                          <a:latin typeface="+mn-lt"/>
+                          <a:ea typeface="+mn-ea"/>
+                          <a:cs typeface="+mn-cs"/>
+                        </a:rPr>
+                        <a:t>Provides read-only, forward-only access to the data in a database.</a:t>
+                      </a:r>
+                    </a:p>
+                  </a:txBody>
+                  <a:tcPr/>
+                </a:tc>
+                <a:extLst>
+                  <a:ext uri="{0D108BD9-81ED-4DB2-BD59-A6C34878D82A}">
+                    <a16:rowId xmlns:a16="http://schemas.microsoft.com/office/drawing/2014/main" val="1608093382"/>
+                  </a:ext>
+                </a:extLst>
+              </a:tr>
+              <a:tr h="370840">
+                <a:tc>
+                  <a:txBody>
+                    <a:bodyPr/>
+                    <a:lstStyle/>
+                    <a:p>
+                      <a:r>
+                        <a:rPr lang="en-IN" sz="2400" b="1" kern="1200" dirty="0" err="1">
+                          <a:solidFill>
+                            <a:srgbClr val="512BD4"/>
+                          </a:solidFill>
+                          <a:latin typeface="+mn-lt"/>
+                          <a:ea typeface="+mn-ea"/>
+                          <a:cs typeface="+mn-cs"/>
+                        </a:rPr>
+                        <a:t>SqlDataAdaptor</a:t>
+                      </a:r>
+                      <a:endParaRPr lang="en-IN" sz="2400" b="1" kern="1200" dirty="0">
+                        <a:solidFill>
+                          <a:srgbClr val="512BD4"/>
+                        </a:solidFill>
+                        <a:latin typeface="+mn-lt"/>
+                        <a:ea typeface="+mn-ea"/>
+                        <a:cs typeface="+mn-cs"/>
+                      </a:endParaRPr>
+                    </a:p>
+                  </a:txBody>
+                  <a:tcPr/>
+                </a:tc>
+                <a:tc>
+                  <a:txBody>
+                    <a:bodyPr/>
+                    <a:lstStyle/>
+                    <a:p>
+                      <a:r>
+                        <a:rPr lang="en-IN" sz="2400" kern="1200" dirty="0">
+                          <a:solidFill>
+                            <a:srgbClr val="512BD4"/>
+                          </a:solidFill>
+                          <a:latin typeface="+mn-lt"/>
+                          <a:ea typeface="+mn-ea"/>
+                          <a:cs typeface="+mn-cs"/>
+                        </a:rPr>
+                        <a:t>Acts as a bridge  between the command and connection objects and a dataset</a:t>
+                      </a:r>
+                    </a:p>
+                  </a:txBody>
+                  <a:tcPr/>
+                </a:tc>
+                <a:extLst>
+                  <a:ext uri="{0D108BD9-81ED-4DB2-BD59-A6C34878D82A}">
+                    <a16:rowId xmlns:a16="http://schemas.microsoft.com/office/drawing/2014/main" val="2960679136"/>
+                  </a:ext>
+                </a:extLst>
+              </a:tr>
+            </a:tbl>
+          </a:graphicData>
+        </a:graphic>
+      </p:graphicFrame>
+    </p:spTree>
+    <p:extLst>
+      <p:ext uri="{BB962C8B-B14F-4D97-AF65-F5344CB8AC3E}">
+        <p14:creationId xmlns:p14="http://schemas.microsoft.com/office/powerpoint/2010/main" val="3901408429"/>
+      </p:ext>
+    </p:extLst>
+  </p:cSld>
+  <p:clrMapOvr>
+    <a:masterClrMapping/>
+  </p:clrMapOvr>
+  <p:transition spd="slow">
+    <p:wipe/>
+  </p:transition>
+</p:sld>
+</file>
+
+<file path=ppt/slides/slide21.xml><?xml version="1.0" encoding="utf-8"?>
+<p:sld xmlns:a="http://schemas.openxmlformats.org/drawingml/2006/main" xmlns:r="http://schemas.openxmlformats.org/officeDocument/2006/relationships" xmlns:p="http://schemas.openxmlformats.org/presentationml/2006/main">
+  <p:cSld>
+    <p:spTree>
+      <p:nvGrpSpPr>
+        <p:cNvPr id="1" name=""/>
+        <p:cNvGrpSpPr/>
+        <p:nvPr/>
+      </p:nvGrpSpPr>
+      <p:grpSpPr>
+        <a:xfrm>
+          <a:off x="0" y="0"/>
+          <a:ext cx="0" cy="0"/>
+          <a:chOff x="0" y="0"/>
+          <a:chExt cx="0" cy="0"/>
+        </a:xfrm>
+      </p:grpSpPr>
+      <p:graphicFrame>
+        <p:nvGraphicFramePr>
+          <p:cNvPr id="11" name="Table 10">
+            <a:extLst>
+              <a:ext uri="{FF2B5EF4-FFF2-40B4-BE49-F238E27FC236}">
+                <a16:creationId xmlns:a16="http://schemas.microsoft.com/office/drawing/2014/main" id="{1671174C-DD46-1984-17F5-22856C2B6128}"/>
+              </a:ext>
+            </a:extLst>
+          </p:cNvPr>
+          <p:cNvGraphicFramePr>
+            <a:graphicFrameLocks noGrp="1"/>
+          </p:cNvGraphicFramePr>
+          <p:nvPr>
+            <p:extLst>
+              <p:ext uri="{D42A27DB-BD31-4B8C-83A1-F6EECF244321}">
+                <p14:modId xmlns:p14="http://schemas.microsoft.com/office/powerpoint/2010/main" val="284112137"/>
+              </p:ext>
+            </p:extLst>
+          </p:nvPr>
+        </p:nvGraphicFramePr>
+        <p:xfrm>
+          <a:off x="386950" y="242478"/>
+          <a:ext cx="3671096" cy="1950720"/>
+        </p:xfrm>
+        <a:graphic>
+          <a:graphicData uri="http://schemas.openxmlformats.org/drawingml/2006/table">
+            <a:tbl>
+              <a:tblPr firstRow="1" bandRow="1">
+                <a:tableStyleId>{5C22544A-7EE6-4342-B048-85BDC9FD1C3A}</a:tableStyleId>
+              </a:tblPr>
+              <a:tblGrid>
+                <a:gridCol w="3671096">
+                  <a:extLst>
+                    <a:ext uri="{9D8B030D-6E8A-4147-A177-3AD203B41FA5}">
+                      <a16:colId xmlns:a16="http://schemas.microsoft.com/office/drawing/2014/main" val="2403861265"/>
+                    </a:ext>
+                  </a:extLst>
+                </a:gridCol>
+              </a:tblGrid>
+              <a:tr h="370840">
+                <a:tc>
+                  <a:txBody>
+                    <a:bodyPr/>
+                    <a:lstStyle/>
+                    <a:p>
+                      <a:pPr algn="ctr"/>
+                      <a:r>
+                        <a:rPr lang="en-IN" sz="2400" dirty="0" err="1">
+                          <a:solidFill>
+                            <a:schemeClr val="bg1"/>
+                          </a:solidFill>
+                        </a:rPr>
+                        <a:t>SqlConnection</a:t>
+                      </a:r>
+                      <a:endParaRPr lang="en-IN" dirty="0">
+                        <a:solidFill>
+                          <a:schemeClr val="bg1"/>
+                        </a:solidFill>
+                      </a:endParaRPr>
+                    </a:p>
+                  </a:txBody>
+                  <a:tcPr anchor="ctr">
+                    <a:lnL w="12700" cap="flat" cmpd="sng" algn="ctr">
+                      <a:solidFill>
+                        <a:schemeClr val="tx1"/>
+                      </a:solidFill>
+                      <a:prstDash val="solid"/>
+                      <a:round/>
+                      <a:headEnd type="none" w="med" len="med"/>
+                      <a:tailEnd type="none" w="med" len="med"/>
+                    </a:lnL>
+                    <a:lnR w="12700" cap="flat" cmpd="sng" algn="ctr">
+                      <a:solidFill>
+                        <a:schemeClr val="tx1"/>
+                      </a:solidFill>
+                      <a:prstDash val="solid"/>
+                      <a:round/>
+                      <a:headEnd type="none" w="med" len="med"/>
+                      <a:tailEnd type="none" w="med" len="med"/>
+                    </a:lnR>
+                    <a:lnT w="12700" cap="flat" cmpd="sng" algn="ctr">
+                      <a:solidFill>
+                        <a:schemeClr val="tx1"/>
+                      </a:solidFill>
+                      <a:prstDash val="solid"/>
+                      <a:round/>
+                      <a:headEnd type="none" w="med" len="med"/>
+                      <a:tailEnd type="none" w="med" len="med"/>
+                    </a:lnT>
+                    <a:solidFill>
+                      <a:srgbClr val="512BD4"/>
+                    </a:solidFill>
+                  </a:tcPr>
+                </a:tc>
+                <a:extLst>
+                  <a:ext uri="{0D108BD9-81ED-4DB2-BD59-A6C34878D82A}">
+                    <a16:rowId xmlns:a16="http://schemas.microsoft.com/office/drawing/2014/main" val="3099883645"/>
+                  </a:ext>
+                </a:extLst>
+              </a:tr>
+              <a:tr h="370840">
+                <a:tc>
+                  <a:txBody>
+                    <a:bodyPr/>
+                    <a:lstStyle/>
+                    <a:p>
+                      <a:r>
+                        <a:rPr lang="en-IN" sz="2000" dirty="0">
+                          <a:solidFill>
+                            <a:srgbClr val="512BD4"/>
+                          </a:solidFill>
+                        </a:rPr>
+                        <a:t> + </a:t>
+                      </a:r>
+                      <a:r>
+                        <a:rPr lang="en-IN" sz="2000" dirty="0" err="1">
+                          <a:solidFill>
+                            <a:srgbClr val="512BD4"/>
+                          </a:solidFill>
+                        </a:rPr>
+                        <a:t>ConnectionString</a:t>
+                      </a:r>
+                      <a:r>
+                        <a:rPr lang="en-IN" sz="2000" dirty="0">
+                          <a:solidFill>
+                            <a:srgbClr val="512BD4"/>
+                          </a:solidFill>
+                        </a:rPr>
+                        <a:t> : string</a:t>
+                      </a:r>
+                    </a:p>
+                  </a:txBody>
+                  <a:tcPr>
+                    <a:lnL w="12700" cap="flat" cmpd="sng" algn="ctr">
+                      <a:solidFill>
+                        <a:schemeClr val="tx1"/>
+                      </a:solidFill>
+                      <a:prstDash val="solid"/>
+                      <a:round/>
+                      <a:headEnd type="none" w="med" len="med"/>
+                      <a:tailEnd type="none" w="med" len="med"/>
+                    </a:lnL>
+                    <a:lnR w="12700" cap="flat" cmpd="sng" algn="ctr">
+                      <a:solidFill>
+                        <a:schemeClr val="tx1"/>
+                      </a:solidFill>
+                      <a:prstDash val="solid"/>
+                      <a:round/>
+                      <a:headEnd type="none" w="med" len="med"/>
+                      <a:tailEnd type="none" w="med" len="med"/>
+                    </a:lnR>
+                    <a:solidFill>
+                      <a:schemeClr val="bg1"/>
+                    </a:solidFill>
+                  </a:tcPr>
+                </a:tc>
+                <a:extLst>
+                  <a:ext uri="{0D108BD9-81ED-4DB2-BD59-A6C34878D82A}">
+                    <a16:rowId xmlns:a16="http://schemas.microsoft.com/office/drawing/2014/main" val="2736703758"/>
+                  </a:ext>
+                </a:extLst>
+              </a:tr>
+              <a:tr h="370840">
+                <a:tc>
+                  <a:txBody>
+                    <a:bodyPr/>
+                    <a:lstStyle/>
+                    <a:p>
+                      <a:endParaRPr lang="en-IN" sz="2000" dirty="0">
+                        <a:solidFill>
+                          <a:srgbClr val="512BD4"/>
+                        </a:solidFill>
+                      </a:endParaRPr>
+                    </a:p>
+                  </a:txBody>
+                  <a:tcPr>
+                    <a:lnL w="12700" cap="flat" cmpd="sng" algn="ctr">
+                      <a:solidFill>
+                        <a:schemeClr val="tx1"/>
+                      </a:solidFill>
+                      <a:prstDash val="solid"/>
+                      <a:round/>
+                      <a:headEnd type="none" w="med" len="med"/>
+                      <a:tailEnd type="none" w="med" len="med"/>
+                    </a:lnL>
+                    <a:lnR w="12700" cap="flat" cmpd="sng" algn="ctr">
+                      <a:solidFill>
+                        <a:schemeClr val="tx1"/>
+                      </a:solidFill>
+                      <a:prstDash val="solid"/>
+                      <a:round/>
+                      <a:headEnd type="none" w="med" len="med"/>
+                      <a:tailEnd type="none" w="med" len="med"/>
+                    </a:lnR>
+                    <a:lnB w="12700" cap="flat" cmpd="sng" algn="ctr">
+                      <a:solidFill>
+                        <a:schemeClr val="tx1"/>
+                      </a:solidFill>
+                      <a:prstDash val="solid"/>
+                      <a:round/>
+                      <a:headEnd type="none" w="med" len="med"/>
+                      <a:tailEnd type="none" w="med" len="med"/>
+                    </a:lnB>
+                    <a:solidFill>
+                      <a:schemeClr val="bg1"/>
+                    </a:solidFill>
+                  </a:tcPr>
+                </a:tc>
+                <a:extLst>
+                  <a:ext uri="{0D108BD9-81ED-4DB2-BD59-A6C34878D82A}">
+                    <a16:rowId xmlns:a16="http://schemas.microsoft.com/office/drawing/2014/main" val="462662949"/>
+                  </a:ext>
+                </a:extLst>
+              </a:tr>
+              <a:tr h="370840">
+                <a:tc>
+                  <a:txBody>
+                    <a:bodyPr/>
+                    <a:lstStyle/>
+                    <a:p>
+                      <a:r>
+                        <a:rPr lang="en-IN" sz="2000" dirty="0">
+                          <a:solidFill>
+                            <a:srgbClr val="512BD4"/>
+                          </a:solidFill>
+                        </a:rPr>
+                        <a:t>+ Open ( ) : void</a:t>
+                      </a:r>
+                    </a:p>
+                    <a:p>
+                      <a:pPr marL="0" marR="0" lvl="0" indent="0" algn="l" defTabSz="914400" rtl="0" eaLnBrk="1" fontAlgn="auto" latinLnBrk="0" hangingPunct="1">
+                        <a:lnSpc>
+                          <a:spcPct val="100000"/>
+                        </a:lnSpc>
+                        <a:spcBef>
+                          <a:spcPts val="0"/>
+                        </a:spcBef>
+                        <a:spcAft>
+                          <a:spcPts val="0"/>
+                        </a:spcAft>
+                        <a:buClrTx/>
+                        <a:buSzTx/>
+                        <a:buFontTx/>
+                        <a:buNone/>
+                        <a:tabLst/>
+                        <a:defRPr/>
+                      </a:pPr>
+                      <a:r>
+                        <a:rPr lang="en-IN" sz="2000" dirty="0">
+                          <a:solidFill>
+                            <a:srgbClr val="512BD4"/>
+                          </a:solidFill>
+                        </a:rPr>
+                        <a:t>+ Close ( ) : void</a:t>
+                      </a:r>
+                    </a:p>
+                  </a:txBody>
+                  <a:tcPr>
+                    <a:lnL w="12700" cap="flat" cmpd="sng" algn="ctr">
+                      <a:solidFill>
+                        <a:schemeClr val="tx1"/>
+                      </a:solidFill>
+                      <a:prstDash val="solid"/>
+                      <a:round/>
+                      <a:headEnd type="none" w="med" len="med"/>
+                      <a:tailEnd type="none" w="med" len="med"/>
+                    </a:lnL>
+                    <a:lnR w="12700" cap="flat" cmpd="sng" algn="ctr">
+                      <a:solidFill>
+                        <a:schemeClr val="tx1"/>
+                      </a:solidFill>
+                      <a:prstDash val="solid"/>
+                      <a:round/>
+                      <a:headEnd type="none" w="med" len="med"/>
+                      <a:tailEnd type="none" w="med" len="med"/>
+                    </a:lnR>
+                    <a:lnT w="12700" cap="flat" cmpd="sng" algn="ctr">
+                      <a:solidFill>
+                        <a:schemeClr val="tx1"/>
+                      </a:solidFill>
+                      <a:prstDash val="solid"/>
+                      <a:round/>
+                      <a:headEnd type="none" w="med" len="med"/>
+                      <a:tailEnd type="none" w="med" len="med"/>
+                    </a:lnT>
+                    <a:lnB w="12700" cap="flat" cmpd="sng" algn="ctr">
+                      <a:solidFill>
+                        <a:schemeClr val="tx1"/>
+                      </a:solidFill>
+                      <a:prstDash val="solid"/>
+                      <a:round/>
+                      <a:headEnd type="none" w="med" len="med"/>
+                      <a:tailEnd type="none" w="med" len="med"/>
+                    </a:lnB>
+                    <a:solidFill>
+                      <a:schemeClr val="bg1"/>
+                    </a:solidFill>
+                  </a:tcPr>
+                </a:tc>
+                <a:extLst>
+                  <a:ext uri="{0D108BD9-81ED-4DB2-BD59-A6C34878D82A}">
+                    <a16:rowId xmlns:a16="http://schemas.microsoft.com/office/drawing/2014/main" val="892949870"/>
+                  </a:ext>
+                </a:extLst>
+              </a:tr>
+            </a:tbl>
+          </a:graphicData>
+        </a:graphic>
+      </p:graphicFrame>
+      <p:graphicFrame>
+        <p:nvGraphicFramePr>
+          <p:cNvPr id="12" name="Table 11">
+            <a:extLst>
+              <a:ext uri="{FF2B5EF4-FFF2-40B4-BE49-F238E27FC236}">
+                <a16:creationId xmlns:a16="http://schemas.microsoft.com/office/drawing/2014/main" id="{9C316C33-6F34-CE1B-B36E-902D1B922075}"/>
+              </a:ext>
+            </a:extLst>
+          </p:cNvPr>
+          <p:cNvGraphicFramePr>
+            <a:graphicFrameLocks noGrp="1"/>
+          </p:cNvGraphicFramePr>
+          <p:nvPr>
+            <p:extLst>
+              <p:ext uri="{D42A27DB-BD31-4B8C-83A1-F6EECF244321}">
+                <p14:modId xmlns:p14="http://schemas.microsoft.com/office/powerpoint/2010/main" val="1547631988"/>
+              </p:ext>
+            </p:extLst>
+          </p:nvPr>
+        </p:nvGraphicFramePr>
+        <p:xfrm>
+          <a:off x="404812" y="2508489"/>
+          <a:ext cx="3671096" cy="4107033"/>
+        </p:xfrm>
+        <a:graphic>
+          <a:graphicData uri="http://schemas.openxmlformats.org/drawingml/2006/table">
+            <a:tbl>
+              <a:tblPr firstRow="1" bandRow="1">
+                <a:tableStyleId>{5C22544A-7EE6-4342-B048-85BDC9FD1C3A}</a:tableStyleId>
+              </a:tblPr>
+              <a:tblGrid>
+                <a:gridCol w="3671096">
+                  <a:extLst>
+                    <a:ext uri="{9D8B030D-6E8A-4147-A177-3AD203B41FA5}">
+                      <a16:colId xmlns:a16="http://schemas.microsoft.com/office/drawing/2014/main" val="2403861265"/>
+                    </a:ext>
+                  </a:extLst>
+                </a:gridCol>
+              </a:tblGrid>
+              <a:tr h="443858">
+                <a:tc>
+                  <a:txBody>
+                    <a:bodyPr/>
+                    <a:lstStyle/>
+                    <a:p>
+                      <a:pPr algn="ctr"/>
+                      <a:r>
+                        <a:rPr lang="en-IN" sz="2400" dirty="0" err="1">
+                          <a:solidFill>
+                            <a:schemeClr val="bg1"/>
+                          </a:solidFill>
+                        </a:rPr>
+                        <a:t>SqlCommand</a:t>
+                      </a:r>
+                      <a:endParaRPr lang="en-IN" dirty="0">
+                        <a:solidFill>
+                          <a:schemeClr val="bg1"/>
+                        </a:solidFill>
+                      </a:endParaRPr>
+                    </a:p>
+                  </a:txBody>
+                  <a:tcPr anchor="ctr">
+                    <a:lnL w="12700" cap="flat" cmpd="sng" algn="ctr">
+                      <a:solidFill>
+                        <a:schemeClr val="tx1"/>
+                      </a:solidFill>
+                      <a:prstDash val="solid"/>
+                      <a:round/>
+                      <a:headEnd type="none" w="med" len="med"/>
+                      <a:tailEnd type="none" w="med" len="med"/>
+                    </a:lnL>
+                    <a:lnR w="12700" cap="flat" cmpd="sng" algn="ctr">
+                      <a:solidFill>
+                        <a:schemeClr val="tx1"/>
+                      </a:solidFill>
+                      <a:prstDash val="solid"/>
+                      <a:round/>
+                      <a:headEnd type="none" w="med" len="med"/>
+                      <a:tailEnd type="none" w="med" len="med"/>
+                    </a:lnR>
+                    <a:lnT w="12700" cap="flat" cmpd="sng" algn="ctr">
+                      <a:solidFill>
+                        <a:schemeClr val="tx1"/>
+                      </a:solidFill>
+                      <a:prstDash val="solid"/>
+                      <a:round/>
+                      <a:headEnd type="none" w="med" len="med"/>
+                      <a:tailEnd type="none" w="med" len="med"/>
+                    </a:lnT>
+                    <a:lnB w="12700" cap="flat" cmpd="sng" algn="ctr">
+                      <a:noFill/>
+                      <a:prstDash val="solid"/>
+                      <a:round/>
+                      <a:headEnd type="none" w="med" len="med"/>
+                      <a:tailEnd type="none" w="med" len="med"/>
+                    </a:lnB>
+                    <a:solidFill>
+                      <a:srgbClr val="512BD4"/>
+                    </a:solidFill>
+                  </a:tcPr>
+                </a:tc>
+                <a:extLst>
+                  <a:ext uri="{0D108BD9-81ED-4DB2-BD59-A6C34878D82A}">
+                    <a16:rowId xmlns:a16="http://schemas.microsoft.com/office/drawing/2014/main" val="3099883645"/>
+                  </a:ext>
+                </a:extLst>
+              </a:tr>
+              <a:tr h="384677">
+                <a:tc>
+                  <a:txBody>
+                    <a:bodyPr/>
+                    <a:lstStyle/>
+                    <a:p>
+                      <a:r>
+                        <a:rPr lang="en-IN" sz="2000" kern="1200" dirty="0">
+                          <a:solidFill>
+                            <a:srgbClr val="512BD4"/>
+                          </a:solidFill>
+                          <a:latin typeface="+mn-lt"/>
+                          <a:ea typeface="+mn-ea"/>
+                          <a:cs typeface="+mn-cs"/>
+                        </a:rPr>
+                        <a:t> + Connection : </a:t>
+                      </a:r>
+                      <a:r>
+                        <a:rPr lang="en-IN" sz="2000" kern="1200" dirty="0" err="1">
+                          <a:solidFill>
+                            <a:srgbClr val="512BD4"/>
+                          </a:solidFill>
+                          <a:latin typeface="+mn-lt"/>
+                          <a:ea typeface="+mn-ea"/>
+                          <a:cs typeface="+mn-cs"/>
+                        </a:rPr>
+                        <a:t>SqlConnection</a:t>
+                      </a:r>
+                      <a:endParaRPr lang="en-IN" sz="2000" kern="1200" dirty="0">
+                        <a:solidFill>
+                          <a:srgbClr val="512BD4"/>
+                        </a:solidFill>
+                        <a:latin typeface="+mn-lt"/>
+                        <a:ea typeface="+mn-ea"/>
+                        <a:cs typeface="+mn-cs"/>
+                      </a:endParaRPr>
+                    </a:p>
+                  </a:txBody>
+                  <a:tcPr>
+                    <a:lnL w="12700" cap="flat" cmpd="sng" algn="ctr">
+                      <a:solidFill>
+                        <a:schemeClr val="tx1"/>
+                      </a:solidFill>
+                      <a:prstDash val="solid"/>
+                      <a:round/>
+                      <a:headEnd type="none" w="med" len="med"/>
+                      <a:tailEnd type="none" w="med" len="med"/>
+                    </a:lnL>
+                    <a:lnR w="12700" cap="flat" cmpd="sng" algn="ctr">
+                      <a:solidFill>
+                        <a:schemeClr val="tx1"/>
+                      </a:solidFill>
+                      <a:prstDash val="solid"/>
+                      <a:round/>
+                      <a:headEnd type="none" w="med" len="med"/>
+                      <a:tailEnd type="none" w="med" len="med"/>
+                    </a:lnR>
+                    <a:lnT w="12700" cap="flat" cmpd="sng" algn="ctr">
+                      <a:noFill/>
+                      <a:prstDash val="solid"/>
+                      <a:round/>
+                      <a:headEnd type="none" w="med" len="med"/>
+                      <a:tailEnd type="none" w="med" len="med"/>
+                    </a:lnT>
+                    <a:lnB w="12700" cap="flat" cmpd="sng" algn="ctr">
+                      <a:noFill/>
+                      <a:prstDash val="solid"/>
+                      <a:round/>
+                      <a:headEnd type="none" w="med" len="med"/>
+                      <a:tailEnd type="none" w="med" len="med"/>
+                    </a:lnB>
+                    <a:solidFill>
+                      <a:schemeClr val="bg1"/>
+                    </a:solidFill>
+                  </a:tcPr>
+                </a:tc>
+                <a:extLst>
+                  <a:ext uri="{0D108BD9-81ED-4DB2-BD59-A6C34878D82A}">
+                    <a16:rowId xmlns:a16="http://schemas.microsoft.com/office/drawing/2014/main" val="2736703758"/>
+                  </a:ext>
+                </a:extLst>
+              </a:tr>
+              <a:tr h="384677">
+                <a:tc>
+                  <a:txBody>
+                    <a:bodyPr/>
+                    <a:lstStyle/>
+                    <a:p>
+                      <a:r>
+                        <a:rPr lang="en-IN" sz="2000" kern="1200" dirty="0">
+                          <a:solidFill>
+                            <a:srgbClr val="512BD4"/>
+                          </a:solidFill>
+                          <a:latin typeface="+mn-lt"/>
+                          <a:ea typeface="+mn-ea"/>
+                          <a:cs typeface="+mn-cs"/>
+                        </a:rPr>
+                        <a:t> + </a:t>
+                      </a:r>
+                      <a:r>
+                        <a:rPr lang="en-IN" sz="2000" kern="1200" dirty="0" err="1">
+                          <a:solidFill>
+                            <a:srgbClr val="512BD4"/>
+                          </a:solidFill>
+                          <a:latin typeface="+mn-lt"/>
+                          <a:ea typeface="+mn-ea"/>
+                          <a:cs typeface="+mn-cs"/>
+                        </a:rPr>
+                        <a:t>CommandType</a:t>
+                      </a:r>
+                      <a:r>
+                        <a:rPr lang="en-IN" sz="2000" kern="1200" dirty="0">
+                          <a:solidFill>
+                            <a:srgbClr val="512BD4"/>
+                          </a:solidFill>
+                          <a:latin typeface="+mn-lt"/>
+                          <a:ea typeface="+mn-ea"/>
+                          <a:cs typeface="+mn-cs"/>
+                        </a:rPr>
+                        <a:t> : Text or SP</a:t>
+                      </a:r>
+                    </a:p>
+                  </a:txBody>
+                  <a:tcPr>
+                    <a:lnL w="12700" cap="flat" cmpd="sng" algn="ctr">
+                      <a:solidFill>
+                        <a:schemeClr val="tx1"/>
+                      </a:solidFill>
+                      <a:prstDash val="solid"/>
+                      <a:round/>
+                      <a:headEnd type="none" w="med" len="med"/>
+                      <a:tailEnd type="none" w="med" len="med"/>
+                    </a:lnL>
+                    <a:lnR w="12700" cap="flat" cmpd="sng" algn="ctr">
+                      <a:solidFill>
+                        <a:schemeClr val="tx1"/>
+                      </a:solidFill>
+                      <a:prstDash val="solid"/>
+                      <a:round/>
+                      <a:headEnd type="none" w="med" len="med"/>
+                      <a:tailEnd type="none" w="med" len="med"/>
+                    </a:lnR>
+                    <a:lnT w="12700" cap="flat" cmpd="sng" algn="ctr">
+                      <a:noFill/>
+                      <a:prstDash val="solid"/>
+                      <a:round/>
+                      <a:headEnd type="none" w="med" len="med"/>
+                      <a:tailEnd type="none" w="med" len="med"/>
+                    </a:lnT>
+                    <a:lnB w="12700" cap="flat" cmpd="sng" algn="ctr">
+                      <a:noFill/>
+                      <a:prstDash val="solid"/>
+                      <a:round/>
+                      <a:headEnd type="none" w="med" len="med"/>
+                      <a:tailEnd type="none" w="med" len="med"/>
+                    </a:lnB>
+                    <a:solidFill>
+                      <a:schemeClr val="bg1"/>
+                    </a:solidFill>
+                  </a:tcPr>
+                </a:tc>
+                <a:extLst>
+                  <a:ext uri="{0D108BD9-81ED-4DB2-BD59-A6C34878D82A}">
+                    <a16:rowId xmlns:a16="http://schemas.microsoft.com/office/drawing/2014/main" val="462662949"/>
+                  </a:ext>
+                </a:extLst>
+              </a:tr>
+              <a:tr h="384677">
+                <a:tc>
+                  <a:txBody>
+                    <a:bodyPr/>
+                    <a:lstStyle/>
+                    <a:p>
+                      <a:r>
+                        <a:rPr lang="en-IN" sz="2000" kern="1200" dirty="0">
+                          <a:solidFill>
+                            <a:srgbClr val="512BD4"/>
+                          </a:solidFill>
+                          <a:latin typeface="+mn-lt"/>
+                          <a:ea typeface="+mn-ea"/>
+                          <a:cs typeface="+mn-cs"/>
+                        </a:rPr>
+                        <a:t>+ </a:t>
+                      </a:r>
+                      <a:r>
+                        <a:rPr lang="en-IN" sz="2000" kern="1200" dirty="0" err="1">
+                          <a:solidFill>
+                            <a:srgbClr val="512BD4"/>
+                          </a:solidFill>
+                          <a:latin typeface="+mn-lt"/>
+                          <a:ea typeface="+mn-ea"/>
+                          <a:cs typeface="+mn-cs"/>
+                        </a:rPr>
+                        <a:t>CommandText</a:t>
+                      </a:r>
+                      <a:r>
+                        <a:rPr lang="en-IN" sz="2000" kern="1200" dirty="0">
+                          <a:solidFill>
+                            <a:srgbClr val="512BD4"/>
+                          </a:solidFill>
+                          <a:latin typeface="+mn-lt"/>
+                          <a:ea typeface="+mn-ea"/>
+                          <a:cs typeface="+mn-cs"/>
+                        </a:rPr>
+                        <a:t> : Query or SP</a:t>
+                      </a:r>
+                    </a:p>
+                  </a:txBody>
+                  <a:tcPr>
+                    <a:lnL w="12700" cap="flat" cmpd="sng" algn="ctr">
+                      <a:solidFill>
+                        <a:schemeClr val="tx1"/>
+                      </a:solidFill>
+                      <a:prstDash val="solid"/>
+                      <a:round/>
+                      <a:headEnd type="none" w="med" len="med"/>
+                      <a:tailEnd type="none" w="med" len="med"/>
+                    </a:lnL>
+                    <a:lnR w="12700" cap="flat" cmpd="sng" algn="ctr">
+                      <a:solidFill>
+                        <a:schemeClr val="tx1"/>
+                      </a:solidFill>
+                      <a:prstDash val="solid"/>
+                      <a:round/>
+                      <a:headEnd type="none" w="med" len="med"/>
+                      <a:tailEnd type="none" w="med" len="med"/>
+                    </a:lnR>
+                    <a:lnT w="12700" cap="flat" cmpd="sng" algn="ctr">
+                      <a:noFill/>
+                      <a:prstDash val="solid"/>
+                      <a:round/>
+                      <a:headEnd type="none" w="med" len="med"/>
+                      <a:tailEnd type="none" w="med" len="med"/>
+                    </a:lnT>
+                    <a:lnB w="12700" cap="flat" cmpd="sng" algn="ctr">
+                      <a:noFill/>
+                      <a:prstDash val="solid"/>
+                      <a:round/>
+                      <a:headEnd type="none" w="med" len="med"/>
+                      <a:tailEnd type="none" w="med" len="med"/>
+                    </a:lnB>
+                    <a:solidFill>
+                      <a:schemeClr val="bg1"/>
+                    </a:solidFill>
+                  </a:tcPr>
+                </a:tc>
+                <a:extLst>
+                  <a:ext uri="{0D108BD9-81ED-4DB2-BD59-A6C34878D82A}">
+                    <a16:rowId xmlns:a16="http://schemas.microsoft.com/office/drawing/2014/main" val="892949870"/>
+                  </a:ext>
+                </a:extLst>
+              </a:tr>
+              <a:tr h="384677">
+                <a:tc>
+                  <a:txBody>
+                    <a:bodyPr/>
+                    <a:lstStyle/>
+                    <a:p>
+                      <a:r>
+                        <a:rPr lang="en-IN" sz="2000" kern="1200" dirty="0">
+                          <a:solidFill>
+                            <a:srgbClr val="512BD4"/>
+                          </a:solidFill>
+                          <a:latin typeface="+mn-lt"/>
+                          <a:ea typeface="+mn-ea"/>
+                          <a:cs typeface="+mn-cs"/>
+                        </a:rPr>
+                        <a:t>+ Parameters : </a:t>
+                      </a:r>
+                      <a:r>
+                        <a:rPr lang="en-IN" sz="2000" kern="1200" dirty="0" err="1">
+                          <a:solidFill>
+                            <a:srgbClr val="512BD4"/>
+                          </a:solidFill>
+                          <a:latin typeface="+mn-lt"/>
+                          <a:ea typeface="+mn-ea"/>
+                          <a:cs typeface="+mn-cs"/>
+                        </a:rPr>
+                        <a:t>SqlParameters</a:t>
+                      </a:r>
+                      <a:r>
+                        <a:rPr lang="en-IN" sz="2000" kern="1200" dirty="0">
+                          <a:solidFill>
+                            <a:srgbClr val="512BD4"/>
+                          </a:solidFill>
+                          <a:latin typeface="+mn-lt"/>
+                          <a:ea typeface="+mn-ea"/>
+                          <a:cs typeface="+mn-cs"/>
+                        </a:rPr>
+                        <a:t>[]</a:t>
+                      </a:r>
+                    </a:p>
+                  </a:txBody>
+                  <a:tcPr>
+                    <a:lnL w="12700" cap="flat" cmpd="sng" algn="ctr">
+                      <a:solidFill>
+                        <a:schemeClr val="tx1"/>
+                      </a:solidFill>
+                      <a:prstDash val="solid"/>
+                      <a:round/>
+                      <a:headEnd type="none" w="med" len="med"/>
+                      <a:tailEnd type="none" w="med" len="med"/>
+                    </a:lnL>
+                    <a:lnR w="12700" cap="flat" cmpd="sng" algn="ctr">
+                      <a:solidFill>
+                        <a:schemeClr val="tx1"/>
+                      </a:solidFill>
+                      <a:prstDash val="solid"/>
+                      <a:round/>
+                      <a:headEnd type="none" w="med" len="med"/>
+                      <a:tailEnd type="none" w="med" len="med"/>
+                    </a:lnR>
+                    <a:lnT w="12700" cap="flat" cmpd="sng" algn="ctr">
+                      <a:noFill/>
+                      <a:prstDash val="solid"/>
+                      <a:round/>
+                      <a:headEnd type="none" w="med" len="med"/>
+                      <a:tailEnd type="none" w="med" len="med"/>
+                    </a:lnT>
+                    <a:lnB w="12700" cap="flat" cmpd="sng" algn="ctr">
+                      <a:noFill/>
+                      <a:prstDash val="solid"/>
+                      <a:round/>
+                      <a:headEnd type="none" w="med" len="med"/>
+                      <a:tailEnd type="none" w="med" len="med"/>
+                    </a:lnB>
+                    <a:solidFill>
+                      <a:schemeClr val="bg1"/>
+                    </a:solidFill>
+                  </a:tcPr>
+                </a:tc>
+                <a:extLst>
+                  <a:ext uri="{0D108BD9-81ED-4DB2-BD59-A6C34878D82A}">
+                    <a16:rowId xmlns:a16="http://schemas.microsoft.com/office/drawing/2014/main" val="1740583957"/>
+                  </a:ext>
+                </a:extLst>
+              </a:tr>
+              <a:tr h="384677">
+                <a:tc>
+                  <a:txBody>
+                    <a:bodyPr/>
+                    <a:lstStyle/>
+                    <a:p>
+                      <a:endParaRPr lang="en-IN" sz="2000" kern="1200" dirty="0">
+                        <a:solidFill>
+                          <a:srgbClr val="512BD4"/>
+                        </a:solidFill>
+                        <a:latin typeface="+mn-lt"/>
+                        <a:ea typeface="+mn-ea"/>
+                        <a:cs typeface="+mn-cs"/>
+                      </a:endParaRPr>
+                    </a:p>
+                  </a:txBody>
+                  <a:tcPr>
+                    <a:lnL w="12700" cap="flat" cmpd="sng" algn="ctr">
+                      <a:solidFill>
+                        <a:schemeClr val="tx1"/>
+                      </a:solidFill>
+                      <a:prstDash val="solid"/>
+                      <a:round/>
+                      <a:headEnd type="none" w="med" len="med"/>
+                      <a:tailEnd type="none" w="med" len="med"/>
+                    </a:lnL>
+                    <a:lnR w="12700" cap="flat" cmpd="sng" algn="ctr">
+                      <a:solidFill>
+                        <a:schemeClr val="tx1"/>
+                      </a:solidFill>
+                      <a:prstDash val="solid"/>
+                      <a:round/>
+                      <a:headEnd type="none" w="med" len="med"/>
+                      <a:tailEnd type="none" w="med" len="med"/>
+                    </a:lnR>
+                    <a:lnT w="12700" cap="flat" cmpd="sng" algn="ctr">
+                      <a:noFill/>
+                      <a:prstDash val="solid"/>
+                      <a:round/>
+                      <a:headEnd type="none" w="med" len="med"/>
+                      <a:tailEnd type="none" w="med" len="med"/>
+                    </a:lnT>
+                    <a:lnB w="12700" cap="flat" cmpd="sng" algn="ctr">
+                      <a:solidFill>
+                        <a:schemeClr val="tx1"/>
+                      </a:solidFill>
+                      <a:prstDash val="solid"/>
+                      <a:round/>
+                      <a:headEnd type="none" w="med" len="med"/>
+                      <a:tailEnd type="none" w="med" len="med"/>
+                    </a:lnB>
+                    <a:solidFill>
+                      <a:schemeClr val="bg1"/>
+                    </a:solidFill>
+                  </a:tcPr>
+                </a:tc>
+                <a:extLst>
+                  <a:ext uri="{0D108BD9-81ED-4DB2-BD59-A6C34878D82A}">
+                    <a16:rowId xmlns:a16="http://schemas.microsoft.com/office/drawing/2014/main" val="1068551670"/>
+                  </a:ext>
+                </a:extLst>
+              </a:tr>
+              <a:tr h="384677">
+                <a:tc>
+                  <a:txBody>
+                    <a:bodyPr/>
+                    <a:lstStyle/>
+                    <a:p>
+                      <a:endParaRPr lang="en-IN" sz="2000" dirty="0">
+                        <a:solidFill>
+                          <a:srgbClr val="512BD4"/>
+                        </a:solidFill>
+                      </a:endParaRPr>
+                    </a:p>
+                  </a:txBody>
+                  <a:tcPr>
+                    <a:lnL w="12700" cap="flat" cmpd="sng" algn="ctr">
+                      <a:solidFill>
+                        <a:schemeClr val="tx1"/>
+                      </a:solidFill>
+                      <a:prstDash val="solid"/>
+                      <a:round/>
+                      <a:headEnd type="none" w="med" len="med"/>
+                      <a:tailEnd type="none" w="med" len="med"/>
+                    </a:lnL>
+                    <a:lnR w="12700" cap="flat" cmpd="sng" algn="ctr">
+                      <a:solidFill>
+                        <a:schemeClr val="tx1"/>
+                      </a:solidFill>
+                      <a:prstDash val="solid"/>
+                      <a:round/>
+                      <a:headEnd type="none" w="med" len="med"/>
+                      <a:tailEnd type="none" w="med" len="med"/>
+                    </a:lnR>
+                    <a:lnT w="12700" cap="flat" cmpd="sng" algn="ctr">
+                      <a:solidFill>
+                        <a:schemeClr val="tx1"/>
+                      </a:solidFill>
+                      <a:prstDash val="solid"/>
+                      <a:round/>
+                      <a:headEnd type="none" w="med" len="med"/>
+                      <a:tailEnd type="none" w="med" len="med"/>
+                    </a:lnT>
+                    <a:lnB w="12700" cap="flat" cmpd="sng" algn="ctr">
+                      <a:noFill/>
+                      <a:prstDash val="solid"/>
+                      <a:round/>
+                      <a:headEnd type="none" w="med" len="med"/>
+                      <a:tailEnd type="none" w="med" len="med"/>
+                    </a:lnB>
+                    <a:solidFill>
+                      <a:schemeClr val="bg1"/>
+                    </a:solidFill>
+                  </a:tcPr>
+                </a:tc>
+                <a:extLst>
+                  <a:ext uri="{0D108BD9-81ED-4DB2-BD59-A6C34878D82A}">
+                    <a16:rowId xmlns:a16="http://schemas.microsoft.com/office/drawing/2014/main" val="3584940502"/>
+                  </a:ext>
+                </a:extLst>
+              </a:tr>
+              <a:tr h="1272393">
+                <a:tc>
+                  <a:txBody>
+                    <a:bodyPr/>
+                    <a:lstStyle/>
+                    <a:p>
+                      <a:r>
+                        <a:rPr lang="en-IN" sz="2000" dirty="0">
+                          <a:solidFill>
+                            <a:srgbClr val="512BD4"/>
+                          </a:solidFill>
+                        </a:rPr>
+                        <a:t> + </a:t>
+                      </a:r>
+                      <a:r>
+                        <a:rPr lang="en-IN" sz="2000" dirty="0" err="1">
+                          <a:solidFill>
+                            <a:srgbClr val="512BD4"/>
+                          </a:solidFill>
+                        </a:rPr>
+                        <a:t>ExecuteNonQuery</a:t>
+                      </a:r>
+                      <a:r>
+                        <a:rPr lang="en-IN" sz="2000" dirty="0">
+                          <a:solidFill>
+                            <a:srgbClr val="512BD4"/>
+                          </a:solidFill>
+                        </a:rPr>
+                        <a:t> ( ) : int</a:t>
+                      </a:r>
+                    </a:p>
+                    <a:p>
+                      <a:r>
+                        <a:rPr lang="en-IN" sz="2000" dirty="0">
+                          <a:solidFill>
+                            <a:srgbClr val="512BD4"/>
+                          </a:solidFill>
+                        </a:rPr>
+                        <a:t> + </a:t>
+                      </a:r>
+                      <a:r>
+                        <a:rPr lang="en-IN" sz="2000" dirty="0" err="1">
+                          <a:solidFill>
+                            <a:srgbClr val="512BD4"/>
+                          </a:solidFill>
+                        </a:rPr>
+                        <a:t>ExecuteScalar</a:t>
+                      </a:r>
+                      <a:r>
+                        <a:rPr lang="en-IN" sz="2000" dirty="0">
+                          <a:solidFill>
+                            <a:srgbClr val="512BD4"/>
+                          </a:solidFill>
+                        </a:rPr>
+                        <a:t> ( ) : object</a:t>
+                      </a:r>
+                    </a:p>
+                    <a:p>
+                      <a:pPr marL="0" marR="0" lvl="0" indent="0" algn="l" defTabSz="914400" rtl="0" eaLnBrk="1" fontAlgn="auto" latinLnBrk="0" hangingPunct="1">
+                        <a:lnSpc>
+                          <a:spcPct val="100000"/>
+                        </a:lnSpc>
+                        <a:spcBef>
+                          <a:spcPts val="0"/>
+                        </a:spcBef>
+                        <a:spcAft>
+                          <a:spcPts val="0"/>
+                        </a:spcAft>
+                        <a:buClrTx/>
+                        <a:buSzTx/>
+                        <a:buFontTx/>
+                        <a:buNone/>
+                        <a:tabLst/>
+                        <a:defRPr/>
+                      </a:pPr>
+                      <a:r>
+                        <a:rPr lang="en-IN" sz="2000" dirty="0">
+                          <a:solidFill>
+                            <a:srgbClr val="512BD4"/>
+                          </a:solidFill>
+                        </a:rPr>
+                        <a:t> + </a:t>
+                      </a:r>
+                      <a:r>
+                        <a:rPr lang="en-IN" sz="2000" dirty="0" err="1">
+                          <a:solidFill>
+                            <a:srgbClr val="512BD4"/>
+                          </a:solidFill>
+                        </a:rPr>
+                        <a:t>ExecuteReader</a:t>
+                      </a:r>
+                      <a:r>
+                        <a:rPr lang="en-IN" sz="2000" dirty="0">
+                          <a:solidFill>
+                            <a:srgbClr val="512BD4"/>
+                          </a:solidFill>
+                        </a:rPr>
+                        <a:t> ( ) : data reader</a:t>
+                      </a:r>
+                    </a:p>
+                  </a:txBody>
+                  <a:tcPr>
+                    <a:lnL w="12700" cap="flat" cmpd="sng" algn="ctr">
+                      <a:solidFill>
+                        <a:schemeClr val="tx1"/>
+                      </a:solidFill>
+                      <a:prstDash val="solid"/>
+                      <a:round/>
+                      <a:headEnd type="none" w="med" len="med"/>
+                      <a:tailEnd type="none" w="med" len="med"/>
+                    </a:lnL>
+                    <a:lnR w="12700" cap="flat" cmpd="sng" algn="ctr">
+                      <a:solidFill>
+                        <a:schemeClr val="tx1"/>
+                      </a:solidFill>
+                      <a:prstDash val="solid"/>
+                      <a:round/>
+                      <a:headEnd type="none" w="med" len="med"/>
+                      <a:tailEnd type="none" w="med" len="med"/>
+                    </a:lnR>
+                    <a:lnT w="12700" cap="flat" cmpd="sng" algn="ctr">
+                      <a:noFill/>
+                      <a:prstDash val="solid"/>
+                      <a:round/>
+                      <a:headEnd type="none" w="med" len="med"/>
+                      <a:tailEnd type="none" w="med" len="med"/>
+                    </a:lnT>
+                    <a:lnB w="12700" cap="flat" cmpd="sng" algn="ctr">
+                      <a:solidFill>
+                        <a:schemeClr val="tx1"/>
+                      </a:solidFill>
+                      <a:prstDash val="solid"/>
+                      <a:round/>
+                      <a:headEnd type="none" w="med" len="med"/>
+                      <a:tailEnd type="none" w="med" len="med"/>
+                    </a:lnB>
+                    <a:solidFill>
+                      <a:schemeClr val="bg1"/>
+                    </a:solidFill>
+                  </a:tcPr>
+                </a:tc>
+                <a:extLst>
+                  <a:ext uri="{0D108BD9-81ED-4DB2-BD59-A6C34878D82A}">
+                    <a16:rowId xmlns:a16="http://schemas.microsoft.com/office/drawing/2014/main" val="2687538967"/>
+                  </a:ext>
+                </a:extLst>
+              </a:tr>
+            </a:tbl>
+          </a:graphicData>
+        </a:graphic>
+      </p:graphicFrame>
+      <p:graphicFrame>
+        <p:nvGraphicFramePr>
+          <p:cNvPr id="13" name="Table 12">
+            <a:extLst>
+              <a:ext uri="{FF2B5EF4-FFF2-40B4-BE49-F238E27FC236}">
+                <a16:creationId xmlns:a16="http://schemas.microsoft.com/office/drawing/2014/main" id="{64CBFE27-C700-6CBA-3F40-09C433515F80}"/>
+              </a:ext>
+            </a:extLst>
+          </p:cNvPr>
+          <p:cNvGraphicFramePr>
+            <a:graphicFrameLocks noGrp="1"/>
+          </p:cNvGraphicFramePr>
+          <p:nvPr>
+            <p:extLst>
+              <p:ext uri="{D42A27DB-BD31-4B8C-83A1-F6EECF244321}">
+                <p14:modId xmlns:p14="http://schemas.microsoft.com/office/powerpoint/2010/main" val="873745577"/>
+              </p:ext>
+            </p:extLst>
+          </p:nvPr>
+        </p:nvGraphicFramePr>
+        <p:xfrm>
+          <a:off x="4260452" y="2043111"/>
+          <a:ext cx="3671096" cy="2416510"/>
+        </p:xfrm>
+        <a:graphic>
+          <a:graphicData uri="http://schemas.openxmlformats.org/drawingml/2006/table">
+            <a:tbl>
+              <a:tblPr firstRow="1" bandRow="1">
+                <a:tableStyleId>{5C22544A-7EE6-4342-B048-85BDC9FD1C3A}</a:tableStyleId>
+              </a:tblPr>
+              <a:tblGrid>
+                <a:gridCol w="3671096">
+                  <a:extLst>
+                    <a:ext uri="{9D8B030D-6E8A-4147-A177-3AD203B41FA5}">
+                      <a16:colId xmlns:a16="http://schemas.microsoft.com/office/drawing/2014/main" val="2403861265"/>
+                    </a:ext>
+                  </a:extLst>
+                </a:gridCol>
+              </a:tblGrid>
+              <a:tr h="412481">
+                <a:tc>
+                  <a:txBody>
+                    <a:bodyPr/>
+                    <a:lstStyle/>
+                    <a:p>
+                      <a:pPr algn="ctr"/>
+                      <a:r>
+                        <a:rPr lang="en-IN" sz="2400" dirty="0" err="1">
+                          <a:solidFill>
+                            <a:schemeClr val="bg1"/>
+                          </a:solidFill>
+                        </a:rPr>
+                        <a:t>SqlDataReader</a:t>
+                      </a:r>
+                      <a:endParaRPr lang="en-IN" dirty="0">
+                        <a:solidFill>
+                          <a:schemeClr val="bg1"/>
+                        </a:solidFill>
+                      </a:endParaRPr>
+                    </a:p>
+                  </a:txBody>
+                  <a:tcPr anchor="ctr">
+                    <a:lnL w="12700" cap="flat" cmpd="sng" algn="ctr">
+                      <a:solidFill>
+                        <a:schemeClr val="tx1"/>
+                      </a:solidFill>
+                      <a:prstDash val="solid"/>
+                      <a:round/>
+                      <a:headEnd type="none" w="med" len="med"/>
+                      <a:tailEnd type="none" w="med" len="med"/>
+                    </a:lnL>
+                    <a:lnR w="12700" cap="flat" cmpd="sng" algn="ctr">
+                      <a:solidFill>
+                        <a:schemeClr val="tx1"/>
+                      </a:solidFill>
+                      <a:prstDash val="solid"/>
+                      <a:round/>
+                      <a:headEnd type="none" w="med" len="med"/>
+                      <a:tailEnd type="none" w="med" len="med"/>
+                    </a:lnR>
+                    <a:lnT w="12700" cap="flat" cmpd="sng" algn="ctr">
+                      <a:solidFill>
+                        <a:schemeClr val="tx1"/>
+                      </a:solidFill>
+                      <a:prstDash val="solid"/>
+                      <a:round/>
+                      <a:headEnd type="none" w="med" len="med"/>
+                      <a:tailEnd type="none" w="med" len="med"/>
+                    </a:lnT>
+                    <a:lnB w="12700" cap="flat" cmpd="sng" algn="ctr">
+                      <a:noFill/>
+                      <a:prstDash val="solid"/>
+                      <a:round/>
+                      <a:headEnd type="none" w="med" len="med"/>
+                      <a:tailEnd type="none" w="med" len="med"/>
+                    </a:lnB>
+                    <a:solidFill>
+                      <a:srgbClr val="512BD4"/>
+                    </a:solidFill>
+                  </a:tcPr>
+                </a:tc>
+                <a:extLst>
+                  <a:ext uri="{0D108BD9-81ED-4DB2-BD59-A6C34878D82A}">
+                    <a16:rowId xmlns:a16="http://schemas.microsoft.com/office/drawing/2014/main" val="3099883645"/>
+                  </a:ext>
+                </a:extLst>
+              </a:tr>
+              <a:tr h="357483">
+                <a:tc>
+                  <a:txBody>
+                    <a:bodyPr/>
+                    <a:lstStyle/>
+                    <a:p>
+                      <a:r>
+                        <a:rPr lang="en-IN" sz="2000" dirty="0">
+                          <a:solidFill>
+                            <a:srgbClr val="512BD4"/>
+                          </a:solidFill>
+                        </a:rPr>
+                        <a:t> + indexer : object</a:t>
+                      </a:r>
+                    </a:p>
+                  </a:txBody>
+                  <a:tcPr>
+                    <a:lnL w="12700" cap="flat" cmpd="sng" algn="ctr">
+                      <a:solidFill>
+                        <a:schemeClr val="tx1"/>
+                      </a:solidFill>
+                      <a:prstDash val="solid"/>
+                      <a:round/>
+                      <a:headEnd type="none" w="med" len="med"/>
+                      <a:tailEnd type="none" w="med" len="med"/>
+                    </a:lnL>
+                    <a:lnR w="12700" cap="flat" cmpd="sng" algn="ctr">
+                      <a:solidFill>
+                        <a:schemeClr val="tx1"/>
+                      </a:solidFill>
+                      <a:prstDash val="solid"/>
+                      <a:round/>
+                      <a:headEnd type="none" w="med" len="med"/>
+                      <a:tailEnd type="none" w="med" len="med"/>
+                    </a:lnR>
+                    <a:lnT w="12700" cap="flat" cmpd="sng" algn="ctr">
+                      <a:noFill/>
+                      <a:prstDash val="solid"/>
+                      <a:round/>
+                      <a:headEnd type="none" w="med" len="med"/>
+                      <a:tailEnd type="none" w="med" len="med"/>
+                    </a:lnT>
+                    <a:lnB w="12700" cap="flat" cmpd="sng" algn="ctr">
+                      <a:noFill/>
+                      <a:prstDash val="solid"/>
+                      <a:round/>
+                      <a:headEnd type="none" w="med" len="med"/>
+                      <a:tailEnd type="none" w="med" len="med"/>
+                    </a:lnB>
+                    <a:lnTlToBr w="12700" cmpd="sng">
+                      <a:noFill/>
+                      <a:prstDash val="solid"/>
+                    </a:lnTlToBr>
+                    <a:lnBlToTr w="12700" cmpd="sng">
+                      <a:noFill/>
+                      <a:prstDash val="solid"/>
+                    </a:lnBlToTr>
+                    <a:solidFill>
+                      <a:schemeClr val="bg1"/>
+                    </a:solidFill>
+                  </a:tcPr>
+                </a:tc>
+                <a:extLst>
+                  <a:ext uri="{0D108BD9-81ED-4DB2-BD59-A6C34878D82A}">
+                    <a16:rowId xmlns:a16="http://schemas.microsoft.com/office/drawing/2014/main" val="2736703758"/>
+                  </a:ext>
+                </a:extLst>
+              </a:tr>
+              <a:tr h="357483">
+                <a:tc>
+                  <a:txBody>
+                    <a:bodyPr/>
+                    <a:lstStyle/>
+                    <a:p>
+                      <a:pPr marL="0" marR="0" lvl="0" indent="0" algn="l" defTabSz="914400" rtl="0" eaLnBrk="1" fontAlgn="auto" latinLnBrk="0" hangingPunct="1">
+                        <a:lnSpc>
+                          <a:spcPct val="100000"/>
+                        </a:lnSpc>
+                        <a:spcBef>
+                          <a:spcPts val="0"/>
+                        </a:spcBef>
+                        <a:spcAft>
+                          <a:spcPts val="0"/>
+                        </a:spcAft>
+                        <a:buClrTx/>
+                        <a:buSzTx/>
+                        <a:buFontTx/>
+                        <a:buNone/>
+                        <a:tabLst/>
+                        <a:defRPr/>
+                      </a:pPr>
+                      <a:r>
+                        <a:rPr lang="en-IN" sz="2000" dirty="0">
+                          <a:solidFill>
+                            <a:srgbClr val="512BD4"/>
+                          </a:solidFill>
+                        </a:rPr>
+                        <a:t> + </a:t>
+                      </a:r>
+                      <a:r>
+                        <a:rPr lang="en-IN" sz="2000" dirty="0" err="1">
+                          <a:solidFill>
+                            <a:srgbClr val="512BD4"/>
+                          </a:solidFill>
+                        </a:rPr>
+                        <a:t>FieldCount</a:t>
+                      </a:r>
+                      <a:r>
+                        <a:rPr lang="en-IN" sz="2000" dirty="0">
+                          <a:solidFill>
+                            <a:srgbClr val="512BD4"/>
+                          </a:solidFill>
+                        </a:rPr>
+                        <a:t> : int</a:t>
+                      </a:r>
+                    </a:p>
+                  </a:txBody>
+                  <a:tcPr>
+                    <a:lnL w="12700" cap="flat" cmpd="sng" algn="ctr">
+                      <a:solidFill>
+                        <a:schemeClr val="tx1"/>
+                      </a:solidFill>
+                      <a:prstDash val="solid"/>
+                      <a:round/>
+                      <a:headEnd type="none" w="med" len="med"/>
+                      <a:tailEnd type="none" w="med" len="med"/>
+                    </a:lnL>
+                    <a:lnR w="12700" cap="flat" cmpd="sng" algn="ctr">
+                      <a:solidFill>
+                        <a:schemeClr val="tx1"/>
+                      </a:solidFill>
+                      <a:prstDash val="solid"/>
+                      <a:round/>
+                      <a:headEnd type="none" w="med" len="med"/>
+                      <a:tailEnd type="none" w="med" len="med"/>
+                    </a:lnR>
+                    <a:lnT w="12700" cap="flat" cmpd="sng" algn="ctr">
+                      <a:noFill/>
+                      <a:prstDash val="solid"/>
+                      <a:round/>
+                      <a:headEnd type="none" w="med" len="med"/>
+                      <a:tailEnd type="none" w="med" len="med"/>
+                    </a:lnT>
+                    <a:lnB w="12700" cap="flat" cmpd="sng" algn="ctr">
+                      <a:noFill/>
+                      <a:prstDash val="solid"/>
+                      <a:round/>
+                      <a:headEnd type="none" w="med" len="med"/>
+                      <a:tailEnd type="none" w="med" len="med"/>
+                    </a:lnB>
+                    <a:lnTlToBr w="12700" cmpd="sng">
+                      <a:noFill/>
+                      <a:prstDash val="solid"/>
+                    </a:lnTlToBr>
+                    <a:lnBlToTr w="12700" cmpd="sng">
+                      <a:noFill/>
+                      <a:prstDash val="solid"/>
+                    </a:lnBlToTr>
+                    <a:solidFill>
+                      <a:schemeClr val="bg1"/>
+                    </a:solidFill>
+                  </a:tcPr>
+                </a:tc>
+                <a:extLst>
+                  <a:ext uri="{0D108BD9-81ED-4DB2-BD59-A6C34878D82A}">
+                    <a16:rowId xmlns:a16="http://schemas.microsoft.com/office/drawing/2014/main" val="462662949"/>
+                  </a:ext>
+                </a:extLst>
+              </a:tr>
+              <a:tr h="357483">
+                <a:tc>
+                  <a:txBody>
+                    <a:bodyPr/>
+                    <a:lstStyle/>
+                    <a:p>
+                      <a:endParaRPr lang="en-IN" sz="2000" dirty="0">
+                        <a:solidFill>
+                          <a:srgbClr val="512BD4"/>
+                        </a:solidFill>
+                      </a:endParaRPr>
+                    </a:p>
+                  </a:txBody>
+                  <a:tcPr>
+                    <a:lnL w="12700" cap="flat" cmpd="sng" algn="ctr">
+                      <a:solidFill>
+                        <a:schemeClr val="tx1"/>
+                      </a:solidFill>
+                      <a:prstDash val="solid"/>
+                      <a:round/>
+                      <a:headEnd type="none" w="med" len="med"/>
+                      <a:tailEnd type="none" w="med" len="med"/>
+                    </a:lnL>
+                    <a:lnR w="12700" cap="flat" cmpd="sng" algn="ctr">
+                      <a:solidFill>
+                        <a:schemeClr val="tx1"/>
+                      </a:solidFill>
+                      <a:prstDash val="solid"/>
+                      <a:round/>
+                      <a:headEnd type="none" w="med" len="med"/>
+                      <a:tailEnd type="none" w="med" len="med"/>
+                    </a:lnR>
+                    <a:lnT w="12700" cap="flat" cmpd="sng" algn="ctr">
+                      <a:noFill/>
+                      <a:prstDash val="solid"/>
+                      <a:round/>
+                      <a:headEnd type="none" w="med" len="med"/>
+                      <a:tailEnd type="none" w="med" len="med"/>
+                    </a:lnT>
+                    <a:lnB w="12700" cap="flat" cmpd="sng" algn="ctr">
+                      <a:solidFill>
+                        <a:schemeClr val="tx1"/>
+                      </a:solidFill>
+                      <a:prstDash val="solid"/>
+                      <a:round/>
+                      <a:headEnd type="none" w="med" len="med"/>
+                      <a:tailEnd type="none" w="med" len="med"/>
+                    </a:lnB>
+                    <a:solidFill>
+                      <a:schemeClr val="bg1"/>
+                    </a:solidFill>
+                  </a:tcPr>
+                </a:tc>
+                <a:extLst>
+                  <a:ext uri="{0D108BD9-81ED-4DB2-BD59-A6C34878D82A}">
+                    <a16:rowId xmlns:a16="http://schemas.microsoft.com/office/drawing/2014/main" val="892949870"/>
+                  </a:ext>
+                </a:extLst>
+              </a:tr>
+              <a:tr h="770590">
+                <a:tc>
+                  <a:txBody>
+                    <a:bodyPr/>
+                    <a:lstStyle/>
+                    <a:p>
+                      <a:r>
+                        <a:rPr lang="en-IN" sz="2000" dirty="0">
+                          <a:solidFill>
+                            <a:srgbClr val="512BD4"/>
+                          </a:solidFill>
+                        </a:rPr>
+                        <a:t> + Read ( ) : bool</a:t>
+                      </a:r>
+                    </a:p>
+                    <a:p>
+                      <a:r>
+                        <a:rPr lang="en-IN" sz="2000" dirty="0">
+                          <a:solidFill>
+                            <a:srgbClr val="512BD4"/>
+                          </a:solidFill>
+                        </a:rPr>
+                        <a:t> + Close ( ) : void</a:t>
+                      </a:r>
+                    </a:p>
+                  </a:txBody>
+                  <a:tcPr>
+                    <a:lnL w="12700" cap="flat" cmpd="sng" algn="ctr">
+                      <a:solidFill>
+                        <a:schemeClr val="tx1"/>
+                      </a:solidFill>
+                      <a:prstDash val="solid"/>
+                      <a:round/>
+                      <a:headEnd type="none" w="med" len="med"/>
+                      <a:tailEnd type="none" w="med" len="med"/>
+                    </a:lnL>
+                    <a:lnR w="12700" cap="flat" cmpd="sng" algn="ctr">
+                      <a:solidFill>
+                        <a:schemeClr val="tx1"/>
+                      </a:solidFill>
+                      <a:prstDash val="solid"/>
+                      <a:round/>
+                      <a:headEnd type="none" w="med" len="med"/>
+                      <a:tailEnd type="none" w="med" len="med"/>
+                    </a:lnR>
+                    <a:lnT w="12700" cap="flat" cmpd="sng" algn="ctr">
+                      <a:solidFill>
+                        <a:schemeClr val="tx1"/>
+                      </a:solidFill>
+                      <a:prstDash val="solid"/>
+                      <a:round/>
+                      <a:headEnd type="none" w="med" len="med"/>
+                      <a:tailEnd type="none" w="med" len="med"/>
+                    </a:lnT>
+                    <a:lnB w="12700" cap="flat" cmpd="sng" algn="ctr">
+                      <a:solidFill>
+                        <a:schemeClr val="tx1"/>
+                      </a:solidFill>
+                      <a:prstDash val="solid"/>
+                      <a:round/>
+                      <a:headEnd type="none" w="med" len="med"/>
+                      <a:tailEnd type="none" w="med" len="med"/>
+                    </a:lnB>
+                    <a:solidFill>
+                      <a:schemeClr val="bg1"/>
+                    </a:solidFill>
+                  </a:tcPr>
+                </a:tc>
+                <a:extLst>
+                  <a:ext uri="{0D108BD9-81ED-4DB2-BD59-A6C34878D82A}">
+                    <a16:rowId xmlns:a16="http://schemas.microsoft.com/office/drawing/2014/main" val="2687538967"/>
+                  </a:ext>
+                </a:extLst>
+              </a:tr>
+            </a:tbl>
+          </a:graphicData>
+        </a:graphic>
+      </p:graphicFrame>
+      <p:graphicFrame>
+        <p:nvGraphicFramePr>
+          <p:cNvPr id="14" name="Table 13">
+            <a:extLst>
+              <a:ext uri="{FF2B5EF4-FFF2-40B4-BE49-F238E27FC236}">
+                <a16:creationId xmlns:a16="http://schemas.microsoft.com/office/drawing/2014/main" id="{DF109330-DFD7-08DB-4CF4-42BEBDA9B9B2}"/>
+              </a:ext>
+            </a:extLst>
+          </p:cNvPr>
+          <p:cNvGraphicFramePr>
+            <a:graphicFrameLocks noGrp="1"/>
+          </p:cNvGraphicFramePr>
+          <p:nvPr>
+            <p:extLst>
+              <p:ext uri="{D42A27DB-BD31-4B8C-83A1-F6EECF244321}">
+                <p14:modId xmlns:p14="http://schemas.microsoft.com/office/powerpoint/2010/main" val="3221209050"/>
+              </p:ext>
+            </p:extLst>
+          </p:nvPr>
+        </p:nvGraphicFramePr>
+        <p:xfrm>
+          <a:off x="8151816" y="2043111"/>
+          <a:ext cx="3885408" cy="3557999"/>
+        </p:xfrm>
+        <a:graphic>
+          <a:graphicData uri="http://schemas.openxmlformats.org/drawingml/2006/table">
+            <a:tbl>
+              <a:tblPr firstRow="1" bandRow="1">
+                <a:tableStyleId>{5C22544A-7EE6-4342-B048-85BDC9FD1C3A}</a:tableStyleId>
+              </a:tblPr>
+              <a:tblGrid>
+                <a:gridCol w="3885408">
+                  <a:extLst>
+                    <a:ext uri="{9D8B030D-6E8A-4147-A177-3AD203B41FA5}">
+                      <a16:colId xmlns:a16="http://schemas.microsoft.com/office/drawing/2014/main" val="2403861265"/>
+                    </a:ext>
+                  </a:extLst>
+                </a:gridCol>
+              </a:tblGrid>
+              <a:tr h="427316">
+                <a:tc>
+                  <a:txBody>
+                    <a:bodyPr/>
+                    <a:lstStyle/>
+                    <a:p>
+                      <a:pPr algn="ctr"/>
+                      <a:r>
+                        <a:rPr lang="en-IN" sz="2400" dirty="0" err="1">
+                          <a:solidFill>
+                            <a:schemeClr val="bg1"/>
+                          </a:solidFill>
+                        </a:rPr>
+                        <a:t>SqlDataAdaptor</a:t>
+                      </a:r>
+                      <a:endParaRPr lang="en-IN" dirty="0">
+                        <a:solidFill>
+                          <a:schemeClr val="bg1"/>
+                        </a:solidFill>
+                      </a:endParaRPr>
+                    </a:p>
+                  </a:txBody>
+                  <a:tcPr anchor="ctr">
+                    <a:lnL w="12700" cap="flat" cmpd="sng" algn="ctr">
+                      <a:solidFill>
+                        <a:schemeClr val="tx1"/>
+                      </a:solidFill>
+                      <a:prstDash val="solid"/>
+                      <a:round/>
+                      <a:headEnd type="none" w="med" len="med"/>
+                      <a:tailEnd type="none" w="med" len="med"/>
+                    </a:lnL>
+                    <a:lnR w="12700" cap="flat" cmpd="sng" algn="ctr">
+                      <a:solidFill>
+                        <a:schemeClr val="tx1"/>
+                      </a:solidFill>
+                      <a:prstDash val="solid"/>
+                      <a:round/>
+                      <a:headEnd type="none" w="med" len="med"/>
+                      <a:tailEnd type="none" w="med" len="med"/>
+                    </a:lnR>
+                    <a:lnT w="12700" cap="flat" cmpd="sng" algn="ctr">
+                      <a:solidFill>
+                        <a:schemeClr val="tx1"/>
+                      </a:solidFill>
+                      <a:prstDash val="solid"/>
+                      <a:round/>
+                      <a:headEnd type="none" w="med" len="med"/>
+                      <a:tailEnd type="none" w="med" len="med"/>
+                    </a:lnT>
+                    <a:lnB w="12700" cap="flat" cmpd="sng" algn="ctr">
+                      <a:noFill/>
+                      <a:prstDash val="solid"/>
+                      <a:round/>
+                      <a:headEnd type="none" w="med" len="med"/>
+                      <a:tailEnd type="none" w="med" len="med"/>
+                    </a:lnB>
+                    <a:solidFill>
+                      <a:srgbClr val="512BD4"/>
+                    </a:solidFill>
+                  </a:tcPr>
+                </a:tc>
+                <a:extLst>
+                  <a:ext uri="{0D108BD9-81ED-4DB2-BD59-A6C34878D82A}">
+                    <a16:rowId xmlns:a16="http://schemas.microsoft.com/office/drawing/2014/main" val="3099883645"/>
+                  </a:ext>
+                </a:extLst>
+              </a:tr>
+              <a:tr h="370340">
+                <a:tc>
+                  <a:txBody>
+                    <a:bodyPr/>
+                    <a:lstStyle/>
+                    <a:p>
+                      <a:r>
+                        <a:rPr lang="en-IN" sz="2000" dirty="0">
+                          <a:solidFill>
+                            <a:srgbClr val="512BD4"/>
+                          </a:solidFill>
+                        </a:rPr>
+                        <a:t> + </a:t>
+                      </a:r>
+                      <a:r>
+                        <a:rPr lang="en-IN" sz="2000" dirty="0" err="1">
+                          <a:solidFill>
+                            <a:srgbClr val="512BD4"/>
+                          </a:solidFill>
+                        </a:rPr>
+                        <a:t>SelectCommand</a:t>
+                      </a:r>
+                      <a:r>
+                        <a:rPr lang="en-IN" sz="2000" dirty="0">
+                          <a:solidFill>
+                            <a:srgbClr val="512BD4"/>
+                          </a:solidFill>
+                        </a:rPr>
+                        <a:t> : </a:t>
+                      </a:r>
+                      <a:r>
+                        <a:rPr lang="en-IN" sz="2000" dirty="0" err="1">
+                          <a:solidFill>
+                            <a:srgbClr val="512BD4"/>
+                          </a:solidFill>
+                        </a:rPr>
+                        <a:t>SqlCommand</a:t>
+                      </a:r>
+                      <a:endParaRPr lang="en-IN" sz="2000" dirty="0">
+                        <a:solidFill>
+                          <a:srgbClr val="512BD4"/>
+                        </a:solidFill>
+                      </a:endParaRPr>
+                    </a:p>
+                  </a:txBody>
+                  <a:tcPr>
+                    <a:lnL w="12700" cap="flat" cmpd="sng" algn="ctr">
+                      <a:solidFill>
+                        <a:schemeClr val="tx1"/>
+                      </a:solidFill>
+                      <a:prstDash val="solid"/>
+                      <a:round/>
+                      <a:headEnd type="none" w="med" len="med"/>
+                      <a:tailEnd type="none" w="med" len="med"/>
+                    </a:lnL>
+                    <a:lnR w="12700" cap="flat" cmpd="sng" algn="ctr">
+                      <a:solidFill>
+                        <a:schemeClr val="tx1"/>
+                      </a:solidFill>
+                      <a:prstDash val="solid"/>
+                      <a:round/>
+                      <a:headEnd type="none" w="med" len="med"/>
+                      <a:tailEnd type="none" w="med" len="med"/>
+                    </a:lnR>
+                    <a:lnT w="12700" cap="flat" cmpd="sng" algn="ctr">
+                      <a:noFill/>
+                      <a:prstDash val="solid"/>
+                      <a:round/>
+                      <a:headEnd type="none" w="med" len="med"/>
+                      <a:tailEnd type="none" w="med" len="med"/>
+                    </a:lnT>
+                    <a:lnB w="12700" cap="flat" cmpd="sng" algn="ctr">
+                      <a:noFill/>
+                      <a:prstDash val="solid"/>
+                      <a:round/>
+                      <a:headEnd type="none" w="med" len="med"/>
+                      <a:tailEnd type="none" w="med" len="med"/>
+                    </a:lnB>
+                    <a:lnTlToBr w="12700" cmpd="sng">
+                      <a:noFill/>
+                      <a:prstDash val="solid"/>
+                    </a:lnTlToBr>
+                    <a:lnBlToTr w="12700" cmpd="sng">
+                      <a:noFill/>
+                      <a:prstDash val="solid"/>
+                    </a:lnBlToTr>
+                    <a:solidFill>
+                      <a:schemeClr val="bg1"/>
+                    </a:solidFill>
+                  </a:tcPr>
+                </a:tc>
+                <a:extLst>
+                  <a:ext uri="{0D108BD9-81ED-4DB2-BD59-A6C34878D82A}">
+                    <a16:rowId xmlns:a16="http://schemas.microsoft.com/office/drawing/2014/main" val="2736703758"/>
+                  </a:ext>
+                </a:extLst>
+              </a:tr>
+              <a:tr h="341853">
+                <a:tc>
+                  <a:txBody>
+                    <a:bodyPr/>
+                    <a:lstStyle/>
+                    <a:p>
+                      <a:pPr marL="0" marR="0" lvl="0" indent="0" algn="l" defTabSz="914400" rtl="0" eaLnBrk="1" fontAlgn="auto" latinLnBrk="0" hangingPunct="1">
+                        <a:lnSpc>
+                          <a:spcPct val="100000"/>
+                        </a:lnSpc>
+                        <a:spcBef>
+                          <a:spcPts val="0"/>
+                        </a:spcBef>
+                        <a:spcAft>
+                          <a:spcPts val="0"/>
+                        </a:spcAft>
+                        <a:buClrTx/>
+                        <a:buSzTx/>
+                        <a:buFontTx/>
+                        <a:buNone/>
+                        <a:tabLst/>
+                        <a:defRPr/>
+                      </a:pPr>
+                      <a:r>
+                        <a:rPr lang="en-IN" sz="2000" dirty="0">
+                          <a:solidFill>
+                            <a:srgbClr val="512BD4"/>
+                          </a:solidFill>
+                        </a:rPr>
+                        <a:t> + </a:t>
+                      </a:r>
+                      <a:r>
+                        <a:rPr lang="en-IN" sz="2000" kern="1200" dirty="0" err="1">
+                          <a:solidFill>
+                            <a:srgbClr val="512BD4"/>
+                          </a:solidFill>
+                          <a:latin typeface="+mn-lt"/>
+                          <a:ea typeface="+mn-ea"/>
+                          <a:cs typeface="+mn-cs"/>
+                        </a:rPr>
+                        <a:t>InsertCommand</a:t>
+                      </a:r>
+                      <a:r>
+                        <a:rPr lang="en-IN" sz="2000" kern="1200" dirty="0">
+                          <a:solidFill>
+                            <a:srgbClr val="512BD4"/>
+                          </a:solidFill>
+                          <a:latin typeface="+mn-lt"/>
+                          <a:ea typeface="+mn-ea"/>
+                          <a:cs typeface="+mn-cs"/>
+                        </a:rPr>
+                        <a:t> : </a:t>
+                      </a:r>
+                      <a:r>
+                        <a:rPr lang="en-IN" sz="2000" kern="1200" dirty="0" err="1">
+                          <a:solidFill>
+                            <a:srgbClr val="512BD4"/>
+                          </a:solidFill>
+                          <a:latin typeface="+mn-lt"/>
+                          <a:ea typeface="+mn-ea"/>
+                          <a:cs typeface="+mn-cs"/>
+                        </a:rPr>
+                        <a:t>SqlCommand</a:t>
+                      </a:r>
+                      <a:endParaRPr lang="en-IN" sz="2000" kern="1200" dirty="0">
+                        <a:solidFill>
+                          <a:srgbClr val="512BD4"/>
+                        </a:solidFill>
+                        <a:latin typeface="+mn-lt"/>
+                        <a:ea typeface="+mn-ea"/>
+                        <a:cs typeface="+mn-cs"/>
+                      </a:endParaRPr>
+                    </a:p>
+                  </a:txBody>
+                  <a:tcPr>
+                    <a:lnL w="12700" cap="flat" cmpd="sng" algn="ctr">
+                      <a:solidFill>
+                        <a:schemeClr val="tx1"/>
+                      </a:solidFill>
+                      <a:prstDash val="solid"/>
+                      <a:round/>
+                      <a:headEnd type="none" w="med" len="med"/>
+                      <a:tailEnd type="none" w="med" len="med"/>
+                    </a:lnL>
+                    <a:lnR w="12700" cap="flat" cmpd="sng" algn="ctr">
+                      <a:solidFill>
+                        <a:schemeClr val="tx1"/>
+                      </a:solidFill>
+                      <a:prstDash val="solid"/>
+                      <a:round/>
+                      <a:headEnd type="none" w="med" len="med"/>
+                      <a:tailEnd type="none" w="med" len="med"/>
+                    </a:lnR>
+                    <a:lnT w="12700" cap="flat" cmpd="sng" algn="ctr">
+                      <a:noFill/>
+                      <a:prstDash val="solid"/>
+                      <a:round/>
+                      <a:headEnd type="none" w="med" len="med"/>
+                      <a:tailEnd type="none" w="med" len="med"/>
+                    </a:lnT>
+                    <a:lnB w="12700" cap="flat" cmpd="sng" algn="ctr">
+                      <a:noFill/>
+                      <a:prstDash val="solid"/>
+                      <a:round/>
+                      <a:headEnd type="none" w="med" len="med"/>
+                      <a:tailEnd type="none" w="med" len="med"/>
+                    </a:lnB>
+                    <a:lnTlToBr w="12700" cmpd="sng">
+                      <a:noFill/>
+                      <a:prstDash val="solid"/>
+                    </a:lnTlToBr>
+                    <a:lnBlToTr w="12700" cmpd="sng">
+                      <a:noFill/>
+                      <a:prstDash val="solid"/>
+                    </a:lnBlToTr>
+                    <a:solidFill>
+                      <a:schemeClr val="bg1"/>
+                    </a:solidFill>
+                  </a:tcPr>
+                </a:tc>
+                <a:extLst>
+                  <a:ext uri="{0D108BD9-81ED-4DB2-BD59-A6C34878D82A}">
+                    <a16:rowId xmlns:a16="http://schemas.microsoft.com/office/drawing/2014/main" val="462662949"/>
+                  </a:ext>
+                </a:extLst>
+              </a:tr>
+              <a:tr h="341853">
+                <a:tc>
+                  <a:txBody>
+                    <a:bodyPr/>
+                    <a:lstStyle/>
+                    <a:p>
+                      <a:pPr marL="0" marR="0" lvl="0" indent="0" algn="l" defTabSz="914400" rtl="0" eaLnBrk="1" fontAlgn="auto" latinLnBrk="0" hangingPunct="1">
+                        <a:lnSpc>
+                          <a:spcPct val="100000"/>
+                        </a:lnSpc>
+                        <a:spcBef>
+                          <a:spcPts val="0"/>
+                        </a:spcBef>
+                        <a:spcAft>
+                          <a:spcPts val="0"/>
+                        </a:spcAft>
+                        <a:buClrTx/>
+                        <a:buSzTx/>
+                        <a:buFontTx/>
+                        <a:buNone/>
+                        <a:tabLst/>
+                        <a:defRPr/>
+                      </a:pPr>
+                      <a:r>
+                        <a:rPr lang="en-IN" sz="2000" dirty="0">
+                          <a:solidFill>
+                            <a:srgbClr val="512BD4"/>
+                          </a:solidFill>
+                        </a:rPr>
+                        <a:t> + </a:t>
+                      </a:r>
+                      <a:r>
+                        <a:rPr lang="en-IN" sz="2000" kern="1200" dirty="0" err="1">
+                          <a:solidFill>
+                            <a:srgbClr val="512BD4"/>
+                          </a:solidFill>
+                          <a:latin typeface="+mn-lt"/>
+                          <a:ea typeface="+mn-ea"/>
+                          <a:cs typeface="+mn-cs"/>
+                        </a:rPr>
+                        <a:t>UpdateCommand</a:t>
+                      </a:r>
+                      <a:r>
+                        <a:rPr lang="en-IN" sz="2000" kern="1200" dirty="0">
+                          <a:solidFill>
+                            <a:srgbClr val="512BD4"/>
+                          </a:solidFill>
+                          <a:latin typeface="+mn-lt"/>
+                          <a:ea typeface="+mn-ea"/>
+                          <a:cs typeface="+mn-cs"/>
+                        </a:rPr>
+                        <a:t> : </a:t>
+                      </a:r>
+                      <a:r>
+                        <a:rPr lang="en-IN" sz="2000" kern="1200" dirty="0" err="1">
+                          <a:solidFill>
+                            <a:srgbClr val="512BD4"/>
+                          </a:solidFill>
+                          <a:latin typeface="+mn-lt"/>
+                          <a:ea typeface="+mn-ea"/>
+                          <a:cs typeface="+mn-cs"/>
+                        </a:rPr>
+                        <a:t>SqlCommand</a:t>
+                      </a:r>
+                      <a:endParaRPr lang="en-IN" sz="2000" kern="1200" dirty="0">
+                        <a:solidFill>
+                          <a:srgbClr val="512BD4"/>
+                        </a:solidFill>
+                        <a:latin typeface="+mn-lt"/>
+                        <a:ea typeface="+mn-ea"/>
+                        <a:cs typeface="+mn-cs"/>
+                      </a:endParaRPr>
+                    </a:p>
+                  </a:txBody>
+                  <a:tcPr>
+                    <a:lnL w="12700" cap="flat" cmpd="sng" algn="ctr">
+                      <a:solidFill>
+                        <a:schemeClr val="tx1"/>
+                      </a:solidFill>
+                      <a:prstDash val="solid"/>
+                      <a:round/>
+                      <a:headEnd type="none" w="med" len="med"/>
+                      <a:tailEnd type="none" w="med" len="med"/>
+                    </a:lnL>
+                    <a:lnR w="12700" cap="flat" cmpd="sng" algn="ctr">
+                      <a:solidFill>
+                        <a:schemeClr val="tx1"/>
+                      </a:solidFill>
+                      <a:prstDash val="solid"/>
+                      <a:round/>
+                      <a:headEnd type="none" w="med" len="med"/>
+                      <a:tailEnd type="none" w="med" len="med"/>
+                    </a:lnR>
+                    <a:lnT w="12700" cap="flat" cmpd="sng" algn="ctr">
+                      <a:noFill/>
+                      <a:prstDash val="solid"/>
+                      <a:round/>
+                      <a:headEnd type="none" w="med" len="med"/>
+                      <a:tailEnd type="none" w="med" len="med"/>
+                    </a:lnT>
+                    <a:lnB w="12700" cap="flat" cmpd="sng" algn="ctr">
+                      <a:noFill/>
+                      <a:prstDash val="solid"/>
+                      <a:round/>
+                      <a:headEnd type="none" w="med" len="med"/>
+                      <a:tailEnd type="none" w="med" len="med"/>
+                    </a:lnB>
+                    <a:lnTlToBr w="12700" cmpd="sng">
+                      <a:noFill/>
+                      <a:prstDash val="solid"/>
+                    </a:lnTlToBr>
+                    <a:lnBlToTr w="12700" cmpd="sng">
+                      <a:noFill/>
+                      <a:prstDash val="solid"/>
+                    </a:lnBlToTr>
+                    <a:solidFill>
+                      <a:schemeClr val="bg1"/>
+                    </a:solidFill>
+                  </a:tcPr>
+                </a:tc>
+                <a:extLst>
+                  <a:ext uri="{0D108BD9-81ED-4DB2-BD59-A6C34878D82A}">
+                    <a16:rowId xmlns:a16="http://schemas.microsoft.com/office/drawing/2014/main" val="3535437275"/>
+                  </a:ext>
+                </a:extLst>
+              </a:tr>
+              <a:tr h="341853">
+                <a:tc>
+                  <a:txBody>
+                    <a:bodyPr/>
+                    <a:lstStyle/>
+                    <a:p>
+                      <a:pPr marL="0" marR="0" lvl="0" indent="0" algn="l" defTabSz="914400" rtl="0" eaLnBrk="1" fontAlgn="auto" latinLnBrk="0" hangingPunct="1">
+                        <a:lnSpc>
+                          <a:spcPct val="100000"/>
+                        </a:lnSpc>
+                        <a:spcBef>
+                          <a:spcPts val="0"/>
+                        </a:spcBef>
+                        <a:spcAft>
+                          <a:spcPts val="0"/>
+                        </a:spcAft>
+                        <a:buClrTx/>
+                        <a:buSzTx/>
+                        <a:buFontTx/>
+                        <a:buNone/>
+                        <a:tabLst/>
+                        <a:defRPr/>
+                      </a:pPr>
+                      <a:r>
+                        <a:rPr lang="en-IN" sz="2000" dirty="0">
+                          <a:solidFill>
+                            <a:srgbClr val="512BD4"/>
+                          </a:solidFill>
+                        </a:rPr>
+                        <a:t> + </a:t>
+                      </a:r>
+                      <a:r>
+                        <a:rPr lang="en-IN" sz="2000" kern="1200" dirty="0" err="1">
+                          <a:solidFill>
+                            <a:srgbClr val="512BD4"/>
+                          </a:solidFill>
+                          <a:latin typeface="+mn-lt"/>
+                          <a:ea typeface="+mn-ea"/>
+                          <a:cs typeface="+mn-cs"/>
+                        </a:rPr>
+                        <a:t>DeleteCommand</a:t>
+                      </a:r>
+                      <a:r>
+                        <a:rPr lang="en-IN" sz="2000" kern="1200" dirty="0">
+                          <a:solidFill>
+                            <a:srgbClr val="512BD4"/>
+                          </a:solidFill>
+                          <a:latin typeface="+mn-lt"/>
+                          <a:ea typeface="+mn-ea"/>
+                          <a:cs typeface="+mn-cs"/>
+                        </a:rPr>
+                        <a:t> : </a:t>
+                      </a:r>
+                      <a:r>
+                        <a:rPr lang="en-IN" sz="2000" kern="1200" dirty="0" err="1">
+                          <a:solidFill>
+                            <a:srgbClr val="512BD4"/>
+                          </a:solidFill>
+                          <a:latin typeface="+mn-lt"/>
+                          <a:ea typeface="+mn-ea"/>
+                          <a:cs typeface="+mn-cs"/>
+                        </a:rPr>
+                        <a:t>SqlCommand</a:t>
+                      </a:r>
+                      <a:endParaRPr lang="en-IN" sz="2000" kern="1200" dirty="0">
+                        <a:solidFill>
+                          <a:srgbClr val="512BD4"/>
+                        </a:solidFill>
+                        <a:latin typeface="+mn-lt"/>
+                        <a:ea typeface="+mn-ea"/>
+                        <a:cs typeface="+mn-cs"/>
+                      </a:endParaRPr>
+                    </a:p>
+                  </a:txBody>
+                  <a:tcPr>
+                    <a:lnL w="12700" cap="flat" cmpd="sng" algn="ctr">
+                      <a:solidFill>
+                        <a:schemeClr val="tx1"/>
+                      </a:solidFill>
+                      <a:prstDash val="solid"/>
+                      <a:round/>
+                      <a:headEnd type="none" w="med" len="med"/>
+                      <a:tailEnd type="none" w="med" len="med"/>
+                    </a:lnL>
+                    <a:lnR w="12700" cap="flat" cmpd="sng" algn="ctr">
+                      <a:solidFill>
+                        <a:schemeClr val="tx1"/>
+                      </a:solidFill>
+                      <a:prstDash val="solid"/>
+                      <a:round/>
+                      <a:headEnd type="none" w="med" len="med"/>
+                      <a:tailEnd type="none" w="med" len="med"/>
+                    </a:lnR>
+                    <a:lnT w="12700" cap="flat" cmpd="sng" algn="ctr">
+                      <a:noFill/>
+                      <a:prstDash val="solid"/>
+                      <a:round/>
+                      <a:headEnd type="none" w="med" len="med"/>
+                      <a:tailEnd type="none" w="med" len="med"/>
+                    </a:lnT>
+                    <a:lnB w="12700" cap="flat" cmpd="sng" algn="ctr">
+                      <a:noFill/>
+                      <a:prstDash val="solid"/>
+                      <a:round/>
+                      <a:headEnd type="none" w="med" len="med"/>
+                      <a:tailEnd type="none" w="med" len="med"/>
+                    </a:lnB>
+                    <a:lnTlToBr w="12700" cmpd="sng">
+                      <a:noFill/>
+                      <a:prstDash val="solid"/>
+                    </a:lnTlToBr>
+                    <a:lnBlToTr w="12700" cmpd="sng">
+                      <a:noFill/>
+                      <a:prstDash val="solid"/>
+                    </a:lnBlToTr>
+                    <a:solidFill>
+                      <a:schemeClr val="bg1"/>
+                    </a:solidFill>
+                  </a:tcPr>
+                </a:tc>
+                <a:extLst>
+                  <a:ext uri="{0D108BD9-81ED-4DB2-BD59-A6C34878D82A}">
+                    <a16:rowId xmlns:a16="http://schemas.microsoft.com/office/drawing/2014/main" val="36450551"/>
+                  </a:ext>
+                </a:extLst>
+              </a:tr>
+              <a:tr h="341853">
+                <a:tc>
+                  <a:txBody>
+                    <a:bodyPr/>
+                    <a:lstStyle/>
+                    <a:p>
+                      <a:endParaRPr lang="en-IN" sz="2000" dirty="0">
+                        <a:solidFill>
+                          <a:srgbClr val="512BD4"/>
+                        </a:solidFill>
+                      </a:endParaRPr>
+                    </a:p>
+                  </a:txBody>
+                  <a:tcPr>
+                    <a:lnL w="12700" cap="flat" cmpd="sng" algn="ctr">
+                      <a:solidFill>
+                        <a:schemeClr val="tx1"/>
+                      </a:solidFill>
+                      <a:prstDash val="solid"/>
+                      <a:round/>
+                      <a:headEnd type="none" w="med" len="med"/>
+                      <a:tailEnd type="none" w="med" len="med"/>
+                    </a:lnL>
+                    <a:lnR w="12700" cap="flat" cmpd="sng" algn="ctr">
+                      <a:solidFill>
+                        <a:schemeClr val="tx1"/>
+                      </a:solidFill>
+                      <a:prstDash val="solid"/>
+                      <a:round/>
+                      <a:headEnd type="none" w="med" len="med"/>
+                      <a:tailEnd type="none" w="med" len="med"/>
+                    </a:lnR>
+                    <a:lnT w="12700" cap="flat" cmpd="sng" algn="ctr">
+                      <a:noFill/>
+                      <a:prstDash val="solid"/>
+                      <a:round/>
+                      <a:headEnd type="none" w="med" len="med"/>
+                      <a:tailEnd type="none" w="med" len="med"/>
+                    </a:lnT>
+                    <a:lnB w="12700" cap="flat" cmpd="sng" algn="ctr">
+                      <a:solidFill>
+                        <a:schemeClr val="tx1"/>
+                      </a:solidFill>
+                      <a:prstDash val="solid"/>
+                      <a:round/>
+                      <a:headEnd type="none" w="med" len="med"/>
+                      <a:tailEnd type="none" w="med" len="med"/>
+                    </a:lnB>
+                    <a:solidFill>
+                      <a:schemeClr val="bg1"/>
+                    </a:solidFill>
+                  </a:tcPr>
+                </a:tc>
+                <a:extLst>
+                  <a:ext uri="{0D108BD9-81ED-4DB2-BD59-A6C34878D82A}">
+                    <a16:rowId xmlns:a16="http://schemas.microsoft.com/office/drawing/2014/main" val="892949870"/>
+                  </a:ext>
+                </a:extLst>
+              </a:tr>
+              <a:tr h="1119599">
+                <a:tc>
+                  <a:txBody>
+                    <a:bodyPr/>
+                    <a:lstStyle/>
+                    <a:p>
+                      <a:r>
+                        <a:rPr lang="en-IN" sz="2000" dirty="0">
+                          <a:solidFill>
+                            <a:srgbClr val="512BD4"/>
+                          </a:solidFill>
+                        </a:rPr>
+                        <a:t> + Fill ( ) : int</a:t>
+                      </a:r>
+                    </a:p>
+                    <a:p>
+                      <a:r>
+                        <a:rPr lang="en-IN" sz="2000" dirty="0">
+                          <a:solidFill>
+                            <a:srgbClr val="512BD4"/>
+                          </a:solidFill>
+                        </a:rPr>
+                        <a:t> + update ( ) : int</a:t>
+                      </a:r>
+                    </a:p>
+                  </a:txBody>
+                  <a:tcPr>
+                    <a:lnL w="12700" cap="flat" cmpd="sng" algn="ctr">
+                      <a:solidFill>
+                        <a:schemeClr val="tx1"/>
+                      </a:solidFill>
+                      <a:prstDash val="solid"/>
+                      <a:round/>
+                      <a:headEnd type="none" w="med" len="med"/>
+                      <a:tailEnd type="none" w="med" len="med"/>
+                    </a:lnL>
+                    <a:lnR w="12700" cap="flat" cmpd="sng" algn="ctr">
+                      <a:solidFill>
+                        <a:schemeClr val="tx1"/>
+                      </a:solidFill>
+                      <a:prstDash val="solid"/>
+                      <a:round/>
+                      <a:headEnd type="none" w="med" len="med"/>
+                      <a:tailEnd type="none" w="med" len="med"/>
+                    </a:lnR>
+                    <a:lnT w="12700" cap="flat" cmpd="sng" algn="ctr">
+                      <a:solidFill>
+                        <a:schemeClr val="tx1"/>
+                      </a:solidFill>
+                      <a:prstDash val="solid"/>
+                      <a:round/>
+                      <a:headEnd type="none" w="med" len="med"/>
+                      <a:tailEnd type="none" w="med" len="med"/>
+                    </a:lnT>
+                    <a:lnB w="12700" cap="flat" cmpd="sng" algn="ctr">
+                      <a:solidFill>
+                        <a:schemeClr val="tx1"/>
+                      </a:solidFill>
+                      <a:prstDash val="solid"/>
+                      <a:round/>
+                      <a:headEnd type="none" w="med" len="med"/>
+                      <a:tailEnd type="none" w="med" len="med"/>
+                    </a:lnB>
+                    <a:solidFill>
+                      <a:schemeClr val="bg1"/>
+                    </a:solidFill>
+                  </a:tcPr>
+                </a:tc>
+                <a:extLst>
+                  <a:ext uri="{0D108BD9-81ED-4DB2-BD59-A6C34878D82A}">
+                    <a16:rowId xmlns:a16="http://schemas.microsoft.com/office/drawing/2014/main" val="2687538967"/>
+                  </a:ext>
+                </a:extLst>
+              </a:tr>
+            </a:tbl>
+          </a:graphicData>
+        </a:graphic>
+      </p:graphicFrame>
+      <p:sp>
+        <p:nvSpPr>
+          <p:cNvPr id="15" name="TextBox 14">
+            <a:extLst>
+              <a:ext uri="{FF2B5EF4-FFF2-40B4-BE49-F238E27FC236}">
+                <a16:creationId xmlns:a16="http://schemas.microsoft.com/office/drawing/2014/main" id="{76545485-D450-62CC-DF3B-BDE93CF054C4}"/>
+              </a:ext>
+            </a:extLst>
+          </p:cNvPr>
+          <p:cNvSpPr txBox="1"/>
+          <p:nvPr/>
+        </p:nvSpPr>
+        <p:spPr>
+          <a:xfrm>
+            <a:off x="5872162" y="320814"/>
+            <a:ext cx="3029099" cy="707886"/>
+          </a:xfrm>
+          <a:prstGeom prst="rect">
+            <a:avLst/>
+          </a:prstGeom>
+          <a:noFill/>
+        </p:spPr>
+        <p:txBody>
+          <a:bodyPr wrap="none" rtlCol="0">
+            <a:spAutoFit/>
+          </a:bodyPr>
+          <a:lstStyle/>
+          <a:p>
+            <a:r>
+              <a:rPr lang="en-IN" sz="4000" dirty="0">
+                <a:solidFill>
+                  <a:srgbClr val="512BD4"/>
+                </a:solidFill>
+                <a:ea typeface="+mj-ea"/>
+                <a:cs typeface="+mj-cs"/>
+              </a:rPr>
+              <a:t>UML Diagram</a:t>
+            </a:r>
+          </a:p>
+        </p:txBody>
+      </p:sp>
+    </p:spTree>
+    <p:extLst>
+      <p:ext uri="{BB962C8B-B14F-4D97-AF65-F5344CB8AC3E}">
+        <p14:creationId xmlns:p14="http://schemas.microsoft.com/office/powerpoint/2010/main" val="4200968037"/>
+      </p:ext>
+    </p:extLst>
+  </p:cSld>
+  <p:clrMapOvr>
+    <a:masterClrMapping/>
+  </p:clrMapOvr>
+  <p:transition spd="slow">
+    <p:wipe/>
+  </p:transition>
+</p:sld>
+</file>
+
+<file path=ppt/slides/slide22.xml><?xml version="1.0" encoding="utf-8"?>
+<p:sld xmlns:a="http://schemas.openxmlformats.org/drawingml/2006/main" xmlns:r="http://schemas.openxmlformats.org/officeDocument/2006/relationships" xmlns:p="http://schemas.openxmlformats.org/presentationml/2006/main">
+  <p:cSld>
+    <p:spTree>
+      <p:nvGrpSpPr>
+        <p:cNvPr id="1" name=""/>
+        <p:cNvGrpSpPr/>
+        <p:nvPr/>
+      </p:nvGrpSpPr>
+      <p:grpSpPr>
+        <a:xfrm>
+          <a:off x="0" y="0"/>
+          <a:ext cx="0" cy="0"/>
+          <a:chOff x="0" y="0"/>
+          <a:chExt cx="0" cy="0"/>
+        </a:xfrm>
+      </p:grpSpPr>
+      <p:sp>
+        <p:nvSpPr>
+          <p:cNvPr id="3" name="Rectangle 2">
+            <a:extLst>
+              <a:ext uri="{FF2B5EF4-FFF2-40B4-BE49-F238E27FC236}">
+                <a16:creationId xmlns:a16="http://schemas.microsoft.com/office/drawing/2014/main" id="{234B3199-CA6E-E379-CB45-91702C540056}"/>
+              </a:ext>
+            </a:extLst>
+          </p:cNvPr>
+          <p:cNvSpPr/>
+          <p:nvPr/>
+        </p:nvSpPr>
+        <p:spPr>
+          <a:xfrm>
+            <a:off x="100013" y="128588"/>
+            <a:ext cx="11991974" cy="6586537"/>
+          </a:xfrm>
+          <a:prstGeom prst="rect">
+            <a:avLst/>
+          </a:prstGeom>
+        </p:spPr>
+        <p:style>
+          <a:lnRef idx="2">
+            <a:schemeClr val="accent1"/>
+          </a:lnRef>
+          <a:fillRef idx="1">
+            <a:schemeClr val="lt1"/>
+          </a:fillRef>
+          <a:effectRef idx="0">
+            <a:schemeClr val="accent1"/>
+          </a:effectRef>
+          <a:fontRef idx="minor">
+            <a:schemeClr val="dk1"/>
+          </a:fontRef>
+        </p:style>
+        <p:txBody>
+          <a:bodyPr rtlCol="0" anchor="ctr"/>
+          <a:lstStyle/>
+          <a:p>
+            <a:pPr algn="ctr"/>
+            <a:r>
+              <a:rPr lang="en-IN" sz="10000" dirty="0">
+                <a:solidFill>
+                  <a:srgbClr val="512BD4"/>
+                </a:solidFill>
+                <a:ea typeface="+mj-ea"/>
+                <a:cs typeface="+mj-cs"/>
+              </a:rPr>
+              <a:t>Thank You!</a:t>
+            </a:r>
+          </a:p>
+        </p:txBody>
+      </p:sp>
+    </p:spTree>
+    <p:extLst>
+      <p:ext uri="{BB962C8B-B14F-4D97-AF65-F5344CB8AC3E}">
+        <p14:creationId xmlns:p14="http://schemas.microsoft.com/office/powerpoint/2010/main" val="2375678044"/>
+      </p:ext>
+    </p:extLst>
+  </p:cSld>
+  <p:clrMapOvr>
+    <a:masterClrMapping/>
+  </p:clrMapOvr>
+  <p:transition spd="slow">
+    <p:wipe/>
+  </p:transition>
+</p:sld>
+</file>
+
+<file path=ppt/slides/slide23.xml><?xml version="1.0" encoding="utf-8"?>
+<p:sld xmlns:a="http://schemas.openxmlformats.org/drawingml/2006/main" xmlns:r="http://schemas.openxmlformats.org/officeDocument/2006/relationships" xmlns:p="http://schemas.openxmlformats.org/presentationml/2006/main" show="0">
   <p:cSld>
     <p:spTree>
       <p:nvGrpSpPr>
@@ -26997,167 +31572,14 @@
   <p:clrMapOvr>
     <a:masterClrMapping/>
   </p:clrMapOvr>
+  <p:transition spd="slow">
+    <p:wipe/>
+  </p:transition>
 </p:sld>
 </file>
 
-<file path=ppt/slides/slide2.xml><?xml version="1.0" encoding="utf-8"?>
-<p:sld xmlns:a="http://schemas.openxmlformats.org/drawingml/2006/main" xmlns:r="http://schemas.openxmlformats.org/officeDocument/2006/relationships" xmlns:p="http://schemas.openxmlformats.org/presentationml/2006/main">
-  <p:cSld>
-    <p:bg>
-      <p:bgPr>
-        <a:solidFill>
-          <a:srgbClr val="FCFCFE"/>
-        </a:solidFill>
-        <a:effectLst/>
-      </p:bgPr>
-    </p:bg>
-    <p:spTree>
-      <p:nvGrpSpPr>
-        <p:cNvPr id="1" name=""/>
-        <p:cNvGrpSpPr/>
-        <p:nvPr/>
-      </p:nvGrpSpPr>
-      <p:grpSpPr>
-        <a:xfrm>
-          <a:off x="0" y="0"/>
-          <a:ext cx="0" cy="0"/>
-          <a:chOff x="0" y="0"/>
-          <a:chExt cx="0" cy="0"/>
-        </a:xfrm>
-      </p:grpSpPr>
-      <p:sp>
-        <p:nvSpPr>
-          <p:cNvPr id="2" name="Title 1">
-            <a:extLst>
-              <a:ext uri="{FF2B5EF4-FFF2-40B4-BE49-F238E27FC236}">
-                <a16:creationId xmlns:a16="http://schemas.microsoft.com/office/drawing/2014/main" id="{7E148D4C-2DDE-13D1-BB26-EE1F6B24E1DE}"/>
-              </a:ext>
-            </a:extLst>
-          </p:cNvPr>
-          <p:cNvSpPr>
-            <a:spLocks noGrp="1"/>
-          </p:cNvSpPr>
-          <p:nvPr>
-            <p:ph type="title"/>
-          </p:nvPr>
-        </p:nvSpPr>
-        <p:spPr>
-          <a:xfrm>
-            <a:off x="0" y="107950"/>
-            <a:ext cx="10515600" cy="835025"/>
-          </a:xfrm>
-        </p:spPr>
-        <p:txBody>
-          <a:bodyPr>
-            <a:normAutofit/>
-          </a:bodyPr>
-          <a:lstStyle/>
-          <a:p>
-            <a:r>
-              <a:rPr lang="en-IN" sz="4000" dirty="0">
-                <a:solidFill>
-                  <a:srgbClr val="512BD4"/>
-                </a:solidFill>
-                <a:latin typeface="+mn-lt"/>
-              </a:rPr>
-              <a:t>Prerequisites</a:t>
-            </a:r>
-            <a:endParaRPr lang="en-IN" sz="5400" dirty="0">
-              <a:solidFill>
-                <a:srgbClr val="512BD4"/>
-              </a:solidFill>
-              <a:latin typeface="+mn-lt"/>
-            </a:endParaRPr>
-          </a:p>
-        </p:txBody>
-      </p:sp>
-      <p:sp>
-        <p:nvSpPr>
-          <p:cNvPr id="3" name="Content Placeholder 2">
-            <a:extLst>
-              <a:ext uri="{FF2B5EF4-FFF2-40B4-BE49-F238E27FC236}">
-                <a16:creationId xmlns:a16="http://schemas.microsoft.com/office/drawing/2014/main" id="{C9882C76-AFB0-4097-047A-A433F267E3FA}"/>
-              </a:ext>
-            </a:extLst>
-          </p:cNvPr>
-          <p:cNvSpPr>
-            <a:spLocks noGrp="1"/>
-          </p:cNvSpPr>
-          <p:nvPr>
-            <p:ph idx="1"/>
-          </p:nvPr>
-        </p:nvSpPr>
-        <p:spPr>
-          <a:xfrm>
-            <a:off x="238125" y="1119187"/>
-            <a:ext cx="10515600" cy="4619625"/>
-          </a:xfrm>
-        </p:spPr>
-        <p:txBody>
-          <a:bodyPr/>
-          <a:lstStyle/>
-          <a:p>
-            <a:r>
-              <a:rPr lang="en-IN" dirty="0">
-                <a:solidFill>
-                  <a:srgbClr val="512BD4"/>
-                </a:solidFill>
-              </a:rPr>
-              <a:t>Computer and its basic knowledge.</a:t>
-            </a:r>
-          </a:p>
-          <a:p>
-            <a:r>
-              <a:rPr lang="en-IN" dirty="0">
-                <a:solidFill>
-                  <a:srgbClr val="512BD4"/>
-                </a:solidFill>
-              </a:rPr>
-              <a:t>Integrated Development Environment or Code Editor</a:t>
-            </a:r>
-          </a:p>
-          <a:p>
-            <a:pPr lvl="1"/>
-            <a:r>
-              <a:rPr lang="en-IN" sz="2800" dirty="0">
-                <a:solidFill>
-                  <a:srgbClr val="512BD4"/>
-                </a:solidFill>
-              </a:rPr>
-              <a:t>Visual Studio (Recommended)</a:t>
-            </a:r>
-          </a:p>
-          <a:p>
-            <a:pPr lvl="1"/>
-            <a:r>
-              <a:rPr lang="en-IN" sz="2800" dirty="0">
-                <a:solidFill>
-                  <a:srgbClr val="512BD4"/>
-                </a:solidFill>
-              </a:rPr>
-              <a:t>Visual Studio Code</a:t>
-            </a:r>
-          </a:p>
-          <a:p>
-            <a:endParaRPr lang="en-IN" dirty="0"/>
-          </a:p>
-        </p:txBody>
-      </p:sp>
-    </p:spTree>
-    <p:extLst>
-      <p:ext uri="{BB962C8B-B14F-4D97-AF65-F5344CB8AC3E}">
-        <p14:creationId xmlns:p14="http://schemas.microsoft.com/office/powerpoint/2010/main" val="722443238"/>
-      </p:ext>
-    </p:extLst>
-  </p:cSld>
-  <p:clrMapOvr>
-    <a:masterClrMapping/>
-  </p:clrMapOvr>
-</p:sld>
-</file>
-
-<file path=ppt/slides/slide20.xml><?xml version="1.0" encoding="utf-8"?>
-<p:sld xmlns:a="http://schemas.openxmlformats.org/drawingml/2006/main" xmlns:r="http://schemas.openxmlformats.org/officeDocument/2006/relationships" xmlns:p="http://schemas.openxmlformats.org/presentationml/2006/main">
+<file path=ppt/slides/slide24.xml><?xml version="1.0" encoding="utf-8"?>
+<p:sld xmlns:a="http://schemas.openxmlformats.org/drawingml/2006/main" xmlns:r="http://schemas.openxmlformats.org/officeDocument/2006/relationships" xmlns:p="http://schemas.openxmlformats.org/presentationml/2006/main" show="0">
   <p:cSld>
     <p:spTree>
       <p:nvGrpSpPr>
@@ -27490,11 +31912,14 @@
   <p:clrMapOvr>
     <a:masterClrMapping/>
   </p:clrMapOvr>
+  <p:transition spd="slow">
+    <p:wipe/>
+  </p:transition>
 </p:sld>
 </file>
 
-<file path=ppt/slides/slide21.xml><?xml version="1.0" encoding="utf-8"?>
-<p:sld xmlns:a="http://schemas.openxmlformats.org/drawingml/2006/main" xmlns:r="http://schemas.openxmlformats.org/officeDocument/2006/relationships" xmlns:p="http://schemas.openxmlformats.org/presentationml/2006/main">
+<file path=ppt/slides/slide25.xml><?xml version="1.0" encoding="utf-8"?>
+<p:sld xmlns:a="http://schemas.openxmlformats.org/drawingml/2006/main" xmlns:r="http://schemas.openxmlformats.org/officeDocument/2006/relationships" xmlns:p="http://schemas.openxmlformats.org/presentationml/2006/main" show="0">
   <p:cSld>
     <p:bg>
       <p:bgPr>
@@ -27659,11 +32084,14 @@
   <p:clrMapOvr>
     <a:masterClrMapping/>
   </p:clrMapOvr>
+  <p:transition spd="slow">
+    <p:wipe/>
+  </p:transition>
 </p:sld>
 </file>
 
-<file path=ppt/slides/slide22.xml><?xml version="1.0" encoding="utf-8"?>
-<p:sld xmlns:a="http://schemas.openxmlformats.org/drawingml/2006/main" xmlns:r="http://schemas.openxmlformats.org/officeDocument/2006/relationships" xmlns:p="http://schemas.openxmlformats.org/presentationml/2006/main">
+<file path=ppt/slides/slide26.xml><?xml version="1.0" encoding="utf-8"?>
+<p:sld xmlns:a="http://schemas.openxmlformats.org/drawingml/2006/main" xmlns:r="http://schemas.openxmlformats.org/officeDocument/2006/relationships" xmlns:p="http://schemas.openxmlformats.org/presentationml/2006/main" show="0">
   <p:cSld>
     <p:bg>
       <p:bgPr>
@@ -27810,11 +32238,14 @@
   <p:clrMapOvr>
     <a:masterClrMapping/>
   </p:clrMapOvr>
+  <p:transition spd="slow">
+    <p:wipe/>
+  </p:transition>
 </p:sld>
 </file>
 
-<file path=ppt/slides/slide23.xml><?xml version="1.0" encoding="utf-8"?>
-<p:sld xmlns:a="http://schemas.openxmlformats.org/drawingml/2006/main" xmlns:r="http://schemas.openxmlformats.org/officeDocument/2006/relationships" xmlns:p="http://schemas.openxmlformats.org/presentationml/2006/main">
+<file path=ppt/slides/slide27.xml><?xml version="1.0" encoding="utf-8"?>
+<p:sld xmlns:a="http://schemas.openxmlformats.org/drawingml/2006/main" xmlns:r="http://schemas.openxmlformats.org/officeDocument/2006/relationships" xmlns:p="http://schemas.openxmlformats.org/presentationml/2006/main" show="0">
   <p:cSld>
     <p:bg>
       <p:bgPr>
@@ -28964,11 +33395,14 @@
   <p:clrMapOvr>
     <a:masterClrMapping/>
   </p:clrMapOvr>
+  <p:transition spd="slow">
+    <p:wipe/>
+  </p:transition>
 </p:sld>
 </file>
 
-<file path=ppt/slides/slide24.xml><?xml version="1.0" encoding="utf-8"?>
-<p:sld xmlns:a="http://schemas.openxmlformats.org/drawingml/2006/main" xmlns:r="http://schemas.openxmlformats.org/officeDocument/2006/relationships" xmlns:p="http://schemas.openxmlformats.org/presentationml/2006/main">
+<file path=ppt/slides/slide28.xml><?xml version="1.0" encoding="utf-8"?>
+<p:sld xmlns:a="http://schemas.openxmlformats.org/drawingml/2006/main" xmlns:r="http://schemas.openxmlformats.org/officeDocument/2006/relationships" xmlns:p="http://schemas.openxmlformats.org/presentationml/2006/main" show="0">
   <p:cSld>
     <p:bg>
       <p:bgPr>
@@ -29115,11 +33549,14 @@
   <p:clrMapOvr>
     <a:masterClrMapping/>
   </p:clrMapOvr>
+  <p:transition spd="slow">
+    <p:wipe/>
+  </p:transition>
 </p:sld>
 </file>
 
-<file path=ppt/slides/slide25.xml><?xml version="1.0" encoding="utf-8"?>
-<p:sld xmlns:a="http://schemas.openxmlformats.org/drawingml/2006/main" xmlns:r="http://schemas.openxmlformats.org/officeDocument/2006/relationships" xmlns:p="http://schemas.openxmlformats.org/presentationml/2006/main">
+<file path=ppt/slides/slide29.xml><?xml version="1.0" encoding="utf-8"?>
+<p:sld xmlns:a="http://schemas.openxmlformats.org/drawingml/2006/main" xmlns:r="http://schemas.openxmlformats.org/officeDocument/2006/relationships" xmlns:p="http://schemas.openxmlformats.org/presentationml/2006/main" show="0">
   <p:cSld>
     <p:spTree>
       <p:nvGrpSpPr>
@@ -29401,6 +33838,9 @@
   <p:clrMapOvr>
     <a:masterClrMapping/>
   </p:clrMapOvr>
+  <p:transition spd="slow">
+    <p:wipe/>
+  </p:transition>
 </p:sld>
 </file>
 
@@ -29688,11 +34128,14 @@
   <p:clrMapOvr>
     <a:overrideClrMapping bg1="lt1" tx1="dk1" bg2="lt2" tx2="dk2" accent1="accent1" accent2="accent2" accent3="accent3" accent4="accent4" accent5="accent5" accent6="accent6" hlink="hlink" folHlink="folHlink"/>
   </p:clrMapOvr>
+  <p:transition spd="slow">
+    <p:wipe/>
+  </p:transition>
 </p:sld>
 </file>
 
 <file path=ppt/slides/slide4.xml><?xml version="1.0" encoding="utf-8"?>
-<p:sld xmlns:a="http://schemas.openxmlformats.org/drawingml/2006/main" xmlns:r="http://schemas.openxmlformats.org/officeDocument/2006/relationships" xmlns:p="http://schemas.openxmlformats.org/presentationml/2006/main">
+<p:sld xmlns:a="http://schemas.openxmlformats.org/drawingml/2006/main" xmlns:r="http://schemas.openxmlformats.org/officeDocument/2006/relationships" xmlns:p="http://schemas.openxmlformats.org/presentationml/2006/main" show="0">
   <p:cSld>
     <p:bg>
       <p:bgPr>
@@ -29729,7 +34172,7 @@
           <p:nvPr>
             <p:extLst>
               <p:ext uri="{D42A27DB-BD31-4B8C-83A1-F6EECF244321}">
-                <p14:modId xmlns:p14="http://schemas.microsoft.com/office/powerpoint/2010/main" val="3911254566"/>
+                <p14:modId xmlns:p14="http://schemas.microsoft.com/office/powerpoint/2010/main" val="480998287"/>
               </p:ext>
             </p:extLst>
           </p:nvPr>
@@ -30009,10 +34452,1934 @@
   <p:clrMapOvr>
     <a:masterClrMapping/>
   </p:clrMapOvr>
+  <p:transition spd="slow">
+    <p:wipe/>
+  </p:transition>
 </p:sld>
 </file>
 
 <file path=ppt/slides/slide5.xml><?xml version="1.0" encoding="utf-8"?>
+<p:sld xmlns:a="http://schemas.openxmlformats.org/drawingml/2006/main" xmlns:r="http://schemas.openxmlformats.org/officeDocument/2006/relationships" xmlns:p="http://schemas.openxmlformats.org/presentationml/2006/main">
+  <p:cSld>
+    <p:bg>
+      <p:bgPr>
+        <a:solidFill>
+          <a:srgbClr val="FCFCFE"/>
+        </a:solidFill>
+        <a:effectLst/>
+      </p:bgPr>
+    </p:bg>
+    <p:spTree>
+      <p:nvGrpSpPr>
+        <p:cNvPr id="1" name=""/>
+        <p:cNvGrpSpPr/>
+        <p:nvPr/>
+      </p:nvGrpSpPr>
+      <p:grpSpPr>
+        <a:xfrm>
+          <a:off x="0" y="0"/>
+          <a:ext cx="0" cy="0"/>
+          <a:chOff x="0" y="0"/>
+          <a:chExt cx="0" cy="0"/>
+        </a:xfrm>
+      </p:grpSpPr>
+      <p:graphicFrame>
+        <p:nvGraphicFramePr>
+          <p:cNvPr id="9" name="Table 8">
+            <a:extLst>
+              <a:ext uri="{FF2B5EF4-FFF2-40B4-BE49-F238E27FC236}">
+                <a16:creationId xmlns:a16="http://schemas.microsoft.com/office/drawing/2014/main" id="{17A645C2-08A7-151E-ED21-D354F6C48305}"/>
+              </a:ext>
+            </a:extLst>
+          </p:cNvPr>
+          <p:cNvGraphicFramePr>
+            <a:graphicFrameLocks/>
+          </p:cNvGraphicFramePr>
+          <p:nvPr>
+            <p:extLst>
+              <p:ext uri="{D42A27DB-BD31-4B8C-83A1-F6EECF244321}">
+                <p14:modId xmlns:p14="http://schemas.microsoft.com/office/powerpoint/2010/main" val="3958440638"/>
+              </p:ext>
+            </p:extLst>
+          </p:nvPr>
+        </p:nvGraphicFramePr>
+        <p:xfrm>
+          <a:off x="139700" y="647700"/>
+          <a:ext cx="3187700" cy="3136900"/>
+        </p:xfrm>
+        <a:graphic>
+          <a:graphicData uri="http://schemas.openxmlformats.org/drawingml/2006/table">
+            <a:tbl>
+              <a:tblPr firstRow="1" bandRow="1">
+                <a:tableStyleId>{5C22544A-7EE6-4342-B048-85BDC9FD1C3A}</a:tableStyleId>
+              </a:tblPr>
+              <a:tblGrid>
+                <a:gridCol w="3187700">
+                  <a:extLst>
+                    <a:ext uri="{9D8B030D-6E8A-4147-A177-3AD203B41FA5}">
+                      <a16:colId xmlns:a16="http://schemas.microsoft.com/office/drawing/2014/main" val="3473715089"/>
+                    </a:ext>
+                  </a:extLst>
+                </a:gridCol>
+              </a:tblGrid>
+              <a:tr h="463008">
+                <a:tc>
+                  <a:txBody>
+                    <a:bodyPr/>
+                    <a:lstStyle/>
+                    <a:p>
+                      <a:pPr algn="ctr"/>
+                      <a:r>
+                        <a:rPr lang="en-IN" dirty="0"/>
+                        <a:t>C# Source Code</a:t>
+                      </a:r>
+                    </a:p>
+                  </a:txBody>
+                  <a:tcPr anchor="ctr">
+                    <a:lnL w="12700" cap="flat" cmpd="sng" algn="ctr">
+                      <a:solidFill>
+                        <a:schemeClr val="tx1"/>
+                      </a:solidFill>
+                      <a:prstDash val="solid"/>
+                      <a:round/>
+                      <a:headEnd type="none" w="med" len="med"/>
+                      <a:tailEnd type="none" w="med" len="med"/>
+                    </a:lnL>
+                    <a:lnR w="12700" cap="flat" cmpd="sng" algn="ctr">
+                      <a:solidFill>
+                        <a:schemeClr val="tx1"/>
+                      </a:solidFill>
+                      <a:prstDash val="solid"/>
+                      <a:round/>
+                      <a:headEnd type="none" w="med" len="med"/>
+                      <a:tailEnd type="none" w="med" len="med"/>
+                    </a:lnR>
+                    <a:lnT w="12700" cap="flat" cmpd="sng" algn="ctr">
+                      <a:solidFill>
+                        <a:schemeClr val="tx1"/>
+                      </a:solidFill>
+                      <a:prstDash val="solid"/>
+                      <a:round/>
+                      <a:headEnd type="none" w="med" len="med"/>
+                      <a:tailEnd type="none" w="med" len="med"/>
+                    </a:lnT>
+                    <a:lnB w="12700" cap="flat" cmpd="sng" algn="ctr">
+                      <a:solidFill>
+                        <a:schemeClr val="tx1"/>
+                      </a:solidFill>
+                      <a:prstDash val="solid"/>
+                      <a:round/>
+                      <a:headEnd type="none" w="med" len="med"/>
+                      <a:tailEnd type="none" w="med" len="med"/>
+                    </a:lnB>
+                    <a:solidFill>
+                      <a:srgbClr val="512BD4"/>
+                    </a:solidFill>
+                  </a:tcPr>
+                </a:tc>
+                <a:extLst>
+                  <a:ext uri="{0D108BD9-81ED-4DB2-BD59-A6C34878D82A}">
+                    <a16:rowId xmlns:a16="http://schemas.microsoft.com/office/drawing/2014/main" val="1981056243"/>
+                  </a:ext>
+                </a:extLst>
+              </a:tr>
+              <a:tr h="2673892">
+                <a:tc>
+                  <a:txBody>
+                    <a:bodyPr/>
+                    <a:lstStyle/>
+                    <a:p>
+                      <a:endParaRPr lang="en-IN" dirty="0"/>
+                    </a:p>
+                  </a:txBody>
+                  <a:tcPr>
+                    <a:lnL w="12700" cap="flat" cmpd="sng" algn="ctr">
+                      <a:solidFill>
+                        <a:schemeClr val="tx1"/>
+                      </a:solidFill>
+                      <a:prstDash val="solid"/>
+                      <a:round/>
+                      <a:headEnd type="none" w="med" len="med"/>
+                      <a:tailEnd type="none" w="med" len="med"/>
+                    </a:lnL>
+                    <a:lnR w="12700" cap="flat" cmpd="sng" algn="ctr">
+                      <a:solidFill>
+                        <a:schemeClr val="tx1"/>
+                      </a:solidFill>
+                      <a:prstDash val="solid"/>
+                      <a:round/>
+                      <a:headEnd type="none" w="med" len="med"/>
+                      <a:tailEnd type="none" w="med" len="med"/>
+                    </a:lnR>
+                    <a:lnT w="12700" cap="flat" cmpd="sng" algn="ctr">
+                      <a:solidFill>
+                        <a:schemeClr val="tx1"/>
+                      </a:solidFill>
+                      <a:prstDash val="solid"/>
+                      <a:round/>
+                      <a:headEnd type="none" w="med" len="med"/>
+                      <a:tailEnd type="none" w="med" len="med"/>
+                    </a:lnT>
+                    <a:lnB w="12700" cap="flat" cmpd="sng" algn="ctr">
+                      <a:solidFill>
+                        <a:schemeClr val="tx1"/>
+                      </a:solidFill>
+                      <a:prstDash val="solid"/>
+                      <a:round/>
+                      <a:headEnd type="none" w="med" len="med"/>
+                      <a:tailEnd type="none" w="med" len="med"/>
+                    </a:lnB>
+                    <a:solidFill>
+                      <a:schemeClr val="bg1"/>
+                    </a:solidFill>
+                  </a:tcPr>
+                </a:tc>
+                <a:extLst>
+                  <a:ext uri="{0D108BD9-81ED-4DB2-BD59-A6C34878D82A}">
+                    <a16:rowId xmlns:a16="http://schemas.microsoft.com/office/drawing/2014/main" val="1348666488"/>
+                  </a:ext>
+                </a:extLst>
+              </a:tr>
+            </a:tbl>
+          </a:graphicData>
+        </a:graphic>
+      </p:graphicFrame>
+      <p:pic>
+        <p:nvPicPr>
+          <p:cNvPr id="13" name="Picture 12" descr="A screenshot of a computer program&#10;&#10;Description automatically generated">
+            <a:extLst>
+              <a:ext uri="{FF2B5EF4-FFF2-40B4-BE49-F238E27FC236}">
+                <a16:creationId xmlns:a16="http://schemas.microsoft.com/office/drawing/2014/main" id="{98D0260D-83B4-0CAA-020A-36C7D49E7BCF}"/>
+              </a:ext>
+            </a:extLst>
+          </p:cNvPr>
+          <p:cNvPicPr>
+            <a:picLocks noGrp="1" noRot="1" noChangeAspect="1" noMove="1" noResize="1" noEditPoints="1" noAdjustHandles="1" noChangeArrowheads="1" noChangeShapeType="1" noCrop="1"/>
+          </p:cNvPicPr>
+          <p:nvPr/>
+        </p:nvPicPr>
+        <p:blipFill>
+          <a:blip r:embed="rId2">
+            <a:extLst>
+              <a:ext uri="{28A0092B-C50C-407E-A947-70E740481C1C}">
+                <a14:useLocalDpi xmlns:a14="http://schemas.microsoft.com/office/drawing/2010/main" val="0"/>
+              </a:ext>
+            </a:extLst>
+          </a:blip>
+          <a:stretch>
+            <a:fillRect/>
+          </a:stretch>
+        </p:blipFill>
+        <p:spPr>
+          <a:xfrm>
+            <a:off x="254000" y="1196219"/>
+            <a:ext cx="2962688" cy="2438740"/>
+          </a:xfrm>
+          <a:prstGeom prst="rect">
+            <a:avLst/>
+          </a:prstGeom>
+        </p:spPr>
+      </p:pic>
+      <p:grpSp>
+        <p:nvGrpSpPr>
+          <p:cNvPr id="15" name="Group 14">
+            <a:extLst>
+              <a:ext uri="{FF2B5EF4-FFF2-40B4-BE49-F238E27FC236}">
+                <a16:creationId xmlns:a16="http://schemas.microsoft.com/office/drawing/2014/main" id="{690E1F8A-0028-0DBA-9C30-419323930536}"/>
+              </a:ext>
+            </a:extLst>
+          </p:cNvPr>
+          <p:cNvGrpSpPr/>
+          <p:nvPr/>
+        </p:nvGrpSpPr>
+        <p:grpSpPr>
+          <a:xfrm>
+            <a:off x="3441700" y="2014160"/>
+            <a:ext cx="738295" cy="445555"/>
+            <a:chOff x="1917970" y="2446094"/>
+            <a:chExt cx="738295" cy="445555"/>
+          </a:xfrm>
+        </p:grpSpPr>
+        <p:sp>
+          <p:nvSpPr>
+            <p:cNvPr id="19" name="Arrow: Right 18">
+              <a:extLst>
+                <a:ext uri="{FF2B5EF4-FFF2-40B4-BE49-F238E27FC236}">
+                  <a16:creationId xmlns:a16="http://schemas.microsoft.com/office/drawing/2014/main" id="{B022C1A9-22EC-42AE-30AD-541F09D97165}"/>
+                </a:ext>
+              </a:extLst>
+            </p:cNvPr>
+            <p:cNvSpPr/>
+            <p:nvPr/>
+          </p:nvSpPr>
+          <p:spPr>
+            <a:xfrm rot="21575337">
+              <a:off x="1917970" y="2446094"/>
+              <a:ext cx="738295" cy="445555"/>
+            </a:xfrm>
+            <a:prstGeom prst="rightArrow">
+              <a:avLst>
+                <a:gd name="adj1" fmla="val 60000"/>
+                <a:gd name="adj2" fmla="val 50000"/>
+              </a:avLst>
+            </a:prstGeom>
+            <a:solidFill>
+              <a:srgbClr val="512BD4"/>
+            </a:solidFill>
+            <a:ln w="12700" cap="flat" cmpd="sng" algn="ctr">
+              <a:solidFill>
+                <a:srgbClr val="512BD4"/>
+              </a:solidFill>
+              <a:prstDash val="solid"/>
+              <a:miter lim="800000"/>
+            </a:ln>
+            <a:effectLst/>
+          </p:spPr>
+          <p:style>
+            <a:lnRef idx="2">
+              <a:schemeClr val="accent1">
+                <a:shade val="15000"/>
+              </a:schemeClr>
+            </a:lnRef>
+            <a:fillRef idx="1">
+              <a:schemeClr val="accent1"/>
+            </a:fillRef>
+            <a:effectRef idx="0">
+              <a:schemeClr val="accent1"/>
+            </a:effectRef>
+            <a:fontRef idx="minor">
+              <a:schemeClr val="lt1"/>
+            </a:fontRef>
+          </p:style>
+          <p:txBody>
+            <a:bodyPr/>
+            <a:lstStyle/>
+            <a:p>
+              <a:endParaRPr lang="en-IN"/>
+            </a:p>
+          </p:txBody>
+        </p:sp>
+        <p:sp>
+          <p:nvSpPr>
+            <p:cNvPr id="20" name="Arrow: Right 4">
+              <a:extLst>
+                <a:ext uri="{FF2B5EF4-FFF2-40B4-BE49-F238E27FC236}">
+                  <a16:creationId xmlns:a16="http://schemas.microsoft.com/office/drawing/2014/main" id="{A5C71A05-BC03-B896-02D7-62A2F56D0BBE}"/>
+                </a:ext>
+              </a:extLst>
+            </p:cNvPr>
+            <p:cNvSpPr txBox="1"/>
+            <p:nvPr/>
+          </p:nvSpPr>
+          <p:spPr>
+            <a:xfrm rot="21575337">
+              <a:off x="1917972" y="2535684"/>
+              <a:ext cx="604629" cy="267333"/>
+            </a:xfrm>
+            <a:prstGeom prst="rect">
+              <a:avLst/>
+            </a:prstGeom>
+          </p:spPr>
+          <p:style>
+            <a:lnRef idx="0">
+              <a:scrgbClr r="0" g="0" b="0"/>
+            </a:lnRef>
+            <a:fillRef idx="0">
+              <a:scrgbClr r="0" g="0" b="0"/>
+            </a:fillRef>
+            <a:effectRef idx="0">
+              <a:scrgbClr r="0" g="0" b="0"/>
+            </a:effectRef>
+            <a:fontRef idx="minor">
+              <a:schemeClr val="lt1"/>
+            </a:fontRef>
+          </p:style>
+          <p:txBody>
+            <a:bodyPr spcFirstLastPara="0" vert="horz" wrap="square" lIns="45720" tIns="45720" rIns="45720" bIns="45720" numCol="1" spcCol="1270" rtlCol="0" anchor="ctr" anchorCtr="0">
+              <a:noAutofit/>
+            </a:bodyPr>
+            <a:lstStyle/>
+            <a:p>
+              <a:pPr marL="285750" lvl="0" indent="-285750" algn="l" defTabSz="914400" rtl="0" eaLnBrk="1" latinLnBrk="0" hangingPunct="1">
+                <a:lnSpc>
+                  <a:spcPct val="90000"/>
+                </a:lnSpc>
+                <a:spcBef>
+                  <a:spcPct val="0"/>
+                </a:spcBef>
+                <a:spcAft>
+                  <a:spcPct val="35000"/>
+                </a:spcAft>
+                <a:buFont typeface="Arial" panose="020B0604020202020204" pitchFamily="34" charset="0"/>
+                <a:buNone/>
+              </a:pPr>
+              <a:endParaRPr lang="en-IN" sz="1800" b="1" kern="1200" dirty="0">
+                <a:solidFill>
+                  <a:schemeClr val="bg1"/>
+                </a:solidFill>
+                <a:highlight>
+                  <a:srgbClr val="512BD4"/>
+                </a:highlight>
+                <a:latin typeface="+mn-lt"/>
+                <a:ea typeface="+mn-ea"/>
+                <a:cs typeface="+mn-cs"/>
+              </a:endParaRPr>
+            </a:p>
+          </p:txBody>
+        </p:sp>
+      </p:grpSp>
+      <p:grpSp>
+        <p:nvGrpSpPr>
+          <p:cNvPr id="16" name="Group 15">
+            <a:extLst>
+              <a:ext uri="{FF2B5EF4-FFF2-40B4-BE49-F238E27FC236}">
+                <a16:creationId xmlns:a16="http://schemas.microsoft.com/office/drawing/2014/main" id="{16918F18-E6BD-03FB-E371-783D00B83453}"/>
+              </a:ext>
+            </a:extLst>
+          </p:cNvPr>
+          <p:cNvGrpSpPr/>
+          <p:nvPr/>
+        </p:nvGrpSpPr>
+        <p:grpSpPr>
+          <a:xfrm>
+            <a:off x="4280965" y="1388169"/>
+            <a:ext cx="1509605" cy="1697535"/>
+            <a:chOff x="2828768" y="2049099"/>
+            <a:chExt cx="1361591" cy="1083669"/>
+          </a:xfrm>
+        </p:grpSpPr>
+        <p:sp>
+          <p:nvSpPr>
+            <p:cNvPr id="17" name="Rectangle: Rounded Corners 16">
+              <a:extLst>
+                <a:ext uri="{FF2B5EF4-FFF2-40B4-BE49-F238E27FC236}">
+                  <a16:creationId xmlns:a16="http://schemas.microsoft.com/office/drawing/2014/main" id="{4D69EF9A-A667-DFB2-8690-E766101E5EBD}"/>
+                </a:ext>
+              </a:extLst>
+            </p:cNvPr>
+            <p:cNvSpPr/>
+            <p:nvPr/>
+          </p:nvSpPr>
+          <p:spPr>
+            <a:xfrm>
+              <a:off x="2828768" y="2049099"/>
+              <a:ext cx="1361591" cy="1083669"/>
+            </a:xfrm>
+            <a:prstGeom prst="roundRect">
+              <a:avLst>
+                <a:gd name="adj" fmla="val 10000"/>
+              </a:avLst>
+            </a:prstGeom>
+            <a:solidFill>
+              <a:srgbClr val="512BD4"/>
+            </a:solidFill>
+            <a:ln w="12700" cap="flat" cmpd="sng" algn="ctr">
+              <a:solidFill>
+                <a:srgbClr val="512BD4"/>
+              </a:solidFill>
+              <a:prstDash val="solid"/>
+              <a:miter lim="800000"/>
+            </a:ln>
+            <a:effectLst/>
+          </p:spPr>
+          <p:style>
+            <a:lnRef idx="2">
+              <a:schemeClr val="accent1">
+                <a:shade val="15000"/>
+              </a:schemeClr>
+            </a:lnRef>
+            <a:fillRef idx="1">
+              <a:schemeClr val="accent1"/>
+            </a:fillRef>
+            <a:effectRef idx="0">
+              <a:schemeClr val="accent1"/>
+            </a:effectRef>
+            <a:fontRef idx="minor">
+              <a:schemeClr val="lt1"/>
+            </a:fontRef>
+          </p:style>
+          <p:txBody>
+            <a:bodyPr/>
+            <a:lstStyle/>
+            <a:p>
+              <a:endParaRPr lang="en-IN"/>
+            </a:p>
+          </p:txBody>
+        </p:sp>
+        <p:sp>
+          <p:nvSpPr>
+            <p:cNvPr id="18" name="Rectangle: Rounded Corners 6">
+              <a:extLst>
+                <a:ext uri="{FF2B5EF4-FFF2-40B4-BE49-F238E27FC236}">
+                  <a16:creationId xmlns:a16="http://schemas.microsoft.com/office/drawing/2014/main" id="{699AB537-F8E2-C6C4-4E6B-A3F859771E09}"/>
+                </a:ext>
+              </a:extLst>
+            </p:cNvPr>
+            <p:cNvSpPr txBox="1"/>
+            <p:nvPr/>
+          </p:nvSpPr>
+          <p:spPr>
+            <a:xfrm>
+              <a:off x="2860508" y="2080839"/>
+              <a:ext cx="1298111" cy="1020189"/>
+            </a:xfrm>
+            <a:prstGeom prst="rect">
+              <a:avLst/>
+            </a:prstGeom>
+          </p:spPr>
+          <p:style>
+            <a:lnRef idx="0">
+              <a:scrgbClr r="0" g="0" b="0"/>
+            </a:lnRef>
+            <a:fillRef idx="0">
+              <a:scrgbClr r="0" g="0" b="0"/>
+            </a:fillRef>
+            <a:effectRef idx="0">
+              <a:scrgbClr r="0" g="0" b="0"/>
+            </a:effectRef>
+            <a:fontRef idx="minor">
+              <a:schemeClr val="lt1"/>
+            </a:fontRef>
+          </p:style>
+          <p:txBody>
+            <a:bodyPr spcFirstLastPara="0" vert="horz" wrap="square" lIns="45720" tIns="45720" rIns="45720" bIns="45720" numCol="1" spcCol="1270" rtlCol="0" anchor="ctr" anchorCtr="0">
+              <a:noAutofit/>
+            </a:bodyPr>
+            <a:lstStyle/>
+            <a:p>
+              <a:pPr marL="285750" lvl="0" indent="-285750" algn="ctr" defTabSz="914400" rtl="0" eaLnBrk="1" latinLnBrk="0" hangingPunct="1">
+                <a:lnSpc>
+                  <a:spcPct val="90000"/>
+                </a:lnSpc>
+                <a:spcBef>
+                  <a:spcPct val="0"/>
+                </a:spcBef>
+                <a:spcAft>
+                  <a:spcPct val="35000"/>
+                </a:spcAft>
+                <a:buFont typeface="Arial" panose="020B0604020202020204" pitchFamily="34" charset="0"/>
+                <a:buNone/>
+              </a:pPr>
+              <a:r>
+                <a:rPr lang="en-IN" sz="1800" b="1" kern="1200" dirty="0">
+                  <a:solidFill>
+                    <a:prstClr val="white"/>
+                  </a:solidFill>
+                  <a:highlight>
+                    <a:srgbClr val="512BD4"/>
+                  </a:highlight>
+                  <a:latin typeface="Calibri" panose="020F0502020204030204"/>
+                  <a:ea typeface="+mn-ea"/>
+                  <a:cs typeface="+mn-cs"/>
+                </a:rPr>
+                <a:t>C# Compiler</a:t>
+              </a:r>
+            </a:p>
+            <a:p>
+              <a:pPr marL="285750" lvl="0" indent="-285750" algn="ctr" defTabSz="914400" rtl="0" eaLnBrk="1" latinLnBrk="0" hangingPunct="1">
+                <a:lnSpc>
+                  <a:spcPct val="90000"/>
+                </a:lnSpc>
+                <a:spcBef>
+                  <a:spcPct val="0"/>
+                </a:spcBef>
+                <a:spcAft>
+                  <a:spcPct val="35000"/>
+                </a:spcAft>
+                <a:buFont typeface="Arial" panose="020B0604020202020204" pitchFamily="34" charset="0"/>
+                <a:buNone/>
+              </a:pPr>
+              <a:r>
+                <a:rPr lang="en-IN" b="1" dirty="0">
+                  <a:solidFill>
+                    <a:prstClr val="white"/>
+                  </a:solidFill>
+                  <a:highlight>
+                    <a:srgbClr val="512BD4"/>
+                  </a:highlight>
+                  <a:latin typeface="Calibri" panose="020F0502020204030204"/>
+                </a:rPr>
+                <a:t>(Roslyn)</a:t>
+              </a:r>
+              <a:endParaRPr lang="en-IN" sz="1800" b="1" kern="1200" dirty="0">
+                <a:solidFill>
+                  <a:prstClr val="white"/>
+                </a:solidFill>
+                <a:highlight>
+                  <a:srgbClr val="512BD4"/>
+                </a:highlight>
+                <a:latin typeface="Calibri" panose="020F0502020204030204"/>
+                <a:ea typeface="+mn-ea"/>
+                <a:cs typeface="+mn-cs"/>
+              </a:endParaRPr>
+            </a:p>
+          </p:txBody>
+        </p:sp>
+      </p:grpSp>
+      <p:grpSp>
+        <p:nvGrpSpPr>
+          <p:cNvPr id="21" name="Group 20">
+            <a:extLst>
+              <a:ext uri="{FF2B5EF4-FFF2-40B4-BE49-F238E27FC236}">
+                <a16:creationId xmlns:a16="http://schemas.microsoft.com/office/drawing/2014/main" id="{305BB10D-AFBA-A3FB-C006-BC350EBB9FB4}"/>
+              </a:ext>
+            </a:extLst>
+          </p:cNvPr>
+          <p:cNvGrpSpPr/>
+          <p:nvPr/>
+        </p:nvGrpSpPr>
+        <p:grpSpPr>
+          <a:xfrm>
+            <a:off x="5889951" y="2026806"/>
+            <a:ext cx="738295" cy="445555"/>
+            <a:chOff x="1917970" y="2446094"/>
+            <a:chExt cx="738295" cy="445555"/>
+          </a:xfrm>
+        </p:grpSpPr>
+        <p:sp>
+          <p:nvSpPr>
+            <p:cNvPr id="22" name="Arrow: Right 21">
+              <a:extLst>
+                <a:ext uri="{FF2B5EF4-FFF2-40B4-BE49-F238E27FC236}">
+                  <a16:creationId xmlns:a16="http://schemas.microsoft.com/office/drawing/2014/main" id="{17F574C2-51A5-AF79-621C-CA131F5F35EB}"/>
+                </a:ext>
+              </a:extLst>
+            </p:cNvPr>
+            <p:cNvSpPr/>
+            <p:nvPr/>
+          </p:nvSpPr>
+          <p:spPr>
+            <a:xfrm rot="21575337">
+              <a:off x="1917970" y="2446094"/>
+              <a:ext cx="738295" cy="445555"/>
+            </a:xfrm>
+            <a:prstGeom prst="rightArrow">
+              <a:avLst>
+                <a:gd name="adj1" fmla="val 60000"/>
+                <a:gd name="adj2" fmla="val 50000"/>
+              </a:avLst>
+            </a:prstGeom>
+            <a:solidFill>
+              <a:srgbClr val="512BD4"/>
+            </a:solidFill>
+            <a:ln w="12700" cap="flat" cmpd="sng" algn="ctr">
+              <a:solidFill>
+                <a:srgbClr val="512BD4"/>
+              </a:solidFill>
+              <a:prstDash val="solid"/>
+              <a:miter lim="800000"/>
+            </a:ln>
+            <a:effectLst/>
+          </p:spPr>
+          <p:style>
+            <a:lnRef idx="2">
+              <a:schemeClr val="accent1">
+                <a:shade val="15000"/>
+              </a:schemeClr>
+            </a:lnRef>
+            <a:fillRef idx="1">
+              <a:schemeClr val="accent1"/>
+            </a:fillRef>
+            <a:effectRef idx="0">
+              <a:schemeClr val="accent1"/>
+            </a:effectRef>
+            <a:fontRef idx="minor">
+              <a:schemeClr val="lt1"/>
+            </a:fontRef>
+          </p:style>
+          <p:txBody>
+            <a:bodyPr/>
+            <a:lstStyle/>
+            <a:p>
+              <a:endParaRPr lang="en-IN"/>
+            </a:p>
+          </p:txBody>
+        </p:sp>
+        <p:sp>
+          <p:nvSpPr>
+            <p:cNvPr id="23" name="Arrow: Right 4">
+              <a:extLst>
+                <a:ext uri="{FF2B5EF4-FFF2-40B4-BE49-F238E27FC236}">
+                  <a16:creationId xmlns:a16="http://schemas.microsoft.com/office/drawing/2014/main" id="{C9ACD5E1-2FDD-FF98-D515-3B66A8A3BA40}"/>
+                </a:ext>
+              </a:extLst>
+            </p:cNvPr>
+            <p:cNvSpPr txBox="1"/>
+            <p:nvPr/>
+          </p:nvSpPr>
+          <p:spPr>
+            <a:xfrm rot="21575337">
+              <a:off x="1917972" y="2535684"/>
+              <a:ext cx="604629" cy="267333"/>
+            </a:xfrm>
+            <a:prstGeom prst="rect">
+              <a:avLst/>
+            </a:prstGeom>
+          </p:spPr>
+          <p:style>
+            <a:lnRef idx="0">
+              <a:scrgbClr r="0" g="0" b="0"/>
+            </a:lnRef>
+            <a:fillRef idx="0">
+              <a:scrgbClr r="0" g="0" b="0"/>
+            </a:fillRef>
+            <a:effectRef idx="0">
+              <a:scrgbClr r="0" g="0" b="0"/>
+            </a:effectRef>
+            <a:fontRef idx="minor">
+              <a:schemeClr val="lt1"/>
+            </a:fontRef>
+          </p:style>
+          <p:txBody>
+            <a:bodyPr spcFirstLastPara="0" vert="horz" wrap="square" lIns="45720" tIns="45720" rIns="45720" bIns="45720" numCol="1" spcCol="1270" rtlCol="0" anchor="ctr" anchorCtr="0">
+              <a:noAutofit/>
+            </a:bodyPr>
+            <a:lstStyle/>
+            <a:p>
+              <a:pPr marL="285750" lvl="0" indent="-285750" algn="l" defTabSz="914400" rtl="0" eaLnBrk="1" latinLnBrk="0" hangingPunct="1">
+                <a:lnSpc>
+                  <a:spcPct val="90000"/>
+                </a:lnSpc>
+                <a:spcBef>
+                  <a:spcPct val="0"/>
+                </a:spcBef>
+                <a:spcAft>
+                  <a:spcPct val="35000"/>
+                </a:spcAft>
+                <a:buFont typeface="Arial" panose="020B0604020202020204" pitchFamily="34" charset="0"/>
+                <a:buNone/>
+              </a:pPr>
+              <a:endParaRPr lang="en-IN" sz="1800" b="1" kern="1200" dirty="0">
+                <a:solidFill>
+                  <a:schemeClr val="bg1"/>
+                </a:solidFill>
+                <a:highlight>
+                  <a:srgbClr val="512BD4"/>
+                </a:highlight>
+                <a:latin typeface="+mn-lt"/>
+                <a:ea typeface="+mn-ea"/>
+                <a:cs typeface="+mn-cs"/>
+              </a:endParaRPr>
+            </a:p>
+          </p:txBody>
+        </p:sp>
+      </p:grpSp>
+      <p:sp>
+        <p:nvSpPr>
+          <p:cNvPr id="24" name="TextBox 23">
+            <a:extLst>
+              <a:ext uri="{FF2B5EF4-FFF2-40B4-BE49-F238E27FC236}">
+                <a16:creationId xmlns:a16="http://schemas.microsoft.com/office/drawing/2014/main" id="{32A393A8-1416-2FD4-2B3C-35861FD1DEC7}"/>
+              </a:ext>
+            </a:extLst>
+          </p:cNvPr>
+          <p:cNvSpPr txBox="1"/>
+          <p:nvPr/>
+        </p:nvSpPr>
+        <p:spPr>
+          <a:xfrm>
+            <a:off x="533400" y="3814146"/>
+            <a:ext cx="1888722" cy="400110"/>
+          </a:xfrm>
+          <a:prstGeom prst="rect">
+            <a:avLst/>
+          </a:prstGeom>
+          <a:noFill/>
+        </p:spPr>
+        <p:txBody>
+          <a:bodyPr wrap="none" rtlCol="0">
+            <a:spAutoFit/>
+          </a:bodyPr>
+          <a:lstStyle/>
+          <a:p>
+            <a:r>
+              <a:rPr lang="en-IN" sz="1600" b="1" dirty="0">
+                <a:solidFill>
+                  <a:srgbClr val="512BD4"/>
+                </a:solidFill>
+              </a:rPr>
+              <a:t>Console</a:t>
+            </a:r>
+            <a:r>
+              <a:rPr lang="en-IN" sz="2000" b="1" dirty="0">
+                <a:solidFill>
+                  <a:srgbClr val="512BD4"/>
+                </a:solidFill>
+              </a:rPr>
+              <a:t> </a:t>
+            </a:r>
+            <a:r>
+              <a:rPr lang="en-IN" sz="1600" b="1" dirty="0">
+                <a:solidFill>
+                  <a:srgbClr val="512BD4"/>
+                </a:solidFill>
+              </a:rPr>
+              <a:t>Application</a:t>
+            </a:r>
+            <a:endParaRPr lang="en-IN" sz="2000" b="1" dirty="0">
+              <a:solidFill>
+                <a:srgbClr val="512BD4"/>
+              </a:solidFill>
+            </a:endParaRPr>
+          </a:p>
+        </p:txBody>
+      </p:sp>
+      <p:sp>
+        <p:nvSpPr>
+          <p:cNvPr id="26" name="Rectangle: Single Corner Snipped 25">
+            <a:extLst>
+              <a:ext uri="{FF2B5EF4-FFF2-40B4-BE49-F238E27FC236}">
+                <a16:creationId xmlns:a16="http://schemas.microsoft.com/office/drawing/2014/main" id="{421D5E5B-0059-548D-1C3B-6A7020F0083A}"/>
+              </a:ext>
+            </a:extLst>
+          </p:cNvPr>
+          <p:cNvSpPr/>
+          <p:nvPr/>
+        </p:nvSpPr>
+        <p:spPr>
+          <a:xfrm>
+            <a:off x="6706378" y="1437889"/>
+            <a:ext cx="1463169" cy="1598095"/>
+          </a:xfrm>
+          <a:prstGeom prst="snip1Rect">
+            <a:avLst/>
+          </a:prstGeom>
+          <a:solidFill>
+            <a:srgbClr val="512BD4"/>
+          </a:solidFill>
+          <a:ln>
+            <a:solidFill>
+              <a:srgbClr val="512BD4"/>
+            </a:solidFill>
+          </a:ln>
+        </p:spPr>
+        <p:style>
+          <a:lnRef idx="2">
+            <a:schemeClr val="accent1"/>
+          </a:lnRef>
+          <a:fillRef idx="1">
+            <a:schemeClr val="lt1"/>
+          </a:fillRef>
+          <a:effectRef idx="0">
+            <a:schemeClr val="accent1"/>
+          </a:effectRef>
+          <a:fontRef idx="minor">
+            <a:schemeClr val="dk1"/>
+          </a:fontRef>
+        </p:style>
+        <p:txBody>
+          <a:bodyPr rtlCol="0" anchor="ctr"/>
+          <a:lstStyle/>
+          <a:p>
+            <a:pPr algn="ctr"/>
+            <a:r>
+              <a:rPr lang="en-IN" b="1" dirty="0">
+                <a:solidFill>
+                  <a:schemeClr val="bg1"/>
+                </a:solidFill>
+              </a:rPr>
+              <a:t>MSIL Code</a:t>
+            </a:r>
+          </a:p>
+          <a:p>
+            <a:pPr algn="ctr"/>
+            <a:r>
+              <a:rPr lang="en-IN" b="1" dirty="0">
+                <a:solidFill>
+                  <a:schemeClr val="bg1"/>
+                </a:solidFill>
+              </a:rPr>
+              <a:t>(.</a:t>
+            </a:r>
+            <a:r>
+              <a:rPr lang="en-IN" b="1" dirty="0" err="1">
+                <a:solidFill>
+                  <a:schemeClr val="bg1"/>
+                </a:solidFill>
+              </a:rPr>
+              <a:t>dll</a:t>
+            </a:r>
+            <a:r>
+              <a:rPr lang="en-IN" b="1" dirty="0">
+                <a:solidFill>
+                  <a:schemeClr val="bg1"/>
+                </a:solidFill>
+              </a:rPr>
+              <a:t> or .exe)</a:t>
+            </a:r>
+          </a:p>
+        </p:txBody>
+      </p:sp>
+      <p:grpSp>
+        <p:nvGrpSpPr>
+          <p:cNvPr id="29" name="Group 28">
+            <a:extLst>
+              <a:ext uri="{FF2B5EF4-FFF2-40B4-BE49-F238E27FC236}">
+                <a16:creationId xmlns:a16="http://schemas.microsoft.com/office/drawing/2014/main" id="{A5597A11-09F8-5D9C-0D26-321907815A13}"/>
+              </a:ext>
+            </a:extLst>
+          </p:cNvPr>
+          <p:cNvGrpSpPr/>
+          <p:nvPr/>
+        </p:nvGrpSpPr>
+        <p:grpSpPr>
+          <a:xfrm>
+            <a:off x="8284553" y="2029449"/>
+            <a:ext cx="738295" cy="445555"/>
+            <a:chOff x="1917970" y="2446094"/>
+            <a:chExt cx="738295" cy="445555"/>
+          </a:xfrm>
+        </p:grpSpPr>
+        <p:sp>
+          <p:nvSpPr>
+            <p:cNvPr id="30" name="Arrow: Right 29">
+              <a:extLst>
+                <a:ext uri="{FF2B5EF4-FFF2-40B4-BE49-F238E27FC236}">
+                  <a16:creationId xmlns:a16="http://schemas.microsoft.com/office/drawing/2014/main" id="{5F583204-607D-22C2-6C0C-C5D29C804DA3}"/>
+                </a:ext>
+              </a:extLst>
+            </p:cNvPr>
+            <p:cNvSpPr/>
+            <p:nvPr/>
+          </p:nvSpPr>
+          <p:spPr>
+            <a:xfrm rot="21575337">
+              <a:off x="1917970" y="2446094"/>
+              <a:ext cx="738295" cy="445555"/>
+            </a:xfrm>
+            <a:prstGeom prst="rightArrow">
+              <a:avLst>
+                <a:gd name="adj1" fmla="val 60000"/>
+                <a:gd name="adj2" fmla="val 50000"/>
+              </a:avLst>
+            </a:prstGeom>
+            <a:solidFill>
+              <a:srgbClr val="512BD4"/>
+            </a:solidFill>
+            <a:ln w="12700" cap="flat" cmpd="sng" algn="ctr">
+              <a:solidFill>
+                <a:srgbClr val="512BD4"/>
+              </a:solidFill>
+              <a:prstDash val="solid"/>
+              <a:miter lim="800000"/>
+            </a:ln>
+            <a:effectLst/>
+          </p:spPr>
+          <p:style>
+            <a:lnRef idx="2">
+              <a:schemeClr val="accent1">
+                <a:shade val="15000"/>
+              </a:schemeClr>
+            </a:lnRef>
+            <a:fillRef idx="1">
+              <a:schemeClr val="accent1"/>
+            </a:fillRef>
+            <a:effectRef idx="0">
+              <a:schemeClr val="accent1"/>
+            </a:effectRef>
+            <a:fontRef idx="minor">
+              <a:schemeClr val="lt1"/>
+            </a:fontRef>
+          </p:style>
+          <p:txBody>
+            <a:bodyPr/>
+            <a:lstStyle/>
+            <a:p>
+              <a:endParaRPr lang="en-IN"/>
+            </a:p>
+          </p:txBody>
+        </p:sp>
+        <p:sp>
+          <p:nvSpPr>
+            <p:cNvPr id="31" name="Arrow: Right 4">
+              <a:extLst>
+                <a:ext uri="{FF2B5EF4-FFF2-40B4-BE49-F238E27FC236}">
+                  <a16:creationId xmlns:a16="http://schemas.microsoft.com/office/drawing/2014/main" id="{D039DEE5-96BB-362B-4D45-15918934C840}"/>
+                </a:ext>
+              </a:extLst>
+            </p:cNvPr>
+            <p:cNvSpPr txBox="1"/>
+            <p:nvPr/>
+          </p:nvSpPr>
+          <p:spPr>
+            <a:xfrm rot="21575337">
+              <a:off x="1917972" y="2535684"/>
+              <a:ext cx="604629" cy="267333"/>
+            </a:xfrm>
+            <a:prstGeom prst="rect">
+              <a:avLst/>
+            </a:prstGeom>
+          </p:spPr>
+          <p:style>
+            <a:lnRef idx="0">
+              <a:scrgbClr r="0" g="0" b="0"/>
+            </a:lnRef>
+            <a:fillRef idx="0">
+              <a:scrgbClr r="0" g="0" b="0"/>
+            </a:fillRef>
+            <a:effectRef idx="0">
+              <a:scrgbClr r="0" g="0" b="0"/>
+            </a:effectRef>
+            <a:fontRef idx="minor">
+              <a:schemeClr val="lt1"/>
+            </a:fontRef>
+          </p:style>
+          <p:txBody>
+            <a:bodyPr spcFirstLastPara="0" vert="horz" wrap="square" lIns="45720" tIns="45720" rIns="45720" bIns="45720" numCol="1" spcCol="1270" rtlCol="0" anchor="ctr" anchorCtr="0">
+              <a:noAutofit/>
+            </a:bodyPr>
+            <a:lstStyle/>
+            <a:p>
+              <a:pPr marL="285750" lvl="0" indent="-285750" algn="l" defTabSz="914400" rtl="0" eaLnBrk="1" latinLnBrk="0" hangingPunct="1">
+                <a:lnSpc>
+                  <a:spcPct val="90000"/>
+                </a:lnSpc>
+                <a:spcBef>
+                  <a:spcPct val="0"/>
+                </a:spcBef>
+                <a:spcAft>
+                  <a:spcPct val="35000"/>
+                </a:spcAft>
+                <a:buFont typeface="Arial" panose="020B0604020202020204" pitchFamily="34" charset="0"/>
+                <a:buNone/>
+              </a:pPr>
+              <a:endParaRPr lang="en-IN" sz="1800" b="1" kern="1200" dirty="0">
+                <a:solidFill>
+                  <a:schemeClr val="bg1"/>
+                </a:solidFill>
+                <a:highlight>
+                  <a:srgbClr val="512BD4"/>
+                </a:highlight>
+                <a:latin typeface="+mn-lt"/>
+                <a:ea typeface="+mn-ea"/>
+                <a:cs typeface="+mn-cs"/>
+              </a:endParaRPr>
+            </a:p>
+          </p:txBody>
+        </p:sp>
+      </p:grpSp>
+      <p:grpSp>
+        <p:nvGrpSpPr>
+          <p:cNvPr id="32" name="Group 31">
+            <a:extLst>
+              <a:ext uri="{FF2B5EF4-FFF2-40B4-BE49-F238E27FC236}">
+                <a16:creationId xmlns:a16="http://schemas.microsoft.com/office/drawing/2014/main" id="{8EFCB41B-B285-A545-3EFE-C32221F0C9A5}"/>
+              </a:ext>
+            </a:extLst>
+          </p:cNvPr>
+          <p:cNvGrpSpPr/>
+          <p:nvPr/>
+        </p:nvGrpSpPr>
+        <p:grpSpPr>
+          <a:xfrm>
+            <a:off x="9068429" y="1475593"/>
+            <a:ext cx="1509605" cy="1697535"/>
+            <a:chOff x="2828768" y="2049099"/>
+            <a:chExt cx="1361591" cy="1083669"/>
+          </a:xfrm>
+        </p:grpSpPr>
+        <p:sp>
+          <p:nvSpPr>
+            <p:cNvPr id="33" name="Rectangle: Rounded Corners 32">
+              <a:extLst>
+                <a:ext uri="{FF2B5EF4-FFF2-40B4-BE49-F238E27FC236}">
+                  <a16:creationId xmlns:a16="http://schemas.microsoft.com/office/drawing/2014/main" id="{2DE14615-F15B-C621-0131-0D75D4E134DC}"/>
+                </a:ext>
+              </a:extLst>
+            </p:cNvPr>
+            <p:cNvSpPr/>
+            <p:nvPr/>
+          </p:nvSpPr>
+          <p:spPr>
+            <a:xfrm>
+              <a:off x="2828768" y="2049099"/>
+              <a:ext cx="1361591" cy="1083669"/>
+            </a:xfrm>
+            <a:prstGeom prst="roundRect">
+              <a:avLst>
+                <a:gd name="adj" fmla="val 10000"/>
+              </a:avLst>
+            </a:prstGeom>
+            <a:solidFill>
+              <a:srgbClr val="512BD4"/>
+            </a:solidFill>
+            <a:ln w="12700" cap="flat" cmpd="sng" algn="ctr">
+              <a:solidFill>
+                <a:srgbClr val="512BD4"/>
+              </a:solidFill>
+              <a:prstDash val="solid"/>
+              <a:miter lim="800000"/>
+            </a:ln>
+            <a:effectLst/>
+          </p:spPr>
+          <p:style>
+            <a:lnRef idx="2">
+              <a:schemeClr val="accent1">
+                <a:shade val="15000"/>
+              </a:schemeClr>
+            </a:lnRef>
+            <a:fillRef idx="1">
+              <a:schemeClr val="accent1"/>
+            </a:fillRef>
+            <a:effectRef idx="0">
+              <a:schemeClr val="accent1"/>
+            </a:effectRef>
+            <a:fontRef idx="minor">
+              <a:schemeClr val="lt1"/>
+            </a:fontRef>
+          </p:style>
+          <p:txBody>
+            <a:bodyPr/>
+            <a:lstStyle/>
+            <a:p>
+              <a:endParaRPr lang="en-IN"/>
+            </a:p>
+          </p:txBody>
+        </p:sp>
+        <p:sp>
+          <p:nvSpPr>
+            <p:cNvPr id="34" name="Rectangle: Rounded Corners 6">
+              <a:extLst>
+                <a:ext uri="{FF2B5EF4-FFF2-40B4-BE49-F238E27FC236}">
+                  <a16:creationId xmlns:a16="http://schemas.microsoft.com/office/drawing/2014/main" id="{52D107D2-8BBB-12C6-DE00-AF81BF4E6E46}"/>
+                </a:ext>
+              </a:extLst>
+            </p:cNvPr>
+            <p:cNvSpPr txBox="1"/>
+            <p:nvPr/>
+          </p:nvSpPr>
+          <p:spPr>
+            <a:xfrm>
+              <a:off x="2860508" y="2080839"/>
+              <a:ext cx="1298111" cy="1020189"/>
+            </a:xfrm>
+            <a:prstGeom prst="rect">
+              <a:avLst/>
+            </a:prstGeom>
+          </p:spPr>
+          <p:style>
+            <a:lnRef idx="0">
+              <a:scrgbClr r="0" g="0" b="0"/>
+            </a:lnRef>
+            <a:fillRef idx="0">
+              <a:scrgbClr r="0" g="0" b="0"/>
+            </a:fillRef>
+            <a:effectRef idx="0">
+              <a:scrgbClr r="0" g="0" b="0"/>
+            </a:effectRef>
+            <a:fontRef idx="minor">
+              <a:schemeClr val="lt1"/>
+            </a:fontRef>
+          </p:style>
+          <p:txBody>
+            <a:bodyPr spcFirstLastPara="0" vert="horz" wrap="square" lIns="45720" tIns="45720" rIns="45720" bIns="45720" numCol="1" spcCol="1270" rtlCol="0" anchor="ctr" anchorCtr="0">
+              <a:noAutofit/>
+            </a:bodyPr>
+            <a:lstStyle/>
+            <a:p>
+              <a:pPr marL="285750" lvl="0" indent="-285750" algn="ctr" defTabSz="914400" rtl="0" eaLnBrk="1" latinLnBrk="0" hangingPunct="1">
+                <a:lnSpc>
+                  <a:spcPct val="90000"/>
+                </a:lnSpc>
+                <a:spcBef>
+                  <a:spcPct val="0"/>
+                </a:spcBef>
+                <a:spcAft>
+                  <a:spcPct val="35000"/>
+                </a:spcAft>
+                <a:buFont typeface="Arial" panose="020B0604020202020204" pitchFamily="34" charset="0"/>
+                <a:buNone/>
+              </a:pPr>
+              <a:r>
+                <a:rPr lang="en-IN" b="1" dirty="0">
+                  <a:solidFill>
+                    <a:prstClr val="white"/>
+                  </a:solidFill>
+                  <a:highlight>
+                    <a:srgbClr val="512BD4"/>
+                  </a:highlight>
+                  <a:latin typeface="Calibri" panose="020F0502020204030204"/>
+                </a:rPr>
+                <a:t>CLR</a:t>
+              </a:r>
+              <a:endParaRPr lang="en-IN" sz="1800" b="1" kern="1200" dirty="0">
+                <a:solidFill>
+                  <a:prstClr val="white"/>
+                </a:solidFill>
+                <a:highlight>
+                  <a:srgbClr val="512BD4"/>
+                </a:highlight>
+                <a:latin typeface="Calibri" panose="020F0502020204030204"/>
+                <a:ea typeface="+mn-ea"/>
+                <a:cs typeface="+mn-cs"/>
+              </a:endParaRPr>
+            </a:p>
+            <a:p>
+              <a:pPr marL="285750" lvl="0" indent="-285750" algn="ctr" defTabSz="914400" rtl="0" eaLnBrk="1" latinLnBrk="0" hangingPunct="1">
+                <a:lnSpc>
+                  <a:spcPct val="90000"/>
+                </a:lnSpc>
+                <a:spcBef>
+                  <a:spcPct val="0"/>
+                </a:spcBef>
+                <a:spcAft>
+                  <a:spcPct val="35000"/>
+                </a:spcAft>
+                <a:buFont typeface="Arial" panose="020B0604020202020204" pitchFamily="34" charset="0"/>
+                <a:buNone/>
+              </a:pPr>
+              <a:r>
+                <a:rPr lang="en-IN" sz="1800" b="1" kern="1200" dirty="0">
+                  <a:solidFill>
+                    <a:prstClr val="white"/>
+                  </a:solidFill>
+                  <a:highlight>
+                    <a:srgbClr val="512BD4"/>
+                  </a:highlight>
+                  <a:latin typeface="Calibri" panose="020F0502020204030204"/>
+                  <a:ea typeface="+mn-ea"/>
+                  <a:cs typeface="+mn-cs"/>
+                </a:rPr>
+                <a:t>Just In Time</a:t>
+              </a:r>
+            </a:p>
+            <a:p>
+              <a:pPr marL="285750" lvl="0" indent="-285750" algn="ctr" defTabSz="914400" rtl="0" eaLnBrk="1" latinLnBrk="0" hangingPunct="1">
+                <a:lnSpc>
+                  <a:spcPct val="90000"/>
+                </a:lnSpc>
+                <a:spcBef>
+                  <a:spcPct val="0"/>
+                </a:spcBef>
+                <a:spcAft>
+                  <a:spcPct val="35000"/>
+                </a:spcAft>
+                <a:buFont typeface="Arial" panose="020B0604020202020204" pitchFamily="34" charset="0"/>
+                <a:buNone/>
+              </a:pPr>
+              <a:r>
+                <a:rPr lang="en-IN" sz="1800" b="1" kern="1200" dirty="0">
+                  <a:solidFill>
+                    <a:prstClr val="white"/>
+                  </a:solidFill>
+                  <a:highlight>
+                    <a:srgbClr val="512BD4"/>
+                  </a:highlight>
+                  <a:latin typeface="Calibri" panose="020F0502020204030204"/>
+                  <a:ea typeface="+mn-ea"/>
+                  <a:cs typeface="+mn-cs"/>
+                </a:rPr>
+                <a:t>Compiler</a:t>
+              </a:r>
+            </a:p>
+          </p:txBody>
+        </p:sp>
+      </p:grpSp>
+      <p:pic>
+        <p:nvPicPr>
+          <p:cNvPr id="38" name="Picture 37">
+            <a:extLst>
+              <a:ext uri="{FF2B5EF4-FFF2-40B4-BE49-F238E27FC236}">
+                <a16:creationId xmlns:a16="http://schemas.microsoft.com/office/drawing/2014/main" id="{2D160BE6-135C-9B78-6DA6-E732EBEE8691}"/>
+              </a:ext>
+            </a:extLst>
+          </p:cNvPr>
+          <p:cNvPicPr>
+            <a:picLocks noChangeAspect="1"/>
+          </p:cNvPicPr>
+          <p:nvPr/>
+        </p:nvPicPr>
+        <p:blipFill>
+          <a:blip r:embed="rId3"/>
+          <a:stretch>
+            <a:fillRect/>
+          </a:stretch>
+        </p:blipFill>
+        <p:spPr>
+          <a:xfrm>
+            <a:off x="8598311" y="4014201"/>
+            <a:ext cx="3131248" cy="2276427"/>
+          </a:xfrm>
+          <a:prstGeom prst="rect">
+            <a:avLst/>
+          </a:prstGeom>
+        </p:spPr>
+      </p:pic>
+      <p:grpSp>
+        <p:nvGrpSpPr>
+          <p:cNvPr id="39" name="Group 38">
+            <a:extLst>
+              <a:ext uri="{FF2B5EF4-FFF2-40B4-BE49-F238E27FC236}">
+                <a16:creationId xmlns:a16="http://schemas.microsoft.com/office/drawing/2014/main" id="{5103F917-2C07-F0AF-2941-9204224E8354}"/>
+              </a:ext>
+            </a:extLst>
+          </p:cNvPr>
+          <p:cNvGrpSpPr/>
+          <p:nvPr/>
+        </p:nvGrpSpPr>
+        <p:grpSpPr>
+          <a:xfrm rot="5400000">
+            <a:off x="9472504" y="3405209"/>
+            <a:ext cx="701452" cy="445555"/>
+            <a:chOff x="1917970" y="2446094"/>
+            <a:chExt cx="738295" cy="445555"/>
+          </a:xfrm>
+        </p:grpSpPr>
+        <p:sp>
+          <p:nvSpPr>
+            <p:cNvPr id="40" name="Arrow: Right 39">
+              <a:extLst>
+                <a:ext uri="{FF2B5EF4-FFF2-40B4-BE49-F238E27FC236}">
+                  <a16:creationId xmlns:a16="http://schemas.microsoft.com/office/drawing/2014/main" id="{4DFCFE40-3DD1-FB1B-7C53-7D50B5B85995}"/>
+                </a:ext>
+              </a:extLst>
+            </p:cNvPr>
+            <p:cNvSpPr/>
+            <p:nvPr/>
+          </p:nvSpPr>
+          <p:spPr>
+            <a:xfrm rot="21575337">
+              <a:off x="1917970" y="2446094"/>
+              <a:ext cx="738295" cy="445555"/>
+            </a:xfrm>
+            <a:prstGeom prst="rightArrow">
+              <a:avLst>
+                <a:gd name="adj1" fmla="val 60000"/>
+                <a:gd name="adj2" fmla="val 50000"/>
+              </a:avLst>
+            </a:prstGeom>
+            <a:solidFill>
+              <a:srgbClr val="512BD4"/>
+            </a:solidFill>
+            <a:ln w="12700" cap="flat" cmpd="sng" algn="ctr">
+              <a:solidFill>
+                <a:srgbClr val="512BD4"/>
+              </a:solidFill>
+              <a:prstDash val="solid"/>
+              <a:miter lim="800000"/>
+            </a:ln>
+            <a:effectLst/>
+          </p:spPr>
+          <p:style>
+            <a:lnRef idx="2">
+              <a:schemeClr val="accent1">
+                <a:shade val="15000"/>
+              </a:schemeClr>
+            </a:lnRef>
+            <a:fillRef idx="1">
+              <a:schemeClr val="accent1"/>
+            </a:fillRef>
+            <a:effectRef idx="0">
+              <a:schemeClr val="accent1"/>
+            </a:effectRef>
+            <a:fontRef idx="minor">
+              <a:schemeClr val="lt1"/>
+            </a:fontRef>
+          </p:style>
+          <p:txBody>
+            <a:bodyPr/>
+            <a:lstStyle/>
+            <a:p>
+              <a:endParaRPr lang="en-IN"/>
+            </a:p>
+          </p:txBody>
+        </p:sp>
+        <p:sp>
+          <p:nvSpPr>
+            <p:cNvPr id="41" name="Arrow: Right 4">
+              <a:extLst>
+                <a:ext uri="{FF2B5EF4-FFF2-40B4-BE49-F238E27FC236}">
+                  <a16:creationId xmlns:a16="http://schemas.microsoft.com/office/drawing/2014/main" id="{80FAF12F-66BB-5681-6C47-27ABC33CEBBB}"/>
+                </a:ext>
+              </a:extLst>
+            </p:cNvPr>
+            <p:cNvSpPr txBox="1"/>
+            <p:nvPr/>
+          </p:nvSpPr>
+          <p:spPr>
+            <a:xfrm rot="21575337">
+              <a:off x="1917972" y="2535684"/>
+              <a:ext cx="604629" cy="267333"/>
+            </a:xfrm>
+            <a:prstGeom prst="rect">
+              <a:avLst/>
+            </a:prstGeom>
+          </p:spPr>
+          <p:style>
+            <a:lnRef idx="0">
+              <a:scrgbClr r="0" g="0" b="0"/>
+            </a:lnRef>
+            <a:fillRef idx="0">
+              <a:scrgbClr r="0" g="0" b="0"/>
+            </a:fillRef>
+            <a:effectRef idx="0">
+              <a:scrgbClr r="0" g="0" b="0"/>
+            </a:effectRef>
+            <a:fontRef idx="minor">
+              <a:schemeClr val="lt1"/>
+            </a:fontRef>
+          </p:style>
+          <p:txBody>
+            <a:bodyPr spcFirstLastPara="0" vert="horz" wrap="square" lIns="45720" tIns="45720" rIns="45720" bIns="45720" numCol="1" spcCol="1270" rtlCol="0" anchor="ctr" anchorCtr="0">
+              <a:noAutofit/>
+            </a:bodyPr>
+            <a:lstStyle/>
+            <a:p>
+              <a:pPr marL="285750" lvl="0" indent="-285750" algn="l" defTabSz="914400" rtl="0" eaLnBrk="1" latinLnBrk="0" hangingPunct="1">
+                <a:lnSpc>
+                  <a:spcPct val="90000"/>
+                </a:lnSpc>
+                <a:spcBef>
+                  <a:spcPct val="0"/>
+                </a:spcBef>
+                <a:spcAft>
+                  <a:spcPct val="35000"/>
+                </a:spcAft>
+                <a:buFont typeface="Arial" panose="020B0604020202020204" pitchFamily="34" charset="0"/>
+                <a:buNone/>
+              </a:pPr>
+              <a:endParaRPr lang="en-IN" sz="1800" b="1" kern="1200" dirty="0">
+                <a:solidFill>
+                  <a:schemeClr val="bg1"/>
+                </a:solidFill>
+                <a:highlight>
+                  <a:srgbClr val="512BD4"/>
+                </a:highlight>
+                <a:latin typeface="+mn-lt"/>
+                <a:ea typeface="+mn-ea"/>
+                <a:cs typeface="+mn-cs"/>
+              </a:endParaRPr>
+            </a:p>
+          </p:txBody>
+        </p:sp>
+      </p:grpSp>
+      <p:pic>
+        <p:nvPicPr>
+          <p:cNvPr id="50" name="Picture 49">
+            <a:extLst>
+              <a:ext uri="{FF2B5EF4-FFF2-40B4-BE49-F238E27FC236}">
+                <a16:creationId xmlns:a16="http://schemas.microsoft.com/office/drawing/2014/main" id="{E7C9BFDB-6FB0-C61F-1A4B-9E34DC87908A}"/>
+              </a:ext>
+            </a:extLst>
+          </p:cNvPr>
+          <p:cNvPicPr>
+            <a:picLocks noChangeAspect="1"/>
+          </p:cNvPicPr>
+          <p:nvPr/>
+        </p:nvPicPr>
+        <p:blipFill>
+          <a:blip r:embed="rId4"/>
+          <a:stretch>
+            <a:fillRect/>
+          </a:stretch>
+        </p:blipFill>
+        <p:spPr>
+          <a:xfrm>
+            <a:off x="6600821" y="3123408"/>
+            <a:ext cx="1914792" cy="419158"/>
+          </a:xfrm>
+          <a:prstGeom prst="rect">
+            <a:avLst/>
+          </a:prstGeom>
+        </p:spPr>
+      </p:pic>
+      <p:sp>
+        <p:nvSpPr>
+          <p:cNvPr id="51" name="TextBox 50">
+            <a:extLst>
+              <a:ext uri="{FF2B5EF4-FFF2-40B4-BE49-F238E27FC236}">
+                <a16:creationId xmlns:a16="http://schemas.microsoft.com/office/drawing/2014/main" id="{FE98D5C1-923F-0418-D541-E11B2C704ABC}"/>
+              </a:ext>
+            </a:extLst>
+          </p:cNvPr>
+          <p:cNvSpPr txBox="1"/>
+          <p:nvPr/>
+        </p:nvSpPr>
+        <p:spPr>
+          <a:xfrm>
+            <a:off x="3967587" y="3109916"/>
+            <a:ext cx="2039365" cy="1815882"/>
+          </a:xfrm>
+          <a:prstGeom prst="rect">
+            <a:avLst/>
+          </a:prstGeom>
+          <a:noFill/>
+        </p:spPr>
+        <p:txBody>
+          <a:bodyPr wrap="square" rtlCol="0">
+            <a:spAutoFit/>
+          </a:bodyPr>
+          <a:lstStyle/>
+          <a:p>
+            <a:pPr algn="ctr"/>
+            <a:r>
+              <a:rPr lang="en-IN" sz="1600" i="1" dirty="0">
+                <a:solidFill>
+                  <a:srgbClr val="512BD4"/>
+                </a:solidFill>
+              </a:rPr>
+              <a:t>Compiler is a C# program which converts C# source code into Microsoft Intermediate Language (MSIL) code as a .</a:t>
+            </a:r>
+            <a:r>
+              <a:rPr lang="en-IN" sz="1600" i="1" dirty="0" err="1">
+                <a:solidFill>
+                  <a:srgbClr val="512BD4"/>
+                </a:solidFill>
+              </a:rPr>
+              <a:t>dll</a:t>
+            </a:r>
+            <a:r>
+              <a:rPr lang="en-IN" sz="1600" i="1" dirty="0">
+                <a:solidFill>
+                  <a:srgbClr val="512BD4"/>
+                </a:solidFill>
+              </a:rPr>
+              <a:t> or .exe</a:t>
+            </a:r>
+            <a:endParaRPr lang="en-IN" sz="2000" i="1" dirty="0">
+              <a:solidFill>
+                <a:srgbClr val="512BD4"/>
+              </a:solidFill>
+            </a:endParaRPr>
+          </a:p>
+        </p:txBody>
+      </p:sp>
+      <p:sp>
+        <p:nvSpPr>
+          <p:cNvPr id="52" name="TextBox 51">
+            <a:extLst>
+              <a:ext uri="{FF2B5EF4-FFF2-40B4-BE49-F238E27FC236}">
+                <a16:creationId xmlns:a16="http://schemas.microsoft.com/office/drawing/2014/main" id="{053AF6F7-F9A0-A136-BA0F-E31EBCD04D22}"/>
+              </a:ext>
+            </a:extLst>
+          </p:cNvPr>
+          <p:cNvSpPr txBox="1"/>
+          <p:nvPr/>
+        </p:nvSpPr>
+        <p:spPr>
+          <a:xfrm>
+            <a:off x="8491099" y="112765"/>
+            <a:ext cx="2800087" cy="1323439"/>
+          </a:xfrm>
+          <a:prstGeom prst="rect">
+            <a:avLst/>
+          </a:prstGeom>
+          <a:noFill/>
+        </p:spPr>
+        <p:txBody>
+          <a:bodyPr wrap="square" rtlCol="0">
+            <a:spAutoFit/>
+          </a:bodyPr>
+          <a:lstStyle/>
+          <a:p>
+            <a:pPr algn="ctr"/>
+            <a:r>
+              <a:rPr lang="en-IN" sz="1600" i="1" dirty="0">
+                <a:solidFill>
+                  <a:srgbClr val="512BD4"/>
+                </a:solidFill>
+              </a:rPr>
+              <a:t>Common Language Runtime  is a program which converts MSIL code into machine understandable native code.</a:t>
+            </a:r>
+          </a:p>
+          <a:p>
+            <a:pPr algn="ctr"/>
+            <a:r>
+              <a:rPr lang="en-IN" sz="1600" i="1" dirty="0">
+                <a:solidFill>
+                  <a:srgbClr val="512BD4"/>
+                </a:solidFill>
+              </a:rPr>
+              <a:t>(010101010)</a:t>
+            </a:r>
+            <a:endParaRPr lang="en-IN" sz="2000" i="1" dirty="0">
+              <a:solidFill>
+                <a:srgbClr val="512BD4"/>
+              </a:solidFill>
+            </a:endParaRPr>
+          </a:p>
+        </p:txBody>
+      </p:sp>
+      <p:sp>
+        <p:nvSpPr>
+          <p:cNvPr id="53" name="TextBox 52">
+            <a:extLst>
+              <a:ext uri="{FF2B5EF4-FFF2-40B4-BE49-F238E27FC236}">
+                <a16:creationId xmlns:a16="http://schemas.microsoft.com/office/drawing/2014/main" id="{E7BD431D-EA13-685A-C52B-F5845B43FCA4}"/>
+              </a:ext>
+            </a:extLst>
+          </p:cNvPr>
+          <p:cNvSpPr txBox="1"/>
+          <p:nvPr/>
+        </p:nvSpPr>
+        <p:spPr>
+          <a:xfrm>
+            <a:off x="13847" y="6457890"/>
+            <a:ext cx="6259953" cy="400110"/>
+          </a:xfrm>
+          <a:prstGeom prst="rect">
+            <a:avLst/>
+          </a:prstGeom>
+          <a:noFill/>
+        </p:spPr>
+        <p:txBody>
+          <a:bodyPr wrap="square" rtlCol="0">
+            <a:spAutoFit/>
+          </a:bodyPr>
+          <a:lstStyle>
+            <a:defPPr>
+              <a:defRPr lang="en-US"/>
+            </a:defPPr>
+            <a:lvl1pPr>
+              <a:defRPr sz="2400">
+                <a:solidFill>
+                  <a:srgbClr val="512BD4"/>
+                </a:solidFill>
+                <a:ea typeface="+mj-ea"/>
+                <a:cs typeface="+mj-cs"/>
+              </a:defRPr>
+            </a:lvl1pPr>
+          </a:lstStyle>
+          <a:p>
+            <a:r>
+              <a:rPr lang="en-IN" sz="2000" b="1" dirty="0"/>
+              <a:t>|---------------------  Compilation Process -----------------------|</a:t>
+            </a:r>
+          </a:p>
+        </p:txBody>
+      </p:sp>
+      <p:sp>
+        <p:nvSpPr>
+          <p:cNvPr id="54" name="TextBox 53">
+            <a:extLst>
+              <a:ext uri="{FF2B5EF4-FFF2-40B4-BE49-F238E27FC236}">
+                <a16:creationId xmlns:a16="http://schemas.microsoft.com/office/drawing/2014/main" id="{640E26E4-4276-DAAD-D47B-06A2951CE7B2}"/>
+              </a:ext>
+            </a:extLst>
+          </p:cNvPr>
+          <p:cNvSpPr txBox="1"/>
+          <p:nvPr/>
+        </p:nvSpPr>
+        <p:spPr>
+          <a:xfrm>
+            <a:off x="6006952" y="6457890"/>
+            <a:ext cx="6259953" cy="400110"/>
+          </a:xfrm>
+          <a:prstGeom prst="rect">
+            <a:avLst/>
+          </a:prstGeom>
+          <a:noFill/>
+        </p:spPr>
+        <p:txBody>
+          <a:bodyPr wrap="square" rtlCol="0">
+            <a:spAutoFit/>
+          </a:bodyPr>
+          <a:lstStyle>
+            <a:defPPr>
+              <a:defRPr lang="en-US"/>
+            </a:defPPr>
+            <a:lvl1pPr>
+              <a:defRPr sz="2400">
+                <a:solidFill>
+                  <a:srgbClr val="512BD4"/>
+                </a:solidFill>
+                <a:ea typeface="+mj-ea"/>
+                <a:cs typeface="+mj-cs"/>
+              </a:defRPr>
+            </a:lvl1pPr>
+          </a:lstStyle>
+          <a:p>
+            <a:r>
+              <a:rPr lang="en-IN" sz="2000" b="1" dirty="0"/>
+              <a:t>|---------------------  Runtime Process -----------------------|</a:t>
+            </a:r>
+          </a:p>
+        </p:txBody>
+      </p:sp>
+      <p:sp>
+        <p:nvSpPr>
+          <p:cNvPr id="55" name="Title 1">
+            <a:extLst>
+              <a:ext uri="{FF2B5EF4-FFF2-40B4-BE49-F238E27FC236}">
+                <a16:creationId xmlns:a16="http://schemas.microsoft.com/office/drawing/2014/main" id="{24272E45-B0EB-4198-C9D4-BBCF1702E70B}"/>
+              </a:ext>
+            </a:extLst>
+          </p:cNvPr>
+          <p:cNvSpPr txBox="1">
+            <a:spLocks/>
+          </p:cNvSpPr>
+          <p:nvPr/>
+        </p:nvSpPr>
+        <p:spPr>
+          <a:xfrm>
+            <a:off x="114300" y="145047"/>
+            <a:ext cx="3325811" cy="351481"/>
+          </a:xfrm>
+          <a:prstGeom prst="rect">
+            <a:avLst/>
+          </a:prstGeom>
+        </p:spPr>
+        <p:txBody>
+          <a:bodyPr/>
+          <a:lstStyle>
+            <a:lvl1pPr algn="l" defTabSz="914400" rtl="0" eaLnBrk="1" latinLnBrk="0" hangingPunct="1">
+              <a:lnSpc>
+                <a:spcPct val="90000"/>
+              </a:lnSpc>
+              <a:spcBef>
+                <a:spcPct val="0"/>
+              </a:spcBef>
+              <a:buNone/>
+              <a:defRPr sz="4400" kern="1200">
+                <a:solidFill>
+                  <a:schemeClr val="tx1"/>
+                </a:solidFill>
+                <a:latin typeface="+mj-lt"/>
+                <a:ea typeface="+mj-ea"/>
+                <a:cs typeface="+mj-cs"/>
+              </a:defRPr>
+            </a:lvl1pPr>
+          </a:lstStyle>
+          <a:p>
+            <a:r>
+              <a:rPr lang="en-IN" sz="2000" b="1" dirty="0">
+                <a:solidFill>
+                  <a:srgbClr val="512BD4"/>
+                </a:solidFill>
+                <a:latin typeface="+mn-lt"/>
+              </a:rPr>
+              <a:t>C# Source Code Execution</a:t>
+            </a:r>
+          </a:p>
+        </p:txBody>
+      </p:sp>
+    </p:spTree>
+    <p:extLst>
+      <p:ext uri="{BB962C8B-B14F-4D97-AF65-F5344CB8AC3E}">
+        <p14:creationId xmlns:p14="http://schemas.microsoft.com/office/powerpoint/2010/main" val="4122861570"/>
+      </p:ext>
+    </p:extLst>
+  </p:cSld>
+  <p:clrMapOvr>
+    <a:masterClrMapping/>
+  </p:clrMapOvr>
+  <p:transition spd="slow">
+    <p:wipe/>
+  </p:transition>
+</p:sld>
+</file>
+
+<file path=ppt/slides/slide6.xml><?xml version="1.0" encoding="utf-8"?>
+<p:sld xmlns:a="http://schemas.openxmlformats.org/drawingml/2006/main" xmlns:r="http://schemas.openxmlformats.org/officeDocument/2006/relationships" xmlns:p="http://schemas.openxmlformats.org/presentationml/2006/main">
+  <p:cSld>
+    <p:bg>
+      <p:bgPr>
+        <a:solidFill>
+          <a:srgbClr val="FCFCFE"/>
+        </a:solidFill>
+        <a:effectLst/>
+      </p:bgPr>
+    </p:bg>
+    <p:spTree>
+      <p:nvGrpSpPr>
+        <p:cNvPr id="1" name=""/>
+        <p:cNvGrpSpPr/>
+        <p:nvPr/>
+      </p:nvGrpSpPr>
+      <p:grpSpPr>
+        <a:xfrm>
+          <a:off x="0" y="0"/>
+          <a:ext cx="0" cy="0"/>
+          <a:chOff x="0" y="0"/>
+          <a:chExt cx="0" cy="0"/>
+        </a:xfrm>
+      </p:grpSpPr>
+      <p:sp>
+        <p:nvSpPr>
+          <p:cNvPr id="2" name="Title 1">
+            <a:extLst>
+              <a:ext uri="{FF2B5EF4-FFF2-40B4-BE49-F238E27FC236}">
+                <a16:creationId xmlns:a16="http://schemas.microsoft.com/office/drawing/2014/main" id="{26D3F244-3DF7-54D6-9ABC-0CB3308B6EA4}"/>
+              </a:ext>
+            </a:extLst>
+          </p:cNvPr>
+          <p:cNvSpPr>
+            <a:spLocks noGrp="1"/>
+          </p:cNvSpPr>
+          <p:nvPr>
+            <p:ph type="ctrTitle"/>
+          </p:nvPr>
+        </p:nvSpPr>
+        <p:spPr>
+          <a:xfrm>
+            <a:off x="157163" y="171450"/>
+            <a:ext cx="11815762" cy="6543675"/>
+          </a:xfrm>
+        </p:spPr>
+        <p:txBody>
+          <a:bodyPr anchor="t">
+            <a:normAutofit/>
+          </a:bodyPr>
+          <a:lstStyle/>
+          <a:p>
+            <a:r>
+              <a:rPr lang="en-IN" sz="5400" dirty="0">
+                <a:solidFill>
+                  <a:srgbClr val="512BD4"/>
+                </a:solidFill>
+                <a:latin typeface="+mn-lt"/>
+              </a:rPr>
+              <a:t>Our</a:t>
+            </a:r>
+            <a:r>
+              <a:rPr lang="en-IN" sz="7200" dirty="0">
+                <a:latin typeface="+mn-lt"/>
+              </a:rPr>
+              <a:t> </a:t>
+            </a:r>
+            <a:r>
+              <a:rPr lang="en-IN" sz="5400" dirty="0">
+                <a:solidFill>
+                  <a:srgbClr val="512BD4"/>
+                </a:solidFill>
+                <a:latin typeface="+mn-lt"/>
+              </a:rPr>
+              <a:t>First C# Program</a:t>
+            </a:r>
+          </a:p>
+        </p:txBody>
+      </p:sp>
+      <p:sp>
+        <p:nvSpPr>
+          <p:cNvPr id="3" name="Rectangle: Single Corner Snipped 2">
+            <a:extLst>
+              <a:ext uri="{FF2B5EF4-FFF2-40B4-BE49-F238E27FC236}">
+                <a16:creationId xmlns:a16="http://schemas.microsoft.com/office/drawing/2014/main" id="{2E7B2596-90A3-685A-9A0C-97F0D1252942}"/>
+              </a:ext>
+            </a:extLst>
+          </p:cNvPr>
+          <p:cNvSpPr/>
+          <p:nvPr/>
+        </p:nvSpPr>
+        <p:spPr>
+          <a:xfrm>
+            <a:off x="3277394" y="1308100"/>
+            <a:ext cx="5575300" cy="4635500"/>
+          </a:xfrm>
+          <a:prstGeom prst="snip1Rect">
+            <a:avLst/>
+          </a:prstGeom>
+          <a:ln w="38100">
+            <a:solidFill>
+              <a:srgbClr val="512BD4"/>
+            </a:solidFill>
+          </a:ln>
+        </p:spPr>
+        <p:style>
+          <a:lnRef idx="2">
+            <a:schemeClr val="accent1"/>
+          </a:lnRef>
+          <a:fillRef idx="1">
+            <a:schemeClr val="lt1"/>
+          </a:fillRef>
+          <a:effectRef idx="0">
+            <a:schemeClr val="accent1"/>
+          </a:effectRef>
+          <a:fontRef idx="minor">
+            <a:schemeClr val="dk1"/>
+          </a:fontRef>
+        </p:style>
+        <p:txBody>
+          <a:bodyPr rtlCol="0" anchor="t"/>
+          <a:lstStyle/>
+          <a:p>
+            <a:endParaRPr lang="en-IN" dirty="0"/>
+          </a:p>
+        </p:txBody>
+      </p:sp>
+      <p:pic>
+        <p:nvPicPr>
+          <p:cNvPr id="5" name="Picture 4">
+            <a:extLst>
+              <a:ext uri="{FF2B5EF4-FFF2-40B4-BE49-F238E27FC236}">
+                <a16:creationId xmlns:a16="http://schemas.microsoft.com/office/drawing/2014/main" id="{AB2931E1-86A3-083F-3C89-AD945C56D8B3}"/>
+              </a:ext>
+            </a:extLst>
+          </p:cNvPr>
+          <p:cNvPicPr>
+            <a:picLocks noChangeAspect="1"/>
+          </p:cNvPicPr>
+          <p:nvPr/>
+        </p:nvPicPr>
+        <p:blipFill>
+          <a:blip r:embed="rId2"/>
+          <a:stretch>
+            <a:fillRect/>
+          </a:stretch>
+        </p:blipFill>
+        <p:spPr>
+          <a:xfrm>
+            <a:off x="3469481" y="2224087"/>
+            <a:ext cx="5191125" cy="2971800"/>
+          </a:xfrm>
+          <a:prstGeom prst="rect">
+            <a:avLst/>
+          </a:prstGeom>
+        </p:spPr>
+      </p:pic>
+      <p:pic>
+        <p:nvPicPr>
+          <p:cNvPr id="14" name="Picture 13" descr="A hexagon with a letter c and a hashtag&#10;&#10;Description automatically generated">
+            <a:extLst>
+              <a:ext uri="{FF2B5EF4-FFF2-40B4-BE49-F238E27FC236}">
+                <a16:creationId xmlns:a16="http://schemas.microsoft.com/office/drawing/2014/main" id="{A1FE9BA3-B3D5-AC5F-A697-5F6461EC8760}"/>
+              </a:ext>
+            </a:extLst>
+          </p:cNvPr>
+          <p:cNvPicPr>
+            <a:picLocks noChangeAspect="1"/>
+          </p:cNvPicPr>
+          <p:nvPr/>
+        </p:nvPicPr>
+        <p:blipFill>
+          <a:blip r:embed="rId3">
+            <a:extLst>
+              <a:ext uri="{28A0092B-C50C-407E-A947-70E740481C1C}">
+                <a14:useLocalDpi xmlns:a14="http://schemas.microsoft.com/office/drawing/2010/main" val="0"/>
+              </a:ext>
+            </a:extLst>
+          </a:blip>
+          <a:stretch>
+            <a:fillRect/>
+          </a:stretch>
+        </p:blipFill>
+        <p:spPr>
+          <a:xfrm>
+            <a:off x="7488230" y="1379078"/>
+            <a:ext cx="720221" cy="774031"/>
+          </a:xfrm>
+          <a:prstGeom prst="rect">
+            <a:avLst/>
+          </a:prstGeom>
+        </p:spPr>
+      </p:pic>
+    </p:spTree>
+    <p:extLst>
+      <p:ext uri="{BB962C8B-B14F-4D97-AF65-F5344CB8AC3E}">
+        <p14:creationId xmlns:p14="http://schemas.microsoft.com/office/powerpoint/2010/main" val="2411584723"/>
+      </p:ext>
+    </p:extLst>
+  </p:cSld>
+  <p:clrMapOvr>
+    <a:masterClrMapping/>
+  </p:clrMapOvr>
+  <p:transition spd="slow">
+    <p:wipe/>
+  </p:transition>
+</p:sld>
+</file>
+
+<file path=ppt/slides/slide7.xml><?xml version="1.0" encoding="utf-8"?>
 <p:sld xmlns:a="http://schemas.openxmlformats.org/drawingml/2006/main" xmlns:r="http://schemas.openxmlformats.org/officeDocument/2006/relationships" xmlns:p="http://schemas.openxmlformats.org/presentationml/2006/main">
   <p:cSld>
     <p:spTree>
@@ -30317,10 +36684,13 @@
   <p:clrMapOvr>
     <a:masterClrMapping/>
   </p:clrMapOvr>
+  <p:transition spd="slow">
+    <p:wipe/>
+  </p:transition>
 </p:sld>
 </file>
 
-<file path=ppt/slides/slide6.xml><?xml version="1.0" encoding="utf-8"?>
+<file path=ppt/slides/slide8.xml><?xml version="1.0" encoding="utf-8"?>
 <p:sld xmlns:a="http://schemas.openxmlformats.org/drawingml/2006/main" xmlns:r="http://schemas.openxmlformats.org/officeDocument/2006/relationships" xmlns:p="http://schemas.openxmlformats.org/presentationml/2006/main">
   <p:cSld>
     <p:bg>
@@ -32088,10 +38458,13 @@
   <p:clrMapOvr>
     <a:masterClrMapping/>
   </p:clrMapOvr>
+  <p:transition spd="slow">
+    <p:wipe/>
+  </p:transition>
 </p:sld>
 </file>
 
-<file path=ppt/slides/slide7.xml><?xml version="1.0" encoding="utf-8"?>
+<file path=ppt/slides/slide9.xml><?xml version="1.0" encoding="utf-8"?>
 <p:sld xmlns:a="http://schemas.openxmlformats.org/drawingml/2006/main" xmlns:r="http://schemas.openxmlformats.org/officeDocument/2006/relationships" xmlns:p="http://schemas.openxmlformats.org/presentationml/2006/main">
   <p:cSld>
     <p:spTree>
@@ -32154,1410 +38527,9 @@
   <p:clrMapOvr>
     <a:masterClrMapping/>
   </p:clrMapOvr>
-</p:sld>
-</file>
-
-<file path=ppt/slides/slide8.xml><?xml version="1.0" encoding="utf-8"?>
-<p:sld xmlns:a="http://schemas.openxmlformats.org/drawingml/2006/main" xmlns:r="http://schemas.openxmlformats.org/officeDocument/2006/relationships" xmlns:p="http://schemas.openxmlformats.org/presentationml/2006/main">
-  <p:cSld>
-    <p:bg>
-      <p:bgPr>
-        <a:solidFill>
-          <a:srgbClr val="FCFCFE"/>
-        </a:solidFill>
-        <a:effectLst/>
-      </p:bgPr>
-    </p:bg>
-    <p:spTree>
-      <p:nvGrpSpPr>
-        <p:cNvPr id="1" name=""/>
-        <p:cNvGrpSpPr/>
-        <p:nvPr/>
-      </p:nvGrpSpPr>
-      <p:grpSpPr>
-        <a:xfrm>
-          <a:off x="0" y="0"/>
-          <a:ext cx="0" cy="0"/>
-          <a:chOff x="0" y="0"/>
-          <a:chExt cx="0" cy="0"/>
-        </a:xfrm>
-      </p:grpSpPr>
-      <p:sp>
-        <p:nvSpPr>
-          <p:cNvPr id="2" name="Title 1">
-            <a:extLst>
-              <a:ext uri="{FF2B5EF4-FFF2-40B4-BE49-F238E27FC236}">
-                <a16:creationId xmlns:a16="http://schemas.microsoft.com/office/drawing/2014/main" id="{49E8FEC9-4138-01EF-E845-1A810BB7467B}"/>
-              </a:ext>
-            </a:extLst>
-          </p:cNvPr>
-          <p:cNvSpPr>
-            <a:spLocks noGrp="1"/>
-          </p:cNvSpPr>
-          <p:nvPr>
-            <p:ph type="title"/>
-          </p:nvPr>
-        </p:nvSpPr>
-        <p:spPr>
-          <a:xfrm>
-            <a:off x="145026" y="143900"/>
-            <a:ext cx="10515600" cy="732154"/>
-          </a:xfrm>
-        </p:spPr>
-        <p:txBody>
-          <a:bodyPr/>
-          <a:lstStyle/>
-          <a:p>
-            <a:r>
-              <a:rPr lang="en-IN" sz="4400" dirty="0">
-                <a:solidFill>
-                  <a:srgbClr val="512BD4"/>
-                </a:solidFill>
-                <a:latin typeface="+mn-lt"/>
-              </a:rPr>
-              <a:t>C#</a:t>
-            </a:r>
-            <a:endParaRPr lang="en-IN" dirty="0">
-              <a:latin typeface="+mn-lt"/>
-            </a:endParaRPr>
-          </a:p>
-        </p:txBody>
-      </p:sp>
-      <p:sp>
-        <p:nvSpPr>
-          <p:cNvPr id="3" name="Content Placeholder 2">
-            <a:extLst>
-              <a:ext uri="{FF2B5EF4-FFF2-40B4-BE49-F238E27FC236}">
-                <a16:creationId xmlns:a16="http://schemas.microsoft.com/office/drawing/2014/main" id="{C71DF20C-9625-5097-A72B-203521732D5B}"/>
-              </a:ext>
-            </a:extLst>
-          </p:cNvPr>
-          <p:cNvSpPr>
-            <a:spLocks noGrp="1"/>
-          </p:cNvSpPr>
-          <p:nvPr>
-            <p:ph idx="1"/>
-          </p:nvPr>
-        </p:nvSpPr>
-        <p:spPr>
-          <a:xfrm>
-            <a:off x="410497" y="1151296"/>
-            <a:ext cx="4415444" cy="4833937"/>
-          </a:xfrm>
-        </p:spPr>
-        <p:txBody>
-          <a:bodyPr>
-            <a:normAutofit/>
-          </a:bodyPr>
-          <a:lstStyle/>
-          <a:p>
-            <a:r>
-              <a:rPr lang="en-IN" sz="3200" dirty="0">
-                <a:solidFill>
-                  <a:srgbClr val="512BD4"/>
-                </a:solidFill>
-              </a:rPr>
-              <a:t>Open Source</a:t>
-            </a:r>
-          </a:p>
-          <a:p>
-            <a:r>
-              <a:rPr lang="en-IN" sz="3200" dirty="0">
-                <a:solidFill>
-                  <a:srgbClr val="512BD4"/>
-                </a:solidFill>
-              </a:rPr>
-              <a:t>Cross Platform</a:t>
-            </a:r>
-          </a:p>
-          <a:p>
-            <a:r>
-              <a:rPr lang="en-IN" sz="3200" dirty="0">
-                <a:solidFill>
-                  <a:srgbClr val="512BD4"/>
-                </a:solidFill>
-              </a:rPr>
-              <a:t>Strongly Typed</a:t>
-            </a:r>
-          </a:p>
-          <a:p>
-            <a:r>
-              <a:rPr lang="en-IN" sz="3200" dirty="0">
-                <a:solidFill>
-                  <a:srgbClr val="512BD4"/>
-                </a:solidFill>
-              </a:rPr>
-              <a:t>Case Sensitive</a:t>
-            </a:r>
-          </a:p>
-          <a:p>
-            <a:r>
-              <a:rPr lang="en-IN" sz="3200" dirty="0">
-                <a:solidFill>
-                  <a:srgbClr val="512BD4"/>
-                </a:solidFill>
-              </a:rPr>
-              <a:t>Memory Management</a:t>
-            </a:r>
-          </a:p>
-          <a:p>
-            <a:r>
-              <a:rPr lang="en-IN" sz="3200" dirty="0">
-                <a:solidFill>
-                  <a:srgbClr val="512BD4"/>
-                </a:solidFill>
-              </a:rPr>
-              <a:t>Object Oriented</a:t>
-            </a:r>
-          </a:p>
-        </p:txBody>
-      </p:sp>
-      <p:sp>
-        <p:nvSpPr>
-          <p:cNvPr id="4" name="Content Placeholder 2">
-            <a:extLst>
-              <a:ext uri="{FF2B5EF4-FFF2-40B4-BE49-F238E27FC236}">
-                <a16:creationId xmlns:a16="http://schemas.microsoft.com/office/drawing/2014/main" id="{123C4DB8-0EF3-998D-0032-62E0561A2B37}"/>
-              </a:ext>
-            </a:extLst>
-          </p:cNvPr>
-          <p:cNvSpPr txBox="1">
-            <a:spLocks/>
-          </p:cNvSpPr>
-          <p:nvPr/>
-        </p:nvSpPr>
-        <p:spPr>
-          <a:xfrm>
-            <a:off x="6493626" y="1358785"/>
-            <a:ext cx="4415444" cy="4833937"/>
-          </a:xfrm>
-          <a:prstGeom prst="rect">
-            <a:avLst/>
-          </a:prstGeom>
-        </p:spPr>
-        <p:txBody>
-          <a:bodyPr vert="horz" lIns="91440" tIns="45720" rIns="91440" bIns="45720" rtlCol="0">
-            <a:normAutofit/>
-          </a:bodyPr>
-          <a:lstStyle>
-            <a:lvl1pPr marL="228600" indent="-228600" algn="l" defTabSz="914400" rtl="0" eaLnBrk="1" latinLnBrk="0" hangingPunct="1">
-              <a:lnSpc>
-                <a:spcPct val="90000"/>
-              </a:lnSpc>
-              <a:spcBef>
-                <a:spcPts val="1000"/>
-              </a:spcBef>
-              <a:buFont typeface="Arial" panose="020B0604020202020204" pitchFamily="34" charset="0"/>
-              <a:buChar char="•"/>
-              <a:defRPr sz="2800" kern="1200">
-                <a:solidFill>
-                  <a:schemeClr val="tx1"/>
-                </a:solidFill>
-                <a:latin typeface="+mn-lt"/>
-                <a:ea typeface="+mn-ea"/>
-                <a:cs typeface="+mn-cs"/>
-              </a:defRPr>
-            </a:lvl1pPr>
-            <a:lvl2pPr marL="685800" indent="-228600" algn="l" defTabSz="914400" rtl="0" eaLnBrk="1" latinLnBrk="0" hangingPunct="1">
-              <a:lnSpc>
-                <a:spcPct val="90000"/>
-              </a:lnSpc>
-              <a:spcBef>
-                <a:spcPts val="500"/>
-              </a:spcBef>
-              <a:buFont typeface="Arial" panose="020B0604020202020204" pitchFamily="34" charset="0"/>
-              <a:buChar char="•"/>
-              <a:defRPr sz="2400" kern="1200">
-                <a:solidFill>
-                  <a:schemeClr val="tx1"/>
-                </a:solidFill>
-                <a:latin typeface="+mn-lt"/>
-                <a:ea typeface="+mn-ea"/>
-                <a:cs typeface="+mn-cs"/>
-              </a:defRPr>
-            </a:lvl2pPr>
-            <a:lvl3pPr marL="1143000" indent="-228600" algn="l" defTabSz="914400" rtl="0" eaLnBrk="1" latinLnBrk="0" hangingPunct="1">
-              <a:lnSpc>
-                <a:spcPct val="90000"/>
-              </a:lnSpc>
-              <a:spcBef>
-                <a:spcPts val="500"/>
-              </a:spcBef>
-              <a:buFont typeface="Arial" panose="020B0604020202020204" pitchFamily="34" charset="0"/>
-              <a:buChar char="•"/>
-              <a:defRPr sz="2000" kern="1200">
-                <a:solidFill>
-                  <a:schemeClr val="tx1"/>
-                </a:solidFill>
-                <a:latin typeface="+mn-lt"/>
-                <a:ea typeface="+mn-ea"/>
-                <a:cs typeface="+mn-cs"/>
-              </a:defRPr>
-            </a:lvl3pPr>
-            <a:lvl4pPr marL="1600200" indent="-228600" algn="l" defTabSz="914400" rtl="0" eaLnBrk="1" latinLnBrk="0" hangingPunct="1">
-              <a:lnSpc>
-                <a:spcPct val="90000"/>
-              </a:lnSpc>
-              <a:spcBef>
-                <a:spcPts val="500"/>
-              </a:spcBef>
-              <a:buFont typeface="Arial" panose="020B0604020202020204" pitchFamily="34" charset="0"/>
-              <a:buChar char="•"/>
-              <a:defRPr sz="1800" kern="1200">
-                <a:solidFill>
-                  <a:schemeClr val="tx1"/>
-                </a:solidFill>
-                <a:latin typeface="+mn-lt"/>
-                <a:ea typeface="+mn-ea"/>
-                <a:cs typeface="+mn-cs"/>
-              </a:defRPr>
-            </a:lvl4pPr>
-            <a:lvl5pPr marL="2057400" indent="-228600" algn="l" defTabSz="914400" rtl="0" eaLnBrk="1" latinLnBrk="0" hangingPunct="1">
-              <a:lnSpc>
-                <a:spcPct val="90000"/>
-              </a:lnSpc>
-              <a:spcBef>
-                <a:spcPts val="500"/>
-              </a:spcBef>
-              <a:buFont typeface="Arial" panose="020B0604020202020204" pitchFamily="34" charset="0"/>
-              <a:buChar char="•"/>
-              <a:defRPr sz="1800" kern="1200">
-                <a:solidFill>
-                  <a:schemeClr val="tx1"/>
-                </a:solidFill>
-                <a:latin typeface="+mn-lt"/>
-                <a:ea typeface="+mn-ea"/>
-                <a:cs typeface="+mn-cs"/>
-              </a:defRPr>
-            </a:lvl5pPr>
-            <a:lvl6pPr marL="2514600" indent="-228600" algn="l" defTabSz="914400" rtl="0" eaLnBrk="1" latinLnBrk="0" hangingPunct="1">
-              <a:lnSpc>
-                <a:spcPct val="90000"/>
-              </a:lnSpc>
-              <a:spcBef>
-                <a:spcPts val="500"/>
-              </a:spcBef>
-              <a:buFont typeface="Arial" panose="020B0604020202020204" pitchFamily="34" charset="0"/>
-              <a:buChar char="•"/>
-              <a:defRPr sz="1800" kern="1200">
-                <a:solidFill>
-                  <a:schemeClr val="tx1"/>
-                </a:solidFill>
-                <a:latin typeface="+mn-lt"/>
-                <a:ea typeface="+mn-ea"/>
-                <a:cs typeface="+mn-cs"/>
-              </a:defRPr>
-            </a:lvl6pPr>
-            <a:lvl7pPr marL="2971800" indent="-228600" algn="l" defTabSz="914400" rtl="0" eaLnBrk="1" latinLnBrk="0" hangingPunct="1">
-              <a:lnSpc>
-                <a:spcPct val="90000"/>
-              </a:lnSpc>
-              <a:spcBef>
-                <a:spcPts val="500"/>
-              </a:spcBef>
-              <a:buFont typeface="Arial" panose="020B0604020202020204" pitchFamily="34" charset="0"/>
-              <a:buChar char="•"/>
-              <a:defRPr sz="1800" kern="1200">
-                <a:solidFill>
-                  <a:schemeClr val="tx1"/>
-                </a:solidFill>
-                <a:latin typeface="+mn-lt"/>
-                <a:ea typeface="+mn-ea"/>
-                <a:cs typeface="+mn-cs"/>
-              </a:defRPr>
-            </a:lvl7pPr>
-            <a:lvl8pPr marL="3429000" indent="-228600" algn="l" defTabSz="914400" rtl="0" eaLnBrk="1" latinLnBrk="0" hangingPunct="1">
-              <a:lnSpc>
-                <a:spcPct val="90000"/>
-              </a:lnSpc>
-              <a:spcBef>
-                <a:spcPts val="500"/>
-              </a:spcBef>
-              <a:buFont typeface="Arial" panose="020B0604020202020204" pitchFamily="34" charset="0"/>
-              <a:buChar char="•"/>
-              <a:defRPr sz="1800" kern="1200">
-                <a:solidFill>
-                  <a:schemeClr val="tx1"/>
-                </a:solidFill>
-                <a:latin typeface="+mn-lt"/>
-                <a:ea typeface="+mn-ea"/>
-                <a:cs typeface="+mn-cs"/>
-              </a:defRPr>
-            </a:lvl8pPr>
-            <a:lvl9pPr marL="3886200" indent="-228600" algn="l" defTabSz="914400" rtl="0" eaLnBrk="1" latinLnBrk="0" hangingPunct="1">
-              <a:lnSpc>
-                <a:spcPct val="90000"/>
-              </a:lnSpc>
-              <a:spcBef>
-                <a:spcPts val="500"/>
-              </a:spcBef>
-              <a:buFont typeface="Arial" panose="020B0604020202020204" pitchFamily="34" charset="0"/>
-              <a:buChar char="•"/>
-              <a:defRPr sz="1800" kern="1200">
-                <a:solidFill>
-                  <a:schemeClr val="tx1"/>
-                </a:solidFill>
-                <a:latin typeface="+mn-lt"/>
-                <a:ea typeface="+mn-ea"/>
-                <a:cs typeface="+mn-cs"/>
-              </a:defRPr>
-            </a:lvl9pPr>
-          </a:lstStyle>
-          <a:p>
-            <a:r>
-              <a:rPr lang="en-IN" sz="3200" dirty="0">
-                <a:solidFill>
-                  <a:srgbClr val="512BD4"/>
-                </a:solidFill>
-              </a:rPr>
-              <a:t>Usage</a:t>
-            </a:r>
-          </a:p>
-          <a:p>
-            <a:pPr lvl="1"/>
-            <a:r>
-              <a:rPr lang="en-IN" sz="3200" dirty="0">
-                <a:solidFill>
-                  <a:srgbClr val="512BD4"/>
-                </a:solidFill>
-              </a:rPr>
-              <a:t>Desktop Applications</a:t>
-            </a:r>
-          </a:p>
-          <a:p>
-            <a:pPr lvl="1"/>
-            <a:r>
-              <a:rPr lang="en-IN" sz="3200" dirty="0">
-                <a:solidFill>
-                  <a:srgbClr val="512BD4"/>
-                </a:solidFill>
-              </a:rPr>
-              <a:t>Web Applications</a:t>
-            </a:r>
-          </a:p>
-          <a:p>
-            <a:pPr lvl="1"/>
-            <a:r>
-              <a:rPr lang="en-IN" sz="3200" dirty="0">
-                <a:solidFill>
-                  <a:srgbClr val="512BD4"/>
-                </a:solidFill>
-              </a:rPr>
-              <a:t>Mobile Applications</a:t>
-            </a:r>
-          </a:p>
-          <a:p>
-            <a:pPr lvl="1"/>
-            <a:r>
-              <a:rPr lang="en-IN" sz="3200" dirty="0">
-                <a:solidFill>
-                  <a:srgbClr val="512BD4"/>
-                </a:solidFill>
-              </a:rPr>
-              <a:t>Cloud Applications</a:t>
-            </a:r>
-          </a:p>
-          <a:p>
-            <a:pPr lvl="1"/>
-            <a:r>
-              <a:rPr lang="en-IN" sz="3200" dirty="0">
-                <a:solidFill>
-                  <a:srgbClr val="512BD4"/>
-                </a:solidFill>
-              </a:rPr>
-              <a:t>Web APIs</a:t>
-            </a:r>
-          </a:p>
-          <a:p>
-            <a:pPr lvl="1"/>
-            <a:r>
-              <a:rPr lang="en-IN" sz="3200" dirty="0">
-                <a:solidFill>
-                  <a:srgbClr val="512BD4"/>
-                </a:solidFill>
-              </a:rPr>
-              <a:t>SSIS Packages</a:t>
-            </a:r>
-          </a:p>
-          <a:p>
-            <a:pPr lvl="1"/>
-            <a:r>
-              <a:rPr lang="en-IN" sz="3200" dirty="0">
-                <a:solidFill>
-                  <a:srgbClr val="512BD4"/>
-                </a:solidFill>
-              </a:rPr>
-              <a:t>Many More…</a:t>
-            </a:r>
-          </a:p>
-          <a:p>
-            <a:pPr lvl="1"/>
-            <a:endParaRPr lang="en-IN" dirty="0"/>
-          </a:p>
-        </p:txBody>
-      </p:sp>
-    </p:spTree>
-    <p:extLst>
-      <p:ext uri="{BB962C8B-B14F-4D97-AF65-F5344CB8AC3E}">
-        <p14:creationId xmlns:p14="http://schemas.microsoft.com/office/powerpoint/2010/main" val="2394289917"/>
-      </p:ext>
-    </p:extLst>
-  </p:cSld>
-  <p:clrMapOvr>
-    <a:masterClrMapping/>
-  </p:clrMapOvr>
-</p:sld>
-</file>
-
-<file path=ppt/slides/slide9.xml><?xml version="1.0" encoding="utf-8"?>
-<p:sld xmlns:a="http://schemas.openxmlformats.org/drawingml/2006/main" xmlns:r="http://schemas.openxmlformats.org/officeDocument/2006/relationships" xmlns:p="http://schemas.openxmlformats.org/presentationml/2006/main">
-  <p:cSld>
-    <p:bg>
-      <p:bgPr>
-        <a:solidFill>
-          <a:srgbClr val="FCFCFE"/>
-        </a:solidFill>
-        <a:effectLst/>
-      </p:bgPr>
-    </p:bg>
-    <p:spTree>
-      <p:nvGrpSpPr>
-        <p:cNvPr id="1" name=""/>
-        <p:cNvGrpSpPr/>
-        <p:nvPr/>
-      </p:nvGrpSpPr>
-      <p:grpSpPr>
-        <a:xfrm>
-          <a:off x="0" y="0"/>
-          <a:ext cx="0" cy="0"/>
-          <a:chOff x="0" y="0"/>
-          <a:chExt cx="0" cy="0"/>
-        </a:xfrm>
-      </p:grpSpPr>
-      <p:sp>
-        <p:nvSpPr>
-          <p:cNvPr id="2" name="Title 1">
-            <a:extLst>
-              <a:ext uri="{FF2B5EF4-FFF2-40B4-BE49-F238E27FC236}">
-                <a16:creationId xmlns:a16="http://schemas.microsoft.com/office/drawing/2014/main" id="{CE6C7C7E-60EC-4E3D-CDB1-33C61EFF99D5}"/>
-              </a:ext>
-            </a:extLst>
-          </p:cNvPr>
-          <p:cNvSpPr>
-            <a:spLocks noGrp="1"/>
-          </p:cNvSpPr>
-          <p:nvPr>
-            <p:ph type="title"/>
-          </p:nvPr>
-        </p:nvSpPr>
-        <p:spPr>
-          <a:xfrm>
-            <a:off x="128588" y="222886"/>
-            <a:ext cx="11530013" cy="591501"/>
-          </a:xfrm>
-        </p:spPr>
-        <p:txBody>
-          <a:bodyPr>
-            <a:normAutofit fontScale="90000"/>
-          </a:bodyPr>
-          <a:lstStyle/>
-          <a:p>
-            <a:r>
-              <a:rPr lang="en-IN" sz="4900" dirty="0">
-                <a:solidFill>
-                  <a:srgbClr val="512BD4"/>
-                </a:solidFill>
-                <a:latin typeface="+mn-lt"/>
-              </a:rPr>
-              <a:t>Version</a:t>
-            </a:r>
-            <a:r>
-              <a:rPr lang="en-IN" dirty="0"/>
-              <a:t> </a:t>
-            </a:r>
-            <a:r>
-              <a:rPr lang="en-IN" sz="4900" dirty="0">
-                <a:solidFill>
-                  <a:srgbClr val="512BD4"/>
-                </a:solidFill>
-                <a:latin typeface="+mn-lt"/>
-              </a:rPr>
-              <a:t>History</a:t>
-            </a:r>
-          </a:p>
-        </p:txBody>
-      </p:sp>
-      <p:graphicFrame>
-        <p:nvGraphicFramePr>
-          <p:cNvPr id="15" name="Content Placeholder 14">
-            <a:extLst>
-              <a:ext uri="{FF2B5EF4-FFF2-40B4-BE49-F238E27FC236}">
-                <a16:creationId xmlns:a16="http://schemas.microsoft.com/office/drawing/2014/main" id="{60482D2E-74AD-FD67-4159-F89FDC6C5AA2}"/>
-              </a:ext>
-            </a:extLst>
-          </p:cNvPr>
-          <p:cNvGraphicFramePr>
-            <a:graphicFrameLocks noGrp="1"/>
-          </p:cNvGraphicFramePr>
-          <p:nvPr>
-            <p:ph idx="1"/>
-            <p:extLst>
-              <p:ext uri="{D42A27DB-BD31-4B8C-83A1-F6EECF244321}">
-                <p14:modId xmlns:p14="http://schemas.microsoft.com/office/powerpoint/2010/main" val="1533698560"/>
-              </p:ext>
-            </p:extLst>
-          </p:nvPr>
-        </p:nvGraphicFramePr>
-        <p:xfrm>
-          <a:off x="388143" y="1042988"/>
-          <a:ext cx="11415713" cy="5592125"/>
-        </p:xfrm>
-        <a:graphic>
-          <a:graphicData uri="http://schemas.openxmlformats.org/drawingml/2006/table">
-            <a:tbl>
-              <a:tblPr>
-                <a:tableStyleId>{10A1B5D5-9B99-4C35-A422-299274C87663}</a:tableStyleId>
-              </a:tblPr>
-              <a:tblGrid>
-                <a:gridCol w="3667949">
-                  <a:extLst>
-                    <a:ext uri="{9D8B030D-6E8A-4147-A177-3AD203B41FA5}">
-                      <a16:colId xmlns:a16="http://schemas.microsoft.com/office/drawing/2014/main" val="668078435"/>
-                    </a:ext>
-                  </a:extLst>
-                </a:gridCol>
-                <a:gridCol w="2494516">
-                  <a:extLst>
-                    <a:ext uri="{9D8B030D-6E8A-4147-A177-3AD203B41FA5}">
-                      <a16:colId xmlns:a16="http://schemas.microsoft.com/office/drawing/2014/main" val="1207351717"/>
-                    </a:ext>
-                  </a:extLst>
-                </a:gridCol>
-                <a:gridCol w="5253248">
-                  <a:extLst>
-                    <a:ext uri="{9D8B030D-6E8A-4147-A177-3AD203B41FA5}">
-                      <a16:colId xmlns:a16="http://schemas.microsoft.com/office/drawing/2014/main" val="4144990485"/>
-                    </a:ext>
-                  </a:extLst>
-                </a:gridCol>
-              </a:tblGrid>
-              <a:tr h="508375">
-                <a:tc>
-                  <a:txBody>
-                    <a:bodyPr/>
-                    <a:lstStyle/>
-                    <a:p>
-                      <a:pPr algn="l" fontAlgn="t"/>
-                      <a:r>
-                        <a:rPr lang="en-IN" sz="2400" b="1" i="0" u="none" strike="noStrike" kern="1200" dirty="0">
-                          <a:solidFill>
-                            <a:srgbClr val="512BD4"/>
-                          </a:solidFill>
-                          <a:effectLst/>
-                          <a:latin typeface="+mn-lt"/>
-                          <a:ea typeface="+mn-ea"/>
-                          <a:cs typeface="+mn-cs"/>
-                        </a:rPr>
-                        <a:t> Target</a:t>
-                      </a:r>
-                    </a:p>
-                  </a:txBody>
-                  <a:tcPr marL="9525" marR="9525" marT="9525" marB="0"/>
-                </a:tc>
-                <a:tc>
-                  <a:txBody>
-                    <a:bodyPr/>
-                    <a:lstStyle/>
-                    <a:p>
-                      <a:pPr algn="l" fontAlgn="t"/>
-                      <a:r>
-                        <a:rPr lang="en-IN" sz="2400" b="1" i="0" u="none" strike="noStrike" kern="1200">
-                          <a:solidFill>
-                            <a:srgbClr val="512BD4"/>
-                          </a:solidFill>
-                          <a:effectLst/>
-                          <a:latin typeface="+mn-lt"/>
-                          <a:ea typeface="+mn-ea"/>
-                          <a:cs typeface="+mn-cs"/>
-                        </a:rPr>
-                        <a:t>Version</a:t>
-                      </a:r>
-                    </a:p>
-                  </a:txBody>
-                  <a:tcPr marL="9525" marR="9525" marT="9525" marB="0"/>
-                </a:tc>
-                <a:tc>
-                  <a:txBody>
-                    <a:bodyPr/>
-                    <a:lstStyle/>
-                    <a:p>
-                      <a:pPr algn="l" fontAlgn="t"/>
-                      <a:r>
-                        <a:rPr lang="en-IN" sz="2400" b="1" i="0" u="none" strike="noStrike" kern="1200" dirty="0">
-                          <a:solidFill>
-                            <a:srgbClr val="512BD4"/>
-                          </a:solidFill>
-                          <a:effectLst/>
-                          <a:latin typeface="+mn-lt"/>
-                          <a:ea typeface="+mn-ea"/>
-                          <a:cs typeface="+mn-cs"/>
-                        </a:rPr>
-                        <a:t>C# language version default</a:t>
-                      </a:r>
-                    </a:p>
-                  </a:txBody>
-                  <a:tcPr marL="9525" marR="9525" marT="9525" marB="0"/>
-                </a:tc>
-                <a:extLst>
-                  <a:ext uri="{0D108BD9-81ED-4DB2-BD59-A6C34878D82A}">
-                    <a16:rowId xmlns:a16="http://schemas.microsoft.com/office/drawing/2014/main" val="3714011587"/>
-                  </a:ext>
-                </a:extLst>
-              </a:tr>
-              <a:tr h="508375">
-                <a:tc>
-                  <a:txBody>
-                    <a:bodyPr/>
-                    <a:lstStyle/>
-                    <a:p>
-                      <a:pPr algn="l" fontAlgn="t"/>
-                      <a:r>
-                        <a:rPr lang="en-IN" sz="2400" b="0" i="0" u="none" strike="noStrike" kern="1200" dirty="0">
-                          <a:solidFill>
-                            <a:srgbClr val="512BD4"/>
-                          </a:solidFill>
-                          <a:effectLst/>
-                          <a:latin typeface="+mn-lt"/>
-                          <a:ea typeface="+mn-ea"/>
-                          <a:cs typeface="+mn-cs"/>
-                        </a:rPr>
-                        <a:t> .NET</a:t>
-                      </a:r>
-                    </a:p>
-                  </a:txBody>
-                  <a:tcPr marL="9525" marR="9525" marT="9525" marB="0"/>
-                </a:tc>
-                <a:tc>
-                  <a:txBody>
-                    <a:bodyPr/>
-                    <a:lstStyle/>
-                    <a:p>
-                      <a:pPr algn="l" fontAlgn="t"/>
-                      <a:r>
-                        <a:rPr lang="en-IN" sz="2400" b="0" i="0" u="none" strike="noStrike" kern="1200">
-                          <a:solidFill>
-                            <a:srgbClr val="512BD4"/>
-                          </a:solidFill>
-                          <a:effectLst/>
-                          <a:latin typeface="+mn-lt"/>
-                          <a:ea typeface="+mn-ea"/>
-                          <a:cs typeface="+mn-cs"/>
-                        </a:rPr>
-                        <a:t>8.x</a:t>
-                      </a:r>
-                    </a:p>
-                  </a:txBody>
-                  <a:tcPr marL="9525" marR="9525" marT="9525" marB="0"/>
-                </a:tc>
-                <a:tc>
-                  <a:txBody>
-                    <a:bodyPr/>
-                    <a:lstStyle/>
-                    <a:p>
-                      <a:pPr algn="l" fontAlgn="t"/>
-                      <a:r>
-                        <a:rPr lang="en-IN" sz="2400" b="0" i="0" u="none" strike="noStrike" kern="1200" dirty="0">
-                          <a:solidFill>
-                            <a:srgbClr val="512BD4"/>
-                          </a:solidFill>
-                          <a:effectLst/>
-                          <a:latin typeface="+mn-lt"/>
-                          <a:ea typeface="+mn-ea"/>
-                          <a:cs typeface="+mn-cs"/>
-                        </a:rPr>
-                        <a:t>C# 12</a:t>
-                      </a:r>
-                    </a:p>
-                  </a:txBody>
-                  <a:tcPr marL="9525" marR="9525" marT="9525" marB="0"/>
-                </a:tc>
-                <a:extLst>
-                  <a:ext uri="{0D108BD9-81ED-4DB2-BD59-A6C34878D82A}">
-                    <a16:rowId xmlns:a16="http://schemas.microsoft.com/office/drawing/2014/main" val="1931080654"/>
-                  </a:ext>
-                </a:extLst>
-              </a:tr>
-              <a:tr h="508375">
-                <a:tc>
-                  <a:txBody>
-                    <a:bodyPr/>
-                    <a:lstStyle/>
-                    <a:p>
-                      <a:pPr algn="l" fontAlgn="t"/>
-                      <a:r>
-                        <a:rPr lang="en-IN" sz="2400" b="0" i="0" u="none" strike="noStrike" kern="1200" dirty="0">
-                          <a:solidFill>
-                            <a:srgbClr val="512BD4"/>
-                          </a:solidFill>
-                          <a:effectLst/>
-                          <a:latin typeface="+mn-lt"/>
-                          <a:ea typeface="+mn-ea"/>
-                          <a:cs typeface="+mn-cs"/>
-                        </a:rPr>
-                        <a:t> .NET</a:t>
-                      </a:r>
-                    </a:p>
-                  </a:txBody>
-                  <a:tcPr marL="9525" marR="9525" marT="9525" marB="0"/>
-                </a:tc>
-                <a:tc>
-                  <a:txBody>
-                    <a:bodyPr/>
-                    <a:lstStyle/>
-                    <a:p>
-                      <a:pPr algn="l" fontAlgn="t"/>
-                      <a:r>
-                        <a:rPr lang="en-IN" sz="2400" b="0" i="0" u="none" strike="noStrike" kern="1200" dirty="0">
-                          <a:solidFill>
-                            <a:srgbClr val="512BD4"/>
-                          </a:solidFill>
-                          <a:effectLst/>
-                          <a:latin typeface="+mn-lt"/>
-                          <a:ea typeface="+mn-ea"/>
-                          <a:cs typeface="+mn-cs"/>
-                        </a:rPr>
-                        <a:t>7.x</a:t>
-                      </a:r>
-                    </a:p>
-                  </a:txBody>
-                  <a:tcPr marL="9525" marR="9525" marT="9525" marB="0"/>
-                </a:tc>
-                <a:tc>
-                  <a:txBody>
-                    <a:bodyPr/>
-                    <a:lstStyle/>
-                    <a:p>
-                      <a:pPr algn="l" fontAlgn="t"/>
-                      <a:r>
-                        <a:rPr lang="en-IN" sz="2400" b="0" i="0" u="none" strike="noStrike" kern="1200" dirty="0">
-                          <a:solidFill>
-                            <a:srgbClr val="512BD4"/>
-                          </a:solidFill>
-                          <a:effectLst/>
-                          <a:latin typeface="+mn-lt"/>
-                          <a:ea typeface="+mn-ea"/>
-                          <a:cs typeface="+mn-cs"/>
-                        </a:rPr>
-                        <a:t>C# 11</a:t>
-                      </a:r>
-                    </a:p>
-                  </a:txBody>
-                  <a:tcPr marL="9525" marR="9525" marT="9525" marB="0"/>
-                </a:tc>
-                <a:extLst>
-                  <a:ext uri="{0D108BD9-81ED-4DB2-BD59-A6C34878D82A}">
-                    <a16:rowId xmlns:a16="http://schemas.microsoft.com/office/drawing/2014/main" val="2564327795"/>
-                  </a:ext>
-                </a:extLst>
-              </a:tr>
-              <a:tr h="508375">
-                <a:tc>
-                  <a:txBody>
-                    <a:bodyPr/>
-                    <a:lstStyle/>
-                    <a:p>
-                      <a:pPr algn="l" fontAlgn="t"/>
-                      <a:r>
-                        <a:rPr lang="en-IN" sz="2400" b="0" i="0" u="none" strike="noStrike" kern="1200" dirty="0">
-                          <a:solidFill>
-                            <a:srgbClr val="512BD4"/>
-                          </a:solidFill>
-                          <a:effectLst/>
-                          <a:latin typeface="+mn-lt"/>
-                          <a:ea typeface="+mn-ea"/>
-                          <a:cs typeface="+mn-cs"/>
-                        </a:rPr>
-                        <a:t> .NET</a:t>
-                      </a:r>
-                    </a:p>
-                  </a:txBody>
-                  <a:tcPr marL="9525" marR="9525" marT="9525" marB="0"/>
-                </a:tc>
-                <a:tc>
-                  <a:txBody>
-                    <a:bodyPr/>
-                    <a:lstStyle/>
-                    <a:p>
-                      <a:pPr algn="l" fontAlgn="t"/>
-                      <a:r>
-                        <a:rPr lang="en-IN" sz="2400" b="0" i="0" u="none" strike="noStrike" kern="1200" dirty="0">
-                          <a:solidFill>
-                            <a:srgbClr val="512BD4"/>
-                          </a:solidFill>
-                          <a:effectLst/>
-                          <a:latin typeface="+mn-lt"/>
-                          <a:ea typeface="+mn-ea"/>
-                          <a:cs typeface="+mn-cs"/>
-                        </a:rPr>
-                        <a:t>6.x</a:t>
-                      </a:r>
-                    </a:p>
-                  </a:txBody>
-                  <a:tcPr marL="9525" marR="9525" marT="9525" marB="0"/>
-                </a:tc>
-                <a:tc>
-                  <a:txBody>
-                    <a:bodyPr/>
-                    <a:lstStyle/>
-                    <a:p>
-                      <a:pPr algn="l" fontAlgn="t"/>
-                      <a:r>
-                        <a:rPr lang="en-IN" sz="2400" b="0" i="0" u="none" strike="noStrike" kern="1200" dirty="0">
-                          <a:solidFill>
-                            <a:srgbClr val="512BD4"/>
-                          </a:solidFill>
-                          <a:effectLst/>
-                          <a:latin typeface="+mn-lt"/>
-                          <a:ea typeface="+mn-ea"/>
-                          <a:cs typeface="+mn-cs"/>
-                        </a:rPr>
-                        <a:t>C# 10</a:t>
-                      </a:r>
-                    </a:p>
-                  </a:txBody>
-                  <a:tcPr marL="9525" marR="9525" marT="9525" marB="0"/>
-                </a:tc>
-                <a:extLst>
-                  <a:ext uri="{0D108BD9-81ED-4DB2-BD59-A6C34878D82A}">
-                    <a16:rowId xmlns:a16="http://schemas.microsoft.com/office/drawing/2014/main" val="3122547492"/>
-                  </a:ext>
-                </a:extLst>
-              </a:tr>
-              <a:tr h="508375">
-                <a:tc>
-                  <a:txBody>
-                    <a:bodyPr/>
-                    <a:lstStyle/>
-                    <a:p>
-                      <a:pPr algn="l" fontAlgn="t"/>
-                      <a:r>
-                        <a:rPr lang="en-IN" sz="2400" b="0" i="0" u="none" strike="noStrike" kern="1200" dirty="0">
-                          <a:solidFill>
-                            <a:srgbClr val="512BD4"/>
-                          </a:solidFill>
-                          <a:effectLst/>
-                          <a:latin typeface="+mn-lt"/>
-                          <a:ea typeface="+mn-ea"/>
-                          <a:cs typeface="+mn-cs"/>
-                        </a:rPr>
-                        <a:t> .NET</a:t>
-                      </a:r>
-                    </a:p>
-                  </a:txBody>
-                  <a:tcPr marL="9525" marR="9525" marT="9525" marB="0"/>
-                </a:tc>
-                <a:tc>
-                  <a:txBody>
-                    <a:bodyPr/>
-                    <a:lstStyle/>
-                    <a:p>
-                      <a:pPr algn="l" fontAlgn="t"/>
-                      <a:r>
-                        <a:rPr lang="en-IN" sz="2400" b="0" i="0" u="none" strike="noStrike" kern="1200" dirty="0">
-                          <a:solidFill>
-                            <a:srgbClr val="512BD4"/>
-                          </a:solidFill>
-                          <a:effectLst/>
-                          <a:latin typeface="+mn-lt"/>
-                          <a:ea typeface="+mn-ea"/>
-                          <a:cs typeface="+mn-cs"/>
-                        </a:rPr>
-                        <a:t>5.x</a:t>
-                      </a:r>
-                    </a:p>
-                  </a:txBody>
-                  <a:tcPr marL="9525" marR="9525" marT="9525" marB="0"/>
-                </a:tc>
-                <a:tc>
-                  <a:txBody>
-                    <a:bodyPr/>
-                    <a:lstStyle/>
-                    <a:p>
-                      <a:pPr algn="l" fontAlgn="t"/>
-                      <a:r>
-                        <a:rPr lang="en-IN" sz="2400" b="0" i="0" u="none" strike="noStrike" kern="1200" dirty="0">
-                          <a:solidFill>
-                            <a:srgbClr val="512BD4"/>
-                          </a:solidFill>
-                          <a:effectLst/>
-                          <a:latin typeface="+mn-lt"/>
-                          <a:ea typeface="+mn-ea"/>
-                          <a:cs typeface="+mn-cs"/>
-                        </a:rPr>
-                        <a:t>C# 9.0</a:t>
-                      </a:r>
-                    </a:p>
-                  </a:txBody>
-                  <a:tcPr marL="9525" marR="9525" marT="9525" marB="0"/>
-                </a:tc>
-                <a:extLst>
-                  <a:ext uri="{0D108BD9-81ED-4DB2-BD59-A6C34878D82A}">
-                    <a16:rowId xmlns:a16="http://schemas.microsoft.com/office/drawing/2014/main" val="195026154"/>
-                  </a:ext>
-                </a:extLst>
-              </a:tr>
-              <a:tr h="508375">
-                <a:tc>
-                  <a:txBody>
-                    <a:bodyPr/>
-                    <a:lstStyle/>
-                    <a:p>
-                      <a:pPr algn="l" fontAlgn="t"/>
-                      <a:r>
-                        <a:rPr lang="en-IN" sz="2400" b="0" i="0" u="none" strike="noStrike" kern="1200" dirty="0">
-                          <a:solidFill>
-                            <a:srgbClr val="512BD4"/>
-                          </a:solidFill>
-                          <a:effectLst/>
-                          <a:latin typeface="+mn-lt"/>
-                          <a:ea typeface="+mn-ea"/>
-                          <a:cs typeface="+mn-cs"/>
-                        </a:rPr>
-                        <a:t> .NET Core</a:t>
-                      </a:r>
-                    </a:p>
-                  </a:txBody>
-                  <a:tcPr marL="9525" marR="9525" marT="9525" marB="0"/>
-                </a:tc>
-                <a:tc>
-                  <a:txBody>
-                    <a:bodyPr/>
-                    <a:lstStyle/>
-                    <a:p>
-                      <a:pPr algn="l" fontAlgn="t"/>
-                      <a:r>
-                        <a:rPr lang="en-IN" sz="2400" b="0" i="0" u="none" strike="noStrike" kern="1200" dirty="0">
-                          <a:solidFill>
-                            <a:srgbClr val="512BD4"/>
-                          </a:solidFill>
-                          <a:effectLst/>
-                          <a:latin typeface="+mn-lt"/>
-                          <a:ea typeface="+mn-ea"/>
-                          <a:cs typeface="+mn-cs"/>
-                        </a:rPr>
-                        <a:t>3.x</a:t>
-                      </a:r>
-                    </a:p>
-                  </a:txBody>
-                  <a:tcPr marL="9525" marR="9525" marT="9525" marB="0"/>
-                </a:tc>
-                <a:tc>
-                  <a:txBody>
-                    <a:bodyPr/>
-                    <a:lstStyle/>
-                    <a:p>
-                      <a:pPr algn="l" fontAlgn="t"/>
-                      <a:r>
-                        <a:rPr lang="en-IN" sz="2400" b="0" i="0" u="none" strike="noStrike" kern="1200" dirty="0">
-                          <a:solidFill>
-                            <a:srgbClr val="512BD4"/>
-                          </a:solidFill>
-                          <a:effectLst/>
-                          <a:latin typeface="+mn-lt"/>
-                          <a:ea typeface="+mn-ea"/>
-                          <a:cs typeface="+mn-cs"/>
-                        </a:rPr>
-                        <a:t>C# 8.0</a:t>
-                      </a:r>
-                    </a:p>
-                  </a:txBody>
-                  <a:tcPr marL="9525" marR="9525" marT="9525" marB="0"/>
-                </a:tc>
-                <a:extLst>
-                  <a:ext uri="{0D108BD9-81ED-4DB2-BD59-A6C34878D82A}">
-                    <a16:rowId xmlns:a16="http://schemas.microsoft.com/office/drawing/2014/main" val="3812270186"/>
-                  </a:ext>
-                </a:extLst>
-              </a:tr>
-              <a:tr h="508375">
-                <a:tc>
-                  <a:txBody>
-                    <a:bodyPr/>
-                    <a:lstStyle/>
-                    <a:p>
-                      <a:pPr algn="l" fontAlgn="t"/>
-                      <a:r>
-                        <a:rPr lang="en-IN" sz="2400" b="0" i="0" u="none" strike="noStrike" kern="1200" dirty="0">
-                          <a:solidFill>
-                            <a:srgbClr val="512BD4"/>
-                          </a:solidFill>
-                          <a:effectLst/>
-                          <a:latin typeface="+mn-lt"/>
-                          <a:ea typeface="+mn-ea"/>
-                          <a:cs typeface="+mn-cs"/>
-                        </a:rPr>
-                        <a:t> .NET Core</a:t>
-                      </a:r>
-                    </a:p>
-                  </a:txBody>
-                  <a:tcPr marL="9525" marR="9525" marT="9525" marB="0"/>
-                </a:tc>
-                <a:tc>
-                  <a:txBody>
-                    <a:bodyPr/>
-                    <a:lstStyle/>
-                    <a:p>
-                      <a:pPr algn="l" fontAlgn="t"/>
-                      <a:r>
-                        <a:rPr lang="en-IN" sz="2400" b="0" i="0" u="none" strike="noStrike" kern="1200">
-                          <a:solidFill>
-                            <a:srgbClr val="512BD4"/>
-                          </a:solidFill>
-                          <a:effectLst/>
-                          <a:latin typeface="+mn-lt"/>
-                          <a:ea typeface="+mn-ea"/>
-                          <a:cs typeface="+mn-cs"/>
-                        </a:rPr>
-                        <a:t>2.x</a:t>
-                      </a:r>
-                    </a:p>
-                  </a:txBody>
-                  <a:tcPr marL="9525" marR="9525" marT="9525" marB="0"/>
-                </a:tc>
-                <a:tc>
-                  <a:txBody>
-                    <a:bodyPr/>
-                    <a:lstStyle/>
-                    <a:p>
-                      <a:pPr algn="l" fontAlgn="t"/>
-                      <a:r>
-                        <a:rPr lang="en-IN" sz="2400" b="0" i="0" u="none" strike="noStrike" kern="1200" dirty="0">
-                          <a:solidFill>
-                            <a:srgbClr val="512BD4"/>
-                          </a:solidFill>
-                          <a:effectLst/>
-                          <a:latin typeface="+mn-lt"/>
-                          <a:ea typeface="+mn-ea"/>
-                          <a:cs typeface="+mn-cs"/>
-                        </a:rPr>
-                        <a:t>C# 7.3</a:t>
-                      </a:r>
-                    </a:p>
-                  </a:txBody>
-                  <a:tcPr marL="9525" marR="9525" marT="9525" marB="0"/>
-                </a:tc>
-                <a:extLst>
-                  <a:ext uri="{0D108BD9-81ED-4DB2-BD59-A6C34878D82A}">
-                    <a16:rowId xmlns:a16="http://schemas.microsoft.com/office/drawing/2014/main" val="3840994466"/>
-                  </a:ext>
-                </a:extLst>
-              </a:tr>
-              <a:tr h="508375">
-                <a:tc>
-                  <a:txBody>
-                    <a:bodyPr/>
-                    <a:lstStyle/>
-                    <a:p>
-                      <a:pPr algn="l" fontAlgn="t"/>
-                      <a:r>
-                        <a:rPr lang="en-IN" sz="2400" b="0" i="0" u="none" strike="noStrike" kern="1200" dirty="0">
-                          <a:solidFill>
-                            <a:srgbClr val="512BD4"/>
-                          </a:solidFill>
-                          <a:effectLst/>
-                          <a:latin typeface="+mn-lt"/>
-                          <a:ea typeface="+mn-ea"/>
-                          <a:cs typeface="+mn-cs"/>
-                        </a:rPr>
-                        <a:t> .NET Standard</a:t>
-                      </a:r>
-                    </a:p>
-                  </a:txBody>
-                  <a:tcPr marL="9525" marR="9525" marT="9525" marB="0"/>
-                </a:tc>
-                <a:tc>
-                  <a:txBody>
-                    <a:bodyPr/>
-                    <a:lstStyle/>
-                    <a:p>
-                      <a:pPr algn="l" fontAlgn="t"/>
-                      <a:r>
-                        <a:rPr lang="en-IN" sz="2400" b="0" i="0" u="none" strike="noStrike" kern="1200">
-                          <a:solidFill>
-                            <a:srgbClr val="512BD4"/>
-                          </a:solidFill>
-                          <a:effectLst/>
-                          <a:latin typeface="+mn-lt"/>
-                          <a:ea typeface="+mn-ea"/>
-                          <a:cs typeface="+mn-cs"/>
-                        </a:rPr>
-                        <a:t>2.1</a:t>
-                      </a:r>
-                    </a:p>
-                  </a:txBody>
-                  <a:tcPr marL="9525" marR="9525" marT="9525" marB="0"/>
-                </a:tc>
-                <a:tc>
-                  <a:txBody>
-                    <a:bodyPr/>
-                    <a:lstStyle/>
-                    <a:p>
-                      <a:pPr algn="l" fontAlgn="t"/>
-                      <a:r>
-                        <a:rPr lang="en-IN" sz="2400" b="0" i="0" u="none" strike="noStrike" kern="1200" dirty="0">
-                          <a:solidFill>
-                            <a:srgbClr val="512BD4"/>
-                          </a:solidFill>
-                          <a:effectLst/>
-                          <a:latin typeface="+mn-lt"/>
-                          <a:ea typeface="+mn-ea"/>
-                          <a:cs typeface="+mn-cs"/>
-                        </a:rPr>
-                        <a:t>C# 8.0</a:t>
-                      </a:r>
-                    </a:p>
-                  </a:txBody>
-                  <a:tcPr marL="9525" marR="9525" marT="9525" marB="0"/>
-                </a:tc>
-                <a:extLst>
-                  <a:ext uri="{0D108BD9-81ED-4DB2-BD59-A6C34878D82A}">
-                    <a16:rowId xmlns:a16="http://schemas.microsoft.com/office/drawing/2014/main" val="2564808944"/>
-                  </a:ext>
-                </a:extLst>
-              </a:tr>
-              <a:tr h="508375">
-                <a:tc>
-                  <a:txBody>
-                    <a:bodyPr/>
-                    <a:lstStyle/>
-                    <a:p>
-                      <a:pPr algn="l" fontAlgn="t"/>
-                      <a:r>
-                        <a:rPr lang="en-IN" sz="2400" b="0" i="0" u="none" strike="noStrike" kern="1200" dirty="0">
-                          <a:solidFill>
-                            <a:srgbClr val="512BD4"/>
-                          </a:solidFill>
-                          <a:effectLst/>
-                          <a:latin typeface="+mn-lt"/>
-                          <a:ea typeface="+mn-ea"/>
-                          <a:cs typeface="+mn-cs"/>
-                        </a:rPr>
-                        <a:t> .NET Standard</a:t>
-                      </a:r>
-                    </a:p>
-                  </a:txBody>
-                  <a:tcPr marL="9525" marR="9525" marT="9525" marB="0"/>
-                </a:tc>
-                <a:tc>
-                  <a:txBody>
-                    <a:bodyPr/>
-                    <a:lstStyle/>
-                    <a:p>
-                      <a:pPr algn="l" fontAlgn="t"/>
-                      <a:r>
-                        <a:rPr lang="en-IN" sz="2400" b="0" i="0" u="none" strike="noStrike" kern="1200">
-                          <a:solidFill>
-                            <a:srgbClr val="512BD4"/>
-                          </a:solidFill>
-                          <a:effectLst/>
-                          <a:latin typeface="+mn-lt"/>
-                          <a:ea typeface="+mn-ea"/>
-                          <a:cs typeface="+mn-cs"/>
-                        </a:rPr>
-                        <a:t>2</a:t>
-                      </a:r>
-                    </a:p>
-                  </a:txBody>
-                  <a:tcPr marL="9525" marR="9525" marT="9525" marB="0"/>
-                </a:tc>
-                <a:tc>
-                  <a:txBody>
-                    <a:bodyPr/>
-                    <a:lstStyle/>
-                    <a:p>
-                      <a:pPr algn="l" fontAlgn="t"/>
-                      <a:r>
-                        <a:rPr lang="en-IN" sz="2400" b="0" i="0" u="none" strike="noStrike" kern="1200" dirty="0">
-                          <a:solidFill>
-                            <a:srgbClr val="512BD4"/>
-                          </a:solidFill>
-                          <a:effectLst/>
-                          <a:latin typeface="+mn-lt"/>
-                          <a:ea typeface="+mn-ea"/>
-                          <a:cs typeface="+mn-cs"/>
-                        </a:rPr>
-                        <a:t>C# 7.3</a:t>
-                      </a:r>
-                    </a:p>
-                  </a:txBody>
-                  <a:tcPr marL="9525" marR="9525" marT="9525" marB="0"/>
-                </a:tc>
-                <a:extLst>
-                  <a:ext uri="{0D108BD9-81ED-4DB2-BD59-A6C34878D82A}">
-                    <a16:rowId xmlns:a16="http://schemas.microsoft.com/office/drawing/2014/main" val="3425489790"/>
-                  </a:ext>
-                </a:extLst>
-              </a:tr>
-              <a:tr h="508375">
-                <a:tc>
-                  <a:txBody>
-                    <a:bodyPr/>
-                    <a:lstStyle/>
-                    <a:p>
-                      <a:pPr algn="l" fontAlgn="t"/>
-                      <a:r>
-                        <a:rPr lang="en-IN" sz="2400" b="0" i="0" u="none" strike="noStrike" kern="1200" dirty="0">
-                          <a:solidFill>
-                            <a:srgbClr val="512BD4"/>
-                          </a:solidFill>
-                          <a:effectLst/>
-                          <a:latin typeface="+mn-lt"/>
-                          <a:ea typeface="+mn-ea"/>
-                          <a:cs typeface="+mn-cs"/>
-                        </a:rPr>
-                        <a:t> .NET Standard</a:t>
-                      </a:r>
-                    </a:p>
-                  </a:txBody>
-                  <a:tcPr marL="9525" marR="9525" marT="9525" marB="0"/>
-                </a:tc>
-                <a:tc>
-                  <a:txBody>
-                    <a:bodyPr/>
-                    <a:lstStyle/>
-                    <a:p>
-                      <a:pPr algn="l" fontAlgn="t"/>
-                      <a:r>
-                        <a:rPr lang="en-IN" sz="2400" b="0" i="0" u="none" strike="noStrike" kern="1200">
-                          <a:solidFill>
-                            <a:srgbClr val="512BD4"/>
-                          </a:solidFill>
-                          <a:effectLst/>
-                          <a:latin typeface="+mn-lt"/>
-                          <a:ea typeface="+mn-ea"/>
-                          <a:cs typeface="+mn-cs"/>
-                        </a:rPr>
-                        <a:t>1.x</a:t>
-                      </a:r>
-                    </a:p>
-                  </a:txBody>
-                  <a:tcPr marL="9525" marR="9525" marT="9525" marB="0"/>
-                </a:tc>
-                <a:tc>
-                  <a:txBody>
-                    <a:bodyPr/>
-                    <a:lstStyle/>
-                    <a:p>
-                      <a:pPr algn="l" fontAlgn="t"/>
-                      <a:r>
-                        <a:rPr lang="en-IN" sz="2400" b="0" i="0" u="none" strike="noStrike" kern="1200" dirty="0">
-                          <a:solidFill>
-                            <a:srgbClr val="512BD4"/>
-                          </a:solidFill>
-                          <a:effectLst/>
-                          <a:latin typeface="+mn-lt"/>
-                          <a:ea typeface="+mn-ea"/>
-                          <a:cs typeface="+mn-cs"/>
-                        </a:rPr>
-                        <a:t>C# 7.3</a:t>
-                      </a:r>
-                    </a:p>
-                  </a:txBody>
-                  <a:tcPr marL="9525" marR="9525" marT="9525" marB="0"/>
-                </a:tc>
-                <a:extLst>
-                  <a:ext uri="{0D108BD9-81ED-4DB2-BD59-A6C34878D82A}">
-                    <a16:rowId xmlns:a16="http://schemas.microsoft.com/office/drawing/2014/main" val="1938207946"/>
-                  </a:ext>
-                </a:extLst>
-              </a:tr>
-              <a:tr h="508375">
-                <a:tc>
-                  <a:txBody>
-                    <a:bodyPr/>
-                    <a:lstStyle/>
-                    <a:p>
-                      <a:pPr algn="l" fontAlgn="t"/>
-                      <a:r>
-                        <a:rPr lang="en-IN" sz="2400" b="0" i="0" u="none" strike="noStrike" kern="1200" dirty="0">
-                          <a:solidFill>
-                            <a:srgbClr val="512BD4"/>
-                          </a:solidFill>
-                          <a:effectLst/>
-                          <a:latin typeface="+mn-lt"/>
-                          <a:ea typeface="+mn-ea"/>
-                          <a:cs typeface="+mn-cs"/>
-                        </a:rPr>
-                        <a:t> .NET Framework</a:t>
-                      </a:r>
-                    </a:p>
-                  </a:txBody>
-                  <a:tcPr marL="9525" marR="9525" marT="9525" marB="0"/>
-                </a:tc>
-                <a:tc>
-                  <a:txBody>
-                    <a:bodyPr/>
-                    <a:lstStyle/>
-                    <a:p>
-                      <a:pPr algn="l" fontAlgn="t"/>
-                      <a:r>
-                        <a:rPr lang="en-IN" sz="2400" b="0" i="0" u="none" strike="noStrike" kern="1200" dirty="0">
-                          <a:solidFill>
-                            <a:srgbClr val="512BD4"/>
-                          </a:solidFill>
-                          <a:effectLst/>
-                          <a:latin typeface="+mn-lt"/>
-                          <a:ea typeface="+mn-ea"/>
-                          <a:cs typeface="+mn-cs"/>
-                        </a:rPr>
-                        <a:t>all</a:t>
-                      </a:r>
-                    </a:p>
-                  </a:txBody>
-                  <a:tcPr marL="9525" marR="9525" marT="9525" marB="0"/>
-                </a:tc>
-                <a:tc>
-                  <a:txBody>
-                    <a:bodyPr/>
-                    <a:lstStyle/>
-                    <a:p>
-                      <a:pPr algn="l" fontAlgn="t"/>
-                      <a:r>
-                        <a:rPr lang="en-IN" sz="2400" b="0" i="0" u="none" strike="noStrike" kern="1200" dirty="0">
-                          <a:solidFill>
-                            <a:srgbClr val="512BD4"/>
-                          </a:solidFill>
-                          <a:effectLst/>
-                          <a:latin typeface="+mn-lt"/>
-                          <a:ea typeface="+mn-ea"/>
-                          <a:cs typeface="+mn-cs"/>
-                        </a:rPr>
-                        <a:t>C# 7.3</a:t>
-                      </a:r>
-                    </a:p>
-                  </a:txBody>
-                  <a:tcPr marL="9525" marR="9525" marT="9525" marB="0"/>
-                </a:tc>
-                <a:extLst>
-                  <a:ext uri="{0D108BD9-81ED-4DB2-BD59-A6C34878D82A}">
-                    <a16:rowId xmlns:a16="http://schemas.microsoft.com/office/drawing/2014/main" val="2865779591"/>
-                  </a:ext>
-                </a:extLst>
-              </a:tr>
-            </a:tbl>
-          </a:graphicData>
-        </a:graphic>
-      </p:graphicFrame>
-    </p:spTree>
-    <p:extLst>
-      <p:ext uri="{BB962C8B-B14F-4D97-AF65-F5344CB8AC3E}">
-        <p14:creationId xmlns:p14="http://schemas.microsoft.com/office/powerpoint/2010/main" val="2364193326"/>
-      </p:ext>
-    </p:extLst>
-  </p:cSld>
-  <p:clrMapOvr>
-    <a:masterClrMapping/>
-  </p:clrMapOvr>
+  <p:transition spd="slow">
+    <p:wipe/>
+  </p:transition>
 </p:sld>
 </file>
 

--- a/docs/C Sharp Programming Language - Fundaments.pptx
+++ b/docs/C Sharp Programming Language - Fundaments.pptx
@@ -27,13 +27,16 @@
     <p:sldId id="284" r:id="rId21"/>
     <p:sldId id="286" r:id="rId22"/>
     <p:sldId id="285" r:id="rId23"/>
-    <p:sldId id="274" r:id="rId24"/>
-    <p:sldId id="273" r:id="rId25"/>
-    <p:sldId id="275" r:id="rId26"/>
-    <p:sldId id="277" r:id="rId27"/>
-    <p:sldId id="279" r:id="rId28"/>
-    <p:sldId id="278" r:id="rId29"/>
-    <p:sldId id="276" r:id="rId30"/>
+    <p:sldId id="288" r:id="rId24"/>
+    <p:sldId id="289" r:id="rId25"/>
+    <p:sldId id="290" r:id="rId26"/>
+    <p:sldId id="274" r:id="rId27"/>
+    <p:sldId id="273" r:id="rId28"/>
+    <p:sldId id="275" r:id="rId29"/>
+    <p:sldId id="277" r:id="rId30"/>
+    <p:sldId id="279" r:id="rId31"/>
+    <p:sldId id="278" r:id="rId32"/>
+    <p:sldId id="276" r:id="rId33"/>
   </p:sldIdLst>
   <p:sldSz cx="12192000" cy="6858000"/>
   <p:notesSz cx="6858000" cy="9144000"/>
@@ -31340,6 +31343,593 @@
 </file>
 
 <file path=ppt/slides/slide23.xml><?xml version="1.0" encoding="utf-8"?>
+<p:sld xmlns:a="http://schemas.openxmlformats.org/drawingml/2006/main" xmlns:r="http://schemas.openxmlformats.org/officeDocument/2006/relationships" xmlns:p="http://schemas.openxmlformats.org/presentationml/2006/main">
+  <p:cSld>
+    <p:spTree>
+      <p:nvGrpSpPr>
+        <p:cNvPr id="1" name=""/>
+        <p:cNvGrpSpPr/>
+        <p:nvPr/>
+      </p:nvGrpSpPr>
+      <p:grpSpPr>
+        <a:xfrm>
+          <a:off x="0" y="0"/>
+          <a:ext cx="0" cy="0"/>
+          <a:chOff x="0" y="0"/>
+          <a:chExt cx="0" cy="0"/>
+        </a:xfrm>
+      </p:grpSpPr>
+      <p:sp>
+        <p:nvSpPr>
+          <p:cNvPr id="16" name="Title 1">
+            <a:extLst>
+              <a:ext uri="{FF2B5EF4-FFF2-40B4-BE49-F238E27FC236}">
+                <a16:creationId xmlns:a16="http://schemas.microsoft.com/office/drawing/2014/main" id="{76313198-D0F8-FC16-46FF-9E9D38E118E3}"/>
+              </a:ext>
+            </a:extLst>
+          </p:cNvPr>
+          <p:cNvSpPr txBox="1">
+            <a:spLocks/>
+          </p:cNvSpPr>
+          <p:nvPr/>
+        </p:nvSpPr>
+        <p:spPr>
+          <a:xfrm>
+            <a:off x="0" y="107951"/>
+            <a:ext cx="5929313" cy="606424"/>
+          </a:xfrm>
+          <a:prstGeom prst="rect">
+            <a:avLst/>
+          </a:prstGeom>
+        </p:spPr>
+        <p:txBody>
+          <a:bodyPr>
+            <a:normAutofit lnSpcReduction="10000"/>
+          </a:bodyPr>
+          <a:lstStyle>
+            <a:lvl1pPr algn="l" defTabSz="914400" rtl="0" eaLnBrk="1" latinLnBrk="0" hangingPunct="1">
+              <a:lnSpc>
+                <a:spcPct val="90000"/>
+              </a:lnSpc>
+              <a:spcBef>
+                <a:spcPct val="0"/>
+              </a:spcBef>
+              <a:buNone/>
+              <a:defRPr sz="4400" kern="1200">
+                <a:solidFill>
+                  <a:schemeClr val="tx1"/>
+                </a:solidFill>
+                <a:latin typeface="+mj-lt"/>
+                <a:ea typeface="+mj-ea"/>
+                <a:cs typeface="+mj-cs"/>
+              </a:defRPr>
+            </a:lvl1pPr>
+          </a:lstStyle>
+          <a:p>
+            <a:r>
+              <a:rPr lang="en-IN" sz="4000" dirty="0">
+                <a:solidFill>
+                  <a:srgbClr val="512BD4"/>
+                </a:solidFill>
+                <a:latin typeface="+mn-lt"/>
+              </a:rPr>
+              <a:t>using statement</a:t>
+            </a:r>
+            <a:endParaRPr lang="en-IN" sz="5400" dirty="0">
+              <a:solidFill>
+                <a:srgbClr val="512BD4"/>
+              </a:solidFill>
+              <a:latin typeface="+mn-lt"/>
+            </a:endParaRPr>
+          </a:p>
+        </p:txBody>
+      </p:sp>
+      <p:sp>
+        <p:nvSpPr>
+          <p:cNvPr id="2" name="TextBox 1">
+            <a:extLst>
+              <a:ext uri="{FF2B5EF4-FFF2-40B4-BE49-F238E27FC236}">
+                <a16:creationId xmlns:a16="http://schemas.microsoft.com/office/drawing/2014/main" id="{FA3454D0-7C54-C356-68CF-443BBC0CEAB3}"/>
+              </a:ext>
+            </a:extLst>
+          </p:cNvPr>
+          <p:cNvSpPr txBox="1"/>
+          <p:nvPr/>
+        </p:nvSpPr>
+        <p:spPr>
+          <a:xfrm>
+            <a:off x="1" y="828675"/>
+            <a:ext cx="11801474" cy="2862322"/>
+          </a:xfrm>
+          <a:prstGeom prst="rect">
+            <a:avLst/>
+          </a:prstGeom>
+          <a:noFill/>
+        </p:spPr>
+        <p:txBody>
+          <a:bodyPr wrap="square" rtlCol="0">
+            <a:spAutoFit/>
+          </a:bodyPr>
+          <a:lstStyle/>
+          <a:p>
+            <a:pPr marL="285750" indent="-285750">
+              <a:buFont typeface="Arial" panose="020B0604020202020204" pitchFamily="34" charset="0"/>
+              <a:buChar char="•"/>
+            </a:pPr>
+            <a:r>
+              <a:rPr lang="en-US" sz="2000" b="1" i="0" dirty="0">
+                <a:solidFill>
+                  <a:srgbClr val="512BD4"/>
+                </a:solidFill>
+                <a:effectLst/>
+              </a:rPr>
+              <a:t>using </a:t>
+            </a:r>
+            <a:r>
+              <a:rPr lang="en-US" sz="2000" i="0" dirty="0">
+                <a:solidFill>
+                  <a:srgbClr val="512BD4"/>
+                </a:solidFill>
+                <a:effectLst/>
+              </a:rPr>
+              <a:t>block can be used on the objects or instances of the classes which inherits from </a:t>
+            </a:r>
+            <a:r>
+              <a:rPr lang="en-US" sz="2000" i="0" dirty="0" err="1">
+                <a:solidFill>
+                  <a:srgbClr val="512BD4"/>
+                </a:solidFill>
+                <a:effectLst/>
+              </a:rPr>
+              <a:t>IDisposable</a:t>
+            </a:r>
+            <a:r>
+              <a:rPr lang="en-US" sz="2000" i="0" dirty="0">
+                <a:solidFill>
+                  <a:srgbClr val="512BD4"/>
+                </a:solidFill>
+                <a:effectLst/>
+              </a:rPr>
+              <a:t> class and implements Dispose method.</a:t>
+            </a:r>
+            <a:endParaRPr lang="en-US" sz="2000" b="1" i="0" dirty="0">
+              <a:solidFill>
+                <a:srgbClr val="512BD4"/>
+              </a:solidFill>
+              <a:effectLst/>
+            </a:endParaRPr>
+          </a:p>
+          <a:p>
+            <a:pPr marL="285750" indent="-285750">
+              <a:buFont typeface="Arial" panose="020B0604020202020204" pitchFamily="34" charset="0"/>
+              <a:buChar char="•"/>
+            </a:pPr>
+            <a:r>
+              <a:rPr lang="en-US" sz="2000" b="1" i="0" dirty="0">
+                <a:solidFill>
+                  <a:srgbClr val="512BD4"/>
+                </a:solidFill>
+                <a:effectLst/>
+              </a:rPr>
+              <a:t>using</a:t>
+            </a:r>
+            <a:r>
+              <a:rPr lang="en-US" sz="2000" b="0" i="0" dirty="0">
+                <a:solidFill>
+                  <a:srgbClr val="512BD4"/>
+                </a:solidFill>
+                <a:effectLst/>
+              </a:rPr>
+              <a:t> block does ensure that the object Dispose method will always be invoked, no matter if an exception is thrown or not.</a:t>
+            </a:r>
+          </a:p>
+          <a:p>
+            <a:pPr marL="285750" indent="-285750">
+              <a:buFont typeface="Arial" panose="020B0604020202020204" pitchFamily="34" charset="0"/>
+              <a:buChar char="•"/>
+            </a:pPr>
+            <a:r>
+              <a:rPr lang="en-US" sz="2000" b="0" i="0" dirty="0">
+                <a:solidFill>
+                  <a:srgbClr val="512BD4"/>
+                </a:solidFill>
+                <a:effectLst/>
+              </a:rPr>
+              <a:t>Dispose is a method used to clean up resources. In the case of a DB connection, the connection is released or closed, which is important.</a:t>
+            </a:r>
+          </a:p>
+          <a:p>
+            <a:endParaRPr lang="en-US" sz="2000" b="0" i="0" dirty="0">
+              <a:solidFill>
+                <a:srgbClr val="512BD4"/>
+              </a:solidFill>
+              <a:effectLst/>
+            </a:endParaRPr>
+          </a:p>
+          <a:p>
+            <a:r>
+              <a:rPr lang="en-US" sz="2000" b="0" i="1" dirty="0">
+                <a:solidFill>
+                  <a:srgbClr val="512BD4"/>
+                </a:solidFill>
+                <a:effectLst/>
+              </a:rPr>
+              <a:t>Note: The equivalent of using is a try finally, which includes a call to Dispose within the finally block.</a:t>
+            </a:r>
+          </a:p>
+          <a:p>
+            <a:endParaRPr lang="en-US" sz="2000" b="0" i="0" dirty="0">
+              <a:solidFill>
+                <a:srgbClr val="512BD4"/>
+              </a:solidFill>
+              <a:effectLst/>
+            </a:endParaRPr>
+          </a:p>
+        </p:txBody>
+      </p:sp>
+      <p:pic>
+        <p:nvPicPr>
+          <p:cNvPr id="15" name="Picture 14">
+            <a:extLst>
+              <a:ext uri="{FF2B5EF4-FFF2-40B4-BE49-F238E27FC236}">
+                <a16:creationId xmlns:a16="http://schemas.microsoft.com/office/drawing/2014/main" id="{B95AD6B2-6289-7503-2976-9693238304AB}"/>
+              </a:ext>
+            </a:extLst>
+          </p:cNvPr>
+          <p:cNvPicPr>
+            <a:picLocks noChangeAspect="1"/>
+          </p:cNvPicPr>
+          <p:nvPr/>
+        </p:nvPicPr>
+        <p:blipFill>
+          <a:blip r:embed="rId2"/>
+          <a:stretch>
+            <a:fillRect/>
+          </a:stretch>
+        </p:blipFill>
+        <p:spPr>
+          <a:xfrm>
+            <a:off x="180976" y="3805297"/>
+            <a:ext cx="3990975" cy="1752600"/>
+          </a:xfrm>
+          <a:prstGeom prst="rect">
+            <a:avLst/>
+          </a:prstGeom>
+        </p:spPr>
+      </p:pic>
+      <p:pic>
+        <p:nvPicPr>
+          <p:cNvPr id="18" name="Picture 17">
+            <a:extLst>
+              <a:ext uri="{FF2B5EF4-FFF2-40B4-BE49-F238E27FC236}">
+                <a16:creationId xmlns:a16="http://schemas.microsoft.com/office/drawing/2014/main" id="{D06850D4-2204-1EC4-E7B7-68D420A27AEB}"/>
+              </a:ext>
+            </a:extLst>
+          </p:cNvPr>
+          <p:cNvPicPr>
+            <a:picLocks noChangeAspect="1"/>
+          </p:cNvPicPr>
+          <p:nvPr/>
+        </p:nvPicPr>
+        <p:blipFill>
+          <a:blip r:embed="rId3"/>
+          <a:stretch>
+            <a:fillRect/>
+          </a:stretch>
+        </p:blipFill>
+        <p:spPr>
+          <a:xfrm>
+            <a:off x="4829174" y="3805297"/>
+            <a:ext cx="6162675" cy="2190750"/>
+          </a:xfrm>
+          <a:prstGeom prst="rect">
+            <a:avLst/>
+          </a:prstGeom>
+        </p:spPr>
+      </p:pic>
+    </p:spTree>
+    <p:extLst>
+      <p:ext uri="{BB962C8B-B14F-4D97-AF65-F5344CB8AC3E}">
+        <p14:creationId xmlns:p14="http://schemas.microsoft.com/office/powerpoint/2010/main" val="242857848"/>
+      </p:ext>
+    </p:extLst>
+  </p:cSld>
+  <p:clrMapOvr>
+    <a:masterClrMapping/>
+  </p:clrMapOvr>
+  <p:transition spd="slow">
+    <p:wipe/>
+  </p:transition>
+</p:sld>
+</file>
+
+<file path=ppt/slides/slide24.xml><?xml version="1.0" encoding="utf-8"?>
+<p:sld xmlns:a="http://schemas.openxmlformats.org/drawingml/2006/main" xmlns:r="http://schemas.openxmlformats.org/officeDocument/2006/relationships" xmlns:p="http://schemas.openxmlformats.org/presentationml/2006/main">
+  <p:cSld>
+    <p:spTree>
+      <p:nvGrpSpPr>
+        <p:cNvPr id="1" name=""/>
+        <p:cNvGrpSpPr/>
+        <p:nvPr/>
+      </p:nvGrpSpPr>
+      <p:grpSpPr>
+        <a:xfrm>
+          <a:off x="0" y="0"/>
+          <a:ext cx="0" cy="0"/>
+          <a:chOff x="0" y="0"/>
+          <a:chExt cx="0" cy="0"/>
+        </a:xfrm>
+      </p:grpSpPr>
+      <p:sp>
+        <p:nvSpPr>
+          <p:cNvPr id="16" name="Title 1">
+            <a:extLst>
+              <a:ext uri="{FF2B5EF4-FFF2-40B4-BE49-F238E27FC236}">
+                <a16:creationId xmlns:a16="http://schemas.microsoft.com/office/drawing/2014/main" id="{76313198-D0F8-FC16-46FF-9E9D38E118E3}"/>
+              </a:ext>
+            </a:extLst>
+          </p:cNvPr>
+          <p:cNvSpPr txBox="1">
+            <a:spLocks/>
+          </p:cNvSpPr>
+          <p:nvPr/>
+        </p:nvSpPr>
+        <p:spPr>
+          <a:xfrm>
+            <a:off x="0" y="107951"/>
+            <a:ext cx="3990975" cy="606424"/>
+          </a:xfrm>
+          <a:prstGeom prst="rect">
+            <a:avLst/>
+          </a:prstGeom>
+        </p:spPr>
+        <p:txBody>
+          <a:bodyPr>
+            <a:normAutofit lnSpcReduction="10000"/>
+          </a:bodyPr>
+          <a:lstStyle>
+            <a:lvl1pPr algn="l" defTabSz="914400" rtl="0" eaLnBrk="1" latinLnBrk="0" hangingPunct="1">
+              <a:lnSpc>
+                <a:spcPct val="90000"/>
+              </a:lnSpc>
+              <a:spcBef>
+                <a:spcPct val="0"/>
+              </a:spcBef>
+              <a:buNone/>
+              <a:defRPr sz="4400" kern="1200">
+                <a:solidFill>
+                  <a:schemeClr val="tx1"/>
+                </a:solidFill>
+                <a:latin typeface="+mj-lt"/>
+                <a:ea typeface="+mj-ea"/>
+                <a:cs typeface="+mj-cs"/>
+              </a:defRPr>
+            </a:lvl1pPr>
+          </a:lstStyle>
+          <a:p>
+            <a:r>
+              <a:rPr lang="en-IN" sz="4000" dirty="0">
+                <a:solidFill>
+                  <a:srgbClr val="512BD4"/>
+                </a:solidFill>
+                <a:latin typeface="+mn-lt"/>
+              </a:rPr>
+              <a:t>using statement</a:t>
+            </a:r>
+            <a:endParaRPr lang="en-IN" sz="5400" dirty="0">
+              <a:solidFill>
+                <a:srgbClr val="512BD4"/>
+              </a:solidFill>
+              <a:latin typeface="+mn-lt"/>
+            </a:endParaRPr>
+          </a:p>
+        </p:txBody>
+      </p:sp>
+      <p:pic>
+        <p:nvPicPr>
+          <p:cNvPr id="11" name="Picture 10">
+            <a:extLst>
+              <a:ext uri="{FF2B5EF4-FFF2-40B4-BE49-F238E27FC236}">
+                <a16:creationId xmlns:a16="http://schemas.microsoft.com/office/drawing/2014/main" id="{12811A23-4055-EF8A-2554-03911A51F38E}"/>
+              </a:ext>
+            </a:extLst>
+          </p:cNvPr>
+          <p:cNvPicPr>
+            <a:picLocks noChangeAspect="1"/>
+          </p:cNvPicPr>
+          <p:nvPr/>
+        </p:nvPicPr>
+        <p:blipFill>
+          <a:blip r:embed="rId2"/>
+          <a:stretch>
+            <a:fillRect/>
+          </a:stretch>
+        </p:blipFill>
+        <p:spPr>
+          <a:xfrm>
+            <a:off x="123826" y="714375"/>
+            <a:ext cx="3990975" cy="1752600"/>
+          </a:xfrm>
+          <a:prstGeom prst="rect">
+            <a:avLst/>
+          </a:prstGeom>
+        </p:spPr>
+      </p:pic>
+      <p:pic>
+        <p:nvPicPr>
+          <p:cNvPr id="14" name="Picture 13">
+            <a:extLst>
+              <a:ext uri="{FF2B5EF4-FFF2-40B4-BE49-F238E27FC236}">
+                <a16:creationId xmlns:a16="http://schemas.microsoft.com/office/drawing/2014/main" id="{033EDD97-5907-CDDC-205C-FFA530670BA9}"/>
+              </a:ext>
+            </a:extLst>
+          </p:cNvPr>
+          <p:cNvPicPr>
+            <a:picLocks noChangeAspect="1"/>
+          </p:cNvPicPr>
+          <p:nvPr/>
+        </p:nvPicPr>
+        <p:blipFill>
+          <a:blip r:embed="rId3"/>
+          <a:stretch>
+            <a:fillRect/>
+          </a:stretch>
+        </p:blipFill>
+        <p:spPr>
+          <a:xfrm>
+            <a:off x="4514852" y="714375"/>
+            <a:ext cx="7372350" cy="5953125"/>
+          </a:xfrm>
+          <a:prstGeom prst="rect">
+            <a:avLst/>
+          </a:prstGeom>
+        </p:spPr>
+      </p:pic>
+    </p:spTree>
+    <p:extLst>
+      <p:ext uri="{BB962C8B-B14F-4D97-AF65-F5344CB8AC3E}">
+        <p14:creationId xmlns:p14="http://schemas.microsoft.com/office/powerpoint/2010/main" val="2313395976"/>
+      </p:ext>
+    </p:extLst>
+  </p:cSld>
+  <p:clrMapOvr>
+    <a:masterClrMapping/>
+  </p:clrMapOvr>
+  <p:transition spd="slow">
+    <p:wipe/>
+  </p:transition>
+</p:sld>
+</file>
+
+<file path=ppt/slides/slide25.xml><?xml version="1.0" encoding="utf-8"?>
+<p:sld xmlns:a="http://schemas.openxmlformats.org/drawingml/2006/main" xmlns:r="http://schemas.openxmlformats.org/officeDocument/2006/relationships" xmlns:p="http://schemas.openxmlformats.org/presentationml/2006/main">
+  <p:cSld>
+    <p:spTree>
+      <p:nvGrpSpPr>
+        <p:cNvPr id="1" name=""/>
+        <p:cNvGrpSpPr/>
+        <p:nvPr/>
+      </p:nvGrpSpPr>
+      <p:grpSpPr>
+        <a:xfrm>
+          <a:off x="0" y="0"/>
+          <a:ext cx="0" cy="0"/>
+          <a:chOff x="0" y="0"/>
+          <a:chExt cx="0" cy="0"/>
+        </a:xfrm>
+      </p:grpSpPr>
+      <p:sp>
+        <p:nvSpPr>
+          <p:cNvPr id="16" name="Title 1">
+            <a:extLst>
+              <a:ext uri="{FF2B5EF4-FFF2-40B4-BE49-F238E27FC236}">
+                <a16:creationId xmlns:a16="http://schemas.microsoft.com/office/drawing/2014/main" id="{76313198-D0F8-FC16-46FF-9E9D38E118E3}"/>
+              </a:ext>
+            </a:extLst>
+          </p:cNvPr>
+          <p:cNvSpPr txBox="1">
+            <a:spLocks/>
+          </p:cNvSpPr>
+          <p:nvPr/>
+        </p:nvSpPr>
+        <p:spPr>
+          <a:xfrm>
+            <a:off x="0" y="107951"/>
+            <a:ext cx="8015288" cy="606424"/>
+          </a:xfrm>
+          <a:prstGeom prst="rect">
+            <a:avLst/>
+          </a:prstGeom>
+        </p:spPr>
+        <p:txBody>
+          <a:bodyPr>
+            <a:normAutofit lnSpcReduction="10000"/>
+          </a:bodyPr>
+          <a:lstStyle>
+            <a:lvl1pPr algn="l" defTabSz="914400" rtl="0" eaLnBrk="1" latinLnBrk="0" hangingPunct="1">
+              <a:lnSpc>
+                <a:spcPct val="90000"/>
+              </a:lnSpc>
+              <a:spcBef>
+                <a:spcPct val="0"/>
+              </a:spcBef>
+              <a:buNone/>
+              <a:defRPr sz="4400" kern="1200">
+                <a:solidFill>
+                  <a:schemeClr val="tx1"/>
+                </a:solidFill>
+                <a:latin typeface="+mj-lt"/>
+                <a:ea typeface="+mj-ea"/>
+                <a:cs typeface="+mj-cs"/>
+              </a:defRPr>
+            </a:lvl1pPr>
+          </a:lstStyle>
+          <a:p>
+            <a:r>
+              <a:rPr lang="en-IN" sz="4000" dirty="0">
+                <a:solidFill>
+                  <a:srgbClr val="512BD4"/>
+                </a:solidFill>
+                <a:latin typeface="+mn-lt"/>
+              </a:rPr>
+              <a:t>using statement example</a:t>
+            </a:r>
+            <a:endParaRPr lang="en-IN" sz="5400" dirty="0">
+              <a:solidFill>
+                <a:srgbClr val="512BD4"/>
+              </a:solidFill>
+              <a:latin typeface="+mn-lt"/>
+            </a:endParaRPr>
+          </a:p>
+        </p:txBody>
+      </p:sp>
+      <p:pic>
+        <p:nvPicPr>
+          <p:cNvPr id="3" name="Picture 2">
+            <a:extLst>
+              <a:ext uri="{FF2B5EF4-FFF2-40B4-BE49-F238E27FC236}">
+                <a16:creationId xmlns:a16="http://schemas.microsoft.com/office/drawing/2014/main" id="{25DDDBB3-3A5D-4FED-FFF0-0B664F1D5A6C}"/>
+              </a:ext>
+            </a:extLst>
+          </p:cNvPr>
+          <p:cNvPicPr>
+            <a:picLocks noChangeAspect="1"/>
+          </p:cNvPicPr>
+          <p:nvPr/>
+        </p:nvPicPr>
+        <p:blipFill>
+          <a:blip r:embed="rId2"/>
+          <a:stretch>
+            <a:fillRect/>
+          </a:stretch>
+        </p:blipFill>
+        <p:spPr>
+          <a:xfrm>
+            <a:off x="230137" y="825499"/>
+            <a:ext cx="8924925" cy="5924550"/>
+          </a:xfrm>
+          <a:prstGeom prst="rect">
+            <a:avLst/>
+          </a:prstGeom>
+        </p:spPr>
+      </p:pic>
+    </p:spTree>
+    <p:extLst>
+      <p:ext uri="{BB962C8B-B14F-4D97-AF65-F5344CB8AC3E}">
+        <p14:creationId xmlns:p14="http://schemas.microsoft.com/office/powerpoint/2010/main" val="1791741464"/>
+      </p:ext>
+    </p:extLst>
+  </p:cSld>
+  <p:clrMapOvr>
+    <a:masterClrMapping/>
+  </p:clrMapOvr>
+  <p:transition spd="slow">
+    <p:wipe/>
+  </p:transition>
+</p:sld>
+</file>
+
+<file path=ppt/slides/slide26.xml><?xml version="1.0" encoding="utf-8"?>
 <p:sld xmlns:a="http://schemas.openxmlformats.org/drawingml/2006/main" xmlns:r="http://schemas.openxmlformats.org/officeDocument/2006/relationships" xmlns:p="http://schemas.openxmlformats.org/presentationml/2006/main" show="0">
   <p:cSld>
     <p:spTree>
@@ -31578,7 +32168,7 @@
 </p:sld>
 </file>
 
-<file path=ppt/slides/slide24.xml><?xml version="1.0" encoding="utf-8"?>
+<file path=ppt/slides/slide27.xml><?xml version="1.0" encoding="utf-8"?>
 <p:sld xmlns:a="http://schemas.openxmlformats.org/drawingml/2006/main" xmlns:r="http://schemas.openxmlformats.org/officeDocument/2006/relationships" xmlns:p="http://schemas.openxmlformats.org/presentationml/2006/main" show="0">
   <p:cSld>
     <p:spTree>
@@ -31918,7 +32508,7 @@
 </p:sld>
 </file>
 
-<file path=ppt/slides/slide25.xml><?xml version="1.0" encoding="utf-8"?>
+<file path=ppt/slides/slide28.xml><?xml version="1.0" encoding="utf-8"?>
 <p:sld xmlns:a="http://schemas.openxmlformats.org/drawingml/2006/main" xmlns:r="http://schemas.openxmlformats.org/officeDocument/2006/relationships" xmlns:p="http://schemas.openxmlformats.org/presentationml/2006/main" show="0">
   <p:cSld>
     <p:bg>
@@ -32090,7 +32680,7 @@
 </p:sld>
 </file>
 
-<file path=ppt/slides/slide26.xml><?xml version="1.0" encoding="utf-8"?>
+<file path=ppt/slides/slide29.xml><?xml version="1.0" encoding="utf-8"?>
 <p:sld xmlns:a="http://schemas.openxmlformats.org/drawingml/2006/main" xmlns:r="http://schemas.openxmlformats.org/officeDocument/2006/relationships" xmlns:p="http://schemas.openxmlformats.org/presentationml/2006/main" show="0">
   <p:cSld>
     <p:bg>
@@ -32244,7 +32834,297 @@
 </p:sld>
 </file>
 
-<file path=ppt/slides/slide27.xml><?xml version="1.0" encoding="utf-8"?>
+<file path=ppt/slides/slide3.xml><?xml version="1.0" encoding="utf-8"?>
+<p:sld xmlns:a="http://schemas.openxmlformats.org/drawingml/2006/main" xmlns:r="http://schemas.openxmlformats.org/officeDocument/2006/relationships" xmlns:p="http://schemas.openxmlformats.org/presentationml/2006/main">
+  <p:cSld>
+    <p:bg>
+      <p:bgPr>
+        <a:solidFill>
+          <a:srgbClr val="FCFCFE"/>
+        </a:solidFill>
+        <a:effectLst/>
+      </p:bgPr>
+    </p:bg>
+    <p:spTree>
+      <p:nvGrpSpPr>
+        <p:cNvPr id="1" name=""/>
+        <p:cNvGrpSpPr/>
+        <p:nvPr/>
+      </p:nvGrpSpPr>
+      <p:grpSpPr>
+        <a:xfrm>
+          <a:off x="0" y="0"/>
+          <a:ext cx="0" cy="0"/>
+          <a:chOff x="0" y="0"/>
+          <a:chExt cx="0" cy="0"/>
+        </a:xfrm>
+      </p:grpSpPr>
+      <p:sp>
+        <p:nvSpPr>
+          <p:cNvPr id="2" name="Title 1">
+            <a:extLst>
+              <a:ext uri="{FF2B5EF4-FFF2-40B4-BE49-F238E27FC236}">
+                <a16:creationId xmlns:a16="http://schemas.microsoft.com/office/drawing/2014/main" id="{9A25AB19-4C6F-993C-1717-E907AA41922C}"/>
+              </a:ext>
+            </a:extLst>
+          </p:cNvPr>
+          <p:cNvSpPr>
+            <a:spLocks noGrp="1"/>
+          </p:cNvSpPr>
+          <p:nvPr>
+            <p:ph type="title"/>
+          </p:nvPr>
+        </p:nvSpPr>
+        <p:spPr>
+          <a:xfrm>
+            <a:off x="138112" y="122238"/>
+            <a:ext cx="10515600" cy="749300"/>
+          </a:xfrm>
+        </p:spPr>
+        <p:txBody>
+          <a:bodyPr>
+            <a:normAutofit/>
+          </a:bodyPr>
+          <a:lstStyle/>
+          <a:p>
+            <a:r>
+              <a:rPr lang="en-IN" sz="4000" dirty="0">
+                <a:solidFill>
+                  <a:srgbClr val="512BD4"/>
+                </a:solidFill>
+                <a:latin typeface="+mn-lt"/>
+              </a:rPr>
+              <a:t>Overview</a:t>
+            </a:r>
+          </a:p>
+        </p:txBody>
+      </p:sp>
+      <p:sp>
+        <p:nvSpPr>
+          <p:cNvPr id="3" name="Content Placeholder 2">
+            <a:extLst>
+              <a:ext uri="{FF2B5EF4-FFF2-40B4-BE49-F238E27FC236}">
+                <a16:creationId xmlns:a16="http://schemas.microsoft.com/office/drawing/2014/main" id="{8E617E8A-B0A4-4BB1-288E-20AE5C3C5FD0}"/>
+              </a:ext>
+            </a:extLst>
+          </p:cNvPr>
+          <p:cNvSpPr>
+            <a:spLocks noGrp="1"/>
+          </p:cNvSpPr>
+          <p:nvPr>
+            <p:ph sz="half" idx="1"/>
+          </p:nvPr>
+        </p:nvSpPr>
+        <p:spPr>
+          <a:xfrm>
+            <a:off x="381000" y="1143001"/>
+            <a:ext cx="5181600" cy="4791075"/>
+          </a:xfrm>
+        </p:spPr>
+        <p:txBody>
+          <a:bodyPr/>
+          <a:lstStyle/>
+          <a:p>
+            <a:r>
+              <a:rPr lang="en-US" dirty="0">
+                <a:solidFill>
+                  <a:srgbClr val="512BD4"/>
+                </a:solidFill>
+              </a:rPr>
+              <a:t>Introduction</a:t>
+            </a:r>
+          </a:p>
+          <a:p>
+            <a:r>
+              <a:rPr lang="en-US" dirty="0">
+                <a:solidFill>
+                  <a:srgbClr val="512BD4"/>
+                </a:solidFill>
+              </a:rPr>
+              <a:t>.NET Overview?</a:t>
+            </a:r>
+          </a:p>
+          <a:p>
+            <a:r>
+              <a:rPr lang="en-US" dirty="0">
+                <a:solidFill>
+                  <a:srgbClr val="512BD4"/>
+                </a:solidFill>
+              </a:rPr>
+              <a:t>Our First C# program</a:t>
+            </a:r>
+          </a:p>
+          <a:p>
+            <a:r>
+              <a:rPr lang="en-US" dirty="0">
+                <a:solidFill>
+                  <a:srgbClr val="512BD4"/>
+                </a:solidFill>
+              </a:rPr>
+              <a:t>IDE – Visual Studio quick tour</a:t>
+            </a:r>
+          </a:p>
+          <a:p>
+            <a:r>
+              <a:rPr lang="en-US" dirty="0">
+                <a:solidFill>
+                  <a:srgbClr val="512BD4"/>
+                </a:solidFill>
+              </a:rPr>
+              <a:t>C# syntax</a:t>
+            </a:r>
+          </a:p>
+          <a:p>
+            <a:r>
+              <a:rPr lang="en-US" dirty="0">
+                <a:solidFill>
+                  <a:srgbClr val="512BD4"/>
+                </a:solidFill>
+              </a:rPr>
+              <a:t>Variables and Data Types</a:t>
+            </a:r>
+          </a:p>
+          <a:p>
+            <a:r>
+              <a:rPr lang="en-US" dirty="0">
+                <a:solidFill>
+                  <a:srgbClr val="512BD4"/>
+                </a:solidFill>
+              </a:rPr>
+              <a:t>Type Conversions</a:t>
+            </a:r>
+          </a:p>
+          <a:p>
+            <a:r>
+              <a:rPr lang="en-US" dirty="0">
+                <a:solidFill>
+                  <a:srgbClr val="512BD4"/>
+                </a:solidFill>
+              </a:rPr>
+              <a:t>Conditionals</a:t>
+            </a:r>
+          </a:p>
+          <a:p>
+            <a:r>
+              <a:rPr lang="en-US" dirty="0">
+                <a:solidFill>
+                  <a:srgbClr val="512BD4"/>
+                </a:solidFill>
+              </a:rPr>
+              <a:t>Loops</a:t>
+            </a:r>
+            <a:endParaRPr lang="en-IN" dirty="0">
+              <a:solidFill>
+                <a:srgbClr val="512BD4"/>
+              </a:solidFill>
+            </a:endParaRPr>
+          </a:p>
+        </p:txBody>
+      </p:sp>
+      <p:sp>
+        <p:nvSpPr>
+          <p:cNvPr id="4" name="Content Placeholder 3">
+            <a:extLst>
+              <a:ext uri="{FF2B5EF4-FFF2-40B4-BE49-F238E27FC236}">
+                <a16:creationId xmlns:a16="http://schemas.microsoft.com/office/drawing/2014/main" id="{8CF5D652-AFBA-94A7-945A-305AD413F200}"/>
+              </a:ext>
+            </a:extLst>
+          </p:cNvPr>
+          <p:cNvSpPr>
+            <a:spLocks noGrp="1"/>
+          </p:cNvSpPr>
+          <p:nvPr>
+            <p:ph sz="half" idx="2"/>
+          </p:nvPr>
+        </p:nvSpPr>
+        <p:spPr>
+          <a:xfrm>
+            <a:off x="6172200" y="1385888"/>
+            <a:ext cx="5181600" cy="4791075"/>
+          </a:xfrm>
+        </p:spPr>
+        <p:txBody>
+          <a:bodyPr/>
+          <a:lstStyle/>
+          <a:p>
+            <a:r>
+              <a:rPr lang="en-IN" dirty="0">
+                <a:solidFill>
+                  <a:srgbClr val="512BD4"/>
+                </a:solidFill>
+              </a:rPr>
+              <a:t>Classes</a:t>
+            </a:r>
+          </a:p>
+          <a:p>
+            <a:r>
+              <a:rPr lang="en-IN" dirty="0">
+                <a:solidFill>
+                  <a:srgbClr val="512BD4"/>
+                </a:solidFill>
+              </a:rPr>
+              <a:t>Object Oriented Programming</a:t>
+            </a:r>
+          </a:p>
+          <a:p>
+            <a:r>
+              <a:rPr lang="en-IN" dirty="0">
+                <a:solidFill>
+                  <a:srgbClr val="512BD4"/>
+                </a:solidFill>
+              </a:rPr>
+              <a:t>Value Types vs Reference Types</a:t>
+            </a:r>
+          </a:p>
+          <a:p>
+            <a:r>
+              <a:rPr lang="en-IN" dirty="0">
+                <a:solidFill>
+                  <a:srgbClr val="512BD4"/>
+                </a:solidFill>
+              </a:rPr>
+              <a:t>Compilation and CLR</a:t>
+            </a:r>
+          </a:p>
+          <a:p>
+            <a:r>
+              <a:rPr lang="en-IN" dirty="0">
+                <a:solidFill>
+                  <a:srgbClr val="512BD4"/>
+                </a:solidFill>
+              </a:rPr>
+              <a:t>Assemblies and Referencing</a:t>
+            </a:r>
+          </a:p>
+          <a:p>
+            <a:r>
+              <a:rPr lang="en-IN" dirty="0">
+                <a:solidFill>
+                  <a:srgbClr val="512BD4"/>
+                </a:solidFill>
+              </a:rPr>
+              <a:t>Exceptional Handling</a:t>
+            </a:r>
+          </a:p>
+        </p:txBody>
+      </p:sp>
+    </p:spTree>
+    <p:extLst>
+      <p:ext uri="{BB962C8B-B14F-4D97-AF65-F5344CB8AC3E}">
+        <p14:creationId xmlns:p14="http://schemas.microsoft.com/office/powerpoint/2010/main" val="687090849"/>
+      </p:ext>
+    </p:extLst>
+  </p:cSld>
+  <p:clrMapOvr>
+    <a:overrideClrMapping bg1="lt1" tx1="dk1" bg2="lt2" tx2="dk2" accent1="accent1" accent2="accent2" accent3="accent3" accent4="accent4" accent5="accent5" accent6="accent6" hlink="hlink" folHlink="folHlink"/>
+  </p:clrMapOvr>
+  <p:transition spd="slow">
+    <p:wipe/>
+  </p:transition>
+</p:sld>
+</file>
+
+<file path=ppt/slides/slide30.xml><?xml version="1.0" encoding="utf-8"?>
 <p:sld xmlns:a="http://schemas.openxmlformats.org/drawingml/2006/main" xmlns:r="http://schemas.openxmlformats.org/officeDocument/2006/relationships" xmlns:p="http://schemas.openxmlformats.org/presentationml/2006/main" show="0">
   <p:cSld>
     <p:bg>
@@ -33401,7 +34281,7 @@
 </p:sld>
 </file>
 
-<file path=ppt/slides/slide28.xml><?xml version="1.0" encoding="utf-8"?>
+<file path=ppt/slides/slide31.xml><?xml version="1.0" encoding="utf-8"?>
 <p:sld xmlns:a="http://schemas.openxmlformats.org/drawingml/2006/main" xmlns:r="http://schemas.openxmlformats.org/officeDocument/2006/relationships" xmlns:p="http://schemas.openxmlformats.org/presentationml/2006/main" show="0">
   <p:cSld>
     <p:bg>
@@ -33555,7 +34435,7 @@
 </p:sld>
 </file>
 
-<file path=ppt/slides/slide29.xml><?xml version="1.0" encoding="utf-8"?>
+<file path=ppt/slides/slide32.xml><?xml version="1.0" encoding="utf-8"?>
 <p:sld xmlns:a="http://schemas.openxmlformats.org/drawingml/2006/main" xmlns:r="http://schemas.openxmlformats.org/officeDocument/2006/relationships" xmlns:p="http://schemas.openxmlformats.org/presentationml/2006/main" show="0">
   <p:cSld>
     <p:spTree>
@@ -33837,296 +34717,6 @@
   </p:cSld>
   <p:clrMapOvr>
     <a:masterClrMapping/>
-  </p:clrMapOvr>
-  <p:transition spd="slow">
-    <p:wipe/>
-  </p:transition>
-</p:sld>
-</file>
-
-<file path=ppt/slides/slide3.xml><?xml version="1.0" encoding="utf-8"?>
-<p:sld xmlns:a="http://schemas.openxmlformats.org/drawingml/2006/main" xmlns:r="http://schemas.openxmlformats.org/officeDocument/2006/relationships" xmlns:p="http://schemas.openxmlformats.org/presentationml/2006/main">
-  <p:cSld>
-    <p:bg>
-      <p:bgPr>
-        <a:solidFill>
-          <a:srgbClr val="FCFCFE"/>
-        </a:solidFill>
-        <a:effectLst/>
-      </p:bgPr>
-    </p:bg>
-    <p:spTree>
-      <p:nvGrpSpPr>
-        <p:cNvPr id="1" name=""/>
-        <p:cNvGrpSpPr/>
-        <p:nvPr/>
-      </p:nvGrpSpPr>
-      <p:grpSpPr>
-        <a:xfrm>
-          <a:off x="0" y="0"/>
-          <a:ext cx="0" cy="0"/>
-          <a:chOff x="0" y="0"/>
-          <a:chExt cx="0" cy="0"/>
-        </a:xfrm>
-      </p:grpSpPr>
-      <p:sp>
-        <p:nvSpPr>
-          <p:cNvPr id="2" name="Title 1">
-            <a:extLst>
-              <a:ext uri="{FF2B5EF4-FFF2-40B4-BE49-F238E27FC236}">
-                <a16:creationId xmlns:a16="http://schemas.microsoft.com/office/drawing/2014/main" id="{9A25AB19-4C6F-993C-1717-E907AA41922C}"/>
-              </a:ext>
-            </a:extLst>
-          </p:cNvPr>
-          <p:cNvSpPr>
-            <a:spLocks noGrp="1"/>
-          </p:cNvSpPr>
-          <p:nvPr>
-            <p:ph type="title"/>
-          </p:nvPr>
-        </p:nvSpPr>
-        <p:spPr>
-          <a:xfrm>
-            <a:off x="138112" y="122238"/>
-            <a:ext cx="10515600" cy="749300"/>
-          </a:xfrm>
-        </p:spPr>
-        <p:txBody>
-          <a:bodyPr>
-            <a:normAutofit/>
-          </a:bodyPr>
-          <a:lstStyle/>
-          <a:p>
-            <a:r>
-              <a:rPr lang="en-IN" sz="4000" dirty="0">
-                <a:solidFill>
-                  <a:srgbClr val="512BD4"/>
-                </a:solidFill>
-                <a:latin typeface="+mn-lt"/>
-              </a:rPr>
-              <a:t>Overview</a:t>
-            </a:r>
-          </a:p>
-        </p:txBody>
-      </p:sp>
-      <p:sp>
-        <p:nvSpPr>
-          <p:cNvPr id="3" name="Content Placeholder 2">
-            <a:extLst>
-              <a:ext uri="{FF2B5EF4-FFF2-40B4-BE49-F238E27FC236}">
-                <a16:creationId xmlns:a16="http://schemas.microsoft.com/office/drawing/2014/main" id="{8E617E8A-B0A4-4BB1-288E-20AE5C3C5FD0}"/>
-              </a:ext>
-            </a:extLst>
-          </p:cNvPr>
-          <p:cNvSpPr>
-            <a:spLocks noGrp="1"/>
-          </p:cNvSpPr>
-          <p:nvPr>
-            <p:ph sz="half" idx="1"/>
-          </p:nvPr>
-        </p:nvSpPr>
-        <p:spPr>
-          <a:xfrm>
-            <a:off x="381000" y="1143001"/>
-            <a:ext cx="5181600" cy="4791075"/>
-          </a:xfrm>
-        </p:spPr>
-        <p:txBody>
-          <a:bodyPr/>
-          <a:lstStyle/>
-          <a:p>
-            <a:r>
-              <a:rPr lang="en-US" dirty="0">
-                <a:solidFill>
-                  <a:srgbClr val="512BD4"/>
-                </a:solidFill>
-              </a:rPr>
-              <a:t>Introduction</a:t>
-            </a:r>
-          </a:p>
-          <a:p>
-            <a:r>
-              <a:rPr lang="en-US" dirty="0">
-                <a:solidFill>
-                  <a:srgbClr val="512BD4"/>
-                </a:solidFill>
-              </a:rPr>
-              <a:t>.NET Overview?</a:t>
-            </a:r>
-          </a:p>
-          <a:p>
-            <a:r>
-              <a:rPr lang="en-US" dirty="0">
-                <a:solidFill>
-                  <a:srgbClr val="512BD4"/>
-                </a:solidFill>
-              </a:rPr>
-              <a:t>Our First C# program</a:t>
-            </a:r>
-          </a:p>
-          <a:p>
-            <a:r>
-              <a:rPr lang="en-US" dirty="0">
-                <a:solidFill>
-                  <a:srgbClr val="512BD4"/>
-                </a:solidFill>
-              </a:rPr>
-              <a:t>IDE – Visual Studio quick tour</a:t>
-            </a:r>
-          </a:p>
-          <a:p>
-            <a:r>
-              <a:rPr lang="en-US" dirty="0">
-                <a:solidFill>
-                  <a:srgbClr val="512BD4"/>
-                </a:solidFill>
-              </a:rPr>
-              <a:t>C# syntax</a:t>
-            </a:r>
-          </a:p>
-          <a:p>
-            <a:r>
-              <a:rPr lang="en-US" dirty="0">
-                <a:solidFill>
-                  <a:srgbClr val="512BD4"/>
-                </a:solidFill>
-              </a:rPr>
-              <a:t>Variables and Data Types</a:t>
-            </a:r>
-          </a:p>
-          <a:p>
-            <a:r>
-              <a:rPr lang="en-US" dirty="0">
-                <a:solidFill>
-                  <a:srgbClr val="512BD4"/>
-                </a:solidFill>
-              </a:rPr>
-              <a:t>Type Conversions</a:t>
-            </a:r>
-          </a:p>
-          <a:p>
-            <a:r>
-              <a:rPr lang="en-US" dirty="0">
-                <a:solidFill>
-                  <a:srgbClr val="512BD4"/>
-                </a:solidFill>
-              </a:rPr>
-              <a:t>Conditionals</a:t>
-            </a:r>
-          </a:p>
-          <a:p>
-            <a:r>
-              <a:rPr lang="en-US" dirty="0">
-                <a:solidFill>
-                  <a:srgbClr val="512BD4"/>
-                </a:solidFill>
-              </a:rPr>
-              <a:t>Loops</a:t>
-            </a:r>
-            <a:endParaRPr lang="en-IN" dirty="0">
-              <a:solidFill>
-                <a:srgbClr val="512BD4"/>
-              </a:solidFill>
-            </a:endParaRPr>
-          </a:p>
-        </p:txBody>
-      </p:sp>
-      <p:sp>
-        <p:nvSpPr>
-          <p:cNvPr id="4" name="Content Placeholder 3">
-            <a:extLst>
-              <a:ext uri="{FF2B5EF4-FFF2-40B4-BE49-F238E27FC236}">
-                <a16:creationId xmlns:a16="http://schemas.microsoft.com/office/drawing/2014/main" id="{8CF5D652-AFBA-94A7-945A-305AD413F200}"/>
-              </a:ext>
-            </a:extLst>
-          </p:cNvPr>
-          <p:cNvSpPr>
-            <a:spLocks noGrp="1"/>
-          </p:cNvSpPr>
-          <p:nvPr>
-            <p:ph sz="half" idx="2"/>
-          </p:nvPr>
-        </p:nvSpPr>
-        <p:spPr>
-          <a:xfrm>
-            <a:off x="6172200" y="1385888"/>
-            <a:ext cx="5181600" cy="4791075"/>
-          </a:xfrm>
-        </p:spPr>
-        <p:txBody>
-          <a:bodyPr/>
-          <a:lstStyle/>
-          <a:p>
-            <a:r>
-              <a:rPr lang="en-IN" dirty="0">
-                <a:solidFill>
-                  <a:srgbClr val="512BD4"/>
-                </a:solidFill>
-              </a:rPr>
-              <a:t>Classes</a:t>
-            </a:r>
-          </a:p>
-          <a:p>
-            <a:r>
-              <a:rPr lang="en-IN" dirty="0">
-                <a:solidFill>
-                  <a:srgbClr val="512BD4"/>
-                </a:solidFill>
-              </a:rPr>
-              <a:t>Object Oriented Programming</a:t>
-            </a:r>
-          </a:p>
-          <a:p>
-            <a:r>
-              <a:rPr lang="en-IN" dirty="0">
-                <a:solidFill>
-                  <a:srgbClr val="512BD4"/>
-                </a:solidFill>
-              </a:rPr>
-              <a:t>Value Types vs Reference Types</a:t>
-            </a:r>
-          </a:p>
-          <a:p>
-            <a:r>
-              <a:rPr lang="en-IN" dirty="0">
-                <a:solidFill>
-                  <a:srgbClr val="512BD4"/>
-                </a:solidFill>
-              </a:rPr>
-              <a:t>Compilation and CLR</a:t>
-            </a:r>
-          </a:p>
-          <a:p>
-            <a:r>
-              <a:rPr lang="en-IN" dirty="0">
-                <a:solidFill>
-                  <a:srgbClr val="512BD4"/>
-                </a:solidFill>
-              </a:rPr>
-              <a:t>Assemblies and Referencing</a:t>
-            </a:r>
-          </a:p>
-          <a:p>
-            <a:r>
-              <a:rPr lang="en-IN" dirty="0">
-                <a:solidFill>
-                  <a:srgbClr val="512BD4"/>
-                </a:solidFill>
-              </a:rPr>
-              <a:t>Exceptional Handling</a:t>
-            </a:r>
-          </a:p>
-        </p:txBody>
-      </p:sp>
-    </p:spTree>
-    <p:extLst>
-      <p:ext uri="{BB962C8B-B14F-4D97-AF65-F5344CB8AC3E}">
-        <p14:creationId xmlns:p14="http://schemas.microsoft.com/office/powerpoint/2010/main" val="687090849"/>
-      </p:ext>
-    </p:extLst>
-  </p:cSld>
-  <p:clrMapOvr>
-    <a:overrideClrMapping bg1="lt1" tx1="dk1" bg2="lt2" tx2="dk2" accent1="accent1" accent2="accent2" accent3="accent3" accent4="accent4" accent5="accent5" accent6="accent6" hlink="hlink" folHlink="folHlink"/>
   </p:clrMapOvr>
   <p:transition spd="slow">
     <p:wipe/>

--- a/docs/C Sharp Programming Language - Fundaments.pptx
+++ b/docs/C Sharp Programming Language - Fundaments.pptx
@@ -27,16 +27,18 @@
     <p:sldId id="284" r:id="rId21"/>
     <p:sldId id="286" r:id="rId22"/>
     <p:sldId id="285" r:id="rId23"/>
-    <p:sldId id="288" r:id="rId24"/>
-    <p:sldId id="289" r:id="rId25"/>
-    <p:sldId id="290" r:id="rId26"/>
-    <p:sldId id="274" r:id="rId27"/>
-    <p:sldId id="273" r:id="rId28"/>
-    <p:sldId id="275" r:id="rId29"/>
-    <p:sldId id="277" r:id="rId30"/>
-    <p:sldId id="279" r:id="rId31"/>
-    <p:sldId id="278" r:id="rId32"/>
-    <p:sldId id="276" r:id="rId33"/>
+    <p:sldId id="291" r:id="rId24"/>
+    <p:sldId id="292" r:id="rId25"/>
+    <p:sldId id="288" r:id="rId26"/>
+    <p:sldId id="289" r:id="rId27"/>
+    <p:sldId id="290" r:id="rId28"/>
+    <p:sldId id="274" r:id="rId29"/>
+    <p:sldId id="273" r:id="rId30"/>
+    <p:sldId id="275" r:id="rId31"/>
+    <p:sldId id="277" r:id="rId32"/>
+    <p:sldId id="279" r:id="rId33"/>
+    <p:sldId id="278" r:id="rId34"/>
+    <p:sldId id="276" r:id="rId35"/>
   </p:sldIdLst>
   <p:sldSz cx="12192000" cy="6858000"/>
   <p:notesSz cx="6858000" cy="9144000"/>
@@ -10381,7 +10383,7 @@
           <a:p>
             <a:fld id="{5E3FAA4F-2C21-4120-BEE3-E8676BE3D930}" type="datetimeFigureOut">
               <a:rPr lang="en-IN" smtClean="0"/>
-              <a:t>02-04-2024</a:t>
+              <a:t>03-04-2024</a:t>
             </a:fld>
             <a:endParaRPr lang="en-IN" dirty="0"/>
           </a:p>
@@ -10581,7 +10583,7 @@
           <a:p>
             <a:fld id="{5E3FAA4F-2C21-4120-BEE3-E8676BE3D930}" type="datetimeFigureOut">
               <a:rPr lang="en-IN" smtClean="0"/>
-              <a:t>02-04-2024</a:t>
+              <a:t>03-04-2024</a:t>
             </a:fld>
             <a:endParaRPr lang="en-IN" dirty="0"/>
           </a:p>
@@ -10791,7 +10793,7 @@
           <a:p>
             <a:fld id="{5E3FAA4F-2C21-4120-BEE3-E8676BE3D930}" type="datetimeFigureOut">
               <a:rPr lang="en-IN" smtClean="0"/>
-              <a:t>02-04-2024</a:t>
+              <a:t>03-04-2024</a:t>
             </a:fld>
             <a:endParaRPr lang="en-IN" dirty="0"/>
           </a:p>
@@ -10991,7 +10993,7 @@
           <a:p>
             <a:fld id="{5E3FAA4F-2C21-4120-BEE3-E8676BE3D930}" type="datetimeFigureOut">
               <a:rPr lang="en-IN" smtClean="0"/>
-              <a:t>02-04-2024</a:t>
+              <a:t>03-04-2024</a:t>
             </a:fld>
             <a:endParaRPr lang="en-IN" dirty="0"/>
           </a:p>
@@ -11267,7 +11269,7 @@
           <a:p>
             <a:fld id="{5E3FAA4F-2C21-4120-BEE3-E8676BE3D930}" type="datetimeFigureOut">
               <a:rPr lang="en-IN" smtClean="0"/>
-              <a:t>02-04-2024</a:t>
+              <a:t>03-04-2024</a:t>
             </a:fld>
             <a:endParaRPr lang="en-IN" dirty="0"/>
           </a:p>
@@ -11535,7 +11537,7 @@
           <a:p>
             <a:fld id="{5E3FAA4F-2C21-4120-BEE3-E8676BE3D930}" type="datetimeFigureOut">
               <a:rPr lang="en-IN" smtClean="0"/>
-              <a:t>02-04-2024</a:t>
+              <a:t>03-04-2024</a:t>
             </a:fld>
             <a:endParaRPr lang="en-IN" dirty="0"/>
           </a:p>
@@ -11950,7 +11952,7 @@
           <a:p>
             <a:fld id="{5E3FAA4F-2C21-4120-BEE3-E8676BE3D930}" type="datetimeFigureOut">
               <a:rPr lang="en-IN" smtClean="0"/>
-              <a:t>02-04-2024</a:t>
+              <a:t>03-04-2024</a:t>
             </a:fld>
             <a:endParaRPr lang="en-IN" dirty="0"/>
           </a:p>
@@ -12092,7 +12094,7 @@
           <a:p>
             <a:fld id="{5E3FAA4F-2C21-4120-BEE3-E8676BE3D930}" type="datetimeFigureOut">
               <a:rPr lang="en-IN" smtClean="0"/>
-              <a:t>02-04-2024</a:t>
+              <a:t>03-04-2024</a:t>
             </a:fld>
             <a:endParaRPr lang="en-IN" dirty="0"/>
           </a:p>
@@ -12205,7 +12207,7 @@
           <a:p>
             <a:fld id="{5E3FAA4F-2C21-4120-BEE3-E8676BE3D930}" type="datetimeFigureOut">
               <a:rPr lang="en-IN" smtClean="0"/>
-              <a:t>02-04-2024</a:t>
+              <a:t>03-04-2024</a:t>
             </a:fld>
             <a:endParaRPr lang="en-IN" dirty="0"/>
           </a:p>
@@ -12518,7 +12520,7 @@
           <a:p>
             <a:fld id="{5E3FAA4F-2C21-4120-BEE3-E8676BE3D930}" type="datetimeFigureOut">
               <a:rPr lang="en-IN" smtClean="0"/>
-              <a:t>02-04-2024</a:t>
+              <a:t>03-04-2024</a:t>
             </a:fld>
             <a:endParaRPr lang="en-IN" dirty="0"/>
           </a:p>
@@ -12807,7 +12809,7 @@
           <a:p>
             <a:fld id="{5E3FAA4F-2C21-4120-BEE3-E8676BE3D930}" type="datetimeFigureOut">
               <a:rPr lang="en-IN" smtClean="0"/>
-              <a:t>02-04-2024</a:t>
+              <a:t>03-04-2024</a:t>
             </a:fld>
             <a:endParaRPr lang="en-IN" dirty="0"/>
           </a:p>
@@ -13050,7 +13052,7 @@
           <a:p>
             <a:fld id="{5E3FAA4F-2C21-4120-BEE3-E8676BE3D930}" type="datetimeFigureOut">
               <a:rPr lang="en-IN" smtClean="0"/>
-              <a:t>02-04-2024</a:t>
+              <a:t>03-04-2024</a:t>
             </a:fld>
             <a:endParaRPr lang="en-IN" dirty="0"/>
           </a:p>
@@ -31361,6 +31363,3015 @@
       </p:grpSpPr>
       <p:sp>
         <p:nvSpPr>
+          <p:cNvPr id="2" name="Title 1">
+            <a:extLst>
+              <a:ext uri="{FF2B5EF4-FFF2-40B4-BE49-F238E27FC236}">
+                <a16:creationId xmlns:a16="http://schemas.microsoft.com/office/drawing/2014/main" id="{DE3F9847-3914-240F-BF9E-73AA66B1330A}"/>
+              </a:ext>
+            </a:extLst>
+          </p:cNvPr>
+          <p:cNvSpPr>
+            <a:spLocks noGrp="1"/>
+          </p:cNvSpPr>
+          <p:nvPr>
+            <p:ph type="title"/>
+          </p:nvPr>
+        </p:nvSpPr>
+        <p:spPr>
+          <a:xfrm>
+            <a:off x="200026" y="128588"/>
+            <a:ext cx="4572000" cy="485775"/>
+          </a:xfrm>
+        </p:spPr>
+        <p:txBody>
+          <a:bodyPr>
+            <a:normAutofit fontScale="90000"/>
+          </a:bodyPr>
+          <a:lstStyle/>
+          <a:p>
+            <a:r>
+              <a:rPr lang="en-IN" sz="3200" dirty="0">
+                <a:solidFill>
+                  <a:srgbClr val="512BD4"/>
+                </a:solidFill>
+                <a:latin typeface="+mn-lt"/>
+              </a:rPr>
+              <a:t>C# Assembly</a:t>
+            </a:r>
+            <a:endParaRPr lang="en-IN" dirty="0"/>
+          </a:p>
+        </p:txBody>
+      </p:sp>
+      <p:sp>
+        <p:nvSpPr>
+          <p:cNvPr id="4" name="Text Placeholder 3">
+            <a:extLst>
+              <a:ext uri="{FF2B5EF4-FFF2-40B4-BE49-F238E27FC236}">
+                <a16:creationId xmlns:a16="http://schemas.microsoft.com/office/drawing/2014/main" id="{3DABBE4D-838B-3DC2-F179-6954A8DD26F4}"/>
+              </a:ext>
+            </a:extLst>
+          </p:cNvPr>
+          <p:cNvSpPr>
+            <a:spLocks noGrp="1"/>
+          </p:cNvSpPr>
+          <p:nvPr>
+            <p:ph type="body" sz="half" idx="2"/>
+          </p:nvPr>
+        </p:nvSpPr>
+        <p:spPr>
+          <a:xfrm>
+            <a:off x="200025" y="785813"/>
+            <a:ext cx="6772275" cy="5815012"/>
+          </a:xfrm>
+        </p:spPr>
+        <p:txBody>
+          <a:bodyPr>
+            <a:normAutofit/>
+          </a:bodyPr>
+          <a:lstStyle/>
+          <a:p>
+            <a:pPr marL="285750" indent="-285750">
+              <a:buFont typeface="Arial" panose="020B0604020202020204" pitchFamily="34" charset="0"/>
+              <a:buChar char="•"/>
+            </a:pPr>
+            <a:r>
+              <a:rPr lang="en-IN" sz="2400" dirty="0">
+                <a:solidFill>
+                  <a:srgbClr val="512BD4"/>
+                </a:solidFill>
+              </a:rPr>
+              <a:t>Assembly is a collection of types such as classes, interfaces, </a:t>
+            </a:r>
+            <a:r>
+              <a:rPr lang="en-IN" sz="2400" dirty="0" err="1">
+                <a:solidFill>
+                  <a:srgbClr val="512BD4"/>
+                </a:solidFill>
+              </a:rPr>
+              <a:t>enums</a:t>
+            </a:r>
+            <a:r>
+              <a:rPr lang="en-IN" sz="2400" dirty="0">
+                <a:solidFill>
+                  <a:srgbClr val="512BD4"/>
+                </a:solidFill>
+              </a:rPr>
+              <a:t> and resources that are built to work together and form a logical unit of functionality.</a:t>
+            </a:r>
+          </a:p>
+          <a:p>
+            <a:pPr marL="285750" indent="-285750">
+              <a:buFont typeface="Arial" panose="020B0604020202020204" pitchFamily="34" charset="0"/>
+              <a:buChar char="•"/>
+            </a:pPr>
+            <a:r>
+              <a:rPr lang="en-IN" sz="2400" dirty="0">
+                <a:solidFill>
+                  <a:srgbClr val="512BD4"/>
+                </a:solidFill>
+              </a:rPr>
+              <a:t>Assembly can be a DLL or EXE based on the project type template that we choose.</a:t>
+            </a:r>
+          </a:p>
+          <a:p>
+            <a:pPr marL="742950" lvl="1" indent="-285750">
+              <a:buFont typeface="Arial" panose="020B0604020202020204" pitchFamily="34" charset="0"/>
+              <a:buChar char="•"/>
+            </a:pPr>
+            <a:r>
+              <a:rPr lang="en-US" sz="2800" b="1" dirty="0">
+                <a:solidFill>
+                  <a:srgbClr val="512BD4"/>
+                </a:solidFill>
+              </a:rPr>
+              <a:t>Class</a:t>
+            </a:r>
+            <a:r>
+              <a:rPr lang="en-US" sz="2800" dirty="0">
+                <a:solidFill>
+                  <a:srgbClr val="512BD4"/>
+                </a:solidFill>
+              </a:rPr>
+              <a:t> </a:t>
+            </a:r>
+            <a:r>
+              <a:rPr lang="en-US" sz="2800" b="1" dirty="0">
+                <a:solidFill>
+                  <a:srgbClr val="512BD4"/>
+                </a:solidFill>
+              </a:rPr>
+              <a:t>Library</a:t>
+            </a:r>
+            <a:r>
+              <a:rPr lang="en-US" sz="2800" dirty="0">
+                <a:solidFill>
+                  <a:srgbClr val="512BD4"/>
+                </a:solidFill>
+              </a:rPr>
+              <a:t> </a:t>
+            </a:r>
+            <a:r>
+              <a:rPr lang="en-US" sz="2400" dirty="0">
+                <a:solidFill>
+                  <a:srgbClr val="512BD4"/>
+                </a:solidFill>
+              </a:rPr>
+              <a:t>project is a collection of classes and namespaces in C# without any entry point method like Main. </a:t>
+            </a:r>
+            <a:r>
+              <a:rPr lang="en-US" sz="2400" b="1" dirty="0">
+                <a:solidFill>
+                  <a:srgbClr val="512BD4"/>
+                </a:solidFill>
+              </a:rPr>
+              <a:t>Output Type is .</a:t>
+            </a:r>
+            <a:r>
+              <a:rPr lang="en-US" sz="2400" b="1" dirty="0" err="1">
+                <a:solidFill>
+                  <a:srgbClr val="512BD4"/>
+                </a:solidFill>
+              </a:rPr>
+              <a:t>dll</a:t>
+            </a:r>
+            <a:endParaRPr lang="en-US" sz="2400" b="1" dirty="0">
+              <a:solidFill>
+                <a:srgbClr val="512BD4"/>
+              </a:solidFill>
+            </a:endParaRPr>
+          </a:p>
+          <a:p>
+            <a:pPr marL="742950" lvl="1" indent="-285750">
+              <a:buFont typeface="Arial" panose="020B0604020202020204" pitchFamily="34" charset="0"/>
+              <a:buChar char="•"/>
+            </a:pPr>
+            <a:r>
+              <a:rPr lang="en-US" sz="2400" b="1" dirty="0">
+                <a:solidFill>
+                  <a:srgbClr val="512BD4"/>
+                </a:solidFill>
+              </a:rPr>
+              <a:t>Console App </a:t>
+            </a:r>
+            <a:r>
+              <a:rPr lang="en-US" sz="2400" dirty="0">
+                <a:solidFill>
+                  <a:srgbClr val="512BD4"/>
+                </a:solidFill>
+              </a:rPr>
+              <a:t>project is an application that takes input and displays output at a command line console and behaves as an app host to run .</a:t>
+            </a:r>
+            <a:r>
+              <a:rPr lang="en-US" sz="2400" dirty="0" err="1">
+                <a:solidFill>
+                  <a:srgbClr val="512BD4"/>
+                </a:solidFill>
+              </a:rPr>
+              <a:t>dll</a:t>
+            </a:r>
+            <a:r>
+              <a:rPr lang="en-US" sz="2400" dirty="0">
+                <a:solidFill>
+                  <a:srgbClr val="512BD4"/>
+                </a:solidFill>
+              </a:rPr>
+              <a:t> (a collection of classes and namespaces in C# with any entry point method like Main). </a:t>
+            </a:r>
+            <a:r>
+              <a:rPr lang="en-US" sz="2400" b="1" dirty="0">
+                <a:solidFill>
+                  <a:srgbClr val="512BD4"/>
+                </a:solidFill>
+              </a:rPr>
+              <a:t>Output Type is .exe with .</a:t>
+            </a:r>
+            <a:r>
+              <a:rPr lang="en-US" sz="2400" b="1" dirty="0" err="1">
+                <a:solidFill>
+                  <a:srgbClr val="512BD4"/>
+                </a:solidFill>
+              </a:rPr>
+              <a:t>dll</a:t>
+            </a:r>
+            <a:r>
+              <a:rPr lang="en-US" sz="2400" b="1" dirty="0">
+                <a:solidFill>
+                  <a:srgbClr val="512BD4"/>
+                </a:solidFill>
+              </a:rPr>
+              <a:t> file</a:t>
+            </a:r>
+            <a:endParaRPr lang="en-IN" sz="2400" b="1" dirty="0">
+              <a:solidFill>
+                <a:srgbClr val="512BD4"/>
+              </a:solidFill>
+            </a:endParaRPr>
+          </a:p>
+          <a:p>
+            <a:pPr marL="285750" indent="-285750">
+              <a:buFont typeface="Arial" panose="020B0604020202020204" pitchFamily="34" charset="0"/>
+              <a:buChar char="•"/>
+            </a:pPr>
+            <a:endParaRPr lang="en-IN" sz="2400" dirty="0">
+              <a:solidFill>
+                <a:srgbClr val="512BD4"/>
+              </a:solidFill>
+            </a:endParaRPr>
+          </a:p>
+          <a:p>
+            <a:pPr marL="285750" indent="-285750">
+              <a:buFont typeface="Arial" panose="020B0604020202020204" pitchFamily="34" charset="0"/>
+              <a:buChar char="•"/>
+            </a:pPr>
+            <a:endParaRPr lang="en-IN" sz="2400" dirty="0">
+              <a:solidFill>
+                <a:srgbClr val="512BD4"/>
+              </a:solidFill>
+            </a:endParaRPr>
+          </a:p>
+          <a:p>
+            <a:pPr marL="285750" indent="-285750">
+              <a:buFont typeface="Arial" panose="020B0604020202020204" pitchFamily="34" charset="0"/>
+              <a:buChar char="•"/>
+            </a:pPr>
+            <a:endParaRPr lang="en-IN" sz="2400" dirty="0">
+              <a:solidFill>
+                <a:srgbClr val="512BD4"/>
+              </a:solidFill>
+            </a:endParaRPr>
+          </a:p>
+          <a:p>
+            <a:pPr marL="285750" indent="-285750">
+              <a:buFont typeface="Arial" panose="020B0604020202020204" pitchFamily="34" charset="0"/>
+              <a:buChar char="•"/>
+            </a:pPr>
+            <a:endParaRPr lang="en-IN" dirty="0"/>
+          </a:p>
+          <a:p>
+            <a:pPr marL="285750" indent="-285750">
+              <a:buFont typeface="Arial" panose="020B0604020202020204" pitchFamily="34" charset="0"/>
+              <a:buChar char="•"/>
+            </a:pPr>
+            <a:endParaRPr lang="en-IN" dirty="0"/>
+          </a:p>
+        </p:txBody>
+      </p:sp>
+      <p:sp>
+        <p:nvSpPr>
+          <p:cNvPr id="21" name="Rectangle: Single Corner Snipped 20">
+            <a:extLst>
+              <a:ext uri="{FF2B5EF4-FFF2-40B4-BE49-F238E27FC236}">
+                <a16:creationId xmlns:a16="http://schemas.microsoft.com/office/drawing/2014/main" id="{5644293F-110C-96AC-7CAA-723C255077DA}"/>
+              </a:ext>
+            </a:extLst>
+          </p:cNvPr>
+          <p:cNvSpPr/>
+          <p:nvPr/>
+        </p:nvSpPr>
+        <p:spPr>
+          <a:xfrm>
+            <a:off x="7134225" y="785813"/>
+            <a:ext cx="4743450" cy="5214938"/>
+          </a:xfrm>
+          <a:prstGeom prst="snip1Rect">
+            <a:avLst/>
+          </a:prstGeom>
+          <a:solidFill>
+            <a:schemeClr val="bg1"/>
+          </a:solidFill>
+        </p:spPr>
+        <p:style>
+          <a:lnRef idx="1">
+            <a:schemeClr val="accent5"/>
+          </a:lnRef>
+          <a:fillRef idx="1001">
+            <a:schemeClr val="lt2"/>
+          </a:fillRef>
+          <a:effectRef idx="1">
+            <a:schemeClr val="accent5"/>
+          </a:effectRef>
+          <a:fontRef idx="minor">
+            <a:schemeClr val="dk1"/>
+          </a:fontRef>
+        </p:style>
+        <p:txBody>
+          <a:bodyPr rtlCol="0" anchor="ctr"/>
+          <a:lstStyle/>
+          <a:p>
+            <a:pPr algn="ctr"/>
+            <a:endParaRPr lang="en-IN"/>
+          </a:p>
+        </p:txBody>
+      </p:sp>
+      <p:sp>
+        <p:nvSpPr>
+          <p:cNvPr id="22" name="Rectangle 21">
+            <a:extLst>
+              <a:ext uri="{FF2B5EF4-FFF2-40B4-BE49-F238E27FC236}">
+                <a16:creationId xmlns:a16="http://schemas.microsoft.com/office/drawing/2014/main" id="{C724379D-3313-5293-4F66-2C591FCC6FB8}"/>
+              </a:ext>
+            </a:extLst>
+          </p:cNvPr>
+          <p:cNvSpPr/>
+          <p:nvPr/>
+        </p:nvSpPr>
+        <p:spPr>
+          <a:xfrm>
+            <a:off x="7280974" y="1556895"/>
+            <a:ext cx="4357687" cy="1943541"/>
+          </a:xfrm>
+          <a:prstGeom prst="rect">
+            <a:avLst/>
+          </a:prstGeom>
+          <a:solidFill>
+            <a:srgbClr val="DCD5F7"/>
+          </a:solidFill>
+        </p:spPr>
+        <p:style>
+          <a:lnRef idx="1">
+            <a:schemeClr val="accent5"/>
+          </a:lnRef>
+          <a:fillRef idx="1001">
+            <a:schemeClr val="lt2"/>
+          </a:fillRef>
+          <a:effectRef idx="1">
+            <a:schemeClr val="accent5"/>
+          </a:effectRef>
+          <a:fontRef idx="minor">
+            <a:schemeClr val="dk1"/>
+          </a:fontRef>
+        </p:style>
+        <p:txBody>
+          <a:bodyPr rtlCol="0" anchor="ctr"/>
+          <a:lstStyle/>
+          <a:p>
+            <a:pPr algn="ctr"/>
+            <a:endParaRPr lang="en-IN" dirty="0"/>
+          </a:p>
+        </p:txBody>
+      </p:sp>
+      <p:sp>
+        <p:nvSpPr>
+          <p:cNvPr id="23" name="Rectangle: Rounded Corners 22">
+            <a:extLst>
+              <a:ext uri="{FF2B5EF4-FFF2-40B4-BE49-F238E27FC236}">
+                <a16:creationId xmlns:a16="http://schemas.microsoft.com/office/drawing/2014/main" id="{6F4D2F7F-1577-611D-E73C-D96B2739EC81}"/>
+              </a:ext>
+            </a:extLst>
+          </p:cNvPr>
+          <p:cNvSpPr/>
+          <p:nvPr/>
+        </p:nvSpPr>
+        <p:spPr>
+          <a:xfrm>
+            <a:off x="7424742" y="2213039"/>
+            <a:ext cx="1300162" cy="514350"/>
+          </a:xfrm>
+          <a:prstGeom prst="roundRect">
+            <a:avLst/>
+          </a:prstGeom>
+          <a:solidFill>
+            <a:srgbClr val="512BD4"/>
+          </a:solidFill>
+          <a:ln w="12700" cap="flat" cmpd="sng" algn="ctr">
+            <a:solidFill>
+              <a:srgbClr val="512BD4"/>
+            </a:solidFill>
+            <a:prstDash val="solid"/>
+            <a:miter lim="800000"/>
+          </a:ln>
+          <a:effectLst/>
+        </p:spPr>
+        <p:style>
+          <a:lnRef idx="2">
+            <a:schemeClr val="accent1">
+              <a:shade val="15000"/>
+            </a:schemeClr>
+          </a:lnRef>
+          <a:fillRef idx="1">
+            <a:schemeClr val="accent1"/>
+          </a:fillRef>
+          <a:effectRef idx="0">
+            <a:schemeClr val="accent1"/>
+          </a:effectRef>
+          <a:fontRef idx="minor">
+            <a:schemeClr val="lt1"/>
+          </a:fontRef>
+        </p:style>
+        <p:txBody>
+          <a:bodyPr spcFirstLastPara="0" vert="horz" wrap="square" lIns="45720" tIns="45720" rIns="45720" bIns="45720" numCol="1" spcCol="1270" rtlCol="0" anchor="ctr" anchorCtr="0">
+            <a:noAutofit/>
+          </a:bodyPr>
+          <a:lstStyle/>
+          <a:p>
+            <a:pPr algn="ctr" defTabSz="457200"/>
+            <a:r>
+              <a:rPr lang="en-IN" sz="2400" b="1" dirty="0">
+                <a:solidFill>
+                  <a:schemeClr val="bg1"/>
+                </a:solidFill>
+                <a:highlight>
+                  <a:srgbClr val="512BD4"/>
+                </a:highlight>
+              </a:rPr>
+              <a:t>Class</a:t>
+            </a:r>
+          </a:p>
+        </p:txBody>
+      </p:sp>
+      <p:sp>
+        <p:nvSpPr>
+          <p:cNvPr id="24" name="Rectangle: Rounded Corners 23">
+            <a:extLst>
+              <a:ext uri="{FF2B5EF4-FFF2-40B4-BE49-F238E27FC236}">
+                <a16:creationId xmlns:a16="http://schemas.microsoft.com/office/drawing/2014/main" id="{60A7CD6B-F8DC-ED29-C481-0BB5D65B8F96}"/>
+              </a:ext>
+            </a:extLst>
+          </p:cNvPr>
+          <p:cNvSpPr/>
+          <p:nvPr/>
+        </p:nvSpPr>
+        <p:spPr>
+          <a:xfrm>
+            <a:off x="7424742" y="2827398"/>
+            <a:ext cx="1300162" cy="514350"/>
+          </a:xfrm>
+          <a:prstGeom prst="roundRect">
+            <a:avLst/>
+          </a:prstGeom>
+          <a:solidFill>
+            <a:srgbClr val="512BD4"/>
+          </a:solidFill>
+          <a:ln w="12700" cap="flat" cmpd="sng" algn="ctr">
+            <a:solidFill>
+              <a:srgbClr val="512BD4"/>
+            </a:solidFill>
+            <a:prstDash val="solid"/>
+            <a:miter lim="800000"/>
+          </a:ln>
+          <a:effectLst/>
+        </p:spPr>
+        <p:style>
+          <a:lnRef idx="2">
+            <a:schemeClr val="accent1">
+              <a:shade val="15000"/>
+            </a:schemeClr>
+          </a:lnRef>
+          <a:fillRef idx="1">
+            <a:schemeClr val="accent1"/>
+          </a:fillRef>
+          <a:effectRef idx="0">
+            <a:schemeClr val="accent1"/>
+          </a:effectRef>
+          <a:fontRef idx="minor">
+            <a:schemeClr val="lt1"/>
+          </a:fontRef>
+        </p:style>
+        <p:txBody>
+          <a:bodyPr spcFirstLastPara="0" vert="horz" wrap="square" lIns="45720" tIns="45720" rIns="45720" bIns="45720" numCol="1" spcCol="1270" rtlCol="0" anchor="ctr" anchorCtr="0">
+            <a:noAutofit/>
+          </a:bodyPr>
+          <a:lstStyle/>
+          <a:p>
+            <a:pPr algn="ctr" defTabSz="457200"/>
+            <a:r>
+              <a:rPr lang="en-IN" sz="2400" b="1" dirty="0">
+                <a:solidFill>
+                  <a:schemeClr val="bg1"/>
+                </a:solidFill>
+                <a:highlight>
+                  <a:srgbClr val="512BD4"/>
+                </a:highlight>
+              </a:rPr>
+              <a:t>interface</a:t>
+            </a:r>
+          </a:p>
+        </p:txBody>
+      </p:sp>
+      <p:sp>
+        <p:nvSpPr>
+          <p:cNvPr id="25" name="Rectangle: Rounded Corners 24">
+            <a:extLst>
+              <a:ext uri="{FF2B5EF4-FFF2-40B4-BE49-F238E27FC236}">
+                <a16:creationId xmlns:a16="http://schemas.microsoft.com/office/drawing/2014/main" id="{368C642C-6FCB-845F-29AC-1B8F6B28A4A3}"/>
+              </a:ext>
+            </a:extLst>
+          </p:cNvPr>
+          <p:cNvSpPr/>
+          <p:nvPr/>
+        </p:nvSpPr>
+        <p:spPr>
+          <a:xfrm>
+            <a:off x="8882066" y="2213039"/>
+            <a:ext cx="1300162" cy="514350"/>
+          </a:xfrm>
+          <a:prstGeom prst="roundRect">
+            <a:avLst/>
+          </a:prstGeom>
+          <a:solidFill>
+            <a:srgbClr val="512BD4"/>
+          </a:solidFill>
+          <a:ln w="12700" cap="flat" cmpd="sng" algn="ctr">
+            <a:solidFill>
+              <a:srgbClr val="512BD4"/>
+            </a:solidFill>
+            <a:prstDash val="solid"/>
+            <a:miter lim="800000"/>
+          </a:ln>
+          <a:effectLst/>
+        </p:spPr>
+        <p:style>
+          <a:lnRef idx="2">
+            <a:schemeClr val="accent1">
+              <a:shade val="15000"/>
+            </a:schemeClr>
+          </a:lnRef>
+          <a:fillRef idx="1">
+            <a:schemeClr val="accent1"/>
+          </a:fillRef>
+          <a:effectRef idx="0">
+            <a:schemeClr val="accent1"/>
+          </a:effectRef>
+          <a:fontRef idx="minor">
+            <a:schemeClr val="lt1"/>
+          </a:fontRef>
+        </p:style>
+        <p:txBody>
+          <a:bodyPr spcFirstLastPara="0" vert="horz" wrap="square" lIns="45720" tIns="45720" rIns="45720" bIns="45720" numCol="1" spcCol="1270" rtlCol="0" anchor="ctr" anchorCtr="0">
+            <a:noAutofit/>
+          </a:bodyPr>
+          <a:lstStyle/>
+          <a:p>
+            <a:pPr algn="ctr" defTabSz="457200"/>
+            <a:r>
+              <a:rPr lang="en-IN" sz="2400" b="1" dirty="0">
+                <a:solidFill>
+                  <a:schemeClr val="bg1"/>
+                </a:solidFill>
+                <a:highlight>
+                  <a:srgbClr val="512BD4"/>
+                </a:highlight>
+              </a:rPr>
+              <a:t>Class</a:t>
+            </a:r>
+          </a:p>
+        </p:txBody>
+      </p:sp>
+      <p:sp>
+        <p:nvSpPr>
+          <p:cNvPr id="26" name="Rectangle: Rounded Corners 25">
+            <a:extLst>
+              <a:ext uri="{FF2B5EF4-FFF2-40B4-BE49-F238E27FC236}">
+                <a16:creationId xmlns:a16="http://schemas.microsoft.com/office/drawing/2014/main" id="{D95894F2-DB77-00CB-D9A8-3B4EE1C9BC75}"/>
+              </a:ext>
+            </a:extLst>
+          </p:cNvPr>
+          <p:cNvSpPr/>
+          <p:nvPr/>
+        </p:nvSpPr>
+        <p:spPr>
+          <a:xfrm>
+            <a:off x="8882066" y="2827400"/>
+            <a:ext cx="1300162" cy="514350"/>
+          </a:xfrm>
+          <a:prstGeom prst="roundRect">
+            <a:avLst/>
+          </a:prstGeom>
+          <a:solidFill>
+            <a:srgbClr val="512BD4"/>
+          </a:solidFill>
+          <a:ln w="12700" cap="flat" cmpd="sng" algn="ctr">
+            <a:solidFill>
+              <a:srgbClr val="512BD4"/>
+            </a:solidFill>
+            <a:prstDash val="solid"/>
+            <a:miter lim="800000"/>
+          </a:ln>
+          <a:effectLst/>
+        </p:spPr>
+        <p:style>
+          <a:lnRef idx="2">
+            <a:schemeClr val="accent1">
+              <a:shade val="15000"/>
+            </a:schemeClr>
+          </a:lnRef>
+          <a:fillRef idx="1">
+            <a:schemeClr val="accent1"/>
+          </a:fillRef>
+          <a:effectRef idx="0">
+            <a:schemeClr val="accent1"/>
+          </a:effectRef>
+          <a:fontRef idx="minor">
+            <a:schemeClr val="lt1"/>
+          </a:fontRef>
+        </p:style>
+        <p:txBody>
+          <a:bodyPr spcFirstLastPara="0" vert="horz" wrap="square" lIns="45720" tIns="45720" rIns="45720" bIns="45720" numCol="1" spcCol="1270" rtlCol="0" anchor="ctr" anchorCtr="0">
+            <a:noAutofit/>
+          </a:bodyPr>
+          <a:lstStyle/>
+          <a:p>
+            <a:pPr algn="ctr" defTabSz="457200"/>
+            <a:r>
+              <a:rPr lang="en-IN" sz="2400" b="1" dirty="0">
+                <a:solidFill>
+                  <a:schemeClr val="bg1"/>
+                </a:solidFill>
+                <a:highlight>
+                  <a:srgbClr val="512BD4"/>
+                </a:highlight>
+              </a:rPr>
+              <a:t>struct</a:t>
+            </a:r>
+          </a:p>
+        </p:txBody>
+      </p:sp>
+      <p:sp>
+        <p:nvSpPr>
+          <p:cNvPr id="27" name="Rectangle: Rounded Corners 26">
+            <a:extLst>
+              <a:ext uri="{FF2B5EF4-FFF2-40B4-BE49-F238E27FC236}">
+                <a16:creationId xmlns:a16="http://schemas.microsoft.com/office/drawing/2014/main" id="{2E21A50B-DD80-3338-B88A-33693914F8A7}"/>
+              </a:ext>
+            </a:extLst>
+          </p:cNvPr>
+          <p:cNvSpPr/>
+          <p:nvPr/>
+        </p:nvSpPr>
+        <p:spPr>
+          <a:xfrm>
+            <a:off x="10260809" y="2213039"/>
+            <a:ext cx="1300162" cy="514350"/>
+          </a:xfrm>
+          <a:prstGeom prst="roundRect">
+            <a:avLst/>
+          </a:prstGeom>
+          <a:solidFill>
+            <a:srgbClr val="512BD4"/>
+          </a:solidFill>
+          <a:ln w="12700" cap="flat" cmpd="sng" algn="ctr">
+            <a:solidFill>
+              <a:srgbClr val="512BD4"/>
+            </a:solidFill>
+            <a:prstDash val="solid"/>
+            <a:miter lim="800000"/>
+          </a:ln>
+          <a:effectLst/>
+        </p:spPr>
+        <p:style>
+          <a:lnRef idx="2">
+            <a:schemeClr val="accent1">
+              <a:shade val="15000"/>
+            </a:schemeClr>
+          </a:lnRef>
+          <a:fillRef idx="1">
+            <a:schemeClr val="accent1"/>
+          </a:fillRef>
+          <a:effectRef idx="0">
+            <a:schemeClr val="accent1"/>
+          </a:effectRef>
+          <a:fontRef idx="minor">
+            <a:schemeClr val="lt1"/>
+          </a:fontRef>
+        </p:style>
+        <p:txBody>
+          <a:bodyPr spcFirstLastPara="0" vert="horz" wrap="square" lIns="45720" tIns="45720" rIns="45720" bIns="45720" numCol="1" spcCol="1270" rtlCol="0" anchor="ctr" anchorCtr="0">
+            <a:noAutofit/>
+          </a:bodyPr>
+          <a:lstStyle/>
+          <a:p>
+            <a:pPr algn="ctr" defTabSz="457200"/>
+            <a:r>
+              <a:rPr lang="en-IN" sz="2400" b="1" dirty="0">
+                <a:solidFill>
+                  <a:schemeClr val="bg1"/>
+                </a:solidFill>
+                <a:highlight>
+                  <a:srgbClr val="512BD4"/>
+                </a:highlight>
+              </a:rPr>
+              <a:t>Class</a:t>
+            </a:r>
+          </a:p>
+        </p:txBody>
+      </p:sp>
+      <p:sp>
+        <p:nvSpPr>
+          <p:cNvPr id="28" name="Rectangle: Rounded Corners 27">
+            <a:extLst>
+              <a:ext uri="{FF2B5EF4-FFF2-40B4-BE49-F238E27FC236}">
+                <a16:creationId xmlns:a16="http://schemas.microsoft.com/office/drawing/2014/main" id="{EE6AD5A8-7740-B3B6-363C-3D34094EF685}"/>
+              </a:ext>
+            </a:extLst>
+          </p:cNvPr>
+          <p:cNvSpPr/>
+          <p:nvPr/>
+        </p:nvSpPr>
+        <p:spPr>
+          <a:xfrm>
+            <a:off x="10272714" y="2827398"/>
+            <a:ext cx="1300162" cy="514350"/>
+          </a:xfrm>
+          <a:prstGeom prst="roundRect">
+            <a:avLst/>
+          </a:prstGeom>
+          <a:solidFill>
+            <a:srgbClr val="512BD4"/>
+          </a:solidFill>
+          <a:ln w="12700" cap="flat" cmpd="sng" algn="ctr">
+            <a:solidFill>
+              <a:srgbClr val="512BD4"/>
+            </a:solidFill>
+            <a:prstDash val="solid"/>
+            <a:miter lim="800000"/>
+          </a:ln>
+          <a:effectLst/>
+        </p:spPr>
+        <p:style>
+          <a:lnRef idx="2">
+            <a:schemeClr val="accent1">
+              <a:shade val="15000"/>
+            </a:schemeClr>
+          </a:lnRef>
+          <a:fillRef idx="1">
+            <a:schemeClr val="accent1"/>
+          </a:fillRef>
+          <a:effectRef idx="0">
+            <a:schemeClr val="accent1"/>
+          </a:effectRef>
+          <a:fontRef idx="minor">
+            <a:schemeClr val="lt1"/>
+          </a:fontRef>
+        </p:style>
+        <p:txBody>
+          <a:bodyPr spcFirstLastPara="0" vert="horz" wrap="square" lIns="45720" tIns="45720" rIns="45720" bIns="45720" numCol="1" spcCol="1270" rtlCol="0" anchor="ctr" anchorCtr="0">
+            <a:noAutofit/>
+          </a:bodyPr>
+          <a:lstStyle/>
+          <a:p>
+            <a:pPr algn="ctr" defTabSz="457200"/>
+            <a:r>
+              <a:rPr lang="en-IN" sz="2400" b="1" dirty="0" err="1">
+                <a:solidFill>
+                  <a:schemeClr val="bg1"/>
+                </a:solidFill>
+                <a:highlight>
+                  <a:srgbClr val="512BD4"/>
+                </a:highlight>
+              </a:rPr>
+              <a:t>enum</a:t>
+            </a:r>
+            <a:endParaRPr lang="en-IN" sz="2400" b="1" dirty="0">
+              <a:solidFill>
+                <a:schemeClr val="bg1"/>
+              </a:solidFill>
+              <a:highlight>
+                <a:srgbClr val="512BD4"/>
+              </a:highlight>
+            </a:endParaRPr>
+          </a:p>
+        </p:txBody>
+      </p:sp>
+      <p:sp>
+        <p:nvSpPr>
+          <p:cNvPr id="29" name="Rectangle 28">
+            <a:extLst>
+              <a:ext uri="{FF2B5EF4-FFF2-40B4-BE49-F238E27FC236}">
+                <a16:creationId xmlns:a16="http://schemas.microsoft.com/office/drawing/2014/main" id="{85E9E401-AD5A-A68E-BBEF-D4A5619DC9CE}"/>
+              </a:ext>
+            </a:extLst>
+          </p:cNvPr>
+          <p:cNvSpPr/>
+          <p:nvPr/>
+        </p:nvSpPr>
+        <p:spPr>
+          <a:xfrm>
+            <a:off x="7296149" y="3878455"/>
+            <a:ext cx="4357687" cy="2043712"/>
+          </a:xfrm>
+          <a:prstGeom prst="rect">
+            <a:avLst/>
+          </a:prstGeom>
+          <a:solidFill>
+            <a:srgbClr val="DCD5F7"/>
+          </a:solidFill>
+        </p:spPr>
+        <p:style>
+          <a:lnRef idx="1">
+            <a:schemeClr val="accent5"/>
+          </a:lnRef>
+          <a:fillRef idx="1001">
+            <a:schemeClr val="lt2"/>
+          </a:fillRef>
+          <a:effectRef idx="1">
+            <a:schemeClr val="accent5"/>
+          </a:effectRef>
+          <a:fontRef idx="minor">
+            <a:schemeClr val="dk1"/>
+          </a:fontRef>
+        </p:style>
+        <p:txBody>
+          <a:bodyPr rtlCol="0" anchor="ctr"/>
+          <a:lstStyle/>
+          <a:p>
+            <a:pPr algn="ctr"/>
+            <a:endParaRPr lang="en-IN" dirty="0"/>
+          </a:p>
+        </p:txBody>
+      </p:sp>
+      <p:sp>
+        <p:nvSpPr>
+          <p:cNvPr id="30" name="Rectangle: Rounded Corners 29">
+            <a:extLst>
+              <a:ext uri="{FF2B5EF4-FFF2-40B4-BE49-F238E27FC236}">
+                <a16:creationId xmlns:a16="http://schemas.microsoft.com/office/drawing/2014/main" id="{17FC5CA4-DD44-510E-F94A-8FF3E7A8B159}"/>
+              </a:ext>
+            </a:extLst>
+          </p:cNvPr>
+          <p:cNvSpPr/>
+          <p:nvPr/>
+        </p:nvSpPr>
+        <p:spPr>
+          <a:xfrm>
+            <a:off x="7458075" y="4729157"/>
+            <a:ext cx="1300162" cy="514350"/>
+          </a:xfrm>
+          <a:prstGeom prst="roundRect">
+            <a:avLst/>
+          </a:prstGeom>
+          <a:solidFill>
+            <a:srgbClr val="512BD4"/>
+          </a:solidFill>
+          <a:ln w="12700" cap="flat" cmpd="sng" algn="ctr">
+            <a:solidFill>
+              <a:srgbClr val="512BD4"/>
+            </a:solidFill>
+            <a:prstDash val="solid"/>
+            <a:miter lim="800000"/>
+          </a:ln>
+          <a:effectLst/>
+        </p:spPr>
+        <p:style>
+          <a:lnRef idx="2">
+            <a:schemeClr val="accent1">
+              <a:shade val="15000"/>
+            </a:schemeClr>
+          </a:lnRef>
+          <a:fillRef idx="1">
+            <a:schemeClr val="accent1"/>
+          </a:fillRef>
+          <a:effectRef idx="0">
+            <a:schemeClr val="accent1"/>
+          </a:effectRef>
+          <a:fontRef idx="minor">
+            <a:schemeClr val="lt1"/>
+          </a:fontRef>
+        </p:style>
+        <p:txBody>
+          <a:bodyPr spcFirstLastPara="0" vert="horz" wrap="square" lIns="45720" tIns="45720" rIns="45720" bIns="45720" numCol="1" spcCol="1270" rtlCol="0" anchor="ctr" anchorCtr="0">
+            <a:noAutofit/>
+          </a:bodyPr>
+          <a:lstStyle/>
+          <a:p>
+            <a:pPr algn="ctr" defTabSz="457200"/>
+            <a:r>
+              <a:rPr lang="en-IN" sz="2400" b="1" dirty="0">
+                <a:solidFill>
+                  <a:schemeClr val="bg1"/>
+                </a:solidFill>
+                <a:highlight>
+                  <a:srgbClr val="512BD4"/>
+                </a:highlight>
+              </a:rPr>
+              <a:t>Class</a:t>
+            </a:r>
+          </a:p>
+        </p:txBody>
+      </p:sp>
+      <p:sp>
+        <p:nvSpPr>
+          <p:cNvPr id="31" name="Rectangle: Rounded Corners 30">
+            <a:extLst>
+              <a:ext uri="{FF2B5EF4-FFF2-40B4-BE49-F238E27FC236}">
+                <a16:creationId xmlns:a16="http://schemas.microsoft.com/office/drawing/2014/main" id="{98E4A19A-6AA0-B7B1-8EED-FF7E563B8AF3}"/>
+              </a:ext>
+            </a:extLst>
+          </p:cNvPr>
+          <p:cNvSpPr/>
+          <p:nvPr/>
+        </p:nvSpPr>
+        <p:spPr>
+          <a:xfrm>
+            <a:off x="7458075" y="5314949"/>
+            <a:ext cx="1300162" cy="514350"/>
+          </a:xfrm>
+          <a:prstGeom prst="roundRect">
+            <a:avLst/>
+          </a:prstGeom>
+          <a:solidFill>
+            <a:srgbClr val="512BD4"/>
+          </a:solidFill>
+          <a:ln w="12700" cap="flat" cmpd="sng" algn="ctr">
+            <a:solidFill>
+              <a:srgbClr val="512BD4"/>
+            </a:solidFill>
+            <a:prstDash val="solid"/>
+            <a:miter lim="800000"/>
+          </a:ln>
+          <a:effectLst/>
+        </p:spPr>
+        <p:style>
+          <a:lnRef idx="2">
+            <a:schemeClr val="accent1">
+              <a:shade val="15000"/>
+            </a:schemeClr>
+          </a:lnRef>
+          <a:fillRef idx="1">
+            <a:schemeClr val="accent1"/>
+          </a:fillRef>
+          <a:effectRef idx="0">
+            <a:schemeClr val="accent1"/>
+          </a:effectRef>
+          <a:fontRef idx="minor">
+            <a:schemeClr val="lt1"/>
+          </a:fontRef>
+        </p:style>
+        <p:txBody>
+          <a:bodyPr spcFirstLastPara="0" vert="horz" wrap="square" lIns="45720" tIns="45720" rIns="45720" bIns="45720" numCol="1" spcCol="1270" rtlCol="0" anchor="ctr" anchorCtr="0">
+            <a:noAutofit/>
+          </a:bodyPr>
+          <a:lstStyle/>
+          <a:p>
+            <a:pPr algn="ctr" defTabSz="457200"/>
+            <a:r>
+              <a:rPr lang="en-IN" sz="2400" b="1" dirty="0">
+                <a:solidFill>
+                  <a:schemeClr val="bg1"/>
+                </a:solidFill>
+                <a:highlight>
+                  <a:srgbClr val="512BD4"/>
+                </a:highlight>
+              </a:rPr>
+              <a:t>Class</a:t>
+            </a:r>
+          </a:p>
+        </p:txBody>
+      </p:sp>
+      <p:sp>
+        <p:nvSpPr>
+          <p:cNvPr id="32" name="Rectangle: Rounded Corners 31">
+            <a:extLst>
+              <a:ext uri="{FF2B5EF4-FFF2-40B4-BE49-F238E27FC236}">
+                <a16:creationId xmlns:a16="http://schemas.microsoft.com/office/drawing/2014/main" id="{B8002707-EDB4-CCEF-7D67-14A169A431A6}"/>
+              </a:ext>
+            </a:extLst>
+          </p:cNvPr>
+          <p:cNvSpPr/>
+          <p:nvPr/>
+        </p:nvSpPr>
+        <p:spPr>
+          <a:xfrm>
+            <a:off x="8920162" y="4729157"/>
+            <a:ext cx="1300162" cy="514350"/>
+          </a:xfrm>
+          <a:prstGeom prst="roundRect">
+            <a:avLst/>
+          </a:prstGeom>
+          <a:solidFill>
+            <a:srgbClr val="512BD4"/>
+          </a:solidFill>
+          <a:ln w="12700" cap="flat" cmpd="sng" algn="ctr">
+            <a:solidFill>
+              <a:srgbClr val="512BD4"/>
+            </a:solidFill>
+            <a:prstDash val="solid"/>
+            <a:miter lim="800000"/>
+          </a:ln>
+          <a:effectLst/>
+        </p:spPr>
+        <p:style>
+          <a:lnRef idx="2">
+            <a:schemeClr val="accent1">
+              <a:shade val="15000"/>
+            </a:schemeClr>
+          </a:lnRef>
+          <a:fillRef idx="1">
+            <a:schemeClr val="accent1"/>
+          </a:fillRef>
+          <a:effectRef idx="0">
+            <a:schemeClr val="accent1"/>
+          </a:effectRef>
+          <a:fontRef idx="minor">
+            <a:schemeClr val="lt1"/>
+          </a:fontRef>
+        </p:style>
+        <p:txBody>
+          <a:bodyPr spcFirstLastPara="0" vert="horz" wrap="square" lIns="45720" tIns="45720" rIns="45720" bIns="45720" numCol="1" spcCol="1270" rtlCol="0" anchor="ctr" anchorCtr="0">
+            <a:noAutofit/>
+          </a:bodyPr>
+          <a:lstStyle/>
+          <a:p>
+            <a:pPr algn="ctr" defTabSz="457200"/>
+            <a:r>
+              <a:rPr lang="en-IN" sz="2400" b="1" dirty="0">
+                <a:solidFill>
+                  <a:schemeClr val="bg1"/>
+                </a:solidFill>
+                <a:highlight>
+                  <a:srgbClr val="512BD4"/>
+                </a:highlight>
+              </a:rPr>
+              <a:t>Class</a:t>
+            </a:r>
+          </a:p>
+        </p:txBody>
+      </p:sp>
+      <p:sp>
+        <p:nvSpPr>
+          <p:cNvPr id="33" name="Rectangle: Rounded Corners 32">
+            <a:extLst>
+              <a:ext uri="{FF2B5EF4-FFF2-40B4-BE49-F238E27FC236}">
+                <a16:creationId xmlns:a16="http://schemas.microsoft.com/office/drawing/2014/main" id="{50892200-031E-FEFC-D185-B67D21BF74DA}"/>
+              </a:ext>
+            </a:extLst>
+          </p:cNvPr>
+          <p:cNvSpPr/>
+          <p:nvPr/>
+        </p:nvSpPr>
+        <p:spPr>
+          <a:xfrm>
+            <a:off x="8920162" y="5336372"/>
+            <a:ext cx="1300162" cy="514350"/>
+          </a:xfrm>
+          <a:prstGeom prst="roundRect">
+            <a:avLst/>
+          </a:prstGeom>
+          <a:solidFill>
+            <a:srgbClr val="512BD4"/>
+          </a:solidFill>
+          <a:ln w="12700" cap="flat" cmpd="sng" algn="ctr">
+            <a:solidFill>
+              <a:srgbClr val="512BD4"/>
+            </a:solidFill>
+            <a:prstDash val="solid"/>
+            <a:miter lim="800000"/>
+          </a:ln>
+          <a:effectLst/>
+        </p:spPr>
+        <p:style>
+          <a:lnRef idx="2">
+            <a:schemeClr val="accent1">
+              <a:shade val="15000"/>
+            </a:schemeClr>
+          </a:lnRef>
+          <a:fillRef idx="1">
+            <a:schemeClr val="accent1"/>
+          </a:fillRef>
+          <a:effectRef idx="0">
+            <a:schemeClr val="accent1"/>
+          </a:effectRef>
+          <a:fontRef idx="minor">
+            <a:schemeClr val="lt1"/>
+          </a:fontRef>
+        </p:style>
+        <p:txBody>
+          <a:bodyPr spcFirstLastPara="0" vert="horz" wrap="square" lIns="45720" tIns="45720" rIns="45720" bIns="45720" numCol="1" spcCol="1270" rtlCol="0" anchor="ctr" anchorCtr="0">
+            <a:noAutofit/>
+          </a:bodyPr>
+          <a:lstStyle/>
+          <a:p>
+            <a:pPr algn="ctr" defTabSz="457200"/>
+            <a:r>
+              <a:rPr lang="en-IN" sz="2400" b="1" dirty="0">
+                <a:solidFill>
+                  <a:schemeClr val="bg1"/>
+                </a:solidFill>
+                <a:highlight>
+                  <a:srgbClr val="512BD4"/>
+                </a:highlight>
+              </a:rPr>
+              <a:t>Class</a:t>
+            </a:r>
+          </a:p>
+        </p:txBody>
+      </p:sp>
+      <p:sp>
+        <p:nvSpPr>
+          <p:cNvPr id="34" name="Rectangle: Rounded Corners 33">
+            <a:extLst>
+              <a:ext uri="{FF2B5EF4-FFF2-40B4-BE49-F238E27FC236}">
+                <a16:creationId xmlns:a16="http://schemas.microsoft.com/office/drawing/2014/main" id="{EF61A7B1-CEF2-DD92-6019-89ADD1E201ED}"/>
+              </a:ext>
+            </a:extLst>
+          </p:cNvPr>
+          <p:cNvSpPr/>
+          <p:nvPr/>
+        </p:nvSpPr>
+        <p:spPr>
+          <a:xfrm>
+            <a:off x="10310810" y="4705042"/>
+            <a:ext cx="1300162" cy="514350"/>
+          </a:xfrm>
+          <a:prstGeom prst="roundRect">
+            <a:avLst/>
+          </a:prstGeom>
+          <a:solidFill>
+            <a:srgbClr val="512BD4"/>
+          </a:solidFill>
+          <a:ln w="12700" cap="flat" cmpd="sng" algn="ctr">
+            <a:solidFill>
+              <a:srgbClr val="512BD4"/>
+            </a:solidFill>
+            <a:prstDash val="solid"/>
+            <a:miter lim="800000"/>
+          </a:ln>
+          <a:effectLst/>
+        </p:spPr>
+        <p:style>
+          <a:lnRef idx="2">
+            <a:schemeClr val="accent1">
+              <a:shade val="15000"/>
+            </a:schemeClr>
+          </a:lnRef>
+          <a:fillRef idx="1">
+            <a:schemeClr val="accent1"/>
+          </a:fillRef>
+          <a:effectRef idx="0">
+            <a:schemeClr val="accent1"/>
+          </a:effectRef>
+          <a:fontRef idx="minor">
+            <a:schemeClr val="lt1"/>
+          </a:fontRef>
+        </p:style>
+        <p:txBody>
+          <a:bodyPr spcFirstLastPara="0" vert="horz" wrap="square" lIns="45720" tIns="45720" rIns="45720" bIns="45720" numCol="1" spcCol="1270" rtlCol="0" anchor="ctr" anchorCtr="0">
+            <a:noAutofit/>
+          </a:bodyPr>
+          <a:lstStyle/>
+          <a:p>
+            <a:pPr algn="ctr" defTabSz="457200"/>
+            <a:r>
+              <a:rPr lang="en-IN" sz="2400" b="1" dirty="0">
+                <a:solidFill>
+                  <a:schemeClr val="bg1"/>
+                </a:solidFill>
+                <a:highlight>
+                  <a:srgbClr val="512BD4"/>
+                </a:highlight>
+              </a:rPr>
+              <a:t>Class</a:t>
+            </a:r>
+          </a:p>
+        </p:txBody>
+      </p:sp>
+      <p:sp>
+        <p:nvSpPr>
+          <p:cNvPr id="35" name="Rectangle: Rounded Corners 34">
+            <a:extLst>
+              <a:ext uri="{FF2B5EF4-FFF2-40B4-BE49-F238E27FC236}">
+                <a16:creationId xmlns:a16="http://schemas.microsoft.com/office/drawing/2014/main" id="{42683AD4-B404-DE2C-018C-3FD24C59C9AD}"/>
+              </a:ext>
+            </a:extLst>
+          </p:cNvPr>
+          <p:cNvSpPr/>
+          <p:nvPr/>
+        </p:nvSpPr>
+        <p:spPr>
+          <a:xfrm>
+            <a:off x="10298905" y="5314949"/>
+            <a:ext cx="1300162" cy="514350"/>
+          </a:xfrm>
+          <a:prstGeom prst="roundRect">
+            <a:avLst/>
+          </a:prstGeom>
+          <a:solidFill>
+            <a:srgbClr val="512BD4"/>
+          </a:solidFill>
+          <a:ln w="12700" cap="flat" cmpd="sng" algn="ctr">
+            <a:solidFill>
+              <a:srgbClr val="512BD4"/>
+            </a:solidFill>
+            <a:prstDash val="solid"/>
+            <a:miter lim="800000"/>
+          </a:ln>
+          <a:effectLst/>
+        </p:spPr>
+        <p:style>
+          <a:lnRef idx="2">
+            <a:schemeClr val="accent1">
+              <a:shade val="15000"/>
+            </a:schemeClr>
+          </a:lnRef>
+          <a:fillRef idx="1">
+            <a:schemeClr val="accent1"/>
+          </a:fillRef>
+          <a:effectRef idx="0">
+            <a:schemeClr val="accent1"/>
+          </a:effectRef>
+          <a:fontRef idx="minor">
+            <a:schemeClr val="lt1"/>
+          </a:fontRef>
+        </p:style>
+        <p:txBody>
+          <a:bodyPr spcFirstLastPara="0" vert="horz" wrap="square" lIns="45720" tIns="45720" rIns="45720" bIns="45720" numCol="1" spcCol="1270" rtlCol="0" anchor="ctr" anchorCtr="0">
+            <a:noAutofit/>
+          </a:bodyPr>
+          <a:lstStyle/>
+          <a:p>
+            <a:pPr algn="ctr" defTabSz="457200"/>
+            <a:r>
+              <a:rPr lang="en-IN" sz="2400" b="1" dirty="0">
+                <a:solidFill>
+                  <a:schemeClr val="bg1"/>
+                </a:solidFill>
+                <a:highlight>
+                  <a:srgbClr val="512BD4"/>
+                </a:highlight>
+              </a:rPr>
+              <a:t>Class</a:t>
+            </a:r>
+          </a:p>
+        </p:txBody>
+      </p:sp>
+      <p:sp>
+        <p:nvSpPr>
+          <p:cNvPr id="36" name="TextBox 35">
+            <a:extLst>
+              <a:ext uri="{FF2B5EF4-FFF2-40B4-BE49-F238E27FC236}">
+                <a16:creationId xmlns:a16="http://schemas.microsoft.com/office/drawing/2014/main" id="{E2DA0246-882A-C547-CCCA-251AA09D6401}"/>
+              </a:ext>
+            </a:extLst>
+          </p:cNvPr>
+          <p:cNvSpPr txBox="1"/>
+          <p:nvPr/>
+        </p:nvSpPr>
+        <p:spPr>
+          <a:xfrm>
+            <a:off x="7296149" y="1583680"/>
+            <a:ext cx="3385222" cy="461665"/>
+          </a:xfrm>
+          <a:prstGeom prst="rect">
+            <a:avLst/>
+          </a:prstGeom>
+          <a:noFill/>
+        </p:spPr>
+        <p:txBody>
+          <a:bodyPr wrap="none" rtlCol="0">
+            <a:spAutoFit/>
+          </a:bodyPr>
+          <a:lstStyle/>
+          <a:p>
+            <a:r>
+              <a:rPr lang="en-IN" sz="2400" b="1" dirty="0">
+                <a:solidFill>
+                  <a:srgbClr val="512BD4"/>
+                </a:solidFill>
+                <a:ea typeface="+mj-ea"/>
+                <a:cs typeface="+mj-cs"/>
+              </a:rPr>
+              <a:t>namespace: MyApp.User</a:t>
+            </a:r>
+          </a:p>
+        </p:txBody>
+      </p:sp>
+      <p:sp>
+        <p:nvSpPr>
+          <p:cNvPr id="37" name="TextBox 36">
+            <a:extLst>
+              <a:ext uri="{FF2B5EF4-FFF2-40B4-BE49-F238E27FC236}">
+                <a16:creationId xmlns:a16="http://schemas.microsoft.com/office/drawing/2014/main" id="{F0FA10E5-E285-DFDA-32F0-57DDE3399109}"/>
+              </a:ext>
+            </a:extLst>
+          </p:cNvPr>
+          <p:cNvSpPr txBox="1"/>
+          <p:nvPr/>
+        </p:nvSpPr>
+        <p:spPr>
+          <a:xfrm>
+            <a:off x="7296149" y="3990227"/>
+            <a:ext cx="3642985" cy="461665"/>
+          </a:xfrm>
+          <a:prstGeom prst="rect">
+            <a:avLst/>
+          </a:prstGeom>
+          <a:noFill/>
+        </p:spPr>
+        <p:txBody>
+          <a:bodyPr wrap="none" rtlCol="0">
+            <a:spAutoFit/>
+          </a:bodyPr>
+          <a:lstStyle/>
+          <a:p>
+            <a:r>
+              <a:rPr lang="en-IN" sz="2400" b="1" dirty="0">
+                <a:solidFill>
+                  <a:srgbClr val="512BD4"/>
+                </a:solidFill>
+                <a:ea typeface="+mj-ea"/>
+                <a:cs typeface="+mj-cs"/>
+              </a:rPr>
+              <a:t>namespace: </a:t>
+            </a:r>
+            <a:r>
+              <a:rPr lang="en-IN" sz="2400" b="1" dirty="0" err="1">
+                <a:solidFill>
+                  <a:srgbClr val="512BD4"/>
+                </a:solidFill>
+                <a:ea typeface="+mj-ea"/>
+                <a:cs typeface="+mj-cs"/>
+              </a:rPr>
+              <a:t>MyApp.Admin</a:t>
+            </a:r>
+            <a:endParaRPr lang="en-IN" sz="2400" b="1" dirty="0">
+              <a:solidFill>
+                <a:srgbClr val="512BD4"/>
+              </a:solidFill>
+              <a:ea typeface="+mj-ea"/>
+              <a:cs typeface="+mj-cs"/>
+            </a:endParaRPr>
+          </a:p>
+        </p:txBody>
+      </p:sp>
+    </p:spTree>
+    <p:extLst>
+      <p:ext uri="{BB962C8B-B14F-4D97-AF65-F5344CB8AC3E}">
+        <p14:creationId xmlns:p14="http://schemas.microsoft.com/office/powerpoint/2010/main" val="2127565337"/>
+      </p:ext>
+    </p:extLst>
+  </p:cSld>
+  <p:clrMapOvr>
+    <a:masterClrMapping/>
+  </p:clrMapOvr>
+</p:sld>
+</file>
+
+<file path=ppt/slides/slide24.xml><?xml version="1.0" encoding="utf-8"?>
+<p:sld xmlns:a="http://schemas.openxmlformats.org/drawingml/2006/main" xmlns:r="http://schemas.openxmlformats.org/officeDocument/2006/relationships" xmlns:p="http://schemas.openxmlformats.org/presentationml/2006/main">
+  <p:cSld>
+    <p:spTree>
+      <p:nvGrpSpPr>
+        <p:cNvPr id="1" name=""/>
+        <p:cNvGrpSpPr/>
+        <p:nvPr/>
+      </p:nvGrpSpPr>
+      <p:grpSpPr>
+        <a:xfrm>
+          <a:off x="0" y="0"/>
+          <a:ext cx="0" cy="0"/>
+          <a:chOff x="0" y="0"/>
+          <a:chExt cx="0" cy="0"/>
+        </a:xfrm>
+      </p:grpSpPr>
+      <p:sp>
+        <p:nvSpPr>
+          <p:cNvPr id="71" name="Rectangle 70">
+            <a:extLst>
+              <a:ext uri="{FF2B5EF4-FFF2-40B4-BE49-F238E27FC236}">
+                <a16:creationId xmlns:a16="http://schemas.microsoft.com/office/drawing/2014/main" id="{4B5F9C09-468C-504A-8556-82915D8B2F00}"/>
+              </a:ext>
+            </a:extLst>
+          </p:cNvPr>
+          <p:cNvSpPr/>
+          <p:nvPr/>
+        </p:nvSpPr>
+        <p:spPr>
+          <a:xfrm>
+            <a:off x="104775" y="139715"/>
+            <a:ext cx="11982450" cy="6578570"/>
+          </a:xfrm>
+          <a:prstGeom prst="rect">
+            <a:avLst/>
+          </a:prstGeom>
+          <a:ln w="38100">
+            <a:solidFill>
+              <a:srgbClr val="512BD4"/>
+            </a:solidFill>
+            <a:prstDash val="sysDot"/>
+          </a:ln>
+        </p:spPr>
+        <p:style>
+          <a:lnRef idx="2">
+            <a:schemeClr val="accent1"/>
+          </a:lnRef>
+          <a:fillRef idx="1">
+            <a:schemeClr val="lt1"/>
+          </a:fillRef>
+          <a:effectRef idx="0">
+            <a:schemeClr val="accent1"/>
+          </a:effectRef>
+          <a:fontRef idx="minor">
+            <a:schemeClr val="dk1"/>
+          </a:fontRef>
+        </p:style>
+        <p:txBody>
+          <a:bodyPr rtlCol="0" anchor="ctr"/>
+          <a:lstStyle/>
+          <a:p>
+            <a:pPr algn="ctr"/>
+            <a:endParaRPr lang="en-IN"/>
+          </a:p>
+        </p:txBody>
+      </p:sp>
+      <p:sp>
+        <p:nvSpPr>
+          <p:cNvPr id="6" name="Rectangle 5">
+            <a:extLst>
+              <a:ext uri="{FF2B5EF4-FFF2-40B4-BE49-F238E27FC236}">
+                <a16:creationId xmlns:a16="http://schemas.microsoft.com/office/drawing/2014/main" id="{4FC26CE5-B226-2A61-1436-31F2D4C5C1F5}"/>
+              </a:ext>
+            </a:extLst>
+          </p:cNvPr>
+          <p:cNvSpPr/>
+          <p:nvPr/>
+        </p:nvSpPr>
+        <p:spPr>
+          <a:xfrm>
+            <a:off x="392993" y="702679"/>
+            <a:ext cx="2757488" cy="2347592"/>
+          </a:xfrm>
+          <a:prstGeom prst="rect">
+            <a:avLst/>
+          </a:prstGeom>
+          <a:ln w="28575"/>
+        </p:spPr>
+        <p:style>
+          <a:lnRef idx="2">
+            <a:schemeClr val="accent1"/>
+          </a:lnRef>
+          <a:fillRef idx="1">
+            <a:schemeClr val="lt1"/>
+          </a:fillRef>
+          <a:effectRef idx="0">
+            <a:schemeClr val="accent1"/>
+          </a:effectRef>
+          <a:fontRef idx="minor">
+            <a:schemeClr val="dk1"/>
+          </a:fontRef>
+        </p:style>
+        <p:txBody>
+          <a:bodyPr rtlCol="0" anchor="ctr"/>
+          <a:lstStyle/>
+          <a:p>
+            <a:pPr algn="ctr"/>
+            <a:endParaRPr lang="en-IN" dirty="0"/>
+          </a:p>
+        </p:txBody>
+      </p:sp>
+      <p:pic>
+        <p:nvPicPr>
+          <p:cNvPr id="8" name="Picture 7">
+            <a:extLst>
+              <a:ext uri="{FF2B5EF4-FFF2-40B4-BE49-F238E27FC236}">
+                <a16:creationId xmlns:a16="http://schemas.microsoft.com/office/drawing/2014/main" id="{30E2CA7E-FB8B-AFC3-E502-8A88991E7F31}"/>
+              </a:ext>
+            </a:extLst>
+          </p:cNvPr>
+          <p:cNvPicPr>
+            <a:picLocks noChangeAspect="1"/>
+          </p:cNvPicPr>
+          <p:nvPr/>
+        </p:nvPicPr>
+        <p:blipFill>
+          <a:blip r:embed="rId2"/>
+          <a:stretch>
+            <a:fillRect/>
+          </a:stretch>
+        </p:blipFill>
+        <p:spPr>
+          <a:xfrm>
+            <a:off x="485635" y="812891"/>
+            <a:ext cx="2552700" cy="1676400"/>
+          </a:xfrm>
+          <a:prstGeom prst="rect">
+            <a:avLst/>
+          </a:prstGeom>
+        </p:spPr>
+      </p:pic>
+      <p:grpSp>
+        <p:nvGrpSpPr>
+          <p:cNvPr id="9" name="Group 8">
+            <a:extLst>
+              <a:ext uri="{FF2B5EF4-FFF2-40B4-BE49-F238E27FC236}">
+                <a16:creationId xmlns:a16="http://schemas.microsoft.com/office/drawing/2014/main" id="{A9B0BFF5-54C6-9B4E-A14D-CEFD480A5072}"/>
+              </a:ext>
+            </a:extLst>
+          </p:cNvPr>
+          <p:cNvGrpSpPr/>
+          <p:nvPr/>
+        </p:nvGrpSpPr>
+        <p:grpSpPr>
+          <a:xfrm>
+            <a:off x="3292498" y="1503124"/>
+            <a:ext cx="738295" cy="445555"/>
+            <a:chOff x="1917970" y="2446094"/>
+            <a:chExt cx="738295" cy="445555"/>
+          </a:xfrm>
+        </p:grpSpPr>
+        <p:sp>
+          <p:nvSpPr>
+            <p:cNvPr id="10" name="Arrow: Right 9">
+              <a:extLst>
+                <a:ext uri="{FF2B5EF4-FFF2-40B4-BE49-F238E27FC236}">
+                  <a16:creationId xmlns:a16="http://schemas.microsoft.com/office/drawing/2014/main" id="{AEDC9F1C-136C-32E9-9A8F-F5F0FEAD929F}"/>
+                </a:ext>
+              </a:extLst>
+            </p:cNvPr>
+            <p:cNvSpPr/>
+            <p:nvPr/>
+          </p:nvSpPr>
+          <p:spPr>
+            <a:xfrm rot="21575337">
+              <a:off x="1917970" y="2446094"/>
+              <a:ext cx="738295" cy="445555"/>
+            </a:xfrm>
+            <a:prstGeom prst="rightArrow">
+              <a:avLst>
+                <a:gd name="adj1" fmla="val 60000"/>
+                <a:gd name="adj2" fmla="val 50000"/>
+              </a:avLst>
+            </a:prstGeom>
+            <a:solidFill>
+              <a:srgbClr val="512BD4"/>
+            </a:solidFill>
+            <a:ln w="12700" cap="flat" cmpd="sng" algn="ctr">
+              <a:solidFill>
+                <a:srgbClr val="512BD4"/>
+              </a:solidFill>
+              <a:prstDash val="solid"/>
+              <a:miter lim="800000"/>
+            </a:ln>
+            <a:effectLst/>
+          </p:spPr>
+          <p:style>
+            <a:lnRef idx="2">
+              <a:schemeClr val="accent1">
+                <a:shade val="15000"/>
+              </a:schemeClr>
+            </a:lnRef>
+            <a:fillRef idx="1">
+              <a:schemeClr val="accent1"/>
+            </a:fillRef>
+            <a:effectRef idx="0">
+              <a:schemeClr val="accent1"/>
+            </a:effectRef>
+            <a:fontRef idx="minor">
+              <a:schemeClr val="lt1"/>
+            </a:fontRef>
+          </p:style>
+          <p:txBody>
+            <a:bodyPr/>
+            <a:lstStyle/>
+            <a:p>
+              <a:endParaRPr lang="en-IN"/>
+            </a:p>
+          </p:txBody>
+        </p:sp>
+        <p:sp>
+          <p:nvSpPr>
+            <p:cNvPr id="11" name="Arrow: Right 4">
+              <a:extLst>
+                <a:ext uri="{FF2B5EF4-FFF2-40B4-BE49-F238E27FC236}">
+                  <a16:creationId xmlns:a16="http://schemas.microsoft.com/office/drawing/2014/main" id="{1A12883A-99AA-879A-2915-89FDC33AF5BF}"/>
+                </a:ext>
+              </a:extLst>
+            </p:cNvPr>
+            <p:cNvSpPr txBox="1"/>
+            <p:nvPr/>
+          </p:nvSpPr>
+          <p:spPr>
+            <a:xfrm rot="21575337">
+              <a:off x="1917972" y="2535684"/>
+              <a:ext cx="604629" cy="267333"/>
+            </a:xfrm>
+            <a:prstGeom prst="rect">
+              <a:avLst/>
+            </a:prstGeom>
+          </p:spPr>
+          <p:style>
+            <a:lnRef idx="0">
+              <a:scrgbClr r="0" g="0" b="0"/>
+            </a:lnRef>
+            <a:fillRef idx="0">
+              <a:scrgbClr r="0" g="0" b="0"/>
+            </a:fillRef>
+            <a:effectRef idx="0">
+              <a:scrgbClr r="0" g="0" b="0"/>
+            </a:effectRef>
+            <a:fontRef idx="minor">
+              <a:schemeClr val="lt1"/>
+            </a:fontRef>
+          </p:style>
+          <p:txBody>
+            <a:bodyPr spcFirstLastPara="0" vert="horz" wrap="square" lIns="45720" tIns="45720" rIns="45720" bIns="45720" numCol="1" spcCol="1270" rtlCol="0" anchor="ctr" anchorCtr="0">
+              <a:noAutofit/>
+            </a:bodyPr>
+            <a:lstStyle/>
+            <a:p>
+              <a:pPr marL="285750" lvl="0" indent="-285750" algn="l" defTabSz="914400" rtl="0" eaLnBrk="1" latinLnBrk="0" hangingPunct="1">
+                <a:lnSpc>
+                  <a:spcPct val="90000"/>
+                </a:lnSpc>
+                <a:spcBef>
+                  <a:spcPct val="0"/>
+                </a:spcBef>
+                <a:spcAft>
+                  <a:spcPct val="35000"/>
+                </a:spcAft>
+                <a:buFont typeface="Arial" panose="020B0604020202020204" pitchFamily="34" charset="0"/>
+                <a:buNone/>
+              </a:pPr>
+              <a:endParaRPr lang="en-IN" sz="1800" b="1" kern="1200" dirty="0">
+                <a:solidFill>
+                  <a:schemeClr val="bg1"/>
+                </a:solidFill>
+                <a:highlight>
+                  <a:srgbClr val="512BD4"/>
+                </a:highlight>
+                <a:latin typeface="+mn-lt"/>
+                <a:ea typeface="+mn-ea"/>
+                <a:cs typeface="+mn-cs"/>
+              </a:endParaRPr>
+            </a:p>
+          </p:txBody>
+        </p:sp>
+      </p:grpSp>
+      <p:grpSp>
+        <p:nvGrpSpPr>
+          <p:cNvPr id="12" name="Group 11">
+            <a:extLst>
+              <a:ext uri="{FF2B5EF4-FFF2-40B4-BE49-F238E27FC236}">
+                <a16:creationId xmlns:a16="http://schemas.microsoft.com/office/drawing/2014/main" id="{1B428D35-8828-0A4E-121D-B97342425354}"/>
+              </a:ext>
+            </a:extLst>
+          </p:cNvPr>
+          <p:cNvGrpSpPr/>
+          <p:nvPr/>
+        </p:nvGrpSpPr>
+        <p:grpSpPr>
+          <a:xfrm>
+            <a:off x="4083104" y="357188"/>
+            <a:ext cx="3328368" cy="2693083"/>
+            <a:chOff x="2828768" y="2049099"/>
+            <a:chExt cx="1361591" cy="1083669"/>
+          </a:xfrm>
+        </p:grpSpPr>
+        <p:sp>
+          <p:nvSpPr>
+            <p:cNvPr id="13" name="Rectangle: Rounded Corners 12">
+              <a:extLst>
+                <a:ext uri="{FF2B5EF4-FFF2-40B4-BE49-F238E27FC236}">
+                  <a16:creationId xmlns:a16="http://schemas.microsoft.com/office/drawing/2014/main" id="{153F2942-9FDD-121C-4056-64A43228E97B}"/>
+                </a:ext>
+              </a:extLst>
+            </p:cNvPr>
+            <p:cNvSpPr/>
+            <p:nvPr/>
+          </p:nvSpPr>
+          <p:spPr>
+            <a:xfrm>
+              <a:off x="2828768" y="2049099"/>
+              <a:ext cx="1361591" cy="1083669"/>
+            </a:xfrm>
+            <a:prstGeom prst="roundRect">
+              <a:avLst>
+                <a:gd name="adj" fmla="val 10000"/>
+              </a:avLst>
+            </a:prstGeom>
+            <a:solidFill>
+              <a:srgbClr val="512BD4"/>
+            </a:solidFill>
+            <a:ln w="12700" cap="flat" cmpd="sng" algn="ctr">
+              <a:solidFill>
+                <a:srgbClr val="512BD4"/>
+              </a:solidFill>
+              <a:prstDash val="solid"/>
+              <a:miter lim="800000"/>
+            </a:ln>
+            <a:effectLst/>
+          </p:spPr>
+          <p:style>
+            <a:lnRef idx="2">
+              <a:schemeClr val="accent1">
+                <a:shade val="15000"/>
+              </a:schemeClr>
+            </a:lnRef>
+            <a:fillRef idx="1">
+              <a:schemeClr val="accent1"/>
+            </a:fillRef>
+            <a:effectRef idx="0">
+              <a:schemeClr val="accent1"/>
+            </a:effectRef>
+            <a:fontRef idx="minor">
+              <a:schemeClr val="lt1"/>
+            </a:fontRef>
+          </p:style>
+          <p:txBody>
+            <a:bodyPr/>
+            <a:lstStyle/>
+            <a:p>
+              <a:endParaRPr lang="en-IN"/>
+            </a:p>
+          </p:txBody>
+        </p:sp>
+        <p:sp>
+          <p:nvSpPr>
+            <p:cNvPr id="14" name="Rectangle: Rounded Corners 6">
+              <a:extLst>
+                <a:ext uri="{FF2B5EF4-FFF2-40B4-BE49-F238E27FC236}">
+                  <a16:creationId xmlns:a16="http://schemas.microsoft.com/office/drawing/2014/main" id="{17A35901-8003-68AA-EC59-AAA9E1B462D6}"/>
+                </a:ext>
+              </a:extLst>
+            </p:cNvPr>
+            <p:cNvSpPr txBox="1"/>
+            <p:nvPr/>
+          </p:nvSpPr>
+          <p:spPr>
+            <a:xfrm>
+              <a:off x="2860508" y="2080839"/>
+              <a:ext cx="1298111" cy="1020189"/>
+            </a:xfrm>
+            <a:prstGeom prst="rect">
+              <a:avLst/>
+            </a:prstGeom>
+          </p:spPr>
+          <p:style>
+            <a:lnRef idx="0">
+              <a:scrgbClr r="0" g="0" b="0"/>
+            </a:lnRef>
+            <a:fillRef idx="0">
+              <a:scrgbClr r="0" g="0" b="0"/>
+            </a:fillRef>
+            <a:effectRef idx="0">
+              <a:scrgbClr r="0" g="0" b="0"/>
+            </a:effectRef>
+            <a:fontRef idx="minor">
+              <a:schemeClr val="lt1"/>
+            </a:fontRef>
+          </p:style>
+          <p:txBody>
+            <a:bodyPr spcFirstLastPara="0" vert="horz" wrap="square" lIns="45720" tIns="45720" rIns="45720" bIns="45720" numCol="1" spcCol="1270" rtlCol="0" anchor="ctr" anchorCtr="0">
+              <a:noAutofit/>
+            </a:bodyPr>
+            <a:lstStyle/>
+            <a:p>
+              <a:pPr marL="285750" lvl="0" indent="-285750" algn="ctr" defTabSz="914400" rtl="0" eaLnBrk="1" latinLnBrk="0" hangingPunct="1">
+                <a:lnSpc>
+                  <a:spcPct val="90000"/>
+                </a:lnSpc>
+                <a:spcBef>
+                  <a:spcPct val="0"/>
+                </a:spcBef>
+                <a:spcAft>
+                  <a:spcPct val="35000"/>
+                </a:spcAft>
+                <a:buFont typeface="Arial" panose="020B0604020202020204" pitchFamily="34" charset="0"/>
+                <a:buNone/>
+              </a:pPr>
+              <a:r>
+                <a:rPr lang="en-IN" sz="2800" b="1" kern="1200" dirty="0">
+                  <a:solidFill>
+                    <a:prstClr val="white"/>
+                  </a:solidFill>
+                  <a:highlight>
+                    <a:srgbClr val="512BD4"/>
+                  </a:highlight>
+                  <a:latin typeface="Calibri" panose="020F0502020204030204"/>
+                  <a:ea typeface="+mn-ea"/>
+                  <a:cs typeface="+mn-cs"/>
+                </a:rPr>
+                <a:t>C# Compiler</a:t>
+              </a:r>
+            </a:p>
+            <a:p>
+              <a:pPr lvl="0" algn="ctr" defTabSz="914400" rtl="0" eaLnBrk="1" latinLnBrk="0" hangingPunct="1">
+                <a:lnSpc>
+                  <a:spcPct val="90000"/>
+                </a:lnSpc>
+                <a:spcBef>
+                  <a:spcPct val="0"/>
+                </a:spcBef>
+                <a:spcAft>
+                  <a:spcPct val="35000"/>
+                </a:spcAft>
+              </a:pPr>
+              <a:r>
+                <a:rPr lang="en-IN" sz="2000" b="1" kern="1200" dirty="0">
+                  <a:solidFill>
+                    <a:prstClr val="white"/>
+                  </a:solidFill>
+                  <a:highlight>
+                    <a:srgbClr val="512BD4"/>
+                  </a:highlight>
+                  <a:latin typeface="Calibri" panose="020F0502020204030204"/>
+                  <a:ea typeface="+mn-ea"/>
+                  <a:cs typeface="+mn-cs"/>
+                </a:rPr>
+                <a:t>Build the Class Library project, then C# compiler converts C# code into MSIL code and packages all the types into .</a:t>
+              </a:r>
+              <a:r>
+                <a:rPr lang="en-IN" sz="2000" b="1" kern="1200" dirty="0" err="1">
+                  <a:solidFill>
+                    <a:prstClr val="white"/>
+                  </a:solidFill>
+                  <a:highlight>
+                    <a:srgbClr val="512BD4"/>
+                  </a:highlight>
+                  <a:latin typeface="Calibri" panose="020F0502020204030204"/>
+                  <a:ea typeface="+mn-ea"/>
+                  <a:cs typeface="+mn-cs"/>
+                </a:rPr>
+                <a:t>dll</a:t>
+              </a:r>
+              <a:r>
+                <a:rPr lang="en-IN" sz="2000" b="1" kern="1200" dirty="0">
+                  <a:solidFill>
+                    <a:prstClr val="white"/>
+                  </a:solidFill>
+                  <a:highlight>
+                    <a:srgbClr val="512BD4"/>
+                  </a:highlight>
+                  <a:latin typeface="Calibri" panose="020F0502020204030204"/>
+                  <a:ea typeface="+mn-ea"/>
+                  <a:cs typeface="+mn-cs"/>
+                </a:rPr>
+                <a:t> file</a:t>
+              </a:r>
+            </a:p>
+          </p:txBody>
+        </p:sp>
+      </p:grpSp>
+      <p:grpSp>
+        <p:nvGrpSpPr>
+          <p:cNvPr id="15" name="Group 14">
+            <a:extLst>
+              <a:ext uri="{FF2B5EF4-FFF2-40B4-BE49-F238E27FC236}">
+                <a16:creationId xmlns:a16="http://schemas.microsoft.com/office/drawing/2014/main" id="{9AA5C81E-BB92-0ECC-7DCE-FEA8A1C55FF0}"/>
+              </a:ext>
+            </a:extLst>
+          </p:cNvPr>
+          <p:cNvGrpSpPr/>
+          <p:nvPr/>
+        </p:nvGrpSpPr>
+        <p:grpSpPr>
+          <a:xfrm>
+            <a:off x="7555078" y="1430920"/>
+            <a:ext cx="738295" cy="445555"/>
+            <a:chOff x="1917970" y="2446094"/>
+            <a:chExt cx="738295" cy="445555"/>
+          </a:xfrm>
+        </p:grpSpPr>
+        <p:sp>
+          <p:nvSpPr>
+            <p:cNvPr id="16" name="Arrow: Right 15">
+              <a:extLst>
+                <a:ext uri="{FF2B5EF4-FFF2-40B4-BE49-F238E27FC236}">
+                  <a16:creationId xmlns:a16="http://schemas.microsoft.com/office/drawing/2014/main" id="{84B8458A-528D-84FE-E331-F66C6A92605E}"/>
+                </a:ext>
+              </a:extLst>
+            </p:cNvPr>
+            <p:cNvSpPr/>
+            <p:nvPr/>
+          </p:nvSpPr>
+          <p:spPr>
+            <a:xfrm rot="21575337">
+              <a:off x="1917970" y="2446094"/>
+              <a:ext cx="738295" cy="445555"/>
+            </a:xfrm>
+            <a:prstGeom prst="rightArrow">
+              <a:avLst>
+                <a:gd name="adj1" fmla="val 60000"/>
+                <a:gd name="adj2" fmla="val 50000"/>
+              </a:avLst>
+            </a:prstGeom>
+            <a:solidFill>
+              <a:srgbClr val="512BD4"/>
+            </a:solidFill>
+            <a:ln w="12700" cap="flat" cmpd="sng" algn="ctr">
+              <a:solidFill>
+                <a:srgbClr val="512BD4"/>
+              </a:solidFill>
+              <a:prstDash val="solid"/>
+              <a:miter lim="800000"/>
+            </a:ln>
+            <a:effectLst/>
+          </p:spPr>
+          <p:style>
+            <a:lnRef idx="2">
+              <a:schemeClr val="accent1">
+                <a:shade val="15000"/>
+              </a:schemeClr>
+            </a:lnRef>
+            <a:fillRef idx="1">
+              <a:schemeClr val="accent1"/>
+            </a:fillRef>
+            <a:effectRef idx="0">
+              <a:schemeClr val="accent1"/>
+            </a:effectRef>
+            <a:fontRef idx="minor">
+              <a:schemeClr val="lt1"/>
+            </a:fontRef>
+          </p:style>
+          <p:txBody>
+            <a:bodyPr/>
+            <a:lstStyle/>
+            <a:p>
+              <a:endParaRPr lang="en-IN"/>
+            </a:p>
+          </p:txBody>
+        </p:sp>
+        <p:sp>
+          <p:nvSpPr>
+            <p:cNvPr id="17" name="Arrow: Right 4">
+              <a:extLst>
+                <a:ext uri="{FF2B5EF4-FFF2-40B4-BE49-F238E27FC236}">
+                  <a16:creationId xmlns:a16="http://schemas.microsoft.com/office/drawing/2014/main" id="{89992037-FAFE-452B-C1AB-1B02E2E8923E}"/>
+                </a:ext>
+              </a:extLst>
+            </p:cNvPr>
+            <p:cNvSpPr txBox="1"/>
+            <p:nvPr/>
+          </p:nvSpPr>
+          <p:spPr>
+            <a:xfrm rot="21575337">
+              <a:off x="1917972" y="2535684"/>
+              <a:ext cx="604629" cy="267333"/>
+            </a:xfrm>
+            <a:prstGeom prst="rect">
+              <a:avLst/>
+            </a:prstGeom>
+          </p:spPr>
+          <p:style>
+            <a:lnRef idx="0">
+              <a:scrgbClr r="0" g="0" b="0"/>
+            </a:lnRef>
+            <a:fillRef idx="0">
+              <a:scrgbClr r="0" g="0" b="0"/>
+            </a:fillRef>
+            <a:effectRef idx="0">
+              <a:scrgbClr r="0" g="0" b="0"/>
+            </a:effectRef>
+            <a:fontRef idx="minor">
+              <a:schemeClr val="lt1"/>
+            </a:fontRef>
+          </p:style>
+          <p:txBody>
+            <a:bodyPr spcFirstLastPara="0" vert="horz" wrap="square" lIns="45720" tIns="45720" rIns="45720" bIns="45720" numCol="1" spcCol="1270" rtlCol="0" anchor="ctr" anchorCtr="0">
+              <a:noAutofit/>
+            </a:bodyPr>
+            <a:lstStyle/>
+            <a:p>
+              <a:pPr marL="285750" lvl="0" indent="-285750" algn="l" defTabSz="914400" rtl="0" eaLnBrk="1" latinLnBrk="0" hangingPunct="1">
+                <a:lnSpc>
+                  <a:spcPct val="90000"/>
+                </a:lnSpc>
+                <a:spcBef>
+                  <a:spcPct val="0"/>
+                </a:spcBef>
+                <a:spcAft>
+                  <a:spcPct val="35000"/>
+                </a:spcAft>
+                <a:buFont typeface="Arial" panose="020B0604020202020204" pitchFamily="34" charset="0"/>
+                <a:buNone/>
+              </a:pPr>
+              <a:endParaRPr lang="en-IN" sz="1800" b="1" kern="1200" dirty="0">
+                <a:solidFill>
+                  <a:schemeClr val="bg1"/>
+                </a:solidFill>
+                <a:highlight>
+                  <a:srgbClr val="512BD4"/>
+                </a:highlight>
+                <a:latin typeface="+mn-lt"/>
+                <a:ea typeface="+mn-ea"/>
+                <a:cs typeface="+mn-cs"/>
+              </a:endParaRPr>
+            </a:p>
+          </p:txBody>
+        </p:sp>
+      </p:grpSp>
+      <p:sp>
+        <p:nvSpPr>
+          <p:cNvPr id="20" name="Rectangle 19">
+            <a:extLst>
+              <a:ext uri="{FF2B5EF4-FFF2-40B4-BE49-F238E27FC236}">
+                <a16:creationId xmlns:a16="http://schemas.microsoft.com/office/drawing/2014/main" id="{8F1F30EC-B0A9-59FC-D4FC-4FCDA515EEB9}"/>
+              </a:ext>
+            </a:extLst>
+          </p:cNvPr>
+          <p:cNvSpPr/>
+          <p:nvPr/>
+        </p:nvSpPr>
+        <p:spPr>
+          <a:xfrm>
+            <a:off x="8405519" y="621572"/>
+            <a:ext cx="3275372" cy="2399323"/>
+          </a:xfrm>
+          <a:prstGeom prst="rect">
+            <a:avLst/>
+          </a:prstGeom>
+          <a:ln w="28575"/>
+        </p:spPr>
+        <p:style>
+          <a:lnRef idx="2">
+            <a:schemeClr val="accent1"/>
+          </a:lnRef>
+          <a:fillRef idx="1">
+            <a:schemeClr val="lt1"/>
+          </a:fillRef>
+          <a:effectRef idx="0">
+            <a:schemeClr val="accent1"/>
+          </a:effectRef>
+          <a:fontRef idx="minor">
+            <a:schemeClr val="dk1"/>
+          </a:fontRef>
+        </p:style>
+        <p:txBody>
+          <a:bodyPr rtlCol="0" anchor="ctr"/>
+          <a:lstStyle/>
+          <a:p>
+            <a:pPr algn="ctr"/>
+            <a:endParaRPr lang="en-IN"/>
+          </a:p>
+        </p:txBody>
+      </p:sp>
+      <p:sp>
+        <p:nvSpPr>
+          <p:cNvPr id="38" name="TextBox 37">
+            <a:extLst>
+              <a:ext uri="{FF2B5EF4-FFF2-40B4-BE49-F238E27FC236}">
+                <a16:creationId xmlns:a16="http://schemas.microsoft.com/office/drawing/2014/main" id="{422646B3-5821-4BF2-D982-57E96AC25A6E}"/>
+              </a:ext>
+            </a:extLst>
+          </p:cNvPr>
+          <p:cNvSpPr txBox="1"/>
+          <p:nvPr/>
+        </p:nvSpPr>
+        <p:spPr>
+          <a:xfrm>
+            <a:off x="766429" y="159907"/>
+            <a:ext cx="1750223" cy="461665"/>
+          </a:xfrm>
+          <a:prstGeom prst="rect">
+            <a:avLst/>
+          </a:prstGeom>
+          <a:noFill/>
+        </p:spPr>
+        <p:txBody>
+          <a:bodyPr wrap="none" rtlCol="0">
+            <a:spAutoFit/>
+          </a:bodyPr>
+          <a:lstStyle/>
+          <a:p>
+            <a:r>
+              <a:rPr lang="en-IN" sz="2400" b="1" dirty="0">
+                <a:solidFill>
+                  <a:srgbClr val="512BD4"/>
+                </a:solidFill>
+              </a:rPr>
+              <a:t>Class</a:t>
+            </a:r>
+            <a:r>
+              <a:rPr lang="en-IN" sz="1600" b="1" dirty="0">
+                <a:solidFill>
+                  <a:srgbClr val="512BD4"/>
+                </a:solidFill>
+              </a:rPr>
+              <a:t> </a:t>
+            </a:r>
+            <a:r>
+              <a:rPr lang="en-IN" sz="2400" b="1" dirty="0">
+                <a:solidFill>
+                  <a:srgbClr val="512BD4"/>
+                </a:solidFill>
+              </a:rPr>
+              <a:t>Library</a:t>
+            </a:r>
+          </a:p>
+        </p:txBody>
+      </p:sp>
+      <p:pic>
+        <p:nvPicPr>
+          <p:cNvPr id="47" name="Picture 46">
+            <a:extLst>
+              <a:ext uri="{FF2B5EF4-FFF2-40B4-BE49-F238E27FC236}">
+                <a16:creationId xmlns:a16="http://schemas.microsoft.com/office/drawing/2014/main" id="{A0994F94-B704-1C80-87E3-F5DE60FAB961}"/>
+              </a:ext>
+            </a:extLst>
+          </p:cNvPr>
+          <p:cNvPicPr>
+            <a:picLocks noChangeAspect="1"/>
+          </p:cNvPicPr>
+          <p:nvPr/>
+        </p:nvPicPr>
+        <p:blipFill>
+          <a:blip r:embed="rId3"/>
+          <a:stretch>
+            <a:fillRect/>
+          </a:stretch>
+        </p:blipFill>
+        <p:spPr>
+          <a:xfrm>
+            <a:off x="8456240" y="727756"/>
+            <a:ext cx="2610214" cy="2238687"/>
+          </a:xfrm>
+          <a:prstGeom prst="rect">
+            <a:avLst/>
+          </a:prstGeom>
+        </p:spPr>
+      </p:pic>
+      <p:sp>
+        <p:nvSpPr>
+          <p:cNvPr id="48" name="TextBox 47">
+            <a:extLst>
+              <a:ext uri="{FF2B5EF4-FFF2-40B4-BE49-F238E27FC236}">
+                <a16:creationId xmlns:a16="http://schemas.microsoft.com/office/drawing/2014/main" id="{2CBAAE68-67A3-A84D-2D70-9A8A396384D4}"/>
+              </a:ext>
+            </a:extLst>
+          </p:cNvPr>
+          <p:cNvSpPr txBox="1"/>
+          <p:nvPr/>
+        </p:nvSpPr>
+        <p:spPr>
+          <a:xfrm>
+            <a:off x="9476653" y="139715"/>
+            <a:ext cx="569387" cy="461665"/>
+          </a:xfrm>
+          <a:prstGeom prst="rect">
+            <a:avLst/>
+          </a:prstGeom>
+          <a:noFill/>
+        </p:spPr>
+        <p:txBody>
+          <a:bodyPr wrap="none" rtlCol="0">
+            <a:spAutoFit/>
+          </a:bodyPr>
+          <a:lstStyle/>
+          <a:p>
+            <a:r>
+              <a:rPr lang="en-IN" sz="2000" b="1" dirty="0">
+                <a:solidFill>
+                  <a:srgbClr val="512BD4"/>
+                </a:solidFill>
+              </a:rPr>
+              <a:t>.</a:t>
+            </a:r>
+            <a:r>
+              <a:rPr lang="en-IN" sz="2400" b="1" dirty="0" err="1">
+                <a:solidFill>
+                  <a:srgbClr val="512BD4"/>
+                </a:solidFill>
+              </a:rPr>
+              <a:t>dll</a:t>
+            </a:r>
+            <a:endParaRPr lang="en-IN" sz="2400" b="1" dirty="0">
+              <a:solidFill>
+                <a:srgbClr val="512BD4"/>
+              </a:solidFill>
+            </a:endParaRPr>
+          </a:p>
+        </p:txBody>
+      </p:sp>
+      <p:sp>
+        <p:nvSpPr>
+          <p:cNvPr id="51" name="Rectangle 50">
+            <a:extLst>
+              <a:ext uri="{FF2B5EF4-FFF2-40B4-BE49-F238E27FC236}">
+                <a16:creationId xmlns:a16="http://schemas.microsoft.com/office/drawing/2014/main" id="{9F7C9C8F-45A4-EC1F-11B8-4F6F75C325DC}"/>
+              </a:ext>
+            </a:extLst>
+          </p:cNvPr>
+          <p:cNvSpPr/>
+          <p:nvPr/>
+        </p:nvSpPr>
+        <p:spPr>
+          <a:xfrm>
+            <a:off x="396568" y="3925752"/>
+            <a:ext cx="2757488" cy="2629967"/>
+          </a:xfrm>
+          <a:prstGeom prst="rect">
+            <a:avLst/>
+          </a:prstGeom>
+          <a:ln w="28575"/>
+        </p:spPr>
+        <p:style>
+          <a:lnRef idx="2">
+            <a:schemeClr val="accent1"/>
+          </a:lnRef>
+          <a:fillRef idx="1">
+            <a:schemeClr val="lt1"/>
+          </a:fillRef>
+          <a:effectRef idx="0">
+            <a:schemeClr val="accent1"/>
+          </a:effectRef>
+          <a:fontRef idx="minor">
+            <a:schemeClr val="dk1"/>
+          </a:fontRef>
+        </p:style>
+        <p:txBody>
+          <a:bodyPr rtlCol="0" anchor="ctr"/>
+          <a:lstStyle/>
+          <a:p>
+            <a:pPr algn="ctr"/>
+            <a:endParaRPr lang="en-IN" dirty="0"/>
+          </a:p>
+        </p:txBody>
+      </p:sp>
+      <p:pic>
+        <p:nvPicPr>
+          <p:cNvPr id="53" name="Picture 52">
+            <a:extLst>
+              <a:ext uri="{FF2B5EF4-FFF2-40B4-BE49-F238E27FC236}">
+                <a16:creationId xmlns:a16="http://schemas.microsoft.com/office/drawing/2014/main" id="{3EA44D5F-B7CA-5E1D-945C-AA4408E3F48F}"/>
+              </a:ext>
+            </a:extLst>
+          </p:cNvPr>
+          <p:cNvPicPr>
+            <a:picLocks noChangeAspect="1"/>
+          </p:cNvPicPr>
+          <p:nvPr/>
+        </p:nvPicPr>
+        <p:blipFill>
+          <a:blip r:embed="rId4"/>
+          <a:stretch>
+            <a:fillRect/>
+          </a:stretch>
+        </p:blipFill>
+        <p:spPr>
+          <a:xfrm>
+            <a:off x="485635" y="4051716"/>
+            <a:ext cx="2048161" cy="1876687"/>
+          </a:xfrm>
+          <a:prstGeom prst="rect">
+            <a:avLst/>
+          </a:prstGeom>
+        </p:spPr>
+      </p:pic>
+      <p:sp>
+        <p:nvSpPr>
+          <p:cNvPr id="63" name="Rectangle 62">
+            <a:extLst>
+              <a:ext uri="{FF2B5EF4-FFF2-40B4-BE49-F238E27FC236}">
+                <a16:creationId xmlns:a16="http://schemas.microsoft.com/office/drawing/2014/main" id="{EA0F270D-61CF-20E6-FD5B-229530D0C3D8}"/>
+              </a:ext>
+            </a:extLst>
+          </p:cNvPr>
+          <p:cNvSpPr/>
+          <p:nvPr/>
+        </p:nvSpPr>
+        <p:spPr>
+          <a:xfrm>
+            <a:off x="8436519" y="3841817"/>
+            <a:ext cx="3275372" cy="2779568"/>
+          </a:xfrm>
+          <a:prstGeom prst="rect">
+            <a:avLst/>
+          </a:prstGeom>
+          <a:ln w="28575"/>
+        </p:spPr>
+        <p:style>
+          <a:lnRef idx="2">
+            <a:schemeClr val="accent1"/>
+          </a:lnRef>
+          <a:fillRef idx="1">
+            <a:schemeClr val="lt1"/>
+          </a:fillRef>
+          <a:effectRef idx="0">
+            <a:schemeClr val="accent1"/>
+          </a:effectRef>
+          <a:fontRef idx="minor">
+            <a:schemeClr val="dk1"/>
+          </a:fontRef>
+        </p:style>
+        <p:txBody>
+          <a:bodyPr rtlCol="0" anchor="ctr"/>
+          <a:lstStyle/>
+          <a:p>
+            <a:pPr algn="ctr"/>
+            <a:endParaRPr lang="en-IN"/>
+          </a:p>
+        </p:txBody>
+      </p:sp>
+      <p:sp>
+        <p:nvSpPr>
+          <p:cNvPr id="64" name="TextBox 63">
+            <a:extLst>
+              <a:ext uri="{FF2B5EF4-FFF2-40B4-BE49-F238E27FC236}">
+                <a16:creationId xmlns:a16="http://schemas.microsoft.com/office/drawing/2014/main" id="{BBB7C5CD-5160-A95A-4347-12E3608D3412}"/>
+              </a:ext>
+            </a:extLst>
+          </p:cNvPr>
+          <p:cNvSpPr txBox="1"/>
+          <p:nvPr/>
+        </p:nvSpPr>
+        <p:spPr>
+          <a:xfrm>
+            <a:off x="285119" y="3429000"/>
+            <a:ext cx="2699906" cy="461665"/>
+          </a:xfrm>
+          <a:prstGeom prst="rect">
+            <a:avLst/>
+          </a:prstGeom>
+          <a:noFill/>
+        </p:spPr>
+        <p:txBody>
+          <a:bodyPr wrap="none" rtlCol="0">
+            <a:spAutoFit/>
+          </a:bodyPr>
+          <a:lstStyle/>
+          <a:p>
+            <a:r>
+              <a:rPr lang="en-IN" sz="2400" b="1" dirty="0">
+                <a:solidFill>
+                  <a:srgbClr val="512BD4"/>
+                </a:solidFill>
+              </a:rPr>
+              <a:t>Console Application</a:t>
+            </a:r>
+          </a:p>
+        </p:txBody>
+      </p:sp>
+      <p:sp>
+        <p:nvSpPr>
+          <p:cNvPr id="65" name="TextBox 64">
+            <a:extLst>
+              <a:ext uri="{FF2B5EF4-FFF2-40B4-BE49-F238E27FC236}">
+                <a16:creationId xmlns:a16="http://schemas.microsoft.com/office/drawing/2014/main" id="{2E729B42-4851-6E82-2C8F-839F449B031E}"/>
+              </a:ext>
+            </a:extLst>
+          </p:cNvPr>
+          <p:cNvSpPr txBox="1"/>
+          <p:nvPr/>
+        </p:nvSpPr>
+        <p:spPr>
+          <a:xfrm>
+            <a:off x="9408204" y="3387960"/>
+            <a:ext cx="706284" cy="461665"/>
+          </a:xfrm>
+          <a:prstGeom prst="rect">
+            <a:avLst/>
+          </a:prstGeom>
+          <a:noFill/>
+        </p:spPr>
+        <p:txBody>
+          <a:bodyPr wrap="none" rtlCol="0">
+            <a:spAutoFit/>
+          </a:bodyPr>
+          <a:lstStyle/>
+          <a:p>
+            <a:r>
+              <a:rPr lang="en-IN" sz="2400" b="1" dirty="0">
+                <a:solidFill>
+                  <a:srgbClr val="512BD4"/>
+                </a:solidFill>
+              </a:rPr>
+              <a:t>.exe</a:t>
+            </a:r>
+          </a:p>
+        </p:txBody>
+      </p:sp>
+      <p:cxnSp>
+        <p:nvCxnSpPr>
+          <p:cNvPr id="67" name="Straight Connector 66">
+            <a:extLst>
+              <a:ext uri="{FF2B5EF4-FFF2-40B4-BE49-F238E27FC236}">
+                <a16:creationId xmlns:a16="http://schemas.microsoft.com/office/drawing/2014/main" id="{F423B3D9-2FBB-D4C8-DEE2-0FFDEAFA75DF}"/>
+              </a:ext>
+            </a:extLst>
+          </p:cNvPr>
+          <p:cNvCxnSpPr>
+            <a:cxnSpLocks/>
+          </p:cNvCxnSpPr>
+          <p:nvPr/>
+        </p:nvCxnSpPr>
+        <p:spPr>
+          <a:xfrm flipV="1">
+            <a:off x="115261" y="3327656"/>
+            <a:ext cx="11982450" cy="31558"/>
+          </a:xfrm>
+          <a:prstGeom prst="line">
+            <a:avLst/>
+          </a:prstGeom>
+          <a:ln w="38100">
+            <a:prstDash val="sysDot"/>
+          </a:ln>
+        </p:spPr>
+        <p:style>
+          <a:lnRef idx="1">
+            <a:schemeClr val="accent1"/>
+          </a:lnRef>
+          <a:fillRef idx="0">
+            <a:schemeClr val="accent1"/>
+          </a:fillRef>
+          <a:effectRef idx="0">
+            <a:schemeClr val="accent1"/>
+          </a:effectRef>
+          <a:fontRef idx="minor">
+            <a:schemeClr val="tx1"/>
+          </a:fontRef>
+        </p:style>
+      </p:cxnSp>
+      <p:pic>
+        <p:nvPicPr>
+          <p:cNvPr id="70" name="Picture 69">
+            <a:extLst>
+              <a:ext uri="{FF2B5EF4-FFF2-40B4-BE49-F238E27FC236}">
+                <a16:creationId xmlns:a16="http://schemas.microsoft.com/office/drawing/2014/main" id="{DC25A169-ACCA-FC70-117D-5E372A99665C}"/>
+              </a:ext>
+            </a:extLst>
+          </p:cNvPr>
+          <p:cNvPicPr>
+            <a:picLocks noChangeAspect="1"/>
+          </p:cNvPicPr>
+          <p:nvPr/>
+        </p:nvPicPr>
+        <p:blipFill>
+          <a:blip r:embed="rId5"/>
+          <a:stretch>
+            <a:fillRect/>
+          </a:stretch>
+        </p:blipFill>
+        <p:spPr>
+          <a:xfrm>
+            <a:off x="8509428" y="3857434"/>
+            <a:ext cx="2876951" cy="2638793"/>
+          </a:xfrm>
+          <a:prstGeom prst="rect">
+            <a:avLst/>
+          </a:prstGeom>
+        </p:spPr>
+      </p:pic>
+      <p:grpSp>
+        <p:nvGrpSpPr>
+          <p:cNvPr id="82" name="Group 81">
+            <a:extLst>
+              <a:ext uri="{FF2B5EF4-FFF2-40B4-BE49-F238E27FC236}">
+                <a16:creationId xmlns:a16="http://schemas.microsoft.com/office/drawing/2014/main" id="{E5375B3A-FE00-9B9D-2D93-1A19175AB108}"/>
+              </a:ext>
+            </a:extLst>
+          </p:cNvPr>
+          <p:cNvGrpSpPr/>
+          <p:nvPr/>
+        </p:nvGrpSpPr>
+        <p:grpSpPr>
+          <a:xfrm>
+            <a:off x="3226965" y="4858719"/>
+            <a:ext cx="738295" cy="445555"/>
+            <a:chOff x="1917970" y="2446094"/>
+            <a:chExt cx="738295" cy="445555"/>
+          </a:xfrm>
+        </p:grpSpPr>
+        <p:sp>
+          <p:nvSpPr>
+            <p:cNvPr id="83" name="Arrow: Right 82">
+              <a:extLst>
+                <a:ext uri="{FF2B5EF4-FFF2-40B4-BE49-F238E27FC236}">
+                  <a16:creationId xmlns:a16="http://schemas.microsoft.com/office/drawing/2014/main" id="{F64B6872-0BC9-F128-4E44-94B6B8B90B8D}"/>
+                </a:ext>
+              </a:extLst>
+            </p:cNvPr>
+            <p:cNvSpPr/>
+            <p:nvPr/>
+          </p:nvSpPr>
+          <p:spPr>
+            <a:xfrm rot="21575337">
+              <a:off x="1917970" y="2446094"/>
+              <a:ext cx="738295" cy="445555"/>
+            </a:xfrm>
+            <a:prstGeom prst="rightArrow">
+              <a:avLst>
+                <a:gd name="adj1" fmla="val 60000"/>
+                <a:gd name="adj2" fmla="val 50000"/>
+              </a:avLst>
+            </a:prstGeom>
+            <a:solidFill>
+              <a:srgbClr val="512BD4"/>
+            </a:solidFill>
+            <a:ln w="12700" cap="flat" cmpd="sng" algn="ctr">
+              <a:solidFill>
+                <a:srgbClr val="512BD4"/>
+              </a:solidFill>
+              <a:prstDash val="solid"/>
+              <a:miter lim="800000"/>
+            </a:ln>
+            <a:effectLst/>
+          </p:spPr>
+          <p:style>
+            <a:lnRef idx="2">
+              <a:schemeClr val="accent1">
+                <a:shade val="15000"/>
+              </a:schemeClr>
+            </a:lnRef>
+            <a:fillRef idx="1">
+              <a:schemeClr val="accent1"/>
+            </a:fillRef>
+            <a:effectRef idx="0">
+              <a:schemeClr val="accent1"/>
+            </a:effectRef>
+            <a:fontRef idx="minor">
+              <a:schemeClr val="lt1"/>
+            </a:fontRef>
+          </p:style>
+          <p:txBody>
+            <a:bodyPr/>
+            <a:lstStyle/>
+            <a:p>
+              <a:endParaRPr lang="en-IN"/>
+            </a:p>
+          </p:txBody>
+        </p:sp>
+        <p:sp>
+          <p:nvSpPr>
+            <p:cNvPr id="84" name="Arrow: Right 4">
+              <a:extLst>
+                <a:ext uri="{FF2B5EF4-FFF2-40B4-BE49-F238E27FC236}">
+                  <a16:creationId xmlns:a16="http://schemas.microsoft.com/office/drawing/2014/main" id="{608787DC-4576-4AF2-55CE-6D53693A5B19}"/>
+                </a:ext>
+              </a:extLst>
+            </p:cNvPr>
+            <p:cNvSpPr txBox="1"/>
+            <p:nvPr/>
+          </p:nvSpPr>
+          <p:spPr>
+            <a:xfrm rot="21575337">
+              <a:off x="1917972" y="2535684"/>
+              <a:ext cx="604629" cy="267333"/>
+            </a:xfrm>
+            <a:prstGeom prst="rect">
+              <a:avLst/>
+            </a:prstGeom>
+          </p:spPr>
+          <p:style>
+            <a:lnRef idx="0">
+              <a:scrgbClr r="0" g="0" b="0"/>
+            </a:lnRef>
+            <a:fillRef idx="0">
+              <a:scrgbClr r="0" g="0" b="0"/>
+            </a:fillRef>
+            <a:effectRef idx="0">
+              <a:scrgbClr r="0" g="0" b="0"/>
+            </a:effectRef>
+            <a:fontRef idx="minor">
+              <a:schemeClr val="lt1"/>
+            </a:fontRef>
+          </p:style>
+          <p:txBody>
+            <a:bodyPr spcFirstLastPara="0" vert="horz" wrap="square" lIns="45720" tIns="45720" rIns="45720" bIns="45720" numCol="1" spcCol="1270" rtlCol="0" anchor="ctr" anchorCtr="0">
+              <a:noAutofit/>
+            </a:bodyPr>
+            <a:lstStyle/>
+            <a:p>
+              <a:pPr marL="285750" lvl="0" indent="-285750" algn="l" defTabSz="914400" rtl="0" eaLnBrk="1" latinLnBrk="0" hangingPunct="1">
+                <a:lnSpc>
+                  <a:spcPct val="90000"/>
+                </a:lnSpc>
+                <a:spcBef>
+                  <a:spcPct val="0"/>
+                </a:spcBef>
+                <a:spcAft>
+                  <a:spcPct val="35000"/>
+                </a:spcAft>
+                <a:buFont typeface="Arial" panose="020B0604020202020204" pitchFamily="34" charset="0"/>
+                <a:buNone/>
+              </a:pPr>
+              <a:endParaRPr lang="en-IN" sz="1800" b="1" kern="1200" dirty="0">
+                <a:solidFill>
+                  <a:schemeClr val="bg1"/>
+                </a:solidFill>
+                <a:highlight>
+                  <a:srgbClr val="512BD4"/>
+                </a:highlight>
+                <a:latin typeface="+mn-lt"/>
+                <a:ea typeface="+mn-ea"/>
+                <a:cs typeface="+mn-cs"/>
+              </a:endParaRPr>
+            </a:p>
+          </p:txBody>
+        </p:sp>
+      </p:grpSp>
+      <p:grpSp>
+        <p:nvGrpSpPr>
+          <p:cNvPr id="85" name="Group 84">
+            <a:extLst>
+              <a:ext uri="{FF2B5EF4-FFF2-40B4-BE49-F238E27FC236}">
+                <a16:creationId xmlns:a16="http://schemas.microsoft.com/office/drawing/2014/main" id="{9534842A-8F89-232B-7C21-FC33964D5FF1}"/>
+              </a:ext>
+            </a:extLst>
+          </p:cNvPr>
+          <p:cNvGrpSpPr/>
+          <p:nvPr/>
+        </p:nvGrpSpPr>
+        <p:grpSpPr>
+          <a:xfrm>
+            <a:off x="4110333" y="3712783"/>
+            <a:ext cx="3325133" cy="2693083"/>
+            <a:chOff x="2828768" y="2049099"/>
+            <a:chExt cx="1361591" cy="1083669"/>
+          </a:xfrm>
+        </p:grpSpPr>
+        <p:sp>
+          <p:nvSpPr>
+            <p:cNvPr id="86" name="Rectangle: Rounded Corners 85">
+              <a:extLst>
+                <a:ext uri="{FF2B5EF4-FFF2-40B4-BE49-F238E27FC236}">
+                  <a16:creationId xmlns:a16="http://schemas.microsoft.com/office/drawing/2014/main" id="{AFFB64BC-F204-4BD7-F737-1303CF4C6B07}"/>
+                </a:ext>
+              </a:extLst>
+            </p:cNvPr>
+            <p:cNvSpPr/>
+            <p:nvPr/>
+          </p:nvSpPr>
+          <p:spPr>
+            <a:xfrm>
+              <a:off x="2828768" y="2049099"/>
+              <a:ext cx="1361591" cy="1083669"/>
+            </a:xfrm>
+            <a:prstGeom prst="roundRect">
+              <a:avLst>
+                <a:gd name="adj" fmla="val 10000"/>
+              </a:avLst>
+            </a:prstGeom>
+            <a:solidFill>
+              <a:srgbClr val="512BD4"/>
+            </a:solidFill>
+            <a:ln w="12700" cap="flat" cmpd="sng" algn="ctr">
+              <a:solidFill>
+                <a:srgbClr val="512BD4"/>
+              </a:solidFill>
+              <a:prstDash val="solid"/>
+              <a:miter lim="800000"/>
+            </a:ln>
+            <a:effectLst/>
+          </p:spPr>
+          <p:style>
+            <a:lnRef idx="2">
+              <a:schemeClr val="accent1">
+                <a:shade val="15000"/>
+              </a:schemeClr>
+            </a:lnRef>
+            <a:fillRef idx="1">
+              <a:schemeClr val="accent1"/>
+            </a:fillRef>
+            <a:effectRef idx="0">
+              <a:schemeClr val="accent1"/>
+            </a:effectRef>
+            <a:fontRef idx="minor">
+              <a:schemeClr val="lt1"/>
+            </a:fontRef>
+          </p:style>
+          <p:txBody>
+            <a:bodyPr/>
+            <a:lstStyle/>
+            <a:p>
+              <a:endParaRPr lang="en-IN"/>
+            </a:p>
+          </p:txBody>
+        </p:sp>
+        <p:sp>
+          <p:nvSpPr>
+            <p:cNvPr id="87" name="Rectangle: Rounded Corners 6">
+              <a:extLst>
+                <a:ext uri="{FF2B5EF4-FFF2-40B4-BE49-F238E27FC236}">
+                  <a16:creationId xmlns:a16="http://schemas.microsoft.com/office/drawing/2014/main" id="{88EE5B4E-52A3-1996-5432-A8A0B09C8095}"/>
+                </a:ext>
+              </a:extLst>
+            </p:cNvPr>
+            <p:cNvSpPr txBox="1"/>
+            <p:nvPr/>
+          </p:nvSpPr>
+          <p:spPr>
+            <a:xfrm>
+              <a:off x="2860508" y="2080839"/>
+              <a:ext cx="1298111" cy="1020189"/>
+            </a:xfrm>
+            <a:prstGeom prst="rect">
+              <a:avLst/>
+            </a:prstGeom>
+          </p:spPr>
+          <p:style>
+            <a:lnRef idx="0">
+              <a:scrgbClr r="0" g="0" b="0"/>
+            </a:lnRef>
+            <a:fillRef idx="0">
+              <a:scrgbClr r="0" g="0" b="0"/>
+            </a:fillRef>
+            <a:effectRef idx="0">
+              <a:scrgbClr r="0" g="0" b="0"/>
+            </a:effectRef>
+            <a:fontRef idx="minor">
+              <a:schemeClr val="lt1"/>
+            </a:fontRef>
+          </p:style>
+          <p:txBody>
+            <a:bodyPr spcFirstLastPara="0" vert="horz" wrap="square" lIns="45720" tIns="45720" rIns="45720" bIns="45720" numCol="1" spcCol="1270" rtlCol="0" anchor="ctr" anchorCtr="0">
+              <a:noAutofit/>
+            </a:bodyPr>
+            <a:lstStyle/>
+            <a:p>
+              <a:pPr marL="285750" lvl="0" indent="-285750" algn="ctr" defTabSz="914400" rtl="0" eaLnBrk="1" latinLnBrk="0" hangingPunct="1">
+                <a:lnSpc>
+                  <a:spcPct val="90000"/>
+                </a:lnSpc>
+                <a:spcBef>
+                  <a:spcPct val="0"/>
+                </a:spcBef>
+                <a:spcAft>
+                  <a:spcPct val="35000"/>
+                </a:spcAft>
+                <a:buFont typeface="Arial" panose="020B0604020202020204" pitchFamily="34" charset="0"/>
+                <a:buNone/>
+              </a:pPr>
+              <a:r>
+                <a:rPr lang="en-IN" sz="2800" b="1" kern="1200" dirty="0">
+                  <a:solidFill>
+                    <a:prstClr val="white"/>
+                  </a:solidFill>
+                  <a:highlight>
+                    <a:srgbClr val="512BD4"/>
+                  </a:highlight>
+                  <a:latin typeface="Calibri" panose="020F0502020204030204"/>
+                  <a:ea typeface="+mn-ea"/>
+                  <a:cs typeface="+mn-cs"/>
+                </a:rPr>
+                <a:t>C# Compiler</a:t>
+              </a:r>
+            </a:p>
+            <a:p>
+              <a:pPr lvl="0" algn="ctr" defTabSz="914400" rtl="0" eaLnBrk="1" latinLnBrk="0" hangingPunct="1">
+                <a:lnSpc>
+                  <a:spcPct val="90000"/>
+                </a:lnSpc>
+                <a:spcBef>
+                  <a:spcPct val="0"/>
+                </a:spcBef>
+                <a:spcAft>
+                  <a:spcPct val="35000"/>
+                </a:spcAft>
+              </a:pPr>
+              <a:r>
+                <a:rPr lang="en-IN" sz="2000" b="1" kern="1200" dirty="0">
+                  <a:solidFill>
+                    <a:prstClr val="white"/>
+                  </a:solidFill>
+                  <a:highlight>
+                    <a:srgbClr val="512BD4"/>
+                  </a:highlight>
+                  <a:latin typeface="Calibri" panose="020F0502020204030204"/>
+                  <a:ea typeface="+mn-ea"/>
+                  <a:cs typeface="+mn-cs"/>
+                </a:rPr>
+                <a:t>Build or Run the Console App project, then C# compiler converts C# code into MSIL code and packages all the types into .exe and .</a:t>
+              </a:r>
+              <a:r>
+                <a:rPr lang="en-IN" sz="2000" b="1" kern="1200" dirty="0" err="1">
+                  <a:solidFill>
+                    <a:prstClr val="white"/>
+                  </a:solidFill>
+                  <a:highlight>
+                    <a:srgbClr val="512BD4"/>
+                  </a:highlight>
+                  <a:latin typeface="Calibri" panose="020F0502020204030204"/>
+                  <a:ea typeface="+mn-ea"/>
+                  <a:cs typeface="+mn-cs"/>
+                </a:rPr>
+                <a:t>dll</a:t>
+              </a:r>
+              <a:r>
+                <a:rPr lang="en-IN" sz="2000" b="1" kern="1200" dirty="0">
+                  <a:solidFill>
+                    <a:prstClr val="white"/>
+                  </a:solidFill>
+                  <a:highlight>
+                    <a:srgbClr val="512BD4"/>
+                  </a:highlight>
+                  <a:latin typeface="Calibri" panose="020F0502020204030204"/>
+                  <a:ea typeface="+mn-ea"/>
+                  <a:cs typeface="+mn-cs"/>
+                </a:rPr>
+                <a:t> files</a:t>
+              </a:r>
+            </a:p>
+          </p:txBody>
+        </p:sp>
+      </p:grpSp>
+      <p:grpSp>
+        <p:nvGrpSpPr>
+          <p:cNvPr id="88" name="Group 87">
+            <a:extLst>
+              <a:ext uri="{FF2B5EF4-FFF2-40B4-BE49-F238E27FC236}">
+                <a16:creationId xmlns:a16="http://schemas.microsoft.com/office/drawing/2014/main" id="{1C6F1091-3E8D-5E6A-B2F0-0F93705E9BD3}"/>
+              </a:ext>
+            </a:extLst>
+          </p:cNvPr>
+          <p:cNvGrpSpPr/>
+          <p:nvPr/>
+        </p:nvGrpSpPr>
+        <p:grpSpPr>
+          <a:xfrm>
+            <a:off x="7553151" y="4772253"/>
+            <a:ext cx="738295" cy="445555"/>
+            <a:chOff x="1917970" y="2446094"/>
+            <a:chExt cx="738295" cy="445555"/>
+          </a:xfrm>
+        </p:grpSpPr>
+        <p:sp>
+          <p:nvSpPr>
+            <p:cNvPr id="89" name="Arrow: Right 88">
+              <a:extLst>
+                <a:ext uri="{FF2B5EF4-FFF2-40B4-BE49-F238E27FC236}">
+                  <a16:creationId xmlns:a16="http://schemas.microsoft.com/office/drawing/2014/main" id="{B452B31B-CACE-E6A1-CAD9-25B2DB7C22D8}"/>
+                </a:ext>
+              </a:extLst>
+            </p:cNvPr>
+            <p:cNvSpPr/>
+            <p:nvPr/>
+          </p:nvSpPr>
+          <p:spPr>
+            <a:xfrm rot="21575337">
+              <a:off x="1917970" y="2446094"/>
+              <a:ext cx="738295" cy="445555"/>
+            </a:xfrm>
+            <a:prstGeom prst="rightArrow">
+              <a:avLst>
+                <a:gd name="adj1" fmla="val 60000"/>
+                <a:gd name="adj2" fmla="val 50000"/>
+              </a:avLst>
+            </a:prstGeom>
+            <a:solidFill>
+              <a:srgbClr val="512BD4"/>
+            </a:solidFill>
+            <a:ln w="12700" cap="flat" cmpd="sng" algn="ctr">
+              <a:solidFill>
+                <a:srgbClr val="512BD4"/>
+              </a:solidFill>
+              <a:prstDash val="solid"/>
+              <a:miter lim="800000"/>
+            </a:ln>
+            <a:effectLst/>
+          </p:spPr>
+          <p:style>
+            <a:lnRef idx="2">
+              <a:schemeClr val="accent1">
+                <a:shade val="15000"/>
+              </a:schemeClr>
+            </a:lnRef>
+            <a:fillRef idx="1">
+              <a:schemeClr val="accent1"/>
+            </a:fillRef>
+            <a:effectRef idx="0">
+              <a:schemeClr val="accent1"/>
+            </a:effectRef>
+            <a:fontRef idx="minor">
+              <a:schemeClr val="lt1"/>
+            </a:fontRef>
+          </p:style>
+          <p:txBody>
+            <a:bodyPr/>
+            <a:lstStyle/>
+            <a:p>
+              <a:endParaRPr lang="en-IN"/>
+            </a:p>
+          </p:txBody>
+        </p:sp>
+        <p:sp>
+          <p:nvSpPr>
+            <p:cNvPr id="90" name="Arrow: Right 4">
+              <a:extLst>
+                <a:ext uri="{FF2B5EF4-FFF2-40B4-BE49-F238E27FC236}">
+                  <a16:creationId xmlns:a16="http://schemas.microsoft.com/office/drawing/2014/main" id="{CEBAB588-66CF-B46C-E424-07EF458FE0AC}"/>
+                </a:ext>
+              </a:extLst>
+            </p:cNvPr>
+            <p:cNvSpPr txBox="1"/>
+            <p:nvPr/>
+          </p:nvSpPr>
+          <p:spPr>
+            <a:xfrm rot="21575337">
+              <a:off x="1917972" y="2535684"/>
+              <a:ext cx="604629" cy="267333"/>
+            </a:xfrm>
+            <a:prstGeom prst="rect">
+              <a:avLst/>
+            </a:prstGeom>
+          </p:spPr>
+          <p:style>
+            <a:lnRef idx="0">
+              <a:scrgbClr r="0" g="0" b="0"/>
+            </a:lnRef>
+            <a:fillRef idx="0">
+              <a:scrgbClr r="0" g="0" b="0"/>
+            </a:fillRef>
+            <a:effectRef idx="0">
+              <a:scrgbClr r="0" g="0" b="0"/>
+            </a:effectRef>
+            <a:fontRef idx="minor">
+              <a:schemeClr val="lt1"/>
+            </a:fontRef>
+          </p:style>
+          <p:txBody>
+            <a:bodyPr spcFirstLastPara="0" vert="horz" wrap="square" lIns="45720" tIns="45720" rIns="45720" bIns="45720" numCol="1" spcCol="1270" rtlCol="0" anchor="ctr" anchorCtr="0">
+              <a:noAutofit/>
+            </a:bodyPr>
+            <a:lstStyle/>
+            <a:p>
+              <a:pPr marL="285750" lvl="0" indent="-285750" algn="l" defTabSz="914400" rtl="0" eaLnBrk="1" latinLnBrk="0" hangingPunct="1">
+                <a:lnSpc>
+                  <a:spcPct val="90000"/>
+                </a:lnSpc>
+                <a:spcBef>
+                  <a:spcPct val="0"/>
+                </a:spcBef>
+                <a:spcAft>
+                  <a:spcPct val="35000"/>
+                </a:spcAft>
+                <a:buFont typeface="Arial" panose="020B0604020202020204" pitchFamily="34" charset="0"/>
+                <a:buNone/>
+              </a:pPr>
+              <a:endParaRPr lang="en-IN" sz="1800" b="1" kern="1200" dirty="0">
+                <a:solidFill>
+                  <a:schemeClr val="bg1"/>
+                </a:solidFill>
+                <a:highlight>
+                  <a:srgbClr val="512BD4"/>
+                </a:highlight>
+                <a:latin typeface="+mn-lt"/>
+                <a:ea typeface="+mn-ea"/>
+                <a:cs typeface="+mn-cs"/>
+              </a:endParaRPr>
+            </a:p>
+          </p:txBody>
+        </p:sp>
+      </p:grpSp>
+    </p:spTree>
+    <p:extLst>
+      <p:ext uri="{BB962C8B-B14F-4D97-AF65-F5344CB8AC3E}">
+        <p14:creationId xmlns:p14="http://schemas.microsoft.com/office/powerpoint/2010/main" val="2096678094"/>
+      </p:ext>
+    </p:extLst>
+  </p:cSld>
+  <p:clrMapOvr>
+    <a:masterClrMapping/>
+  </p:clrMapOvr>
+</p:sld>
+</file>
+
+<file path=ppt/slides/slide25.xml><?xml version="1.0" encoding="utf-8"?>
+<p:sld xmlns:a="http://schemas.openxmlformats.org/drawingml/2006/main" xmlns:r="http://schemas.openxmlformats.org/officeDocument/2006/relationships" xmlns:p="http://schemas.openxmlformats.org/presentationml/2006/main">
+  <p:cSld>
+    <p:spTree>
+      <p:nvGrpSpPr>
+        <p:cNvPr id="1" name=""/>
+        <p:cNvGrpSpPr/>
+        <p:nvPr/>
+      </p:nvGrpSpPr>
+      <p:grpSpPr>
+        <a:xfrm>
+          <a:off x="0" y="0"/>
+          <a:ext cx="0" cy="0"/>
+          <a:chOff x="0" y="0"/>
+          <a:chExt cx="0" cy="0"/>
+        </a:xfrm>
+      </p:grpSpPr>
+      <p:sp>
+        <p:nvSpPr>
           <p:cNvPr id="16" name="Title 1">
             <a:extLst>
               <a:ext uri="{FF2B5EF4-FFF2-40B4-BE49-F238E27FC236}">
@@ -31643,7 +34654,7 @@
 </p:sld>
 </file>
 
-<file path=ppt/slides/slide24.xml><?xml version="1.0" encoding="utf-8"?>
+<file path=ppt/slides/slide26.xml><?xml version="1.0" encoding="utf-8"?>
 <p:sld xmlns:a="http://schemas.openxmlformats.org/drawingml/2006/main" xmlns:r="http://schemas.openxmlformats.org/officeDocument/2006/relationships" xmlns:p="http://schemas.openxmlformats.org/presentationml/2006/main">
   <p:cSld>
     <p:spTree>
@@ -31801,7 +34812,7 @@
 </p:sld>
 </file>
 
-<file path=ppt/slides/slide25.xml><?xml version="1.0" encoding="utf-8"?>
+<file path=ppt/slides/slide27.xml><?xml version="1.0" encoding="utf-8"?>
 <p:sld xmlns:a="http://schemas.openxmlformats.org/drawingml/2006/main" xmlns:r="http://schemas.openxmlformats.org/officeDocument/2006/relationships" xmlns:p="http://schemas.openxmlformats.org/presentationml/2006/main">
   <p:cSld>
     <p:spTree>
@@ -31929,7 +34940,7 @@
 </p:sld>
 </file>
 
-<file path=ppt/slides/slide26.xml><?xml version="1.0" encoding="utf-8"?>
+<file path=ppt/slides/slide28.xml><?xml version="1.0" encoding="utf-8"?>
 <p:sld xmlns:a="http://schemas.openxmlformats.org/drawingml/2006/main" xmlns:r="http://schemas.openxmlformats.org/officeDocument/2006/relationships" xmlns:p="http://schemas.openxmlformats.org/presentationml/2006/main" show="0">
   <p:cSld>
     <p:spTree>
@@ -32168,7 +35179,7 @@
 </p:sld>
 </file>
 
-<file path=ppt/slides/slide27.xml><?xml version="1.0" encoding="utf-8"?>
+<file path=ppt/slides/slide29.xml><?xml version="1.0" encoding="utf-8"?>
 <p:sld xmlns:a="http://schemas.openxmlformats.org/drawingml/2006/main" xmlns:r="http://schemas.openxmlformats.org/officeDocument/2006/relationships" xmlns:p="http://schemas.openxmlformats.org/presentationml/2006/main" show="0">
   <p:cSld>
     <p:spTree>
@@ -32508,332 +35519,6 @@
 </p:sld>
 </file>
 
-<file path=ppt/slides/slide28.xml><?xml version="1.0" encoding="utf-8"?>
-<p:sld xmlns:a="http://schemas.openxmlformats.org/drawingml/2006/main" xmlns:r="http://schemas.openxmlformats.org/officeDocument/2006/relationships" xmlns:p="http://schemas.openxmlformats.org/presentationml/2006/main" show="0">
-  <p:cSld>
-    <p:bg>
-      <p:bgPr>
-        <a:solidFill>
-          <a:srgbClr val="512BD4"/>
-        </a:solidFill>
-        <a:effectLst/>
-      </p:bgPr>
-    </p:bg>
-    <p:spTree>
-      <p:nvGrpSpPr>
-        <p:cNvPr id="1" name=""/>
-        <p:cNvGrpSpPr/>
-        <p:nvPr/>
-      </p:nvGrpSpPr>
-      <p:grpSpPr>
-        <a:xfrm>
-          <a:off x="0" y="0"/>
-          <a:ext cx="0" cy="0"/>
-          <a:chOff x="0" y="0"/>
-          <a:chExt cx="0" cy="0"/>
-        </a:xfrm>
-      </p:grpSpPr>
-      <p:sp>
-        <p:nvSpPr>
-          <p:cNvPr id="2" name="Title 1">
-            <a:extLst>
-              <a:ext uri="{FF2B5EF4-FFF2-40B4-BE49-F238E27FC236}">
-                <a16:creationId xmlns:a16="http://schemas.microsoft.com/office/drawing/2014/main" id="{7E148D4C-2DDE-13D1-BB26-EE1F6B24E1DE}"/>
-              </a:ext>
-            </a:extLst>
-          </p:cNvPr>
-          <p:cNvSpPr>
-            <a:spLocks noGrp="1"/>
-          </p:cNvSpPr>
-          <p:nvPr>
-            <p:ph type="title"/>
-          </p:nvPr>
-        </p:nvSpPr>
-        <p:spPr>
-          <a:xfrm>
-            <a:off x="838200" y="365125"/>
-            <a:ext cx="10515600" cy="835025"/>
-          </a:xfrm>
-        </p:spPr>
-        <p:txBody>
-          <a:bodyPr/>
-          <a:lstStyle/>
-          <a:p>
-            <a:r>
-              <a:rPr lang="en-IN" dirty="0">
-                <a:solidFill>
-                  <a:schemeClr val="bg1"/>
-                </a:solidFill>
-                <a:latin typeface="+mn-lt"/>
-              </a:rPr>
-              <a:t>Assembly (.exe or .</a:t>
-            </a:r>
-            <a:r>
-              <a:rPr lang="en-IN" dirty="0" err="1">
-                <a:solidFill>
-                  <a:schemeClr val="bg1"/>
-                </a:solidFill>
-                <a:latin typeface="+mn-lt"/>
-              </a:rPr>
-              <a:t>dll</a:t>
-            </a:r>
-            <a:r>
-              <a:rPr lang="en-IN" dirty="0">
-                <a:solidFill>
-                  <a:schemeClr val="bg1"/>
-                </a:solidFill>
-                <a:latin typeface="+mn-lt"/>
-              </a:rPr>
-              <a:t>)</a:t>
-            </a:r>
-          </a:p>
-        </p:txBody>
-      </p:sp>
-      <p:sp>
-        <p:nvSpPr>
-          <p:cNvPr id="3" name="Content Placeholder 2">
-            <a:extLst>
-              <a:ext uri="{FF2B5EF4-FFF2-40B4-BE49-F238E27FC236}">
-                <a16:creationId xmlns:a16="http://schemas.microsoft.com/office/drawing/2014/main" id="{C9882C76-AFB0-4097-047A-A433F267E3FA}"/>
-              </a:ext>
-            </a:extLst>
-          </p:cNvPr>
-          <p:cNvSpPr>
-            <a:spLocks noGrp="1"/>
-          </p:cNvSpPr>
-          <p:nvPr>
-            <p:ph idx="1"/>
-          </p:nvPr>
-        </p:nvSpPr>
-        <p:spPr>
-          <a:xfrm>
-            <a:off x="838200" y="1557338"/>
-            <a:ext cx="10515600" cy="4619625"/>
-          </a:xfrm>
-        </p:spPr>
-        <p:txBody>
-          <a:bodyPr/>
-          <a:lstStyle/>
-          <a:p>
-            <a:r>
-              <a:rPr lang="en-IN" dirty="0">
-                <a:solidFill>
-                  <a:schemeClr val="bg1"/>
-                </a:solidFill>
-              </a:rPr>
-              <a:t>Basic building block of .NET applications.</a:t>
-            </a:r>
-          </a:p>
-          <a:p>
-            <a:r>
-              <a:rPr lang="en-IN" dirty="0">
-                <a:solidFill>
-                  <a:schemeClr val="bg1"/>
-                </a:solidFill>
-              </a:rPr>
-              <a:t>Assembly is a collection of types and resources that are built to work together and form a logical unit of functionality.</a:t>
-            </a:r>
-          </a:p>
-          <a:p>
-            <a:r>
-              <a:rPr lang="en-US" dirty="0">
-                <a:solidFill>
-                  <a:schemeClr val="bg1"/>
-                </a:solidFill>
-              </a:rPr>
-              <a:t>Assemblies form the fundamental units of deployment, version control, reuse, activation scoping, and security permissions for .NET-based applications.</a:t>
-            </a:r>
-            <a:endParaRPr lang="en-IN" dirty="0">
-              <a:solidFill>
-                <a:schemeClr val="bg1"/>
-              </a:solidFill>
-            </a:endParaRPr>
-          </a:p>
-          <a:p>
-            <a:r>
-              <a:rPr lang="en-IN" dirty="0">
-                <a:solidFill>
-                  <a:schemeClr val="bg1"/>
-                </a:solidFill>
-              </a:rPr>
-              <a:t>Assembly can be a DLL or EXE based on the project that we choose.</a:t>
-            </a:r>
-          </a:p>
-          <a:p>
-            <a:endParaRPr lang="en-IN" dirty="0"/>
-          </a:p>
-        </p:txBody>
-      </p:sp>
-    </p:spTree>
-    <p:extLst>
-      <p:ext uri="{BB962C8B-B14F-4D97-AF65-F5344CB8AC3E}">
-        <p14:creationId xmlns:p14="http://schemas.microsoft.com/office/powerpoint/2010/main" val="1618632117"/>
-      </p:ext>
-    </p:extLst>
-  </p:cSld>
-  <p:clrMapOvr>
-    <a:masterClrMapping/>
-  </p:clrMapOvr>
-  <p:transition spd="slow">
-    <p:wipe/>
-  </p:transition>
-</p:sld>
-</file>
-
-<file path=ppt/slides/slide29.xml><?xml version="1.0" encoding="utf-8"?>
-<p:sld xmlns:a="http://schemas.openxmlformats.org/drawingml/2006/main" xmlns:r="http://schemas.openxmlformats.org/officeDocument/2006/relationships" xmlns:p="http://schemas.openxmlformats.org/presentationml/2006/main" show="0">
-  <p:cSld>
-    <p:bg>
-      <p:bgPr>
-        <a:solidFill>
-          <a:srgbClr val="512BD4"/>
-        </a:solidFill>
-        <a:effectLst/>
-      </p:bgPr>
-    </p:bg>
-    <p:spTree>
-      <p:nvGrpSpPr>
-        <p:cNvPr id="1" name=""/>
-        <p:cNvGrpSpPr/>
-        <p:nvPr/>
-      </p:nvGrpSpPr>
-      <p:grpSpPr>
-        <a:xfrm>
-          <a:off x="0" y="0"/>
-          <a:ext cx="0" cy="0"/>
-          <a:chOff x="0" y="0"/>
-          <a:chExt cx="0" cy="0"/>
-        </a:xfrm>
-      </p:grpSpPr>
-      <p:sp>
-        <p:nvSpPr>
-          <p:cNvPr id="2" name="Title 1">
-            <a:extLst>
-              <a:ext uri="{FF2B5EF4-FFF2-40B4-BE49-F238E27FC236}">
-                <a16:creationId xmlns:a16="http://schemas.microsoft.com/office/drawing/2014/main" id="{7E148D4C-2DDE-13D1-BB26-EE1F6B24E1DE}"/>
-              </a:ext>
-            </a:extLst>
-          </p:cNvPr>
-          <p:cNvSpPr>
-            <a:spLocks noGrp="1"/>
-          </p:cNvSpPr>
-          <p:nvPr>
-            <p:ph type="title"/>
-          </p:nvPr>
-        </p:nvSpPr>
-        <p:spPr>
-          <a:xfrm>
-            <a:off x="952500" y="1379538"/>
-            <a:ext cx="10515600" cy="835025"/>
-          </a:xfrm>
-        </p:spPr>
-        <p:txBody>
-          <a:bodyPr/>
-          <a:lstStyle/>
-          <a:p>
-            <a:pPr algn="ctr"/>
-            <a:r>
-              <a:rPr lang="en-IN" dirty="0">
-                <a:solidFill>
-                  <a:schemeClr val="bg1"/>
-                </a:solidFill>
-                <a:latin typeface="+mn-lt"/>
-              </a:rPr>
-              <a:t>ADO.NET – Data Access API</a:t>
-            </a:r>
-          </a:p>
-        </p:txBody>
-      </p:sp>
-      <p:sp>
-        <p:nvSpPr>
-          <p:cNvPr id="3" name="Content Placeholder 2">
-            <a:extLst>
-              <a:ext uri="{FF2B5EF4-FFF2-40B4-BE49-F238E27FC236}">
-                <a16:creationId xmlns:a16="http://schemas.microsoft.com/office/drawing/2014/main" id="{C9882C76-AFB0-4097-047A-A433F267E3FA}"/>
-              </a:ext>
-            </a:extLst>
-          </p:cNvPr>
-          <p:cNvSpPr>
-            <a:spLocks noGrp="1"/>
-          </p:cNvSpPr>
-          <p:nvPr>
-            <p:ph idx="1"/>
-          </p:nvPr>
-        </p:nvSpPr>
-        <p:spPr>
-          <a:xfrm>
-            <a:off x="838200" y="1557338"/>
-            <a:ext cx="10515600" cy="4619625"/>
-          </a:xfrm>
-        </p:spPr>
-        <p:txBody>
-          <a:bodyPr anchor="ctr"/>
-          <a:lstStyle/>
-          <a:p>
-            <a:pPr marL="0" indent="0" algn="ctr">
-              <a:buNone/>
-            </a:pPr>
-            <a:r>
-              <a:rPr lang="en-IN" sz="3200" i="1" dirty="0">
-                <a:solidFill>
-                  <a:schemeClr val="bg1"/>
-                </a:solidFill>
-              </a:rPr>
-              <a:t>“ADO.NET is a data access api in .NET Platform to interact with different data sources such as databases (</a:t>
-            </a:r>
-            <a:r>
-              <a:rPr lang="en-IN" sz="3200" i="1" dirty="0" err="1">
-                <a:solidFill>
-                  <a:schemeClr val="bg1"/>
-                </a:solidFill>
-              </a:rPr>
-              <a:t>sql</a:t>
-            </a:r>
-            <a:r>
-              <a:rPr lang="en-IN" sz="3200" i="1" dirty="0">
-                <a:solidFill>
-                  <a:schemeClr val="bg1"/>
-                </a:solidFill>
-              </a:rPr>
-              <a:t> server, oracle, etc.), xml, Microsoft access, and other in a standard, and structured approach.”</a:t>
-            </a:r>
-            <a:endParaRPr lang="en-IN" i="1" dirty="0">
-              <a:solidFill>
-                <a:schemeClr val="bg1"/>
-              </a:solidFill>
-            </a:endParaRPr>
-          </a:p>
-          <a:p>
-            <a:pPr marL="0" indent="0">
-              <a:buNone/>
-            </a:pPr>
-            <a:endParaRPr lang="en-IN" dirty="0">
-              <a:solidFill>
-                <a:schemeClr val="bg1"/>
-              </a:solidFill>
-            </a:endParaRPr>
-          </a:p>
-          <a:p>
-            <a:endParaRPr lang="en-IN" dirty="0"/>
-          </a:p>
-        </p:txBody>
-      </p:sp>
-    </p:spTree>
-    <p:extLst>
-      <p:ext uri="{BB962C8B-B14F-4D97-AF65-F5344CB8AC3E}">
-        <p14:creationId xmlns:p14="http://schemas.microsoft.com/office/powerpoint/2010/main" val="843039645"/>
-      </p:ext>
-    </p:extLst>
-  </p:cSld>
-  <p:clrMapOvr>
-    <a:masterClrMapping/>
-  </p:clrMapOvr>
-  <p:transition spd="slow">
-    <p:wipe/>
-  </p:transition>
-</p:sld>
-</file>
-
 <file path=ppt/slides/slide3.xml><?xml version="1.0" encoding="utf-8"?>
 <p:sld xmlns:a="http://schemas.openxmlformats.org/drawingml/2006/main" xmlns:r="http://schemas.openxmlformats.org/officeDocument/2006/relationships" xmlns:p="http://schemas.openxmlformats.org/presentationml/2006/main">
   <p:cSld>
@@ -33167,6 +35852,332 @@
         </p:nvSpPr>
         <p:spPr>
           <a:xfrm>
+            <a:off x="838200" y="365125"/>
+            <a:ext cx="10515600" cy="835025"/>
+          </a:xfrm>
+        </p:spPr>
+        <p:txBody>
+          <a:bodyPr/>
+          <a:lstStyle/>
+          <a:p>
+            <a:r>
+              <a:rPr lang="en-IN" dirty="0">
+                <a:solidFill>
+                  <a:schemeClr val="bg1"/>
+                </a:solidFill>
+                <a:latin typeface="+mn-lt"/>
+              </a:rPr>
+              <a:t>Assembly (.exe or .</a:t>
+            </a:r>
+            <a:r>
+              <a:rPr lang="en-IN" dirty="0" err="1">
+                <a:solidFill>
+                  <a:schemeClr val="bg1"/>
+                </a:solidFill>
+                <a:latin typeface="+mn-lt"/>
+              </a:rPr>
+              <a:t>dll</a:t>
+            </a:r>
+            <a:r>
+              <a:rPr lang="en-IN" dirty="0">
+                <a:solidFill>
+                  <a:schemeClr val="bg1"/>
+                </a:solidFill>
+                <a:latin typeface="+mn-lt"/>
+              </a:rPr>
+              <a:t>)</a:t>
+            </a:r>
+          </a:p>
+        </p:txBody>
+      </p:sp>
+      <p:sp>
+        <p:nvSpPr>
+          <p:cNvPr id="3" name="Content Placeholder 2">
+            <a:extLst>
+              <a:ext uri="{FF2B5EF4-FFF2-40B4-BE49-F238E27FC236}">
+                <a16:creationId xmlns:a16="http://schemas.microsoft.com/office/drawing/2014/main" id="{C9882C76-AFB0-4097-047A-A433F267E3FA}"/>
+              </a:ext>
+            </a:extLst>
+          </p:cNvPr>
+          <p:cNvSpPr>
+            <a:spLocks noGrp="1"/>
+          </p:cNvSpPr>
+          <p:nvPr>
+            <p:ph idx="1"/>
+          </p:nvPr>
+        </p:nvSpPr>
+        <p:spPr>
+          <a:xfrm>
+            <a:off x="838200" y="1557338"/>
+            <a:ext cx="10515600" cy="4619625"/>
+          </a:xfrm>
+        </p:spPr>
+        <p:txBody>
+          <a:bodyPr/>
+          <a:lstStyle/>
+          <a:p>
+            <a:r>
+              <a:rPr lang="en-IN" dirty="0">
+                <a:solidFill>
+                  <a:schemeClr val="bg1"/>
+                </a:solidFill>
+              </a:rPr>
+              <a:t>Basic building block of .NET applications.</a:t>
+            </a:r>
+          </a:p>
+          <a:p>
+            <a:r>
+              <a:rPr lang="en-IN" dirty="0">
+                <a:solidFill>
+                  <a:schemeClr val="bg1"/>
+                </a:solidFill>
+              </a:rPr>
+              <a:t>Assembly is a collection of types and resources that are built to work together and form a logical unit of functionality.</a:t>
+            </a:r>
+          </a:p>
+          <a:p>
+            <a:r>
+              <a:rPr lang="en-US" dirty="0">
+                <a:solidFill>
+                  <a:schemeClr val="bg1"/>
+                </a:solidFill>
+              </a:rPr>
+              <a:t>Assemblies form the fundamental units of deployment, version control, reuse, activation scoping, and security permissions for .NET-based applications.</a:t>
+            </a:r>
+            <a:endParaRPr lang="en-IN" dirty="0">
+              <a:solidFill>
+                <a:schemeClr val="bg1"/>
+              </a:solidFill>
+            </a:endParaRPr>
+          </a:p>
+          <a:p>
+            <a:r>
+              <a:rPr lang="en-IN" dirty="0">
+                <a:solidFill>
+                  <a:schemeClr val="bg1"/>
+                </a:solidFill>
+              </a:rPr>
+              <a:t>Assembly can be a DLL or EXE based on the project that we choose.</a:t>
+            </a:r>
+          </a:p>
+          <a:p>
+            <a:endParaRPr lang="en-IN" dirty="0"/>
+          </a:p>
+        </p:txBody>
+      </p:sp>
+    </p:spTree>
+    <p:extLst>
+      <p:ext uri="{BB962C8B-B14F-4D97-AF65-F5344CB8AC3E}">
+        <p14:creationId xmlns:p14="http://schemas.microsoft.com/office/powerpoint/2010/main" val="1618632117"/>
+      </p:ext>
+    </p:extLst>
+  </p:cSld>
+  <p:clrMapOvr>
+    <a:masterClrMapping/>
+  </p:clrMapOvr>
+  <p:transition spd="slow">
+    <p:wipe/>
+  </p:transition>
+</p:sld>
+</file>
+
+<file path=ppt/slides/slide31.xml><?xml version="1.0" encoding="utf-8"?>
+<p:sld xmlns:a="http://schemas.openxmlformats.org/drawingml/2006/main" xmlns:r="http://schemas.openxmlformats.org/officeDocument/2006/relationships" xmlns:p="http://schemas.openxmlformats.org/presentationml/2006/main" show="0">
+  <p:cSld>
+    <p:bg>
+      <p:bgPr>
+        <a:solidFill>
+          <a:srgbClr val="512BD4"/>
+        </a:solidFill>
+        <a:effectLst/>
+      </p:bgPr>
+    </p:bg>
+    <p:spTree>
+      <p:nvGrpSpPr>
+        <p:cNvPr id="1" name=""/>
+        <p:cNvGrpSpPr/>
+        <p:nvPr/>
+      </p:nvGrpSpPr>
+      <p:grpSpPr>
+        <a:xfrm>
+          <a:off x="0" y="0"/>
+          <a:ext cx="0" cy="0"/>
+          <a:chOff x="0" y="0"/>
+          <a:chExt cx="0" cy="0"/>
+        </a:xfrm>
+      </p:grpSpPr>
+      <p:sp>
+        <p:nvSpPr>
+          <p:cNvPr id="2" name="Title 1">
+            <a:extLst>
+              <a:ext uri="{FF2B5EF4-FFF2-40B4-BE49-F238E27FC236}">
+                <a16:creationId xmlns:a16="http://schemas.microsoft.com/office/drawing/2014/main" id="{7E148D4C-2DDE-13D1-BB26-EE1F6B24E1DE}"/>
+              </a:ext>
+            </a:extLst>
+          </p:cNvPr>
+          <p:cNvSpPr>
+            <a:spLocks noGrp="1"/>
+          </p:cNvSpPr>
+          <p:nvPr>
+            <p:ph type="title"/>
+          </p:nvPr>
+        </p:nvSpPr>
+        <p:spPr>
+          <a:xfrm>
+            <a:off x="952500" y="1379538"/>
+            <a:ext cx="10515600" cy="835025"/>
+          </a:xfrm>
+        </p:spPr>
+        <p:txBody>
+          <a:bodyPr/>
+          <a:lstStyle/>
+          <a:p>
+            <a:pPr algn="ctr"/>
+            <a:r>
+              <a:rPr lang="en-IN" dirty="0">
+                <a:solidFill>
+                  <a:schemeClr val="bg1"/>
+                </a:solidFill>
+                <a:latin typeface="+mn-lt"/>
+              </a:rPr>
+              <a:t>ADO.NET – Data Access API</a:t>
+            </a:r>
+          </a:p>
+        </p:txBody>
+      </p:sp>
+      <p:sp>
+        <p:nvSpPr>
+          <p:cNvPr id="3" name="Content Placeholder 2">
+            <a:extLst>
+              <a:ext uri="{FF2B5EF4-FFF2-40B4-BE49-F238E27FC236}">
+                <a16:creationId xmlns:a16="http://schemas.microsoft.com/office/drawing/2014/main" id="{C9882C76-AFB0-4097-047A-A433F267E3FA}"/>
+              </a:ext>
+            </a:extLst>
+          </p:cNvPr>
+          <p:cNvSpPr>
+            <a:spLocks noGrp="1"/>
+          </p:cNvSpPr>
+          <p:nvPr>
+            <p:ph idx="1"/>
+          </p:nvPr>
+        </p:nvSpPr>
+        <p:spPr>
+          <a:xfrm>
+            <a:off x="838200" y="1557338"/>
+            <a:ext cx="10515600" cy="4619625"/>
+          </a:xfrm>
+        </p:spPr>
+        <p:txBody>
+          <a:bodyPr anchor="ctr"/>
+          <a:lstStyle/>
+          <a:p>
+            <a:pPr marL="0" indent="0" algn="ctr">
+              <a:buNone/>
+            </a:pPr>
+            <a:r>
+              <a:rPr lang="en-IN" sz="3200" i="1" dirty="0">
+                <a:solidFill>
+                  <a:schemeClr val="bg1"/>
+                </a:solidFill>
+              </a:rPr>
+              <a:t>“ADO.NET is a data access api in .NET Platform to interact with different data sources such as databases (</a:t>
+            </a:r>
+            <a:r>
+              <a:rPr lang="en-IN" sz="3200" i="1" dirty="0" err="1">
+                <a:solidFill>
+                  <a:schemeClr val="bg1"/>
+                </a:solidFill>
+              </a:rPr>
+              <a:t>sql</a:t>
+            </a:r>
+            <a:r>
+              <a:rPr lang="en-IN" sz="3200" i="1" dirty="0">
+                <a:solidFill>
+                  <a:schemeClr val="bg1"/>
+                </a:solidFill>
+              </a:rPr>
+              <a:t> server, oracle, etc.), xml, Microsoft access, and other in a standard, and structured approach.”</a:t>
+            </a:r>
+            <a:endParaRPr lang="en-IN" i="1" dirty="0">
+              <a:solidFill>
+                <a:schemeClr val="bg1"/>
+              </a:solidFill>
+            </a:endParaRPr>
+          </a:p>
+          <a:p>
+            <a:pPr marL="0" indent="0">
+              <a:buNone/>
+            </a:pPr>
+            <a:endParaRPr lang="en-IN" dirty="0">
+              <a:solidFill>
+                <a:schemeClr val="bg1"/>
+              </a:solidFill>
+            </a:endParaRPr>
+          </a:p>
+          <a:p>
+            <a:endParaRPr lang="en-IN" dirty="0"/>
+          </a:p>
+        </p:txBody>
+      </p:sp>
+    </p:spTree>
+    <p:extLst>
+      <p:ext uri="{BB962C8B-B14F-4D97-AF65-F5344CB8AC3E}">
+        <p14:creationId xmlns:p14="http://schemas.microsoft.com/office/powerpoint/2010/main" val="843039645"/>
+      </p:ext>
+    </p:extLst>
+  </p:cSld>
+  <p:clrMapOvr>
+    <a:masterClrMapping/>
+  </p:clrMapOvr>
+  <p:transition spd="slow">
+    <p:wipe/>
+  </p:transition>
+</p:sld>
+</file>
+
+<file path=ppt/slides/slide32.xml><?xml version="1.0" encoding="utf-8"?>
+<p:sld xmlns:a="http://schemas.openxmlformats.org/drawingml/2006/main" xmlns:r="http://schemas.openxmlformats.org/officeDocument/2006/relationships" xmlns:p="http://schemas.openxmlformats.org/presentationml/2006/main" show="0">
+  <p:cSld>
+    <p:bg>
+      <p:bgPr>
+        <a:solidFill>
+          <a:srgbClr val="512BD4"/>
+        </a:solidFill>
+        <a:effectLst/>
+      </p:bgPr>
+    </p:bg>
+    <p:spTree>
+      <p:nvGrpSpPr>
+        <p:cNvPr id="1" name=""/>
+        <p:cNvGrpSpPr/>
+        <p:nvPr/>
+      </p:nvGrpSpPr>
+      <p:grpSpPr>
+        <a:xfrm>
+          <a:off x="0" y="0"/>
+          <a:ext cx="0" cy="0"/>
+          <a:chOff x="0" y="0"/>
+          <a:chExt cx="0" cy="0"/>
+        </a:xfrm>
+      </p:grpSpPr>
+      <p:sp>
+        <p:nvSpPr>
+          <p:cNvPr id="2" name="Title 1">
+            <a:extLst>
+              <a:ext uri="{FF2B5EF4-FFF2-40B4-BE49-F238E27FC236}">
+                <a16:creationId xmlns:a16="http://schemas.microsoft.com/office/drawing/2014/main" id="{7E148D4C-2DDE-13D1-BB26-EE1F6B24E1DE}"/>
+              </a:ext>
+            </a:extLst>
+          </p:cNvPr>
+          <p:cNvSpPr>
+            <a:spLocks noGrp="1"/>
+          </p:cNvSpPr>
+          <p:nvPr>
+            <p:ph type="title"/>
+          </p:nvPr>
+        </p:nvSpPr>
+        <p:spPr>
+          <a:xfrm>
             <a:off x="128588" y="120649"/>
             <a:ext cx="10515600" cy="835025"/>
           </a:xfrm>
@@ -34281,7 +37292,7 @@
 </p:sld>
 </file>
 
-<file path=ppt/slides/slide31.xml><?xml version="1.0" encoding="utf-8"?>
+<file path=ppt/slides/slide33.xml><?xml version="1.0" encoding="utf-8"?>
 <p:sld xmlns:a="http://schemas.openxmlformats.org/drawingml/2006/main" xmlns:r="http://schemas.openxmlformats.org/officeDocument/2006/relationships" xmlns:p="http://schemas.openxmlformats.org/presentationml/2006/main" show="0">
   <p:cSld>
     <p:bg>
@@ -34435,7 +37446,7 @@
 </p:sld>
 </file>
 
-<file path=ppt/slides/slide32.xml><?xml version="1.0" encoding="utf-8"?>
+<file path=ppt/slides/slide34.xml><?xml version="1.0" encoding="utf-8"?>
 <p:sld xmlns:a="http://schemas.openxmlformats.org/drawingml/2006/main" xmlns:r="http://schemas.openxmlformats.org/officeDocument/2006/relationships" xmlns:p="http://schemas.openxmlformats.org/presentationml/2006/main" show="0">
   <p:cSld>
     <p:spTree>

--- a/docs/C Sharp Programming Language - Fundaments.pptx
+++ b/docs/C Sharp Programming Language - Fundaments.pptx
@@ -26,9 +26,9 @@
     <p:sldId id="280" r:id="rId20"/>
     <p:sldId id="284" r:id="rId21"/>
     <p:sldId id="286" r:id="rId22"/>
-    <p:sldId id="285" r:id="rId23"/>
-    <p:sldId id="291" r:id="rId24"/>
-    <p:sldId id="292" r:id="rId25"/>
+    <p:sldId id="291" r:id="rId23"/>
+    <p:sldId id="292" r:id="rId24"/>
+    <p:sldId id="285" r:id="rId25"/>
     <p:sldId id="288" r:id="rId26"/>
     <p:sldId id="289" r:id="rId27"/>
     <p:sldId id="290" r:id="rId28"/>
@@ -31277,92 +31277,6 @@
       </p:grpSpPr>
       <p:sp>
         <p:nvSpPr>
-          <p:cNvPr id="3" name="Rectangle 2">
-            <a:extLst>
-              <a:ext uri="{FF2B5EF4-FFF2-40B4-BE49-F238E27FC236}">
-                <a16:creationId xmlns:a16="http://schemas.microsoft.com/office/drawing/2014/main" id="{234B3199-CA6E-E379-CB45-91702C540056}"/>
-              </a:ext>
-            </a:extLst>
-          </p:cNvPr>
-          <p:cNvSpPr/>
-          <p:nvPr/>
-        </p:nvSpPr>
-        <p:spPr>
-          <a:xfrm>
-            <a:off x="100013" y="128588"/>
-            <a:ext cx="11991974" cy="6586537"/>
-          </a:xfrm>
-          <a:prstGeom prst="rect">
-            <a:avLst/>
-          </a:prstGeom>
-        </p:spPr>
-        <p:style>
-          <a:lnRef idx="2">
-            <a:schemeClr val="accent1"/>
-          </a:lnRef>
-          <a:fillRef idx="1">
-            <a:schemeClr val="lt1"/>
-          </a:fillRef>
-          <a:effectRef idx="0">
-            <a:schemeClr val="accent1"/>
-          </a:effectRef>
-          <a:fontRef idx="minor">
-            <a:schemeClr val="dk1"/>
-          </a:fontRef>
-        </p:style>
-        <p:txBody>
-          <a:bodyPr rtlCol="0" anchor="ctr"/>
-          <a:lstStyle/>
-          <a:p>
-            <a:pPr algn="ctr"/>
-            <a:r>
-              <a:rPr lang="en-IN" sz="10000" dirty="0">
-                <a:solidFill>
-                  <a:srgbClr val="512BD4"/>
-                </a:solidFill>
-                <a:ea typeface="+mj-ea"/>
-                <a:cs typeface="+mj-cs"/>
-              </a:rPr>
-              <a:t>Thank You!</a:t>
-            </a:r>
-          </a:p>
-        </p:txBody>
-      </p:sp>
-    </p:spTree>
-    <p:extLst>
-      <p:ext uri="{BB962C8B-B14F-4D97-AF65-F5344CB8AC3E}">
-        <p14:creationId xmlns:p14="http://schemas.microsoft.com/office/powerpoint/2010/main" val="2375678044"/>
-      </p:ext>
-    </p:extLst>
-  </p:cSld>
-  <p:clrMapOvr>
-    <a:masterClrMapping/>
-  </p:clrMapOvr>
-  <p:transition spd="slow">
-    <p:wipe/>
-  </p:transition>
-</p:sld>
-</file>
-
-<file path=ppt/slides/slide23.xml><?xml version="1.0" encoding="utf-8"?>
-<p:sld xmlns:a="http://schemas.openxmlformats.org/drawingml/2006/main" xmlns:r="http://schemas.openxmlformats.org/officeDocument/2006/relationships" xmlns:p="http://schemas.openxmlformats.org/presentationml/2006/main">
-  <p:cSld>
-    <p:spTree>
-      <p:nvGrpSpPr>
-        <p:cNvPr id="1" name=""/>
-        <p:cNvGrpSpPr/>
-        <p:nvPr/>
-      </p:nvGrpSpPr>
-      <p:grpSpPr>
-        <a:xfrm>
-          <a:off x="0" y="0"/>
-          <a:ext cx="0" cy="0"/>
-          <a:chOff x="0" y="0"/>
-          <a:chExt cx="0" cy="0"/>
-        </a:xfrm>
-      </p:grpSpPr>
-      <p:sp>
-        <p:nvSpPr>
           <p:cNvPr id="2" name="Title 1">
             <a:extLst>
               <a:ext uri="{FF2B5EF4-FFF2-40B4-BE49-F238E27FC236}">
@@ -31385,12 +31299,12 @@
         </p:spPr>
         <p:txBody>
           <a:bodyPr>
-            <a:normAutofit fontScale="90000"/>
+            <a:noAutofit/>
           </a:bodyPr>
           <a:lstStyle/>
           <a:p>
             <a:r>
-              <a:rPr lang="en-IN" sz="3200" dirty="0">
+              <a:rPr lang="en-IN" dirty="0">
                 <a:solidFill>
                   <a:srgbClr val="512BD4"/>
                 </a:solidFill>
@@ -31440,7 +31354,7 @@
                   <a:srgbClr val="512BD4"/>
                 </a:solidFill>
               </a:rPr>
-              <a:t>Assembly is a collection of types such as classes, interfaces, </a:t>
+              <a:t>Assembly is a collection of types such as namespaces, classes, interfaces, </a:t>
             </a:r>
             <a:r>
               <a:rPr lang="en-IN" sz="2400" dirty="0" err="1">
@@ -31583,7 +31497,23 @@
                   <a:srgbClr val="512BD4"/>
                 </a:solidFill>
               </a:rPr>
-              <a:t>Output Type is .exe with .</a:t>
+              <a:t>Output Type is .</a:t>
+            </a:r>
+            <a:r>
+              <a:rPr lang="en-US" sz="2400" b="1">
+                <a:solidFill>
+                  <a:srgbClr val="512BD4"/>
+                </a:solidFill>
+              </a:rPr>
+              <a:t>exe and </a:t>
+            </a:r>
+            <a:r>
+              <a:rPr lang="en-US" sz="2400" b="1" dirty="0">
+                <a:solidFill>
+                  <a:srgbClr val="512BD4"/>
+                </a:solidFill>
+              </a:rPr>
+              <a:t>.</a:t>
             </a:r>
             <a:r>
               <a:rPr lang="en-US" sz="2400" b="1" dirty="0" err="1">
@@ -32745,7 +32675,7 @@
 </p:sld>
 </file>
 
-<file path=ppt/slides/slide24.xml><?xml version="1.0" encoding="utf-8"?>
+<file path=ppt/slides/slide23.xml><?xml version="1.0" encoding="utf-8"?>
 <p:sld xmlns:a="http://schemas.openxmlformats.org/drawingml/2006/main" xmlns:r="http://schemas.openxmlformats.org/officeDocument/2006/relationships" xmlns:p="http://schemas.openxmlformats.org/presentationml/2006/main">
   <p:cSld>
     <p:spTree>
@@ -32808,7 +32738,7 @@
           <a:lstStyle/>
           <a:p>
             <a:pPr algn="ctr"/>
-            <a:endParaRPr lang="en-IN"/>
+            <a:endParaRPr lang="en-IN" dirty="0"/>
           </a:p>
         </p:txBody>
       </p:sp>
@@ -33532,8 +33462,8 @@
         </p:nvSpPr>
         <p:spPr>
           <a:xfrm>
-            <a:off x="9476653" y="139715"/>
-            <a:ext cx="569387" cy="461665"/>
+            <a:off x="8304075" y="184762"/>
+            <a:ext cx="3478260" cy="461665"/>
           </a:xfrm>
           <a:prstGeom prst="rect">
             <a:avLst/>
@@ -33562,11 +33492,14 @@
               </a:rPr>
               <a:t>dll</a:t>
             </a:r>
-            <a:endParaRPr lang="en-IN" sz="2400" b="1" dirty="0">
-              <a:solidFill>
-                <a:srgbClr val="512BD4"/>
-              </a:solidFill>
-            </a:endParaRPr>
+            <a:r>
+              <a:rPr lang="en-IN" sz="2400" b="1" dirty="0">
+                <a:solidFill>
+                  <a:srgbClr val="512BD4"/>
+                </a:solidFill>
+              </a:rPr>
+              <a:t> (Dynamic Link Library)</a:t>
+            </a:r>
           </a:p>
         </p:txBody>
       </p:sp>
@@ -33743,8 +33676,8 @@
         </p:nvSpPr>
         <p:spPr>
           <a:xfrm>
-            <a:off x="9408204" y="3387960"/>
-            <a:ext cx="706284" cy="461665"/>
+            <a:off x="8897504" y="3405766"/>
+            <a:ext cx="2353401" cy="461665"/>
           </a:xfrm>
           <a:prstGeom prst="rect">
             <a:avLst/>
@@ -33763,7 +33696,7 @@
                   <a:srgbClr val="512BD4"/>
                 </a:solidFill>
               </a:rPr>
-              <a:t>.exe</a:t>
+              <a:t>.exe (Executable)</a:t>
             </a:r>
           </a:p>
         </p:txBody>
@@ -34158,7 +34091,33 @@
                   <a:ea typeface="+mn-ea"/>
                   <a:cs typeface="+mn-cs"/>
                 </a:rPr>
-                <a:t>Build or Run the Console App project, then C# compiler converts C# code into MSIL code and packages all the types into .exe and .</a:t>
+                <a:t>Build or Run the Console App project, then C# compiler converts C# code into MSIL code and generates .exe </a:t>
+              </a:r>
+              <a:r>
+                <a:rPr lang="en-IN" sz="2000" b="1" dirty="0">
+                  <a:solidFill>
+                    <a:prstClr val="white"/>
+                  </a:solidFill>
+                  <a:highlight>
+                    <a:srgbClr val="512BD4"/>
+                  </a:highlight>
+                  <a:latin typeface="Calibri" panose="020F0502020204030204"/>
+                </a:rPr>
+                <a:t>and</a:t>
+              </a:r>
+              <a:r>
+                <a:rPr lang="en-IN" sz="2000" b="1" kern="1200" dirty="0">
+                  <a:solidFill>
+                    <a:prstClr val="white"/>
+                  </a:solidFill>
+                  <a:highlight>
+                    <a:srgbClr val="512BD4"/>
+                  </a:highlight>
+                  <a:latin typeface="Calibri" panose="020F0502020204030204"/>
+                  <a:ea typeface="+mn-ea"/>
+                  <a:cs typeface="+mn-cs"/>
+                </a:rPr>
+                <a:t> .</a:t>
               </a:r>
               <a:r>
                 <a:rPr lang="en-IN" sz="2000" b="1" kern="1200" dirty="0" err="1">
@@ -34350,6 +34309,92 @@
   <p:clrMapOvr>
     <a:masterClrMapping/>
   </p:clrMapOvr>
+</p:sld>
+</file>
+
+<file path=ppt/slides/slide24.xml><?xml version="1.0" encoding="utf-8"?>
+<p:sld xmlns:a="http://schemas.openxmlformats.org/drawingml/2006/main" xmlns:r="http://schemas.openxmlformats.org/officeDocument/2006/relationships" xmlns:p="http://schemas.openxmlformats.org/presentationml/2006/main">
+  <p:cSld>
+    <p:spTree>
+      <p:nvGrpSpPr>
+        <p:cNvPr id="1" name=""/>
+        <p:cNvGrpSpPr/>
+        <p:nvPr/>
+      </p:nvGrpSpPr>
+      <p:grpSpPr>
+        <a:xfrm>
+          <a:off x="0" y="0"/>
+          <a:ext cx="0" cy="0"/>
+          <a:chOff x="0" y="0"/>
+          <a:chExt cx="0" cy="0"/>
+        </a:xfrm>
+      </p:grpSpPr>
+      <p:sp>
+        <p:nvSpPr>
+          <p:cNvPr id="3" name="Rectangle 2">
+            <a:extLst>
+              <a:ext uri="{FF2B5EF4-FFF2-40B4-BE49-F238E27FC236}">
+                <a16:creationId xmlns:a16="http://schemas.microsoft.com/office/drawing/2014/main" id="{234B3199-CA6E-E379-CB45-91702C540056}"/>
+              </a:ext>
+            </a:extLst>
+          </p:cNvPr>
+          <p:cNvSpPr/>
+          <p:nvPr/>
+        </p:nvSpPr>
+        <p:spPr>
+          <a:xfrm>
+            <a:off x="100013" y="128588"/>
+            <a:ext cx="11991974" cy="6586537"/>
+          </a:xfrm>
+          <a:prstGeom prst="rect">
+            <a:avLst/>
+          </a:prstGeom>
+        </p:spPr>
+        <p:style>
+          <a:lnRef idx="2">
+            <a:schemeClr val="accent1"/>
+          </a:lnRef>
+          <a:fillRef idx="1">
+            <a:schemeClr val="lt1"/>
+          </a:fillRef>
+          <a:effectRef idx="0">
+            <a:schemeClr val="accent1"/>
+          </a:effectRef>
+          <a:fontRef idx="minor">
+            <a:schemeClr val="dk1"/>
+          </a:fontRef>
+        </p:style>
+        <p:txBody>
+          <a:bodyPr rtlCol="0" anchor="ctr"/>
+          <a:lstStyle/>
+          <a:p>
+            <a:pPr algn="ctr"/>
+            <a:r>
+              <a:rPr lang="en-IN" sz="10000" dirty="0">
+                <a:solidFill>
+                  <a:srgbClr val="512BD4"/>
+                </a:solidFill>
+                <a:ea typeface="+mj-ea"/>
+                <a:cs typeface="+mj-cs"/>
+              </a:rPr>
+              <a:t>Thank You!</a:t>
+            </a:r>
+          </a:p>
+        </p:txBody>
+      </p:sp>
+    </p:spTree>
+    <p:extLst>
+      <p:ext uri="{BB962C8B-B14F-4D97-AF65-F5344CB8AC3E}">
+        <p14:creationId xmlns:p14="http://schemas.microsoft.com/office/powerpoint/2010/main" val="2375678044"/>
+      </p:ext>
+    </p:extLst>
+  </p:cSld>
+  <p:clrMapOvr>
+    <a:masterClrMapping/>
+  </p:clrMapOvr>
+  <p:transition spd="slow">
+    <p:wipe/>
+  </p:transition>
 </p:sld>
 </file>
 

--- a/docs/C Sharp Programming Language - Fundaments.pptx
+++ b/docs/C Sharp Programming Language - Fundaments.pptx
@@ -40287,7 +40287,7 @@
         </p:blipFill>
         <p:spPr>
           <a:xfrm>
-            <a:off x="9761047" y="1695304"/>
+            <a:off x="9761047" y="1476188"/>
             <a:ext cx="1470458" cy="911530"/>
           </a:xfrm>
           <a:prstGeom prst="rect">
@@ -40309,7 +40309,7 @@
         </p:nvSpPr>
         <p:spPr>
           <a:xfrm>
-            <a:off x="4102164" y="1424573"/>
+            <a:off x="4102164" y="1205457"/>
             <a:ext cx="3500437" cy="3443288"/>
           </a:xfrm>
           <a:prstGeom prst="flowChartConnector">
@@ -40373,7 +40373,7 @@
         </p:blipFill>
         <p:spPr>
           <a:xfrm>
-            <a:off x="4452237" y="1593881"/>
+            <a:off x="4452237" y="1374765"/>
             <a:ext cx="2886017" cy="3103244"/>
           </a:xfrm>
           <a:prstGeom prst="rect">
@@ -40403,7 +40403,7 @@
         </p:blipFill>
         <p:spPr>
           <a:xfrm>
-            <a:off x="898481" y="2099130"/>
+            <a:off x="442293" y="1905284"/>
             <a:ext cx="686256" cy="633810"/>
           </a:xfrm>
           <a:prstGeom prst="rect">
@@ -40433,7 +40433,7 @@
         </p:blipFill>
         <p:spPr>
           <a:xfrm>
-            <a:off x="1487899" y="2069126"/>
+            <a:off x="1044960" y="1847965"/>
             <a:ext cx="711302" cy="633810"/>
           </a:xfrm>
           <a:prstGeom prst="rect">
@@ -40463,7 +40463,7 @@
         </p:blipFill>
         <p:spPr>
           <a:xfrm>
-            <a:off x="2121709" y="2069567"/>
+            <a:off x="1668306" y="1859166"/>
             <a:ext cx="580268" cy="591497"/>
           </a:xfrm>
           <a:prstGeom prst="rect">
@@ -40500,7 +40500,7 @@
         </p:blipFill>
         <p:spPr bwMode="auto">
           <a:xfrm>
-            <a:off x="7927603" y="297178"/>
+            <a:off x="7927603" y="78062"/>
             <a:ext cx="1227666" cy="1227666"/>
           </a:xfrm>
           <a:prstGeom prst="rect">
@@ -40532,7 +40532,7 @@
         </p:nvSpPr>
         <p:spPr>
           <a:xfrm>
-            <a:off x="341895" y="4245919"/>
+            <a:off x="341895" y="4026803"/>
             <a:ext cx="3294245" cy="476053"/>
           </a:xfrm>
           <a:prstGeom prst="roundRect">
@@ -40609,7 +40609,7 @@
         </p:blipFill>
         <p:spPr>
           <a:xfrm>
-            <a:off x="7809353" y="1363387"/>
+            <a:off x="7809353" y="1144271"/>
             <a:ext cx="1543265" cy="1324160"/>
           </a:xfrm>
           <a:prstGeom prst="rect">
@@ -40639,7 +40639,7 @@
         </p:blipFill>
         <p:spPr>
           <a:xfrm>
-            <a:off x="7941301" y="2439439"/>
+            <a:off x="7941301" y="2220323"/>
             <a:ext cx="1279371" cy="1792563"/>
           </a:xfrm>
           <a:prstGeom prst="rect">
@@ -40669,7 +40669,7 @@
         </p:blipFill>
         <p:spPr>
           <a:xfrm>
-            <a:off x="7861351" y="4277944"/>
+            <a:off x="7861351" y="4058828"/>
             <a:ext cx="1381318" cy="1028844"/>
           </a:xfrm>
           <a:prstGeom prst="rect">
@@ -40691,7 +40691,7 @@
         </p:nvSpPr>
         <p:spPr>
           <a:xfrm>
-            <a:off x="8253142" y="219116"/>
+            <a:off x="8253142" y="0"/>
             <a:ext cx="625299" cy="369332"/>
           </a:xfrm>
           <a:prstGeom prst="rect">
@@ -40727,7 +40727,7 @@
         </p:nvSpPr>
         <p:spPr>
           <a:xfrm>
-            <a:off x="8093741" y="1655285"/>
+            <a:off x="8093741" y="1436169"/>
             <a:ext cx="971548" cy="369332"/>
           </a:xfrm>
           <a:prstGeom prst="rect">
@@ -40763,7 +40763,7 @@
         </p:nvSpPr>
         <p:spPr>
           <a:xfrm>
-            <a:off x="8152332" y="3178202"/>
+            <a:off x="8152332" y="2959086"/>
             <a:ext cx="857311" cy="369332"/>
           </a:xfrm>
           <a:prstGeom prst="rect">
@@ -40799,7 +40799,7 @@
         </p:nvSpPr>
         <p:spPr>
           <a:xfrm>
-            <a:off x="8145645" y="4154169"/>
+            <a:off x="8145645" y="3935053"/>
             <a:ext cx="840295" cy="369332"/>
           </a:xfrm>
           <a:prstGeom prst="rect">
@@ -40835,7 +40835,7 @@
         </p:nvSpPr>
         <p:spPr>
           <a:xfrm>
-            <a:off x="9986303" y="2086376"/>
+            <a:off x="9986303" y="1867260"/>
             <a:ext cx="732893" cy="369332"/>
           </a:xfrm>
           <a:prstGeom prst="rect">
@@ -40871,7 +40871,7 @@
         </p:nvSpPr>
         <p:spPr>
           <a:xfrm>
-            <a:off x="9986302" y="2913222"/>
+            <a:off x="9986302" y="2694106"/>
             <a:ext cx="966807" cy="891486"/>
           </a:xfrm>
           <a:prstGeom prst="rect">
@@ -40928,7 +40928,7 @@
         </p:nvSpPr>
         <p:spPr>
           <a:xfrm>
-            <a:off x="9986302" y="4225494"/>
+            <a:off x="9986302" y="4006378"/>
             <a:ext cx="966807" cy="891486"/>
           </a:xfrm>
           <a:prstGeom prst="rect">
@@ -40985,7 +40985,7 @@
         </p:nvSpPr>
         <p:spPr>
           <a:xfrm>
-            <a:off x="4795552" y="715259"/>
+            <a:off x="4795552" y="496143"/>
             <a:ext cx="2199385" cy="707886"/>
           </a:xfrm>
           <a:prstGeom prst="rect">
@@ -41026,7 +41026,7 @@
         </p:nvSpPr>
         <p:spPr>
           <a:xfrm>
-            <a:off x="341894" y="4867861"/>
+            <a:off x="343764" y="4659837"/>
             <a:ext cx="3294245" cy="476053"/>
           </a:xfrm>
           <a:prstGeom prst="roundRect">
@@ -41095,7 +41095,7 @@
         </p:nvSpPr>
         <p:spPr>
           <a:xfrm>
-            <a:off x="343765" y="3593871"/>
+            <a:off x="343765" y="3374755"/>
             <a:ext cx="3294245" cy="476053"/>
           </a:xfrm>
           <a:prstGeom prst="roundRect">
@@ -41164,7 +41164,7 @@
         </p:nvSpPr>
         <p:spPr>
           <a:xfrm>
-            <a:off x="343765" y="2962248"/>
+            <a:off x="343765" y="2743132"/>
             <a:ext cx="3294245" cy="476053"/>
           </a:xfrm>
           <a:prstGeom prst="roundRect">
@@ -41233,7 +41233,7 @@
         </p:nvSpPr>
         <p:spPr>
           <a:xfrm>
-            <a:off x="343766" y="1563069"/>
+            <a:off x="343766" y="1343953"/>
             <a:ext cx="3294245" cy="476053"/>
           </a:xfrm>
           <a:prstGeom prst="roundRect">
@@ -41302,7 +41302,7 @@
         </p:nvSpPr>
         <p:spPr>
           <a:xfrm>
-            <a:off x="343765" y="872475"/>
+            <a:off x="343765" y="653359"/>
             <a:ext cx="3294245" cy="476053"/>
           </a:xfrm>
           <a:prstGeom prst="roundRect">
@@ -41357,6 +41357,66 @@
           </a:p>
         </p:txBody>
       </p:sp>
+      <p:pic>
+        <p:nvPicPr>
+          <p:cNvPr id="23" name="Picture 22">
+            <a:extLst>
+              <a:ext uri="{FF2B5EF4-FFF2-40B4-BE49-F238E27FC236}">
+                <a16:creationId xmlns:a16="http://schemas.microsoft.com/office/drawing/2014/main" id="{6D206124-5C00-36AE-4B18-86B1027BAE00}"/>
+              </a:ext>
+            </a:extLst>
+          </p:cNvPr>
+          <p:cNvPicPr>
+            <a:picLocks noChangeAspect="1"/>
+          </p:cNvPicPr>
+          <p:nvPr/>
+        </p:nvPicPr>
+        <p:blipFill>
+          <a:blip r:embed="rId11"/>
+          <a:stretch>
+            <a:fillRect/>
+          </a:stretch>
+        </p:blipFill>
+        <p:spPr>
+          <a:xfrm>
+            <a:off x="2227626" y="1831523"/>
+            <a:ext cx="719295" cy="619140"/>
+          </a:xfrm>
+          <a:prstGeom prst="rect">
+            <a:avLst/>
+          </a:prstGeom>
+        </p:spPr>
+      </p:pic>
+      <p:pic>
+        <p:nvPicPr>
+          <p:cNvPr id="1029" name="Picture 1028">
+            <a:extLst>
+              <a:ext uri="{FF2B5EF4-FFF2-40B4-BE49-F238E27FC236}">
+                <a16:creationId xmlns:a16="http://schemas.microsoft.com/office/drawing/2014/main" id="{4EAB2944-3A10-7BA0-1DA1-6FD699C7CF8B}"/>
+              </a:ext>
+            </a:extLst>
+          </p:cNvPr>
+          <p:cNvPicPr>
+            <a:picLocks noChangeAspect="1"/>
+          </p:cNvPicPr>
+          <p:nvPr/>
+        </p:nvPicPr>
+        <p:blipFill>
+          <a:blip r:embed="rId12"/>
+          <a:stretch>
+            <a:fillRect/>
+          </a:stretch>
+        </p:blipFill>
+        <p:spPr>
+          <a:xfrm>
+            <a:off x="2928101" y="1874214"/>
+            <a:ext cx="676045" cy="576450"/>
+          </a:xfrm>
+          <a:prstGeom prst="rect">
+            <a:avLst/>
+          </a:prstGeom>
+        </p:spPr>
+      </p:pic>
     </p:spTree>
     <p:extLst>
       <p:ext uri="{BB962C8B-B14F-4D97-AF65-F5344CB8AC3E}">
@@ -41367,6 +41427,906 @@
   <p:clrMapOvr>
     <a:masterClrMapping/>
   </p:clrMapOvr>
+  <p:timing>
+    <p:tnLst>
+      <p:par>
+        <p:cTn id="1" dur="indefinite" restart="never" nodeType="tmRoot">
+          <p:childTnLst>
+            <p:seq concurrent="1" nextAc="seek">
+              <p:cTn id="2" dur="indefinite" nodeType="mainSeq">
+                <p:childTnLst>
+                  <p:par>
+                    <p:cTn id="3" fill="hold">
+                      <p:stCondLst>
+                        <p:cond delay="indefinite"/>
+                      </p:stCondLst>
+                      <p:childTnLst>
+                        <p:par>
+                          <p:cTn id="4" fill="hold">
+                            <p:stCondLst>
+                              <p:cond delay="0"/>
+                            </p:stCondLst>
+                            <p:childTnLst>
+                              <p:par>
+                                <p:cTn id="5" presetID="1" presetClass="entr" presetSubtype="0" fill="hold" grpId="0" nodeType="clickEffect">
+                                  <p:stCondLst>
+                                    <p:cond delay="0"/>
+                                  </p:stCondLst>
+                                  <p:childTnLst>
+                                    <p:set>
+                                      <p:cBhvr>
+                                        <p:cTn id="6" dur="1" fill="hold">
+                                          <p:stCondLst>
+                                            <p:cond delay="0"/>
+                                          </p:stCondLst>
+                                        </p:cTn>
+                                        <p:tgtEl>
+                                          <p:spTgt spid="17"/>
+                                        </p:tgtEl>
+                                        <p:attrNameLst>
+                                          <p:attrName>style.visibility</p:attrName>
+                                        </p:attrNameLst>
+                                      </p:cBhvr>
+                                      <p:to>
+                                        <p:strVal val="visible"/>
+                                      </p:to>
+                                    </p:set>
+                                  </p:childTnLst>
+                                </p:cTn>
+                              </p:par>
+                            </p:childTnLst>
+                          </p:cTn>
+                        </p:par>
+                      </p:childTnLst>
+                    </p:cTn>
+                  </p:par>
+                  <p:par>
+                    <p:cTn id="7" fill="hold">
+                      <p:stCondLst>
+                        <p:cond delay="indefinite"/>
+                      </p:stCondLst>
+                      <p:childTnLst>
+                        <p:par>
+                          <p:cTn id="8" fill="hold">
+                            <p:stCondLst>
+                              <p:cond delay="0"/>
+                            </p:stCondLst>
+                            <p:childTnLst>
+                              <p:par>
+                                <p:cTn id="9" presetID="1" presetClass="entr" presetSubtype="0" fill="hold" grpId="0" nodeType="clickEffect">
+                                  <p:stCondLst>
+                                    <p:cond delay="0"/>
+                                  </p:stCondLst>
+                                  <p:childTnLst>
+                                    <p:set>
+                                      <p:cBhvr>
+                                        <p:cTn id="10" dur="1" fill="hold">
+                                          <p:stCondLst>
+                                            <p:cond delay="0"/>
+                                          </p:stCondLst>
+                                        </p:cTn>
+                                        <p:tgtEl>
+                                          <p:spTgt spid="16"/>
+                                        </p:tgtEl>
+                                        <p:attrNameLst>
+                                          <p:attrName>style.visibility</p:attrName>
+                                        </p:attrNameLst>
+                                      </p:cBhvr>
+                                      <p:to>
+                                        <p:strVal val="visible"/>
+                                      </p:to>
+                                    </p:set>
+                                  </p:childTnLst>
+                                </p:cTn>
+                              </p:par>
+                              <p:par>
+                                <p:cTn id="11" presetID="1" presetClass="entr" presetSubtype="0" fill="hold" nodeType="withEffect">
+                                  <p:stCondLst>
+                                    <p:cond delay="0"/>
+                                  </p:stCondLst>
+                                  <p:childTnLst>
+                                    <p:set>
+                                      <p:cBhvr>
+                                        <p:cTn id="12" dur="1" fill="hold">
+                                          <p:stCondLst>
+                                            <p:cond delay="0"/>
+                                          </p:stCondLst>
+                                        </p:cTn>
+                                        <p:tgtEl>
+                                          <p:spTgt spid="14"/>
+                                        </p:tgtEl>
+                                        <p:attrNameLst>
+                                          <p:attrName>style.visibility</p:attrName>
+                                        </p:attrNameLst>
+                                      </p:cBhvr>
+                                      <p:to>
+                                        <p:strVal val="visible"/>
+                                      </p:to>
+                                    </p:set>
+                                  </p:childTnLst>
+                                </p:cTn>
+                              </p:par>
+                              <p:par>
+                                <p:cTn id="13" presetID="1" presetClass="entr" presetSubtype="0" fill="hold" nodeType="withEffect">
+                                  <p:stCondLst>
+                                    <p:cond delay="0"/>
+                                  </p:stCondLst>
+                                  <p:childTnLst>
+                                    <p:set>
+                                      <p:cBhvr>
+                                        <p:cTn id="14" dur="1" fill="hold">
+                                          <p:stCondLst>
+                                            <p:cond delay="0"/>
+                                          </p:stCondLst>
+                                        </p:cTn>
+                                        <p:tgtEl>
+                                          <p:spTgt spid="18"/>
+                                        </p:tgtEl>
+                                        <p:attrNameLst>
+                                          <p:attrName>style.visibility</p:attrName>
+                                        </p:attrNameLst>
+                                      </p:cBhvr>
+                                      <p:to>
+                                        <p:strVal val="visible"/>
+                                      </p:to>
+                                    </p:set>
+                                  </p:childTnLst>
+                                </p:cTn>
+                              </p:par>
+                              <p:par>
+                                <p:cTn id="15" presetID="1" presetClass="entr" presetSubtype="0" fill="hold" nodeType="withEffect">
+                                  <p:stCondLst>
+                                    <p:cond delay="0"/>
+                                  </p:stCondLst>
+                                  <p:childTnLst>
+                                    <p:set>
+                                      <p:cBhvr>
+                                        <p:cTn id="16" dur="1" fill="hold">
+                                          <p:stCondLst>
+                                            <p:cond delay="0"/>
+                                          </p:stCondLst>
+                                        </p:cTn>
+                                        <p:tgtEl>
+                                          <p:spTgt spid="20"/>
+                                        </p:tgtEl>
+                                        <p:attrNameLst>
+                                          <p:attrName>style.visibility</p:attrName>
+                                        </p:attrNameLst>
+                                      </p:cBhvr>
+                                      <p:to>
+                                        <p:strVal val="visible"/>
+                                      </p:to>
+                                    </p:set>
+                                  </p:childTnLst>
+                                </p:cTn>
+                              </p:par>
+                              <p:par>
+                                <p:cTn id="17" presetID="1" presetClass="entr" presetSubtype="0" fill="hold" nodeType="withEffect">
+                                  <p:stCondLst>
+                                    <p:cond delay="0"/>
+                                  </p:stCondLst>
+                                  <p:childTnLst>
+                                    <p:set>
+                                      <p:cBhvr>
+                                        <p:cTn id="18" dur="1" fill="hold">
+                                          <p:stCondLst>
+                                            <p:cond delay="0"/>
+                                          </p:stCondLst>
+                                        </p:cTn>
+                                        <p:tgtEl>
+                                          <p:spTgt spid="23"/>
+                                        </p:tgtEl>
+                                        <p:attrNameLst>
+                                          <p:attrName>style.visibility</p:attrName>
+                                        </p:attrNameLst>
+                                      </p:cBhvr>
+                                      <p:to>
+                                        <p:strVal val="visible"/>
+                                      </p:to>
+                                    </p:set>
+                                  </p:childTnLst>
+                                </p:cTn>
+                              </p:par>
+                              <p:par>
+                                <p:cTn id="19" presetID="1" presetClass="entr" presetSubtype="0" fill="hold" nodeType="withEffect">
+                                  <p:stCondLst>
+                                    <p:cond delay="0"/>
+                                  </p:stCondLst>
+                                  <p:childTnLst>
+                                    <p:set>
+                                      <p:cBhvr>
+                                        <p:cTn id="20" dur="1" fill="hold">
+                                          <p:stCondLst>
+                                            <p:cond delay="0"/>
+                                          </p:stCondLst>
+                                        </p:cTn>
+                                        <p:tgtEl>
+                                          <p:spTgt spid="1029"/>
+                                        </p:tgtEl>
+                                        <p:attrNameLst>
+                                          <p:attrName>style.visibility</p:attrName>
+                                        </p:attrNameLst>
+                                      </p:cBhvr>
+                                      <p:to>
+                                        <p:strVal val="visible"/>
+                                      </p:to>
+                                    </p:set>
+                                  </p:childTnLst>
+                                </p:cTn>
+                              </p:par>
+                            </p:childTnLst>
+                          </p:cTn>
+                        </p:par>
+                      </p:childTnLst>
+                    </p:cTn>
+                  </p:par>
+                  <p:par>
+                    <p:cTn id="21" fill="hold">
+                      <p:stCondLst>
+                        <p:cond delay="indefinite"/>
+                      </p:stCondLst>
+                      <p:childTnLst>
+                        <p:par>
+                          <p:cTn id="22" fill="hold">
+                            <p:stCondLst>
+                              <p:cond delay="0"/>
+                            </p:stCondLst>
+                            <p:childTnLst>
+                              <p:par>
+                                <p:cTn id="23" presetID="1" presetClass="entr" presetSubtype="0" fill="hold" grpId="0" nodeType="clickEffect">
+                                  <p:stCondLst>
+                                    <p:cond delay="0"/>
+                                  </p:stCondLst>
+                                  <p:childTnLst>
+                                    <p:set>
+                                      <p:cBhvr>
+                                        <p:cTn id="24" dur="1" fill="hold">
+                                          <p:stCondLst>
+                                            <p:cond delay="0"/>
+                                          </p:stCondLst>
+                                        </p:cTn>
+                                        <p:tgtEl>
+                                          <p:spTgt spid="15"/>
+                                        </p:tgtEl>
+                                        <p:attrNameLst>
+                                          <p:attrName>style.visibility</p:attrName>
+                                        </p:attrNameLst>
+                                      </p:cBhvr>
+                                      <p:to>
+                                        <p:strVal val="visible"/>
+                                      </p:to>
+                                    </p:set>
+                                  </p:childTnLst>
+                                </p:cTn>
+                              </p:par>
+                            </p:childTnLst>
+                          </p:cTn>
+                        </p:par>
+                      </p:childTnLst>
+                    </p:cTn>
+                  </p:par>
+                  <p:par>
+                    <p:cTn id="25" fill="hold">
+                      <p:stCondLst>
+                        <p:cond delay="indefinite"/>
+                      </p:stCondLst>
+                      <p:childTnLst>
+                        <p:par>
+                          <p:cTn id="26" fill="hold">
+                            <p:stCondLst>
+                              <p:cond delay="0"/>
+                            </p:stCondLst>
+                            <p:childTnLst>
+                              <p:par>
+                                <p:cTn id="27" presetID="1" presetClass="entr" presetSubtype="0" fill="hold" grpId="0" nodeType="clickEffect">
+                                  <p:stCondLst>
+                                    <p:cond delay="0"/>
+                                  </p:stCondLst>
+                                  <p:childTnLst>
+                                    <p:set>
+                                      <p:cBhvr>
+                                        <p:cTn id="28" dur="1" fill="hold">
+                                          <p:stCondLst>
+                                            <p:cond delay="0"/>
+                                          </p:stCondLst>
+                                        </p:cTn>
+                                        <p:tgtEl>
+                                          <p:spTgt spid="13"/>
+                                        </p:tgtEl>
+                                        <p:attrNameLst>
+                                          <p:attrName>style.visibility</p:attrName>
+                                        </p:attrNameLst>
+                                      </p:cBhvr>
+                                      <p:to>
+                                        <p:strVal val="visible"/>
+                                      </p:to>
+                                    </p:set>
+                                  </p:childTnLst>
+                                </p:cTn>
+                              </p:par>
+                            </p:childTnLst>
+                          </p:cTn>
+                        </p:par>
+                      </p:childTnLst>
+                    </p:cTn>
+                  </p:par>
+                  <p:par>
+                    <p:cTn id="29" fill="hold">
+                      <p:stCondLst>
+                        <p:cond delay="indefinite"/>
+                      </p:stCondLst>
+                      <p:childTnLst>
+                        <p:par>
+                          <p:cTn id="30" fill="hold">
+                            <p:stCondLst>
+                              <p:cond delay="0"/>
+                            </p:stCondLst>
+                            <p:childTnLst>
+                              <p:par>
+                                <p:cTn id="31" presetID="1" presetClass="entr" presetSubtype="0" fill="hold" grpId="0" nodeType="clickEffect">
+                                  <p:stCondLst>
+                                    <p:cond delay="0"/>
+                                  </p:stCondLst>
+                                  <p:childTnLst>
+                                    <p:set>
+                                      <p:cBhvr>
+                                        <p:cTn id="32" dur="1" fill="hold">
+                                          <p:stCondLst>
+                                            <p:cond delay="0"/>
+                                          </p:stCondLst>
+                                        </p:cTn>
+                                        <p:tgtEl>
+                                          <p:spTgt spid="22"/>
+                                        </p:tgtEl>
+                                        <p:attrNameLst>
+                                          <p:attrName>style.visibility</p:attrName>
+                                        </p:attrNameLst>
+                                      </p:cBhvr>
+                                      <p:to>
+                                        <p:strVal val="visible"/>
+                                      </p:to>
+                                    </p:set>
+                                  </p:childTnLst>
+                                </p:cTn>
+                              </p:par>
+                            </p:childTnLst>
+                          </p:cTn>
+                        </p:par>
+                      </p:childTnLst>
+                    </p:cTn>
+                  </p:par>
+                  <p:par>
+                    <p:cTn id="33" fill="hold">
+                      <p:stCondLst>
+                        <p:cond delay="indefinite"/>
+                      </p:stCondLst>
+                      <p:childTnLst>
+                        <p:par>
+                          <p:cTn id="34" fill="hold">
+                            <p:stCondLst>
+                              <p:cond delay="0"/>
+                            </p:stCondLst>
+                            <p:childTnLst>
+                              <p:par>
+                                <p:cTn id="35" presetID="1" presetClass="entr" presetSubtype="0" fill="hold" grpId="0" nodeType="clickEffect">
+                                  <p:stCondLst>
+                                    <p:cond delay="0"/>
+                                  </p:stCondLst>
+                                  <p:childTnLst>
+                                    <p:set>
+                                      <p:cBhvr>
+                                        <p:cTn id="36" dur="1" fill="hold">
+                                          <p:stCondLst>
+                                            <p:cond delay="0"/>
+                                          </p:stCondLst>
+                                        </p:cTn>
+                                        <p:tgtEl>
+                                          <p:spTgt spid="11"/>
+                                        </p:tgtEl>
+                                        <p:attrNameLst>
+                                          <p:attrName>style.visibility</p:attrName>
+                                        </p:attrNameLst>
+                                      </p:cBhvr>
+                                      <p:to>
+                                        <p:strVal val="visible"/>
+                                      </p:to>
+                                    </p:set>
+                                  </p:childTnLst>
+                                </p:cTn>
+                              </p:par>
+                            </p:childTnLst>
+                          </p:cTn>
+                        </p:par>
+                      </p:childTnLst>
+                    </p:cTn>
+                  </p:par>
+                  <p:par>
+                    <p:cTn id="37" fill="hold">
+                      <p:stCondLst>
+                        <p:cond delay="indefinite"/>
+                      </p:stCondLst>
+                      <p:childTnLst>
+                        <p:par>
+                          <p:cTn id="38" fill="hold">
+                            <p:stCondLst>
+                              <p:cond delay="0"/>
+                            </p:stCondLst>
+                            <p:childTnLst>
+                              <p:par>
+                                <p:cTn id="39" presetID="1" presetClass="entr" presetSubtype="0" fill="hold" grpId="0" nodeType="clickEffect">
+                                  <p:stCondLst>
+                                    <p:cond delay="0"/>
+                                  </p:stCondLst>
+                                  <p:childTnLst>
+                                    <p:set>
+                                      <p:cBhvr>
+                                        <p:cTn id="40" dur="1" fill="hold">
+                                          <p:stCondLst>
+                                            <p:cond delay="0"/>
+                                          </p:stCondLst>
+                                        </p:cTn>
+                                        <p:tgtEl>
+                                          <p:spTgt spid="31"/>
+                                        </p:tgtEl>
+                                        <p:attrNameLst>
+                                          <p:attrName>style.visibility</p:attrName>
+                                        </p:attrNameLst>
+                                      </p:cBhvr>
+                                      <p:to>
+                                        <p:strVal val="visible"/>
+                                      </p:to>
+                                    </p:set>
+                                  </p:childTnLst>
+                                </p:cTn>
+                              </p:par>
+                              <p:par>
+                                <p:cTn id="41" presetID="1" presetClass="entr" presetSubtype="0" fill="hold" nodeType="withEffect">
+                                  <p:stCondLst>
+                                    <p:cond delay="0"/>
+                                  </p:stCondLst>
+                                  <p:childTnLst>
+                                    <p:set>
+                                      <p:cBhvr>
+                                        <p:cTn id="42" dur="1" fill="hold">
+                                          <p:stCondLst>
+                                            <p:cond delay="0"/>
+                                          </p:stCondLst>
+                                        </p:cTn>
+                                        <p:tgtEl>
+                                          <p:spTgt spid="1045"/>
+                                        </p:tgtEl>
+                                        <p:attrNameLst>
+                                          <p:attrName>style.visibility</p:attrName>
+                                        </p:attrNameLst>
+                                      </p:cBhvr>
+                                      <p:to>
+                                        <p:strVal val="visible"/>
+                                      </p:to>
+                                    </p:set>
+                                  </p:childTnLst>
+                                </p:cTn>
+                              </p:par>
+                            </p:childTnLst>
+                          </p:cTn>
+                        </p:par>
+                      </p:childTnLst>
+                    </p:cTn>
+                  </p:par>
+                  <p:par>
+                    <p:cTn id="43" fill="hold">
+                      <p:stCondLst>
+                        <p:cond delay="indefinite"/>
+                      </p:stCondLst>
+                      <p:childTnLst>
+                        <p:par>
+                          <p:cTn id="44" fill="hold">
+                            <p:stCondLst>
+                              <p:cond delay="0"/>
+                            </p:stCondLst>
+                            <p:childTnLst>
+                              <p:par>
+                                <p:cTn id="45" presetID="1" presetClass="entr" presetSubtype="0" fill="hold" nodeType="clickEffect">
+                                  <p:stCondLst>
+                                    <p:cond delay="0"/>
+                                  </p:stCondLst>
+                                  <p:childTnLst>
+                                    <p:set>
+                                      <p:cBhvr>
+                                        <p:cTn id="46" dur="1" fill="hold">
+                                          <p:stCondLst>
+                                            <p:cond delay="0"/>
+                                          </p:stCondLst>
+                                        </p:cTn>
+                                        <p:tgtEl>
+                                          <p:spTgt spid="24"/>
+                                        </p:tgtEl>
+                                        <p:attrNameLst>
+                                          <p:attrName>style.visibility</p:attrName>
+                                        </p:attrNameLst>
+                                      </p:cBhvr>
+                                      <p:to>
+                                        <p:strVal val="visible"/>
+                                      </p:to>
+                                    </p:set>
+                                  </p:childTnLst>
+                                </p:cTn>
+                              </p:par>
+                              <p:par>
+                                <p:cTn id="47" presetID="1" presetClass="entr" presetSubtype="0" fill="hold" grpId="0" nodeType="withEffect">
+                                  <p:stCondLst>
+                                    <p:cond delay="0"/>
+                                  </p:stCondLst>
+                                  <p:childTnLst>
+                                    <p:set>
+                                      <p:cBhvr>
+                                        <p:cTn id="48" dur="1" fill="hold">
+                                          <p:stCondLst>
+                                            <p:cond delay="0"/>
+                                          </p:stCondLst>
+                                        </p:cTn>
+                                        <p:tgtEl>
+                                          <p:spTgt spid="1024"/>
+                                        </p:tgtEl>
+                                        <p:attrNameLst>
+                                          <p:attrName>style.visibility</p:attrName>
+                                        </p:attrNameLst>
+                                      </p:cBhvr>
+                                      <p:to>
+                                        <p:strVal val="visible"/>
+                                      </p:to>
+                                    </p:set>
+                                  </p:childTnLst>
+                                </p:cTn>
+                              </p:par>
+                            </p:childTnLst>
+                          </p:cTn>
+                        </p:par>
+                      </p:childTnLst>
+                    </p:cTn>
+                  </p:par>
+                  <p:par>
+                    <p:cTn id="49" fill="hold">
+                      <p:stCondLst>
+                        <p:cond delay="indefinite"/>
+                      </p:stCondLst>
+                      <p:childTnLst>
+                        <p:par>
+                          <p:cTn id="50" fill="hold">
+                            <p:stCondLst>
+                              <p:cond delay="0"/>
+                            </p:stCondLst>
+                            <p:childTnLst>
+                              <p:par>
+                                <p:cTn id="51" presetID="1" presetClass="entr" presetSubtype="0" fill="hold" nodeType="clickEffect">
+                                  <p:stCondLst>
+                                    <p:cond delay="0"/>
+                                  </p:stCondLst>
+                                  <p:childTnLst>
+                                    <p:set>
+                                      <p:cBhvr>
+                                        <p:cTn id="52" dur="1" fill="hold">
+                                          <p:stCondLst>
+                                            <p:cond delay="0"/>
+                                          </p:stCondLst>
+                                        </p:cTn>
+                                        <p:tgtEl>
+                                          <p:spTgt spid="27"/>
+                                        </p:tgtEl>
+                                        <p:attrNameLst>
+                                          <p:attrName>style.visibility</p:attrName>
+                                        </p:attrNameLst>
+                                      </p:cBhvr>
+                                      <p:to>
+                                        <p:strVal val="visible"/>
+                                      </p:to>
+                                    </p:set>
+                                  </p:childTnLst>
+                                </p:cTn>
+                              </p:par>
+                              <p:par>
+                                <p:cTn id="53" presetID="1" presetClass="entr" presetSubtype="0" fill="hold" grpId="0" nodeType="withEffect">
+                                  <p:stCondLst>
+                                    <p:cond delay="0"/>
+                                  </p:stCondLst>
+                                  <p:childTnLst>
+                                    <p:set>
+                                      <p:cBhvr>
+                                        <p:cTn id="54" dur="1" fill="hold">
+                                          <p:stCondLst>
+                                            <p:cond delay="0"/>
+                                          </p:stCondLst>
+                                        </p:cTn>
+                                        <p:tgtEl>
+                                          <p:spTgt spid="1025"/>
+                                        </p:tgtEl>
+                                        <p:attrNameLst>
+                                          <p:attrName>style.visibility</p:attrName>
+                                        </p:attrNameLst>
+                                      </p:cBhvr>
+                                      <p:to>
+                                        <p:strVal val="visible"/>
+                                      </p:to>
+                                    </p:set>
+                                  </p:childTnLst>
+                                </p:cTn>
+                              </p:par>
+                            </p:childTnLst>
+                          </p:cTn>
+                        </p:par>
+                      </p:childTnLst>
+                    </p:cTn>
+                  </p:par>
+                  <p:par>
+                    <p:cTn id="55" fill="hold">
+                      <p:stCondLst>
+                        <p:cond delay="indefinite"/>
+                      </p:stCondLst>
+                      <p:childTnLst>
+                        <p:par>
+                          <p:cTn id="56" fill="hold">
+                            <p:stCondLst>
+                              <p:cond delay="0"/>
+                            </p:stCondLst>
+                            <p:childTnLst>
+                              <p:par>
+                                <p:cTn id="57" presetID="1" presetClass="entr" presetSubtype="0" fill="hold" grpId="0" nodeType="clickEffect">
+                                  <p:stCondLst>
+                                    <p:cond delay="0"/>
+                                  </p:stCondLst>
+                                  <p:childTnLst>
+                                    <p:set>
+                                      <p:cBhvr>
+                                        <p:cTn id="58" dur="1" fill="hold">
+                                          <p:stCondLst>
+                                            <p:cond delay="0"/>
+                                          </p:stCondLst>
+                                        </p:cTn>
+                                        <p:tgtEl>
+                                          <p:spTgt spid="1026"/>
+                                        </p:tgtEl>
+                                        <p:attrNameLst>
+                                          <p:attrName>style.visibility</p:attrName>
+                                        </p:attrNameLst>
+                                      </p:cBhvr>
+                                      <p:to>
+                                        <p:strVal val="visible"/>
+                                      </p:to>
+                                    </p:set>
+                                  </p:childTnLst>
+                                </p:cTn>
+                              </p:par>
+                              <p:par>
+                                <p:cTn id="59" presetID="1" presetClass="entr" presetSubtype="0" fill="hold" nodeType="withEffect">
+                                  <p:stCondLst>
+                                    <p:cond delay="0"/>
+                                  </p:stCondLst>
+                                  <p:childTnLst>
+                                    <p:set>
+                                      <p:cBhvr>
+                                        <p:cTn id="60" dur="1" fill="hold">
+                                          <p:stCondLst>
+                                            <p:cond delay="0"/>
+                                          </p:stCondLst>
+                                        </p:cTn>
+                                        <p:tgtEl>
+                                          <p:spTgt spid="29"/>
+                                        </p:tgtEl>
+                                        <p:attrNameLst>
+                                          <p:attrName>style.visibility</p:attrName>
+                                        </p:attrNameLst>
+                                      </p:cBhvr>
+                                      <p:to>
+                                        <p:strVal val="visible"/>
+                                      </p:to>
+                                    </p:set>
+                                  </p:childTnLst>
+                                </p:cTn>
+                              </p:par>
+                            </p:childTnLst>
+                          </p:cTn>
+                        </p:par>
+                      </p:childTnLst>
+                    </p:cTn>
+                  </p:par>
+                  <p:par>
+                    <p:cTn id="61" fill="hold">
+                      <p:stCondLst>
+                        <p:cond delay="indefinite"/>
+                      </p:stCondLst>
+                      <p:childTnLst>
+                        <p:par>
+                          <p:cTn id="62" fill="hold">
+                            <p:stCondLst>
+                              <p:cond delay="0"/>
+                            </p:stCondLst>
+                            <p:childTnLst>
+                              <p:par>
+                                <p:cTn id="63" presetID="1" presetClass="entr" presetSubtype="0" fill="hold" nodeType="clickEffect">
+                                  <p:stCondLst>
+                                    <p:cond delay="0"/>
+                                  </p:stCondLst>
+                                  <p:childTnLst>
+                                    <p:set>
+                                      <p:cBhvr>
+                                        <p:cTn id="64" dur="1" fill="hold">
+                                          <p:stCondLst>
+                                            <p:cond delay="0"/>
+                                          </p:stCondLst>
+                                        </p:cTn>
+                                        <p:tgtEl>
+                                          <p:spTgt spid="1037"/>
+                                        </p:tgtEl>
+                                        <p:attrNameLst>
+                                          <p:attrName>style.visibility</p:attrName>
+                                        </p:attrNameLst>
+                                      </p:cBhvr>
+                                      <p:to>
+                                        <p:strVal val="visible"/>
+                                      </p:to>
+                                    </p:set>
+                                  </p:childTnLst>
+                                </p:cTn>
+                              </p:par>
+                              <p:par>
+                                <p:cTn id="65" presetID="1" presetClass="entr" presetSubtype="0" fill="hold" grpId="0" nodeType="withEffect">
+                                  <p:stCondLst>
+                                    <p:cond delay="0"/>
+                                  </p:stCondLst>
+                                  <p:childTnLst>
+                                    <p:set>
+                                      <p:cBhvr>
+                                        <p:cTn id="66" dur="1" fill="hold">
+                                          <p:stCondLst>
+                                            <p:cond delay="0"/>
+                                          </p:stCondLst>
+                                        </p:cTn>
+                                        <p:tgtEl>
+                                          <p:spTgt spid="1035"/>
+                                        </p:tgtEl>
+                                        <p:attrNameLst>
+                                          <p:attrName>style.visibility</p:attrName>
+                                        </p:attrNameLst>
+                                      </p:cBhvr>
+                                      <p:to>
+                                        <p:strVal val="visible"/>
+                                      </p:to>
+                                    </p:set>
+                                  </p:childTnLst>
+                                </p:cTn>
+                              </p:par>
+                            </p:childTnLst>
+                          </p:cTn>
+                        </p:par>
+                      </p:childTnLst>
+                    </p:cTn>
+                  </p:par>
+                  <p:par>
+                    <p:cTn id="67" fill="hold">
+                      <p:stCondLst>
+                        <p:cond delay="indefinite"/>
+                      </p:stCondLst>
+                      <p:childTnLst>
+                        <p:par>
+                          <p:cTn id="68" fill="hold">
+                            <p:stCondLst>
+                              <p:cond delay="0"/>
+                            </p:stCondLst>
+                            <p:childTnLst>
+                              <p:par>
+                                <p:cTn id="69" presetID="1" presetClass="entr" presetSubtype="0" fill="hold" grpId="0" nodeType="clickEffect">
+                                  <p:stCondLst>
+                                    <p:cond delay="0"/>
+                                  </p:stCondLst>
+                                  <p:childTnLst>
+                                    <p:set>
+                                      <p:cBhvr>
+                                        <p:cTn id="70" dur="1" fill="hold">
+                                          <p:stCondLst>
+                                            <p:cond delay="0"/>
+                                          </p:stCondLst>
+                                        </p:cTn>
+                                        <p:tgtEl>
+                                          <p:spTgt spid="1068"/>
+                                        </p:tgtEl>
+                                        <p:attrNameLst>
+                                          <p:attrName>style.visibility</p:attrName>
+                                        </p:attrNameLst>
+                                      </p:cBhvr>
+                                      <p:to>
+                                        <p:strVal val="visible"/>
+                                      </p:to>
+                                    </p:set>
+                                  </p:childTnLst>
+                                </p:cTn>
+                              </p:par>
+                            </p:childTnLst>
+                          </p:cTn>
+                        </p:par>
+                      </p:childTnLst>
+                    </p:cTn>
+                  </p:par>
+                  <p:par>
+                    <p:cTn id="71" fill="hold">
+                      <p:stCondLst>
+                        <p:cond delay="indefinite"/>
+                      </p:stCondLst>
+                      <p:childTnLst>
+                        <p:par>
+                          <p:cTn id="72" fill="hold">
+                            <p:stCondLst>
+                              <p:cond delay="0"/>
+                            </p:stCondLst>
+                            <p:childTnLst>
+                              <p:par>
+                                <p:cTn id="73" presetID="1" presetClass="entr" presetSubtype="0" fill="hold" grpId="0" nodeType="clickEffect">
+                                  <p:stCondLst>
+                                    <p:cond delay="0"/>
+                                  </p:stCondLst>
+                                  <p:childTnLst>
+                                    <p:set>
+                                      <p:cBhvr>
+                                        <p:cTn id="74" dur="1" fill="hold">
+                                          <p:stCondLst>
+                                            <p:cond delay="0"/>
+                                          </p:stCondLst>
+                                        </p:cTn>
+                                        <p:tgtEl>
+                                          <p:spTgt spid="1069"/>
+                                        </p:tgtEl>
+                                        <p:attrNameLst>
+                                          <p:attrName>style.visibility</p:attrName>
+                                        </p:attrNameLst>
+                                      </p:cBhvr>
+                                      <p:to>
+                                        <p:strVal val="visible"/>
+                                      </p:to>
+                                    </p:set>
+                                  </p:childTnLst>
+                                </p:cTn>
+                              </p:par>
+                            </p:childTnLst>
+                          </p:cTn>
+                        </p:par>
+                      </p:childTnLst>
+                    </p:cTn>
+                  </p:par>
+                </p:childTnLst>
+              </p:cTn>
+              <p:prevCondLst>
+                <p:cond evt="onPrev" delay="0">
+                  <p:tgtEl>
+                    <p:sldTgt/>
+                  </p:tgtEl>
+                </p:cond>
+              </p:prevCondLst>
+              <p:nextCondLst>
+                <p:cond evt="onNext" delay="0">
+                  <p:tgtEl>
+                    <p:sldTgt/>
+                  </p:tgtEl>
+                </p:cond>
+              </p:nextCondLst>
+            </p:seq>
+          </p:childTnLst>
+        </p:cTn>
+      </p:par>
+    </p:tnLst>
+    <p:bldLst>
+      <p:bldP spid="22" grpId="0" animBg="1"/>
+      <p:bldP spid="31" grpId="0"/>
+      <p:bldP spid="1024" grpId="0"/>
+      <p:bldP spid="1025" grpId="0"/>
+      <p:bldP spid="1026" grpId="0"/>
+      <p:bldP spid="1035" grpId="0"/>
+      <p:bldP spid="1068" grpId="0" animBg="1"/>
+      <p:bldP spid="1069" grpId="0" animBg="1"/>
+      <p:bldP spid="11" grpId="0" animBg="1"/>
+      <p:bldP spid="13" grpId="0" animBg="1"/>
+      <p:bldP spid="15" grpId="0" animBg="1"/>
+      <p:bldP spid="16" grpId="0" animBg="1"/>
+      <p:bldP spid="17" grpId="0" animBg="1"/>
+    </p:bldLst>
+  </p:timing>
 </p:sld>
 </file>
 
